--- a/Presentation.pptx
+++ b/Presentation.pptx
@@ -10,9 +10,11 @@
     <p:sldId id="257" r:id="rId4"/>
     <p:sldId id="260" r:id="rId5"/>
     <p:sldId id="262" r:id="rId6"/>
-    <p:sldId id="261" r:id="rId7"/>
-    <p:sldId id="263" r:id="rId8"/>
-    <p:sldId id="259" r:id="rId9"/>
+    <p:sldId id="265" r:id="rId7"/>
+    <p:sldId id="264" r:id="rId8"/>
+    <p:sldId id="261" r:id="rId9"/>
+    <p:sldId id="263" r:id="rId10"/>
+    <p:sldId id="259" r:id="rId11"/>
   </p:sldIdLst>
   <p:sldSz cx="12192000" cy="6858000"/>
   <p:notesSz cx="6858000" cy="9144000"/>
@@ -111,6 +113,29 @@
       </a:defRPr>
     </a:lvl9pPr>
   </p:defaultTextStyle>
+  <p:extLst>
+    <p:ext uri="{521415D9-36F7-43E2-AB2F-B90AF26B5E84}">
+      <p14:sectionLst xmlns:p14="http://schemas.microsoft.com/office/powerpoint/2010/main">
+        <p14:section name="Default Section" id="{DD5307BF-C712-914B-8142-C50BD2A6323E}">
+          <p14:sldIdLst>
+            <p14:sldId id="256"/>
+            <p14:sldId id="258"/>
+            <p14:sldId id="257"/>
+            <p14:sldId id="260"/>
+            <p14:sldId id="262"/>
+            <p14:sldId id="265"/>
+            <p14:sldId id="264"/>
+            <p14:sldId id="261"/>
+            <p14:sldId id="263"/>
+            <p14:sldId id="259"/>
+          </p14:sldIdLst>
+        </p14:section>
+        <p14:section name="Pipeline" id="{C32284C8-BCB6-D64E-99B2-12EB62CDFCF4}">
+          <p14:sldIdLst/>
+        </p14:section>
+      </p14:sectionLst>
+    </p:ext>
+  </p:extLst>
 </p:presentation>
 </file>
 
@@ -8072,6 +8097,310 @@
 </p:sld>
 </file>
 
+<file path=ppt/slides/slide10.xml><?xml version="1.0" encoding="utf-8"?>
+<p:sld xmlns:a="http://schemas.openxmlformats.org/drawingml/2006/main" xmlns:r="http://schemas.openxmlformats.org/officeDocument/2006/relationships" xmlns:p="http://schemas.openxmlformats.org/presentationml/2006/main">
+  <p:cSld>
+    <p:spTree>
+      <p:nvGrpSpPr>
+        <p:cNvPr id="1" name=""/>
+        <p:cNvGrpSpPr/>
+        <p:nvPr/>
+      </p:nvGrpSpPr>
+      <p:grpSpPr>
+        <a:xfrm>
+          <a:off x="0" y="0"/>
+          <a:ext cx="0" cy="0"/>
+          <a:chOff x="0" y="0"/>
+          <a:chExt cx="0" cy="0"/>
+        </a:xfrm>
+      </p:grpSpPr>
+      <p:sp>
+        <p:nvSpPr>
+          <p:cNvPr id="2" name="Title 1">
+            <a:extLst>
+              <a:ext uri="{FF2B5EF4-FFF2-40B4-BE49-F238E27FC236}">
+                <a16:creationId xmlns:a16="http://schemas.microsoft.com/office/drawing/2014/main" id="{0A3F13E1-FBC2-8129-4193-6EAC1898ECEB}"/>
+              </a:ext>
+            </a:extLst>
+          </p:cNvPr>
+          <p:cNvSpPr>
+            <a:spLocks noGrp="1"/>
+          </p:cNvSpPr>
+          <p:nvPr>
+            <p:ph type="title"/>
+          </p:nvPr>
+        </p:nvSpPr>
+        <p:spPr/>
+        <p:txBody>
+          <a:bodyPr/>
+          <a:lstStyle/>
+          <a:p>
+            <a:r>
+              <a:rPr lang="en-US" dirty="0"/>
+              <a:t>Classification problem/model</a:t>
+            </a:r>
+          </a:p>
+        </p:txBody>
+      </p:sp>
+      <p:sp>
+        <p:nvSpPr>
+          <p:cNvPr id="3" name="Content Placeholder 2">
+            <a:extLst>
+              <a:ext uri="{FF2B5EF4-FFF2-40B4-BE49-F238E27FC236}">
+                <a16:creationId xmlns:a16="http://schemas.microsoft.com/office/drawing/2014/main" id="{22259D3C-32FB-1EDC-BE2D-6EAAD7F244FF}"/>
+              </a:ext>
+            </a:extLst>
+          </p:cNvPr>
+          <p:cNvSpPr>
+            <a:spLocks noGrp="1"/>
+          </p:cNvSpPr>
+          <p:nvPr>
+            <p:ph sz="half" idx="1"/>
+          </p:nvPr>
+        </p:nvSpPr>
+        <p:spPr>
+          <a:xfrm>
+            <a:off x="1371600" y="2112265"/>
+            <a:ext cx="4846320" cy="3959352"/>
+          </a:xfrm>
+        </p:spPr>
+        <p:txBody>
+          <a:bodyPr>
+            <a:normAutofit fontScale="85000" lnSpcReduction="10000"/>
+          </a:bodyPr>
+          <a:lstStyle/>
+          <a:p>
+            <a:pPr algn="just">
+              <a:lnSpc>
+                <a:spcPct val="160000"/>
+              </a:lnSpc>
+            </a:pPr>
+            <a:r>
+              <a:rPr lang="en-US" dirty="0"/>
+              <a:t>Baseline model 1</a:t>
+            </a:r>
+          </a:p>
+          <a:p>
+            <a:pPr algn="just">
+              <a:lnSpc>
+                <a:spcPct val="160000"/>
+              </a:lnSpc>
+            </a:pPr>
+            <a:r>
+              <a:rPr lang="en-US" dirty="0"/>
+              <a:t>Logistic Regressor</a:t>
+            </a:r>
+          </a:p>
+          <a:p>
+            <a:pPr marL="0" indent="0" algn="just">
+              <a:lnSpc>
+                <a:spcPct val="160000"/>
+              </a:lnSpc>
+              <a:buNone/>
+            </a:pPr>
+            <a:r>
+              <a:rPr lang="en-US" i="1" dirty="0"/>
+              <a:t>Evaluation metrics</a:t>
+            </a:r>
+          </a:p>
+          <a:p>
+            <a:pPr marL="0" indent="0" algn="just">
+              <a:lnSpc>
+                <a:spcPct val="160000"/>
+              </a:lnSpc>
+              <a:buNone/>
+            </a:pPr>
+            <a:r>
+              <a:rPr lang="en-CA" b="0" i="0" dirty="0">
+                <a:effectLst/>
+                <a:highlight>
+                  <a:srgbClr val="FFFF00"/>
+                </a:highlight>
+              </a:rPr>
+              <a:t>Accuracy: 0.7218543046357616</a:t>
+            </a:r>
+          </a:p>
+          <a:p>
+            <a:pPr marL="0" indent="0" algn="just">
+              <a:lnSpc>
+                <a:spcPct val="160000"/>
+              </a:lnSpc>
+              <a:buNone/>
+            </a:pPr>
+            <a:r>
+              <a:rPr lang="en-CA" b="0" i="0" dirty="0">
+                <a:effectLst/>
+              </a:rPr>
+              <a:t>Precision: 0.7043478260869566 </a:t>
+            </a:r>
+          </a:p>
+          <a:p>
+            <a:pPr marL="0" indent="0" algn="just">
+              <a:lnSpc>
+                <a:spcPct val="160000"/>
+              </a:lnSpc>
+              <a:buNone/>
+            </a:pPr>
+            <a:r>
+              <a:rPr lang="en-CA" b="0" i="0" dirty="0">
+                <a:effectLst/>
+              </a:rPr>
+              <a:t>Recall: 0.9101123595505618 </a:t>
+            </a:r>
+          </a:p>
+          <a:p>
+            <a:pPr marL="0" indent="0" algn="just">
+              <a:lnSpc>
+                <a:spcPct val="160000"/>
+              </a:lnSpc>
+              <a:buNone/>
+            </a:pPr>
+            <a:r>
+              <a:rPr lang="en-CA" b="0" i="0" dirty="0">
+                <a:effectLst/>
+              </a:rPr>
+              <a:t>F1-score: 0.7941176470588236</a:t>
+            </a:r>
+            <a:endParaRPr lang="en-US" dirty="0"/>
+          </a:p>
+        </p:txBody>
+      </p:sp>
+      <p:sp>
+        <p:nvSpPr>
+          <p:cNvPr id="4" name="Content Placeholder 3">
+            <a:extLst>
+              <a:ext uri="{FF2B5EF4-FFF2-40B4-BE49-F238E27FC236}">
+                <a16:creationId xmlns:a16="http://schemas.microsoft.com/office/drawing/2014/main" id="{94D0BA7E-AF13-72EA-A7FA-F041FBDAD482}"/>
+              </a:ext>
+            </a:extLst>
+          </p:cNvPr>
+          <p:cNvSpPr>
+            <a:spLocks noGrp="1"/>
+          </p:cNvSpPr>
+          <p:nvPr>
+            <p:ph sz="half" idx="2"/>
+          </p:nvPr>
+        </p:nvSpPr>
+        <p:spPr>
+          <a:xfrm>
+            <a:off x="6604514" y="2112266"/>
+            <a:ext cx="4846320" cy="3959351"/>
+          </a:xfrm>
+        </p:spPr>
+        <p:txBody>
+          <a:bodyPr>
+            <a:normAutofit fontScale="85000" lnSpcReduction="10000"/>
+          </a:bodyPr>
+          <a:lstStyle/>
+          <a:p>
+            <a:pPr algn="just">
+              <a:lnSpc>
+                <a:spcPct val="160000"/>
+              </a:lnSpc>
+            </a:pPr>
+            <a:r>
+              <a:rPr lang="en-US" dirty="0"/>
+              <a:t>Baseline model 2</a:t>
+            </a:r>
+          </a:p>
+          <a:p>
+            <a:pPr algn="just">
+              <a:lnSpc>
+                <a:spcPct val="160000"/>
+              </a:lnSpc>
+            </a:pPr>
+            <a:r>
+              <a:rPr lang="en-US" dirty="0"/>
+              <a:t>Random Forest</a:t>
+            </a:r>
+          </a:p>
+          <a:p>
+            <a:pPr marL="0" indent="0" algn="just">
+              <a:lnSpc>
+                <a:spcPct val="160000"/>
+              </a:lnSpc>
+              <a:buNone/>
+            </a:pPr>
+            <a:r>
+              <a:rPr lang="en-US" i="1" dirty="0"/>
+              <a:t>Evaluation metrics</a:t>
+            </a:r>
+          </a:p>
+          <a:p>
+            <a:pPr marL="0" indent="0" algn="just">
+              <a:lnSpc>
+                <a:spcPct val="160000"/>
+              </a:lnSpc>
+              <a:buNone/>
+            </a:pPr>
+            <a:r>
+              <a:rPr lang="en-CA" b="0" i="0" dirty="0">
+                <a:effectLst/>
+                <a:highlight>
+                  <a:srgbClr val="FFFF00"/>
+                </a:highlight>
+              </a:rPr>
+              <a:t>Accuracy: 0.6754966887417219</a:t>
+            </a:r>
+          </a:p>
+          <a:p>
+            <a:pPr marL="0" indent="0" algn="just">
+              <a:lnSpc>
+                <a:spcPct val="160000"/>
+              </a:lnSpc>
+              <a:buNone/>
+            </a:pPr>
+            <a:r>
+              <a:rPr lang="en-CA" b="0" i="0" dirty="0">
+                <a:effectLst/>
+              </a:rPr>
+              <a:t>Precision: 0.6694915254237288</a:t>
+            </a:r>
+          </a:p>
+          <a:p>
+            <a:pPr marL="0" indent="0" algn="just">
+              <a:lnSpc>
+                <a:spcPct val="160000"/>
+              </a:lnSpc>
+              <a:buNone/>
+            </a:pPr>
+            <a:r>
+              <a:rPr lang="en-CA" b="0" i="0" dirty="0">
+                <a:effectLst/>
+              </a:rPr>
+              <a:t>Recall: 0.8876404494382022</a:t>
+            </a:r>
+          </a:p>
+          <a:p>
+            <a:pPr marL="0" indent="0" algn="just">
+              <a:lnSpc>
+                <a:spcPct val="160000"/>
+              </a:lnSpc>
+              <a:buNone/>
+            </a:pPr>
+            <a:r>
+              <a:rPr lang="en-CA" b="0" i="0" dirty="0">
+                <a:effectLst/>
+              </a:rPr>
+              <a:t>F1-score: 0.7632850241545893</a:t>
+            </a:r>
+            <a:endParaRPr lang="en-US" dirty="0"/>
+          </a:p>
+        </p:txBody>
+      </p:sp>
+    </p:spTree>
+    <p:extLst>
+      <p:ext uri="{BB962C8B-B14F-4D97-AF65-F5344CB8AC3E}">
+        <p14:creationId xmlns:p14="http://schemas.microsoft.com/office/powerpoint/2010/main" val="323434526"/>
+      </p:ext>
+    </p:extLst>
+  </p:cSld>
+  <p:clrMapOvr>
+    <a:masterClrMapping/>
+  </p:clrMapOvr>
+</p:sld>
+</file>
+
 <file path=ppt/slides/slide2.xml><?xml version="1.0" encoding="utf-8"?>
 <p:sld xmlns:a="http://schemas.openxmlformats.org/drawingml/2006/main" xmlns:r="http://schemas.openxmlformats.org/officeDocument/2006/relationships" xmlns:p="http://schemas.openxmlformats.org/presentationml/2006/main">
   <p:cSld>
@@ -8967,6 +9296,14 @@
 <file path=ppt/slides/slide6.xml><?xml version="1.0" encoding="utf-8"?>
 <p:sld xmlns:a="http://schemas.openxmlformats.org/drawingml/2006/main" xmlns:r="http://schemas.openxmlformats.org/officeDocument/2006/relationships" xmlns:p="http://schemas.openxmlformats.org/presentationml/2006/main">
   <p:cSld>
+    <p:bg>
+      <p:bgPr>
+        <a:solidFill>
+          <a:schemeClr val="bg1"/>
+        </a:solidFill>
+        <a:effectLst/>
+      </p:bgPr>
+    </p:bg>
     <p:spTree>
       <p:nvGrpSpPr>
         <p:cNvPr id="1" name=""/>
@@ -8983,10 +9320,236 @@
       </p:grpSpPr>
       <p:sp>
         <p:nvSpPr>
-          <p:cNvPr id="2" name="Title 1">
-            <a:extLst>
-              <a:ext uri="{FF2B5EF4-FFF2-40B4-BE49-F238E27FC236}">
-                <a16:creationId xmlns:a16="http://schemas.microsoft.com/office/drawing/2014/main" id="{5A94E3A4-FAAF-A502-8265-B2AE97300322}"/>
+          <p:cNvPr id="27" name="Rectangle 10">
+            <a:extLst>
+              <a:ext uri="{FF2B5EF4-FFF2-40B4-BE49-F238E27FC236}">
+                <a16:creationId xmlns:a16="http://schemas.microsoft.com/office/drawing/2014/main" id="{BD4C0BBB-0042-4603-A226-6117F3FD5B3C}"/>
+              </a:ext>
+              <a:ext uri="{C183D7F6-B498-43B3-948B-1728B52AA6E4}">
+                <adec:decorative xmlns:adec="http://schemas.microsoft.com/office/drawing/2017/decorative" val="1"/>
+              </a:ext>
+            </a:extLst>
+          </p:cNvPr>
+          <p:cNvSpPr>
+            <a:spLocks noGrp="1" noRot="1" noChangeAspect="1" noMove="1" noResize="1" noEditPoints="1" noAdjustHandles="1" noChangeArrowheads="1" noChangeShapeType="1" noTextEdit="1"/>
+          </p:cNvSpPr>
+          <p:nvPr>
+            <p:extLst>
+              <p:ext uri="{386F3935-93C4-4BCD-93E2-E3B085C9AB24}">
+                <p16:designElem xmlns:p16="http://schemas.microsoft.com/office/powerpoint/2015/main" val="1"/>
+              </p:ext>
+            </p:extLst>
+          </p:nvPr>
+        </p:nvSpPr>
+        <p:spPr>
+          <a:xfrm rot="10800000" flipH="1">
+            <a:off x="0" y="6400799"/>
+            <a:ext cx="12192000" cy="456773"/>
+          </a:xfrm>
+          <a:prstGeom prst="rect">
+            <a:avLst/>
+          </a:prstGeom>
+          <a:gradFill>
+            <a:gsLst>
+              <a:gs pos="14000">
+                <a:schemeClr val="accent4">
+                  <a:alpha val="28000"/>
+                </a:schemeClr>
+              </a:gs>
+              <a:gs pos="100000">
+                <a:schemeClr val="accent5">
+                  <a:alpha val="85000"/>
+                </a:schemeClr>
+              </a:gs>
+            </a:gsLst>
+            <a:lin ang="6000000" scaled="0"/>
+          </a:gradFill>
+          <a:ln>
+            <a:noFill/>
+          </a:ln>
+        </p:spPr>
+        <p:style>
+          <a:lnRef idx="2">
+            <a:schemeClr val="accent1">
+              <a:shade val="50000"/>
+            </a:schemeClr>
+          </a:lnRef>
+          <a:fillRef idx="1">
+            <a:schemeClr val="accent1"/>
+          </a:fillRef>
+          <a:effectRef idx="0">
+            <a:schemeClr val="accent1"/>
+          </a:effectRef>
+          <a:fontRef idx="minor">
+            <a:schemeClr val="lt1"/>
+          </a:fontRef>
+        </p:style>
+        <p:txBody>
+          <a:bodyPr rtlCol="0" anchor="ctr"/>
+          <a:lstStyle/>
+          <a:p>
+            <a:pPr algn="ctr"/>
+            <a:endParaRPr lang="en-US"/>
+          </a:p>
+        </p:txBody>
+      </p:sp>
+      <p:sp>
+        <p:nvSpPr>
+          <p:cNvPr id="28" name="Rectangle 12">
+            <a:extLst>
+              <a:ext uri="{FF2B5EF4-FFF2-40B4-BE49-F238E27FC236}">
+                <a16:creationId xmlns:a16="http://schemas.microsoft.com/office/drawing/2014/main" id="{EC44F520-2598-460E-9F91-B02F60830CA2}"/>
+              </a:ext>
+              <a:ext uri="{C183D7F6-B498-43B3-948B-1728B52AA6E4}">
+                <adec:decorative xmlns:adec="http://schemas.microsoft.com/office/drawing/2017/decorative" val="1"/>
+              </a:ext>
+            </a:extLst>
+          </p:cNvPr>
+          <p:cNvSpPr>
+            <a:spLocks noGrp="1" noRot="1" noChangeAspect="1" noMove="1" noResize="1" noEditPoints="1" noAdjustHandles="1" noChangeArrowheads="1" noChangeShapeType="1" noTextEdit="1"/>
+          </p:cNvSpPr>
+          <p:nvPr>
+            <p:extLst>
+              <p:ext uri="{386F3935-93C4-4BCD-93E2-E3B085C9AB24}">
+                <p16:designElem xmlns:p16="http://schemas.microsoft.com/office/powerpoint/2015/main" val="1"/>
+              </p:ext>
+            </p:extLst>
+          </p:nvPr>
+        </p:nvSpPr>
+        <p:spPr>
+          <a:xfrm flipH="1">
+            <a:off x="4038600" y="6400799"/>
+            <a:ext cx="8153398" cy="456772"/>
+          </a:xfrm>
+          <a:prstGeom prst="rect">
+            <a:avLst/>
+          </a:prstGeom>
+          <a:gradFill>
+            <a:gsLst>
+              <a:gs pos="9000">
+                <a:schemeClr val="accent2">
+                  <a:lumMod val="60000"/>
+                  <a:lumOff val="40000"/>
+                  <a:alpha val="55000"/>
+                </a:schemeClr>
+              </a:gs>
+              <a:gs pos="99000">
+                <a:schemeClr val="accent2"/>
+              </a:gs>
+            </a:gsLst>
+            <a:lin ang="14400000" scaled="0"/>
+          </a:gradFill>
+          <a:ln>
+            <a:noFill/>
+          </a:ln>
+        </p:spPr>
+        <p:style>
+          <a:lnRef idx="2">
+            <a:schemeClr val="accent1">
+              <a:shade val="50000"/>
+            </a:schemeClr>
+          </a:lnRef>
+          <a:fillRef idx="1">
+            <a:schemeClr val="accent1"/>
+          </a:fillRef>
+          <a:effectRef idx="0">
+            <a:schemeClr val="accent1"/>
+          </a:effectRef>
+          <a:fontRef idx="minor">
+            <a:schemeClr val="lt1"/>
+          </a:fontRef>
+        </p:style>
+        <p:txBody>
+          <a:bodyPr rtlCol="0" anchor="ctr"/>
+          <a:lstStyle/>
+          <a:p>
+            <a:pPr algn="ctr"/>
+            <a:endParaRPr lang="en-US"/>
+          </a:p>
+        </p:txBody>
+      </p:sp>
+      <p:sp useBgFill="1">
+        <p:nvSpPr>
+          <p:cNvPr id="29" name="Rectangle 14">
+            <a:extLst>
+              <a:ext uri="{FF2B5EF4-FFF2-40B4-BE49-F238E27FC236}">
+                <a16:creationId xmlns:a16="http://schemas.microsoft.com/office/drawing/2014/main" id="{2F23DF24-8E9A-4AD0-93DF-A82A41666725}"/>
+              </a:ext>
+              <a:ext uri="{C183D7F6-B498-43B3-948B-1728B52AA6E4}">
+                <adec:decorative xmlns:adec="http://schemas.microsoft.com/office/drawing/2017/decorative" val="1"/>
+              </a:ext>
+            </a:extLst>
+          </p:cNvPr>
+          <p:cNvSpPr>
+            <a:spLocks noGrp="1" noRot="1" noChangeAspect="1" noMove="1" noResize="1" noEditPoints="1" noAdjustHandles="1" noChangeArrowheads="1" noChangeShapeType="1" noTextEdit="1"/>
+          </p:cNvSpPr>
+          <p:nvPr>
+            <p:extLst>
+              <p:ext uri="{386F3935-93C4-4BCD-93E2-E3B085C9AB24}">
+                <p16:designElem xmlns:p16="http://schemas.microsoft.com/office/powerpoint/2015/main" val="1"/>
+              </p:ext>
+            </p:extLst>
+          </p:nvPr>
+        </p:nvSpPr>
+        <p:spPr>
+          <a:xfrm>
+            <a:off x="0" y="0"/>
+            <a:ext cx="12192000" cy="6858000"/>
+          </a:xfrm>
+          <a:prstGeom prst="rect">
+            <a:avLst/>
+          </a:prstGeom>
+          <a:ln w="12700" cap="flat" cmpd="sng" algn="ctr">
+            <a:noFill/>
+            <a:prstDash val="solid"/>
+            <a:miter lim="800000"/>
+          </a:ln>
+          <a:effectLst/>
+          <a:extLst>
+            <a:ext uri="{91240B29-F687-4F45-9708-019B960494DF}">
+              <a14:hiddenLine xmlns:a14="http://schemas.microsoft.com/office/drawing/2010/main" w="12700" cap="flat" cmpd="sng" algn="ctr">
+                <a:solidFill>
+                  <a:schemeClr val="accent1">
+                    <a:shade val="50000"/>
+                  </a:schemeClr>
+                </a:solidFill>
+                <a:prstDash val="solid"/>
+                <a:miter lim="800000"/>
+              </a14:hiddenLine>
+            </a:ext>
+          </a:extLst>
+        </p:spPr>
+        <p:style>
+          <a:lnRef idx="2">
+            <a:schemeClr val="accent1">
+              <a:shade val="50000"/>
+            </a:schemeClr>
+          </a:lnRef>
+          <a:fillRef idx="1">
+            <a:schemeClr val="accent1"/>
+          </a:fillRef>
+          <a:effectRef idx="0">
+            <a:schemeClr val="accent1"/>
+          </a:effectRef>
+          <a:fontRef idx="minor">
+            <a:schemeClr val="lt1"/>
+          </a:fontRef>
+        </p:style>
+        <p:txBody>
+          <a:bodyPr rtlCol="0" anchor="ctr"/>
+          <a:lstStyle/>
+          <a:p>
+            <a:pPr algn="ctr"/>
+            <a:endParaRPr lang="en-US"/>
+          </a:p>
+        </p:txBody>
+      </p:sp>
+      <p:sp>
+        <p:nvSpPr>
+          <p:cNvPr id="5" name="Title 4">
+            <a:extLst>
+              <a:ext uri="{FF2B5EF4-FFF2-40B4-BE49-F238E27FC236}">
+                <a16:creationId xmlns:a16="http://schemas.microsoft.com/office/drawing/2014/main" id="{42B0CFE3-D8D9-7B24-218A-3F616E9BD697}"/>
               </a:ext>
             </a:extLst>
           </p:cNvPr>
@@ -8997,13 +9560,21 @@
             <p:ph type="title"/>
           </p:nvPr>
         </p:nvSpPr>
-        <p:spPr/>
+        <p:spPr>
+          <a:xfrm>
+            <a:off x="6633768" y="3968153"/>
+            <a:ext cx="4978735" cy="1995326"/>
+          </a:xfrm>
+        </p:spPr>
         <p:txBody>
-          <a:bodyPr/>
+          <a:bodyPr vert="horz" lIns="0" tIns="0" rIns="0" bIns="0" rtlCol="0" anchor="b">
+            <a:normAutofit/>
+          </a:bodyPr>
           <a:lstStyle/>
           <a:p>
+            <a:pPr algn="r"/>
             <a:r>
-              <a:rPr lang="en-US" dirty="0"/>
+              <a:rPr lang="en-US" sz="3600" dirty="0"/>
               <a:t>Hypothesis test</a:t>
             </a:r>
           </a:p>
@@ -9011,10 +9582,312 @@
       </p:sp>
       <p:sp>
         <p:nvSpPr>
-          <p:cNvPr id="3" name="Content Placeholder 2">
-            <a:extLst>
-              <a:ext uri="{FF2B5EF4-FFF2-40B4-BE49-F238E27FC236}">
-                <a16:creationId xmlns:a16="http://schemas.microsoft.com/office/drawing/2014/main" id="{03AA7B49-7088-E09B-860C-DC98EE5D77C9}"/>
+          <p:cNvPr id="30" name="Rectangle 16">
+            <a:extLst>
+              <a:ext uri="{FF2B5EF4-FFF2-40B4-BE49-F238E27FC236}">
+                <a16:creationId xmlns:a16="http://schemas.microsoft.com/office/drawing/2014/main" id="{E728B9D0-05A6-4333-BB22-46585AA7706F}"/>
+              </a:ext>
+              <a:ext uri="{C183D7F6-B498-43B3-948B-1728B52AA6E4}">
+                <adec:decorative xmlns:adec="http://schemas.microsoft.com/office/drawing/2017/decorative" val="1"/>
+              </a:ext>
+            </a:extLst>
+          </p:cNvPr>
+          <p:cNvSpPr>
+            <a:spLocks noGrp="1" noRot="1" noChangeAspect="1" noMove="1" noResize="1" noEditPoints="1" noAdjustHandles="1" noChangeArrowheads="1" noChangeShapeType="1" noTextEdit="1"/>
+          </p:cNvSpPr>
+          <p:nvPr>
+            <p:extLst>
+              <p:ext uri="{386F3935-93C4-4BCD-93E2-E3B085C9AB24}">
+                <p16:designElem xmlns:p16="http://schemas.microsoft.com/office/powerpoint/2015/main" val="1"/>
+              </p:ext>
+            </p:extLst>
+          </p:nvPr>
+        </p:nvSpPr>
+        <p:spPr>
+          <a:xfrm flipH="1">
+            <a:off x="-2" y="0"/>
+            <a:ext cx="6096000" cy="6858000"/>
+          </a:xfrm>
+          <a:prstGeom prst="rect">
+            <a:avLst/>
+          </a:prstGeom>
+          <a:gradFill>
+            <a:gsLst>
+              <a:gs pos="8000">
+                <a:schemeClr val="accent6"/>
+              </a:gs>
+              <a:gs pos="100000">
+                <a:schemeClr val="accent5">
+                  <a:alpha val="89000"/>
+                </a:schemeClr>
+              </a:gs>
+            </a:gsLst>
+            <a:lin ang="2400000" scaled="0"/>
+          </a:gradFill>
+          <a:ln>
+            <a:noFill/>
+          </a:ln>
+        </p:spPr>
+        <p:style>
+          <a:lnRef idx="2">
+            <a:schemeClr val="accent1">
+              <a:shade val="50000"/>
+            </a:schemeClr>
+          </a:lnRef>
+          <a:fillRef idx="1">
+            <a:schemeClr val="accent1"/>
+          </a:fillRef>
+          <a:effectRef idx="0">
+            <a:schemeClr val="accent1"/>
+          </a:effectRef>
+          <a:fontRef idx="minor">
+            <a:schemeClr val="lt1"/>
+          </a:fontRef>
+        </p:style>
+        <p:txBody>
+          <a:bodyPr rtlCol="0" anchor="ctr"/>
+          <a:lstStyle/>
+          <a:p>
+            <a:pPr algn="ctr"/>
+            <a:endParaRPr lang="en-US"/>
+          </a:p>
+        </p:txBody>
+      </p:sp>
+      <p:sp>
+        <p:nvSpPr>
+          <p:cNvPr id="31" name="Rectangle 18">
+            <a:extLst>
+              <a:ext uri="{FF2B5EF4-FFF2-40B4-BE49-F238E27FC236}">
+                <a16:creationId xmlns:a16="http://schemas.microsoft.com/office/drawing/2014/main" id="{E2BACE5B-B094-444A-A9B3-E31F591F377F}"/>
+              </a:ext>
+              <a:ext uri="{C183D7F6-B498-43B3-948B-1728B52AA6E4}">
+                <adec:decorative xmlns:adec="http://schemas.microsoft.com/office/drawing/2017/decorative" val="1"/>
+              </a:ext>
+            </a:extLst>
+          </p:cNvPr>
+          <p:cNvSpPr>
+            <a:spLocks noGrp="1" noRot="1" noChangeAspect="1" noMove="1" noResize="1" noEditPoints="1" noAdjustHandles="1" noChangeArrowheads="1" noChangeShapeType="1" noTextEdit="1"/>
+          </p:cNvSpPr>
+          <p:nvPr>
+            <p:extLst>
+              <p:ext uri="{386F3935-93C4-4BCD-93E2-E3B085C9AB24}">
+                <p16:designElem xmlns:p16="http://schemas.microsoft.com/office/powerpoint/2015/main" val="1"/>
+              </p:ext>
+            </p:extLst>
+          </p:nvPr>
+        </p:nvSpPr>
+        <p:spPr>
+          <a:xfrm flipH="1">
+            <a:off x="0" y="17416"/>
+            <a:ext cx="4038600" cy="6840156"/>
+          </a:xfrm>
+          <a:prstGeom prst="rect">
+            <a:avLst/>
+          </a:prstGeom>
+          <a:gradFill>
+            <a:gsLst>
+              <a:gs pos="22000">
+                <a:schemeClr val="accent5">
+                  <a:lumMod val="60000"/>
+                  <a:lumOff val="40000"/>
+                  <a:alpha val="0"/>
+                </a:schemeClr>
+              </a:gs>
+              <a:gs pos="99000">
+                <a:schemeClr val="accent2">
+                  <a:alpha val="92000"/>
+                </a:schemeClr>
+              </a:gs>
+            </a:gsLst>
+            <a:lin ang="4200000" scaled="0"/>
+          </a:gradFill>
+          <a:ln>
+            <a:noFill/>
+          </a:ln>
+        </p:spPr>
+        <p:style>
+          <a:lnRef idx="2">
+            <a:schemeClr val="accent1">
+              <a:shade val="50000"/>
+            </a:schemeClr>
+          </a:lnRef>
+          <a:fillRef idx="1">
+            <a:schemeClr val="accent1"/>
+          </a:fillRef>
+          <a:effectRef idx="0">
+            <a:schemeClr val="accent1"/>
+          </a:effectRef>
+          <a:fontRef idx="minor">
+            <a:schemeClr val="lt1"/>
+          </a:fontRef>
+        </p:style>
+        <p:txBody>
+          <a:bodyPr rtlCol="0" anchor="ctr"/>
+          <a:lstStyle/>
+          <a:p>
+            <a:pPr algn="ctr"/>
+            <a:endParaRPr lang="en-US"/>
+          </a:p>
+        </p:txBody>
+      </p:sp>
+      <p:sp>
+        <p:nvSpPr>
+          <p:cNvPr id="32" name="Rectangle 20">
+            <a:extLst>
+              <a:ext uri="{FF2B5EF4-FFF2-40B4-BE49-F238E27FC236}">
+                <a16:creationId xmlns:a16="http://schemas.microsoft.com/office/drawing/2014/main" id="{AF8B47F9-648C-4086-8D7A-EA234E2EE800}"/>
+              </a:ext>
+              <a:ext uri="{C183D7F6-B498-43B3-948B-1728B52AA6E4}">
+                <adec:decorative xmlns:adec="http://schemas.microsoft.com/office/drawing/2017/decorative" val="1"/>
+              </a:ext>
+            </a:extLst>
+          </p:cNvPr>
+          <p:cNvSpPr>
+            <a:spLocks noGrp="1" noRot="1" noChangeAspect="1" noMove="1" noResize="1" noEditPoints="1" noAdjustHandles="1" noChangeArrowheads="1" noChangeShapeType="1" noTextEdit="1"/>
+          </p:cNvSpPr>
+          <p:nvPr>
+            <p:extLst>
+              <p:ext uri="{386F3935-93C4-4BCD-93E2-E3B085C9AB24}">
+                <p16:designElem xmlns:p16="http://schemas.microsoft.com/office/powerpoint/2015/main" val="1"/>
+              </p:ext>
+            </p:extLst>
+          </p:nvPr>
+        </p:nvSpPr>
+        <p:spPr>
+          <a:xfrm rot="5400000" flipH="1">
+            <a:off x="-129604" y="614984"/>
+            <a:ext cx="6812404" cy="5638799"/>
+          </a:xfrm>
+          <a:prstGeom prst="rect">
+            <a:avLst/>
+          </a:prstGeom>
+          <a:gradFill>
+            <a:gsLst>
+              <a:gs pos="2000">
+                <a:schemeClr val="accent5">
+                  <a:alpha val="19000"/>
+                </a:schemeClr>
+              </a:gs>
+              <a:gs pos="100000">
+                <a:schemeClr val="accent4">
+                  <a:alpha val="0"/>
+                </a:schemeClr>
+              </a:gs>
+            </a:gsLst>
+            <a:lin ang="21594000" scaled="0"/>
+          </a:gradFill>
+          <a:ln>
+            <a:noFill/>
+          </a:ln>
+        </p:spPr>
+        <p:style>
+          <a:lnRef idx="2">
+            <a:schemeClr val="accent1">
+              <a:shade val="50000"/>
+            </a:schemeClr>
+          </a:lnRef>
+          <a:fillRef idx="1">
+            <a:schemeClr val="accent1"/>
+          </a:fillRef>
+          <a:effectRef idx="0">
+            <a:schemeClr val="accent1"/>
+          </a:effectRef>
+          <a:fontRef idx="minor">
+            <a:schemeClr val="lt1"/>
+          </a:fontRef>
+        </p:style>
+        <p:txBody>
+          <a:bodyPr rtlCol="0" anchor="ctr"/>
+          <a:lstStyle/>
+          <a:p>
+            <a:pPr algn="ctr"/>
+            <a:endParaRPr lang="en-US"/>
+          </a:p>
+        </p:txBody>
+      </p:sp>
+      <p:sp>
+        <p:nvSpPr>
+          <p:cNvPr id="33" name="Oval 22">
+            <a:extLst>
+              <a:ext uri="{FF2B5EF4-FFF2-40B4-BE49-F238E27FC236}">
+                <a16:creationId xmlns:a16="http://schemas.microsoft.com/office/drawing/2014/main" id="{48844505-07B5-4F60-8809-3CA2D031ED6F}"/>
+              </a:ext>
+              <a:ext uri="{C183D7F6-B498-43B3-948B-1728B52AA6E4}">
+                <adec:decorative xmlns:adec="http://schemas.microsoft.com/office/drawing/2017/decorative" val="1"/>
+              </a:ext>
+            </a:extLst>
+          </p:cNvPr>
+          <p:cNvSpPr>
+            <a:spLocks noGrp="1" noRot="1" noChangeAspect="1" noMove="1" noResize="1" noEditPoints="1" noAdjustHandles="1" noChangeArrowheads="1" noChangeShapeType="1" noTextEdit="1"/>
+          </p:cNvSpPr>
+          <p:nvPr>
+            <p:extLst>
+              <p:ext uri="{386F3935-93C4-4BCD-93E2-E3B085C9AB24}">
+                <p16:designElem xmlns:p16="http://schemas.microsoft.com/office/powerpoint/2015/main" val="1"/>
+              </p:ext>
+            </p:extLst>
+          </p:nvPr>
+        </p:nvSpPr>
+        <p:spPr>
+          <a:xfrm rot="12508972">
+            <a:off x="652110" y="716188"/>
+            <a:ext cx="5005754" cy="5005754"/>
+          </a:xfrm>
+          <a:prstGeom prst="ellipse">
+            <a:avLst/>
+          </a:prstGeom>
+          <a:gradFill>
+            <a:gsLst>
+              <a:gs pos="31000">
+                <a:schemeClr val="accent6">
+                  <a:alpha val="0"/>
+                </a:schemeClr>
+              </a:gs>
+              <a:gs pos="85000">
+                <a:schemeClr val="accent6">
+                  <a:lumMod val="60000"/>
+                  <a:lumOff val="40000"/>
+                  <a:alpha val="23000"/>
+                </a:schemeClr>
+              </a:gs>
+            </a:gsLst>
+            <a:lin ang="11400000" scaled="0"/>
+          </a:gradFill>
+          <a:ln>
+            <a:noFill/>
+          </a:ln>
+        </p:spPr>
+        <p:style>
+          <a:lnRef idx="2">
+            <a:schemeClr val="accent1">
+              <a:shade val="50000"/>
+            </a:schemeClr>
+          </a:lnRef>
+          <a:fillRef idx="1">
+            <a:schemeClr val="accent1"/>
+          </a:fillRef>
+          <a:effectRef idx="0">
+            <a:schemeClr val="accent1"/>
+          </a:effectRef>
+          <a:fontRef idx="minor">
+            <a:schemeClr val="lt1"/>
+          </a:fontRef>
+        </p:style>
+        <p:txBody>
+          <a:bodyPr rtlCol="0" anchor="ctr"/>
+          <a:lstStyle/>
+          <a:p>
+            <a:pPr algn="ctr"/>
+            <a:endParaRPr lang="en-US" dirty="0"/>
+          </a:p>
+        </p:txBody>
+      </p:sp>
+      <p:sp>
+        <p:nvSpPr>
+          <p:cNvPr id="6" name="Text Placeholder 5">
+            <a:extLst>
+              <a:ext uri="{FF2B5EF4-FFF2-40B4-BE49-F238E27FC236}">
+                <a16:creationId xmlns:a16="http://schemas.microsoft.com/office/drawing/2014/main" id="{D2BAF2B7-65F3-925B-1B3C-BE3B305954F5}"/>
               </a:ext>
             </a:extLst>
           </p:cNvPr>
@@ -9022,15 +9895,948 @@
             <a:spLocks noGrp="1"/>
           </p:cNvSpPr>
           <p:nvPr>
-            <p:ph idx="1"/>
+            <p:ph type="body" idx="1"/>
           </p:nvPr>
         </p:nvSpPr>
-        <p:spPr/>
+        <p:spPr>
+          <a:xfrm>
+            <a:off x="6548528" y="2177143"/>
+            <a:ext cx="5073272" cy="1480457"/>
+          </a:xfrm>
+        </p:spPr>
         <p:txBody>
-          <a:bodyPr/>
+          <a:bodyPr vert="horz" lIns="0" tIns="0" rIns="0" bIns="0" rtlCol="0" anchor="b">
+            <a:normAutofit/>
+          </a:bodyPr>
           <a:lstStyle/>
           <a:p>
+            <a:pPr algn="ctr">
+              <a:lnSpc>
+                <a:spcPct val="150000"/>
+              </a:lnSpc>
+            </a:pPr>
+            <a:r>
+              <a:rPr lang="en-US" sz="1200" b="1" dirty="0"/>
+              <a:t>1. Loan amount status approval 2. average of loan amount requested</a:t>
+            </a:r>
+          </a:p>
+        </p:txBody>
+      </p:sp>
+    </p:spTree>
+    <p:extLst>
+      <p:ext uri="{BB962C8B-B14F-4D97-AF65-F5344CB8AC3E}">
+        <p14:creationId xmlns:p14="http://schemas.microsoft.com/office/powerpoint/2010/main" val="1861636386"/>
+      </p:ext>
+    </p:extLst>
+  </p:cSld>
+  <p:clrMapOvr>
+    <a:masterClrMapping/>
+  </p:clrMapOvr>
+</p:sld>
+</file>
+
+<file path=ppt/slides/slide7.xml><?xml version="1.0" encoding="utf-8"?>
+<p:sld xmlns:a="http://schemas.openxmlformats.org/drawingml/2006/main" xmlns:r="http://schemas.openxmlformats.org/officeDocument/2006/relationships" xmlns:p="http://schemas.openxmlformats.org/presentationml/2006/main">
+  <p:cSld>
+    <p:bg>
+      <p:bgPr>
+        <a:solidFill>
+          <a:schemeClr val="bg1"/>
+        </a:solidFill>
+        <a:effectLst/>
+      </p:bgPr>
+    </p:bg>
+    <p:spTree>
+      <p:nvGrpSpPr>
+        <p:cNvPr id="1" name=""/>
+        <p:cNvGrpSpPr/>
+        <p:nvPr/>
+      </p:nvGrpSpPr>
+      <p:grpSpPr>
+        <a:xfrm>
+          <a:off x="0" y="0"/>
+          <a:ext cx="0" cy="0"/>
+          <a:chOff x="0" y="0"/>
+          <a:chExt cx="0" cy="0"/>
+        </a:xfrm>
+      </p:grpSpPr>
+      <p:sp>
+        <p:nvSpPr>
+          <p:cNvPr id="25" name="Rectangle 10">
+            <a:extLst>
+              <a:ext uri="{FF2B5EF4-FFF2-40B4-BE49-F238E27FC236}">
+                <a16:creationId xmlns:a16="http://schemas.microsoft.com/office/drawing/2014/main" id="{BD4C0BBB-0042-4603-A226-6117F3FD5B3C}"/>
+              </a:ext>
+              <a:ext uri="{C183D7F6-B498-43B3-948B-1728B52AA6E4}">
+                <adec:decorative xmlns:adec="http://schemas.microsoft.com/office/drawing/2017/decorative" val="1"/>
+              </a:ext>
+            </a:extLst>
+          </p:cNvPr>
+          <p:cNvSpPr>
+            <a:spLocks noGrp="1" noRot="1" noChangeAspect="1" noMove="1" noResize="1" noEditPoints="1" noAdjustHandles="1" noChangeArrowheads="1" noChangeShapeType="1" noTextEdit="1"/>
+          </p:cNvSpPr>
+          <p:nvPr>
+            <p:extLst>
+              <p:ext uri="{386F3935-93C4-4BCD-93E2-E3B085C9AB24}">
+                <p16:designElem xmlns:p16="http://schemas.microsoft.com/office/powerpoint/2015/main" val="1"/>
+              </p:ext>
+            </p:extLst>
+          </p:nvPr>
+        </p:nvSpPr>
+        <p:spPr>
+          <a:xfrm rot="10800000" flipH="1">
+            <a:off x="0" y="6400799"/>
+            <a:ext cx="12192000" cy="456773"/>
+          </a:xfrm>
+          <a:prstGeom prst="rect">
+            <a:avLst/>
+          </a:prstGeom>
+          <a:gradFill>
+            <a:gsLst>
+              <a:gs pos="14000">
+                <a:schemeClr val="accent4">
+                  <a:alpha val="28000"/>
+                </a:schemeClr>
+              </a:gs>
+              <a:gs pos="100000">
+                <a:schemeClr val="accent5">
+                  <a:alpha val="85000"/>
+                </a:schemeClr>
+              </a:gs>
+            </a:gsLst>
+            <a:lin ang="6000000" scaled="0"/>
+          </a:gradFill>
+          <a:ln>
+            <a:noFill/>
+          </a:ln>
+        </p:spPr>
+        <p:style>
+          <a:lnRef idx="2">
+            <a:schemeClr val="accent1">
+              <a:shade val="50000"/>
+            </a:schemeClr>
+          </a:lnRef>
+          <a:fillRef idx="1">
+            <a:schemeClr val="accent1"/>
+          </a:fillRef>
+          <a:effectRef idx="0">
+            <a:schemeClr val="accent1"/>
+          </a:effectRef>
+          <a:fontRef idx="minor">
+            <a:schemeClr val="lt1"/>
+          </a:fontRef>
+        </p:style>
+        <p:txBody>
+          <a:bodyPr rtlCol="0" anchor="ctr"/>
+          <a:lstStyle/>
+          <a:p>
+            <a:pPr algn="ctr"/>
             <a:endParaRPr lang="en-US"/>
+          </a:p>
+        </p:txBody>
+      </p:sp>
+      <p:sp>
+        <p:nvSpPr>
+          <p:cNvPr id="26" name="Rectangle 12">
+            <a:extLst>
+              <a:ext uri="{FF2B5EF4-FFF2-40B4-BE49-F238E27FC236}">
+                <a16:creationId xmlns:a16="http://schemas.microsoft.com/office/drawing/2014/main" id="{EC44F520-2598-460E-9F91-B02F60830CA2}"/>
+              </a:ext>
+              <a:ext uri="{C183D7F6-B498-43B3-948B-1728B52AA6E4}">
+                <adec:decorative xmlns:adec="http://schemas.microsoft.com/office/drawing/2017/decorative" val="1"/>
+              </a:ext>
+            </a:extLst>
+          </p:cNvPr>
+          <p:cNvSpPr>
+            <a:spLocks noGrp="1" noRot="1" noChangeAspect="1" noMove="1" noResize="1" noEditPoints="1" noAdjustHandles="1" noChangeArrowheads="1" noChangeShapeType="1" noTextEdit="1"/>
+          </p:cNvSpPr>
+          <p:nvPr>
+            <p:extLst>
+              <p:ext uri="{386F3935-93C4-4BCD-93E2-E3B085C9AB24}">
+                <p16:designElem xmlns:p16="http://schemas.microsoft.com/office/powerpoint/2015/main" val="1"/>
+              </p:ext>
+            </p:extLst>
+          </p:nvPr>
+        </p:nvSpPr>
+        <p:spPr>
+          <a:xfrm flipH="1">
+            <a:off x="4038600" y="6400799"/>
+            <a:ext cx="8153398" cy="456772"/>
+          </a:xfrm>
+          <a:prstGeom prst="rect">
+            <a:avLst/>
+          </a:prstGeom>
+          <a:gradFill>
+            <a:gsLst>
+              <a:gs pos="9000">
+                <a:schemeClr val="accent2">
+                  <a:lumMod val="60000"/>
+                  <a:lumOff val="40000"/>
+                  <a:alpha val="55000"/>
+                </a:schemeClr>
+              </a:gs>
+              <a:gs pos="99000">
+                <a:schemeClr val="accent2"/>
+              </a:gs>
+            </a:gsLst>
+            <a:lin ang="14400000" scaled="0"/>
+          </a:gradFill>
+          <a:ln>
+            <a:noFill/>
+          </a:ln>
+        </p:spPr>
+        <p:style>
+          <a:lnRef idx="2">
+            <a:schemeClr val="accent1">
+              <a:shade val="50000"/>
+            </a:schemeClr>
+          </a:lnRef>
+          <a:fillRef idx="1">
+            <a:schemeClr val="accent1"/>
+          </a:fillRef>
+          <a:effectRef idx="0">
+            <a:schemeClr val="accent1"/>
+          </a:effectRef>
+          <a:fontRef idx="minor">
+            <a:schemeClr val="lt1"/>
+          </a:fontRef>
+        </p:style>
+        <p:txBody>
+          <a:bodyPr rtlCol="0" anchor="ctr"/>
+          <a:lstStyle/>
+          <a:p>
+            <a:pPr algn="ctr"/>
+            <a:endParaRPr lang="en-US"/>
+          </a:p>
+        </p:txBody>
+      </p:sp>
+      <p:sp useBgFill="1">
+        <p:nvSpPr>
+          <p:cNvPr id="27" name="Rectangle 14">
+            <a:extLst>
+              <a:ext uri="{FF2B5EF4-FFF2-40B4-BE49-F238E27FC236}">
+                <a16:creationId xmlns:a16="http://schemas.microsoft.com/office/drawing/2014/main" id="{315596D0-7A93-45AB-A289-2A2B141E0BBF}"/>
+              </a:ext>
+              <a:ext uri="{C183D7F6-B498-43B3-948B-1728B52AA6E4}">
+                <adec:decorative xmlns:adec="http://schemas.microsoft.com/office/drawing/2017/decorative" val="1"/>
+              </a:ext>
+            </a:extLst>
+          </p:cNvPr>
+          <p:cNvSpPr>
+            <a:spLocks noGrp="1" noRot="1" noChangeAspect="1" noMove="1" noResize="1" noEditPoints="1" noAdjustHandles="1" noChangeArrowheads="1" noChangeShapeType="1" noTextEdit="1"/>
+          </p:cNvSpPr>
+          <p:nvPr>
+            <p:extLst>
+              <p:ext uri="{386F3935-93C4-4BCD-93E2-E3B085C9AB24}">
+                <p16:designElem xmlns:p16="http://schemas.microsoft.com/office/powerpoint/2015/main" val="1"/>
+              </p:ext>
+            </p:extLst>
+          </p:nvPr>
+        </p:nvSpPr>
+        <p:spPr>
+          <a:xfrm>
+            <a:off x="0" y="0"/>
+            <a:ext cx="12192000" cy="6858000"/>
+          </a:xfrm>
+          <a:prstGeom prst="rect">
+            <a:avLst/>
+          </a:prstGeom>
+          <a:ln w="12700" cap="flat" cmpd="sng" algn="ctr">
+            <a:noFill/>
+            <a:prstDash val="solid"/>
+            <a:miter lim="800000"/>
+          </a:ln>
+          <a:effectLst/>
+          <a:extLst>
+            <a:ext uri="{91240B29-F687-4F45-9708-019B960494DF}">
+              <a14:hiddenLine xmlns:a14="http://schemas.microsoft.com/office/drawing/2010/main" w="12700" cap="flat" cmpd="sng" algn="ctr">
+                <a:solidFill>
+                  <a:schemeClr val="accent1">
+                    <a:shade val="50000"/>
+                  </a:schemeClr>
+                </a:solidFill>
+                <a:prstDash val="solid"/>
+                <a:miter lim="800000"/>
+              </a14:hiddenLine>
+            </a:ext>
+          </a:extLst>
+        </p:spPr>
+        <p:style>
+          <a:lnRef idx="2">
+            <a:schemeClr val="accent1">
+              <a:shade val="50000"/>
+            </a:schemeClr>
+          </a:lnRef>
+          <a:fillRef idx="1">
+            <a:schemeClr val="accent1"/>
+          </a:fillRef>
+          <a:effectRef idx="0">
+            <a:schemeClr val="accent1"/>
+          </a:effectRef>
+          <a:fontRef idx="minor">
+            <a:schemeClr val="lt1"/>
+          </a:fontRef>
+        </p:style>
+        <p:txBody>
+          <a:bodyPr rtlCol="0" anchor="ctr"/>
+          <a:lstStyle/>
+          <a:p>
+            <a:pPr algn="ctr"/>
+            <a:endParaRPr lang="en-US"/>
+          </a:p>
+        </p:txBody>
+      </p:sp>
+      <p:sp>
+        <p:nvSpPr>
+          <p:cNvPr id="28" name="Rectangle 16">
+            <a:extLst>
+              <a:ext uri="{FF2B5EF4-FFF2-40B4-BE49-F238E27FC236}">
+                <a16:creationId xmlns:a16="http://schemas.microsoft.com/office/drawing/2014/main" id="{A90F64BE-B6DF-4D20-9A3E-DAD003896C0E}"/>
+              </a:ext>
+              <a:ext uri="{C183D7F6-B498-43B3-948B-1728B52AA6E4}">
+                <adec:decorative xmlns:adec="http://schemas.microsoft.com/office/drawing/2017/decorative" val="1"/>
+              </a:ext>
+            </a:extLst>
+          </p:cNvPr>
+          <p:cNvSpPr>
+            <a:spLocks noGrp="1" noRot="1" noChangeAspect="1" noMove="1" noResize="1" noEditPoints="1" noAdjustHandles="1" noChangeArrowheads="1" noChangeShapeType="1" noTextEdit="1"/>
+          </p:cNvSpPr>
+          <p:nvPr>
+            <p:extLst>
+              <p:ext uri="{386F3935-93C4-4BCD-93E2-E3B085C9AB24}">
+                <p16:designElem xmlns:p16="http://schemas.microsoft.com/office/powerpoint/2015/main" val="1"/>
+              </p:ext>
+            </p:extLst>
+          </p:nvPr>
+        </p:nvSpPr>
+        <p:spPr>
+          <a:xfrm>
+            <a:off x="-1" y="-8890"/>
+            <a:ext cx="4038601" cy="6866462"/>
+          </a:xfrm>
+          <a:prstGeom prst="rect">
+            <a:avLst/>
+          </a:prstGeom>
+          <a:gradFill>
+            <a:gsLst>
+              <a:gs pos="0">
+                <a:schemeClr val="accent5"/>
+              </a:gs>
+              <a:gs pos="100000">
+                <a:schemeClr val="accent4">
+                  <a:alpha val="55000"/>
+                </a:schemeClr>
+              </a:gs>
+            </a:gsLst>
+            <a:lin ang="18000000" scaled="0"/>
+          </a:gradFill>
+          <a:ln>
+            <a:noFill/>
+          </a:ln>
+        </p:spPr>
+        <p:style>
+          <a:lnRef idx="2">
+            <a:schemeClr val="accent1">
+              <a:shade val="50000"/>
+            </a:schemeClr>
+          </a:lnRef>
+          <a:fillRef idx="1">
+            <a:schemeClr val="accent1"/>
+          </a:fillRef>
+          <a:effectRef idx="0">
+            <a:schemeClr val="accent1"/>
+          </a:effectRef>
+          <a:fontRef idx="minor">
+            <a:schemeClr val="lt1"/>
+          </a:fontRef>
+        </p:style>
+        <p:txBody>
+          <a:bodyPr rtlCol="0" anchor="ctr"/>
+          <a:lstStyle/>
+          <a:p>
+            <a:pPr algn="ctr"/>
+            <a:endParaRPr lang="en-US"/>
+          </a:p>
+        </p:txBody>
+      </p:sp>
+      <p:sp>
+        <p:nvSpPr>
+          <p:cNvPr id="29" name="Rectangle 18">
+            <a:extLst>
+              <a:ext uri="{FF2B5EF4-FFF2-40B4-BE49-F238E27FC236}">
+                <a16:creationId xmlns:a16="http://schemas.microsoft.com/office/drawing/2014/main" id="{3299ACA5-1949-4821-8FA4-95A78A2097AE}"/>
+              </a:ext>
+              <a:ext uri="{C183D7F6-B498-43B3-948B-1728B52AA6E4}">
+                <adec:decorative xmlns:adec="http://schemas.microsoft.com/office/drawing/2017/decorative" val="1"/>
+              </a:ext>
+            </a:extLst>
+          </p:cNvPr>
+          <p:cNvSpPr>
+            <a:spLocks noGrp="1" noRot="1" noChangeAspect="1" noMove="1" noResize="1" noEditPoints="1" noAdjustHandles="1" noChangeArrowheads="1" noChangeShapeType="1" noTextEdit="1"/>
+          </p:cNvSpPr>
+          <p:nvPr>
+            <p:extLst>
+              <p:ext uri="{386F3935-93C4-4BCD-93E2-E3B085C9AB24}">
+                <p16:designElem xmlns:p16="http://schemas.microsoft.com/office/powerpoint/2015/main" val="1"/>
+              </p:ext>
+            </p:extLst>
+          </p:nvPr>
+        </p:nvSpPr>
+        <p:spPr>
+          <a:xfrm rot="16200000" flipH="1">
+            <a:off x="-1185328" y="1633640"/>
+            <a:ext cx="6866462" cy="3581401"/>
+          </a:xfrm>
+          <a:prstGeom prst="rect">
+            <a:avLst/>
+          </a:prstGeom>
+          <a:gradFill>
+            <a:gsLst>
+              <a:gs pos="0">
+                <a:schemeClr val="accent2"/>
+              </a:gs>
+              <a:gs pos="100000">
+                <a:schemeClr val="accent5">
+                  <a:alpha val="13000"/>
+                </a:schemeClr>
+              </a:gs>
+            </a:gsLst>
+            <a:lin ang="13800000" scaled="0"/>
+          </a:gradFill>
+          <a:ln>
+            <a:noFill/>
+          </a:ln>
+        </p:spPr>
+        <p:style>
+          <a:lnRef idx="2">
+            <a:schemeClr val="accent1">
+              <a:shade val="50000"/>
+            </a:schemeClr>
+          </a:lnRef>
+          <a:fillRef idx="1">
+            <a:schemeClr val="accent1"/>
+          </a:fillRef>
+          <a:effectRef idx="0">
+            <a:schemeClr val="accent1"/>
+          </a:effectRef>
+          <a:fontRef idx="minor">
+            <a:schemeClr val="lt1"/>
+          </a:fontRef>
+        </p:style>
+        <p:txBody>
+          <a:bodyPr rtlCol="0" anchor="ctr"/>
+          <a:lstStyle/>
+          <a:p>
+            <a:pPr algn="ctr"/>
+            <a:endParaRPr lang="en-US" dirty="0"/>
+          </a:p>
+        </p:txBody>
+      </p:sp>
+      <p:sp>
+        <p:nvSpPr>
+          <p:cNvPr id="30" name="Rectangle 20">
+            <a:extLst>
+              <a:ext uri="{FF2B5EF4-FFF2-40B4-BE49-F238E27FC236}">
+                <a16:creationId xmlns:a16="http://schemas.microsoft.com/office/drawing/2014/main" id="{85559C2F-075A-49B7-8935-4591245136E5}"/>
+              </a:ext>
+              <a:ext uri="{C183D7F6-B498-43B3-948B-1728B52AA6E4}">
+                <adec:decorative xmlns:adec="http://schemas.microsoft.com/office/drawing/2017/decorative" val="1"/>
+              </a:ext>
+            </a:extLst>
+          </p:cNvPr>
+          <p:cNvSpPr>
+            <a:spLocks noGrp="1" noRot="1" noChangeAspect="1" noMove="1" noResize="1" noEditPoints="1" noAdjustHandles="1" noChangeArrowheads="1" noChangeShapeType="1" noTextEdit="1"/>
+          </p:cNvSpPr>
+          <p:nvPr>
+            <p:extLst>
+              <p:ext uri="{386F3935-93C4-4BCD-93E2-E3B085C9AB24}">
+                <p16:designElem xmlns:p16="http://schemas.microsoft.com/office/powerpoint/2015/main" val="1"/>
+              </p:ext>
+            </p:extLst>
+          </p:nvPr>
+        </p:nvSpPr>
+        <p:spPr>
+          <a:xfrm>
+            <a:off x="0" y="2232044"/>
+            <a:ext cx="4038600" cy="4634418"/>
+          </a:xfrm>
+          <a:prstGeom prst="rect">
+            <a:avLst/>
+          </a:prstGeom>
+          <a:gradFill>
+            <a:gsLst>
+              <a:gs pos="0">
+                <a:schemeClr val="accent5">
+                  <a:alpha val="36000"/>
+                </a:schemeClr>
+              </a:gs>
+              <a:gs pos="67000">
+                <a:schemeClr val="accent5">
+                  <a:alpha val="0"/>
+                </a:schemeClr>
+              </a:gs>
+            </a:gsLst>
+            <a:lin ang="2400000" scaled="0"/>
+          </a:gradFill>
+          <a:ln>
+            <a:noFill/>
+          </a:ln>
+        </p:spPr>
+        <p:style>
+          <a:lnRef idx="2">
+            <a:schemeClr val="accent1">
+              <a:shade val="50000"/>
+            </a:schemeClr>
+          </a:lnRef>
+          <a:fillRef idx="1">
+            <a:schemeClr val="accent1"/>
+          </a:fillRef>
+          <a:effectRef idx="0">
+            <a:schemeClr val="accent1"/>
+          </a:effectRef>
+          <a:fontRef idx="minor">
+            <a:schemeClr val="lt1"/>
+          </a:fontRef>
+        </p:style>
+        <p:txBody>
+          <a:bodyPr rtlCol="0" anchor="ctr"/>
+          <a:lstStyle/>
+          <a:p>
+            <a:pPr algn="ctr"/>
+            <a:endParaRPr lang="en-US" dirty="0"/>
+          </a:p>
+        </p:txBody>
+      </p:sp>
+      <p:sp>
+        <p:nvSpPr>
+          <p:cNvPr id="2" name="Title 1">
+            <a:extLst>
+              <a:ext uri="{FF2B5EF4-FFF2-40B4-BE49-F238E27FC236}">
+                <a16:creationId xmlns:a16="http://schemas.microsoft.com/office/drawing/2014/main" id="{609F77FC-504E-9CE2-B050-D6788F462AC0}"/>
+              </a:ext>
+            </a:extLst>
+          </p:cNvPr>
+          <p:cNvSpPr>
+            <a:spLocks noGrp="1"/>
+          </p:cNvSpPr>
+          <p:nvPr>
+            <p:ph type="title"/>
+          </p:nvPr>
+        </p:nvSpPr>
+        <p:spPr>
+          <a:xfrm>
+            <a:off x="347241" y="2463419"/>
+            <a:ext cx="3331624" cy="3936952"/>
+          </a:xfrm>
+        </p:spPr>
+        <p:txBody>
+          <a:bodyPr vert="horz" lIns="0" tIns="0" rIns="0" bIns="0" rtlCol="0" anchor="t">
+            <a:normAutofit/>
+          </a:bodyPr>
+          <a:lstStyle/>
+          <a:p>
+            <a:pPr algn="ctr"/>
+            <a:r>
+              <a:rPr lang="en-US" sz="3200" spc="750" dirty="0">
+                <a:solidFill>
+                  <a:schemeClr val="bg1"/>
+                </a:solidFill>
+              </a:rPr>
+              <a:t>Income by education</a:t>
+            </a:r>
+            <a:br>
+              <a:rPr lang="en-US" sz="3200" spc="750" dirty="0">
+                <a:solidFill>
+                  <a:schemeClr val="bg1"/>
+                </a:solidFill>
+              </a:rPr>
+            </a:br>
+            <a:br>
+              <a:rPr lang="en-US" sz="3200" spc="750" dirty="0">
+                <a:solidFill>
+                  <a:schemeClr val="bg1"/>
+                </a:solidFill>
+              </a:rPr>
+            </a:br>
+            <a:r>
+              <a:rPr lang="en-US" sz="1600" b="0" spc="750" dirty="0">
+                <a:solidFill>
+                  <a:schemeClr val="bg1"/>
+                </a:solidFill>
+              </a:rPr>
+              <a:t>group of applicants and co-applicants who have High income are also graduated.</a:t>
+            </a:r>
+            <a:br>
+              <a:rPr lang="en-US" sz="1600" b="0" i="1" spc="750" dirty="0">
+                <a:solidFill>
+                  <a:schemeClr val="bg1"/>
+                </a:solidFill>
+              </a:rPr>
+            </a:br>
+            <a:endParaRPr lang="en-US" sz="1600" b="0" i="1" spc="750" dirty="0">
+              <a:solidFill>
+                <a:schemeClr val="bg1"/>
+              </a:solidFill>
+            </a:endParaRPr>
+          </a:p>
+        </p:txBody>
+      </p:sp>
+      <p:pic>
+        <p:nvPicPr>
+          <p:cNvPr id="5" name="Picture 4" descr="Chart, radar chart&#10;&#10;Description automatically generated">
+            <a:extLst>
+              <a:ext uri="{FF2B5EF4-FFF2-40B4-BE49-F238E27FC236}">
+                <a16:creationId xmlns:a16="http://schemas.microsoft.com/office/drawing/2014/main" id="{FFC856EC-1C64-C767-974A-B53557FB7A87}"/>
+              </a:ext>
+            </a:extLst>
+          </p:cNvPr>
+          <p:cNvPicPr>
+            <a:picLocks noChangeAspect="1"/>
+          </p:cNvPicPr>
+          <p:nvPr/>
+        </p:nvPicPr>
+        <p:blipFill>
+          <a:blip r:embed="rId2"/>
+          <a:stretch>
+            <a:fillRect/>
+          </a:stretch>
+        </p:blipFill>
+        <p:spPr>
+          <a:xfrm>
+            <a:off x="4788090" y="1761402"/>
+            <a:ext cx="3147409" cy="3339426"/>
+          </a:xfrm>
+          <a:prstGeom prst="rect">
+            <a:avLst/>
+          </a:prstGeom>
+        </p:spPr>
+      </p:pic>
+      <p:pic>
+        <p:nvPicPr>
+          <p:cNvPr id="6" name="Picture 5" descr="Diagram&#10;&#10;Description automatically generated">
+            <a:extLst>
+              <a:ext uri="{FF2B5EF4-FFF2-40B4-BE49-F238E27FC236}">
+                <a16:creationId xmlns:a16="http://schemas.microsoft.com/office/drawing/2014/main" id="{10DB4394-703E-C7F9-B741-61B0A6B09DDA}"/>
+              </a:ext>
+            </a:extLst>
+          </p:cNvPr>
+          <p:cNvPicPr>
+            <a:picLocks noChangeAspect="1"/>
+          </p:cNvPicPr>
+          <p:nvPr/>
+        </p:nvPicPr>
+        <p:blipFill>
+          <a:blip r:embed="rId3"/>
+          <a:stretch>
+            <a:fillRect/>
+          </a:stretch>
+        </p:blipFill>
+        <p:spPr>
+          <a:xfrm>
+            <a:off x="8260974" y="1778371"/>
+            <a:ext cx="3181533" cy="3305488"/>
+          </a:xfrm>
+          <a:prstGeom prst="rect">
+            <a:avLst/>
+          </a:prstGeom>
+        </p:spPr>
+      </p:pic>
+    </p:spTree>
+    <p:extLst>
+      <p:ext uri="{BB962C8B-B14F-4D97-AF65-F5344CB8AC3E}">
+        <p14:creationId xmlns:p14="http://schemas.microsoft.com/office/powerpoint/2010/main" val="809840982"/>
+      </p:ext>
+    </p:extLst>
+  </p:cSld>
+  <p:clrMapOvr>
+    <a:masterClrMapping/>
+  </p:clrMapOvr>
+</p:sld>
+</file>
+
+<file path=ppt/slides/slide8.xml><?xml version="1.0" encoding="utf-8"?>
+<p:sld xmlns:a="http://schemas.openxmlformats.org/drawingml/2006/main" xmlns:r="http://schemas.openxmlformats.org/officeDocument/2006/relationships" xmlns:p="http://schemas.openxmlformats.org/presentationml/2006/main">
+  <p:cSld>
+    <p:bg>
+      <p:bgPr>
+        <a:solidFill>
+          <a:schemeClr val="bg1"/>
+        </a:solidFill>
+        <a:effectLst/>
+      </p:bgPr>
+    </p:bg>
+    <p:spTree>
+      <p:nvGrpSpPr>
+        <p:cNvPr id="1" name=""/>
+        <p:cNvGrpSpPr/>
+        <p:nvPr/>
+      </p:nvGrpSpPr>
+      <p:grpSpPr>
+        <a:xfrm>
+          <a:off x="0" y="0"/>
+          <a:ext cx="0" cy="0"/>
+          <a:chOff x="0" y="0"/>
+          <a:chExt cx="0" cy="0"/>
+        </a:xfrm>
+      </p:grpSpPr>
+      <p:sp>
+        <p:nvSpPr>
+          <p:cNvPr id="30" name="Rectangle 10">
+            <a:extLst>
+              <a:ext uri="{FF2B5EF4-FFF2-40B4-BE49-F238E27FC236}">
+                <a16:creationId xmlns:a16="http://schemas.microsoft.com/office/drawing/2014/main" id="{BD4C0BBB-0042-4603-A226-6117F3FD5B3C}"/>
+              </a:ext>
+              <a:ext uri="{C183D7F6-B498-43B3-948B-1728B52AA6E4}">
+                <adec:decorative xmlns:adec="http://schemas.microsoft.com/office/drawing/2017/decorative" val="1"/>
+              </a:ext>
+            </a:extLst>
+          </p:cNvPr>
+          <p:cNvSpPr>
+            <a:spLocks noGrp="1" noRot="1" noChangeAspect="1" noMove="1" noResize="1" noEditPoints="1" noAdjustHandles="1" noChangeArrowheads="1" noChangeShapeType="1" noTextEdit="1"/>
+          </p:cNvSpPr>
+          <p:nvPr>
+            <p:extLst>
+              <p:ext uri="{386F3935-93C4-4BCD-93E2-E3B085C9AB24}">
+                <p16:designElem xmlns:p16="http://schemas.microsoft.com/office/powerpoint/2015/main" val="1"/>
+              </p:ext>
+            </p:extLst>
+          </p:nvPr>
+        </p:nvSpPr>
+        <p:spPr>
+          <a:xfrm rot="10800000" flipH="1">
+            <a:off x="0" y="6400799"/>
+            <a:ext cx="12192000" cy="456773"/>
+          </a:xfrm>
+          <a:prstGeom prst="rect">
+            <a:avLst/>
+          </a:prstGeom>
+          <a:gradFill>
+            <a:gsLst>
+              <a:gs pos="14000">
+                <a:schemeClr val="accent4">
+                  <a:alpha val="28000"/>
+                </a:schemeClr>
+              </a:gs>
+              <a:gs pos="100000">
+                <a:schemeClr val="accent5">
+                  <a:alpha val="85000"/>
+                </a:schemeClr>
+              </a:gs>
+            </a:gsLst>
+            <a:lin ang="6000000" scaled="0"/>
+          </a:gradFill>
+          <a:ln>
+            <a:noFill/>
+          </a:ln>
+        </p:spPr>
+        <p:style>
+          <a:lnRef idx="2">
+            <a:schemeClr val="accent1">
+              <a:shade val="50000"/>
+            </a:schemeClr>
+          </a:lnRef>
+          <a:fillRef idx="1">
+            <a:schemeClr val="accent1"/>
+          </a:fillRef>
+          <a:effectRef idx="0">
+            <a:schemeClr val="accent1"/>
+          </a:effectRef>
+          <a:fontRef idx="minor">
+            <a:schemeClr val="lt1"/>
+          </a:fontRef>
+        </p:style>
+        <p:txBody>
+          <a:bodyPr rtlCol="0" anchor="ctr"/>
+          <a:lstStyle/>
+          <a:p>
+            <a:pPr algn="ctr"/>
+            <a:endParaRPr lang="en-US"/>
+          </a:p>
+        </p:txBody>
+      </p:sp>
+      <p:sp>
+        <p:nvSpPr>
+          <p:cNvPr id="31" name="Rectangle 12">
+            <a:extLst>
+              <a:ext uri="{FF2B5EF4-FFF2-40B4-BE49-F238E27FC236}">
+                <a16:creationId xmlns:a16="http://schemas.microsoft.com/office/drawing/2014/main" id="{EC44F520-2598-460E-9F91-B02F60830CA2}"/>
+              </a:ext>
+              <a:ext uri="{C183D7F6-B498-43B3-948B-1728B52AA6E4}">
+                <adec:decorative xmlns:adec="http://schemas.microsoft.com/office/drawing/2017/decorative" val="1"/>
+              </a:ext>
+            </a:extLst>
+          </p:cNvPr>
+          <p:cNvSpPr>
+            <a:spLocks noGrp="1" noRot="1" noChangeAspect="1" noMove="1" noResize="1" noEditPoints="1" noAdjustHandles="1" noChangeArrowheads="1" noChangeShapeType="1" noTextEdit="1"/>
+          </p:cNvSpPr>
+          <p:nvPr>
+            <p:extLst>
+              <p:ext uri="{386F3935-93C4-4BCD-93E2-E3B085C9AB24}">
+                <p16:designElem xmlns:p16="http://schemas.microsoft.com/office/powerpoint/2015/main" val="1"/>
+              </p:ext>
+            </p:extLst>
+          </p:nvPr>
+        </p:nvSpPr>
+        <p:spPr>
+          <a:xfrm flipH="1">
+            <a:off x="4038600" y="6400799"/>
+            <a:ext cx="8153398" cy="456772"/>
+          </a:xfrm>
+          <a:prstGeom prst="rect">
+            <a:avLst/>
+          </a:prstGeom>
+          <a:gradFill>
+            <a:gsLst>
+              <a:gs pos="9000">
+                <a:schemeClr val="accent2">
+                  <a:lumMod val="60000"/>
+                  <a:lumOff val="40000"/>
+                  <a:alpha val="55000"/>
+                </a:schemeClr>
+              </a:gs>
+              <a:gs pos="99000">
+                <a:schemeClr val="accent2"/>
+              </a:gs>
+            </a:gsLst>
+            <a:lin ang="14400000" scaled="0"/>
+          </a:gradFill>
+          <a:ln>
+            <a:noFill/>
+          </a:ln>
+        </p:spPr>
+        <p:style>
+          <a:lnRef idx="2">
+            <a:schemeClr val="accent1">
+              <a:shade val="50000"/>
+            </a:schemeClr>
+          </a:lnRef>
+          <a:fillRef idx="1">
+            <a:schemeClr val="accent1"/>
+          </a:fillRef>
+          <a:effectRef idx="0">
+            <a:schemeClr val="accent1"/>
+          </a:effectRef>
+          <a:fontRef idx="minor">
+            <a:schemeClr val="lt1"/>
+          </a:fontRef>
+        </p:style>
+        <p:txBody>
+          <a:bodyPr rtlCol="0" anchor="ctr"/>
+          <a:lstStyle/>
+          <a:p>
+            <a:pPr algn="ctr"/>
+            <a:endParaRPr lang="en-US"/>
+          </a:p>
+        </p:txBody>
+      </p:sp>
+      <p:sp useBgFill="1">
+        <p:nvSpPr>
+          <p:cNvPr id="32" name="Rectangle 14">
+            <a:extLst>
+              <a:ext uri="{FF2B5EF4-FFF2-40B4-BE49-F238E27FC236}">
+                <a16:creationId xmlns:a16="http://schemas.microsoft.com/office/drawing/2014/main" id="{9C53F8DC-E65E-42A4-ABA3-AB41274F30F8}"/>
+              </a:ext>
+              <a:ext uri="{C183D7F6-B498-43B3-948B-1728B52AA6E4}">
+                <adec:decorative xmlns:adec="http://schemas.microsoft.com/office/drawing/2017/decorative" val="1"/>
+              </a:ext>
+            </a:extLst>
+          </p:cNvPr>
+          <p:cNvSpPr>
+            <a:spLocks noGrp="1" noRot="1" noChangeAspect="1" noMove="1" noResize="1" noEditPoints="1" noAdjustHandles="1" noChangeArrowheads="1" noChangeShapeType="1" noTextEdit="1"/>
+          </p:cNvSpPr>
+          <p:nvPr>
+            <p:extLst>
+              <p:ext uri="{386F3935-93C4-4BCD-93E2-E3B085C9AB24}">
+                <p16:designElem xmlns:p16="http://schemas.microsoft.com/office/powerpoint/2015/main" val="1"/>
+              </p:ext>
+            </p:extLst>
+          </p:nvPr>
+        </p:nvSpPr>
+        <p:spPr>
+          <a:xfrm>
+            <a:off x="0" y="0"/>
+            <a:ext cx="12192000" cy="6858000"/>
+          </a:xfrm>
+          <a:prstGeom prst="rect">
+            <a:avLst/>
+          </a:prstGeom>
+          <a:ln w="12700" cap="flat" cmpd="sng" algn="ctr">
+            <a:noFill/>
+            <a:prstDash val="solid"/>
+            <a:miter lim="800000"/>
+          </a:ln>
+          <a:effectLst/>
+          <a:extLst>
+            <a:ext uri="{91240B29-F687-4F45-9708-019B960494DF}">
+              <a14:hiddenLine xmlns:a14="http://schemas.microsoft.com/office/drawing/2010/main" w="12700" cap="flat" cmpd="sng" algn="ctr">
+                <a:solidFill>
+                  <a:schemeClr val="accent1">
+                    <a:shade val="50000"/>
+                  </a:schemeClr>
+                </a:solidFill>
+                <a:prstDash val="solid"/>
+                <a:miter lim="800000"/>
+              </a14:hiddenLine>
+            </a:ext>
+          </a:extLst>
+        </p:spPr>
+        <p:style>
+          <a:lnRef idx="2">
+            <a:schemeClr val="accent1">
+              <a:shade val="50000"/>
+            </a:schemeClr>
+          </a:lnRef>
+          <a:fillRef idx="1">
+            <a:schemeClr val="accent1"/>
+          </a:fillRef>
+          <a:effectRef idx="0">
+            <a:schemeClr val="accent1"/>
+          </a:effectRef>
+          <a:fontRef idx="minor">
+            <a:schemeClr val="lt1"/>
+          </a:fontRef>
+        </p:style>
+        <p:txBody>
+          <a:bodyPr rtlCol="0" anchor="ctr"/>
+          <a:lstStyle/>
+          <a:p>
+            <a:pPr algn="ctr"/>
+            <a:endParaRPr lang="en-US"/>
+          </a:p>
+        </p:txBody>
+      </p:sp>
+      <p:sp>
+        <p:nvSpPr>
+          <p:cNvPr id="2" name="Title 1">
+            <a:extLst>
+              <a:ext uri="{FF2B5EF4-FFF2-40B4-BE49-F238E27FC236}">
+                <a16:creationId xmlns:a16="http://schemas.microsoft.com/office/drawing/2014/main" id="{5A94E3A4-FAAF-A502-8265-B2AE97300322}"/>
+              </a:ext>
+            </a:extLst>
+          </p:cNvPr>
+          <p:cNvSpPr>
+            <a:spLocks noGrp="1"/>
+          </p:cNvSpPr>
+          <p:nvPr>
+            <p:ph type="title"/>
+          </p:nvPr>
+        </p:nvSpPr>
+        <p:spPr>
+          <a:xfrm>
+            <a:off x="1022817" y="751949"/>
+            <a:ext cx="5524143" cy="1556725"/>
+          </a:xfrm>
+        </p:spPr>
+        <p:txBody>
+          <a:bodyPr vert="horz" lIns="0" tIns="0" rIns="0" bIns="0" rtlCol="0" anchor="b">
+            <a:normAutofit/>
+          </a:bodyPr>
+          <a:lstStyle/>
+          <a:p>
+            <a:r>
+              <a:rPr lang="en-US" sz="3600" dirty="0"/>
+              <a:t>Loan amount status</a:t>
+            </a:r>
           </a:p>
         </p:txBody>
       </p:sp>
@@ -9050,58 +10856,258 @@
             <p:ph type="body" sz="half" idx="2"/>
           </p:nvPr>
         </p:nvSpPr>
-        <p:spPr/>
+        <p:spPr>
+          <a:xfrm>
+            <a:off x="1118187" y="2980855"/>
+            <a:ext cx="4117430" cy="2979753"/>
+          </a:xfrm>
+        </p:spPr>
         <p:txBody>
-          <a:bodyPr>
-            <a:normAutofit fontScale="92500"/>
+          <a:bodyPr vert="horz" lIns="0" tIns="0" rIns="0" bIns="0" rtlCol="0">
+            <a:normAutofit/>
           </a:bodyPr>
           <a:lstStyle/>
           <a:p>
-            <a:pPr marL="342900" indent="-342900" algn="just">
-              <a:buFont typeface="+mj-lt"/>
-              <a:buAutoNum type="arabicPeriod"/>
+            <a:pPr indent="-228600" algn="just">
+              <a:buFont typeface="Arial" panose="020B0604020202020204" pitchFamily="34" charset="0"/>
+              <a:buChar char="•"/>
             </a:pPr>
             <a:r>
-              <a:rPr lang="en-US" dirty="0"/>
+              <a:rPr lang="en-US" sz="2000" dirty="0"/>
               <a:t>Group most likely to get the </a:t>
             </a:r>
             <a:r>
-              <a:rPr lang="en-US" b="1" dirty="0"/>
+              <a:rPr lang="en-US" sz="2000" b="1" dirty="0"/>
               <a:t>loan status approval</a:t>
             </a:r>
             <a:r>
-              <a:rPr lang="en-US" dirty="0"/>
-              <a:t>: male, with a high level of education, married (sum of applicant and co-applicant income together) and living in a semiurban area;</a:t>
+              <a:rPr lang="en-US" sz="2000" dirty="0"/>
+              <a:t>: male, with a high level of education, married (count of applicant and co-applicant income together) and living in a semiurban area.</a:t>
             </a:r>
           </a:p>
           <a:p>
-            <a:pPr marL="342900" indent="-342900" algn="just">
-              <a:buFont typeface="+mj-lt"/>
-              <a:buAutoNum type="arabicPeriod"/>
-            </a:pPr>
-            <a:r>
-              <a:rPr lang="en-US" dirty="0"/>
-              <a:t>As a curiosity, in regards of the group most likely to get a high </a:t>
-            </a:r>
-            <a:r>
-              <a:rPr lang="en-US" b="1" dirty="0"/>
-              <a:t>loan amount approval</a:t>
-            </a:r>
-            <a:r>
-              <a:rPr lang="en-US" dirty="0"/>
-              <a:t>, we have the same demographics, but we have basically a tie between female and male.</a:t>
-            </a:r>
-          </a:p>
-          <a:p>
-            <a:pPr marL="342900" indent="-342900" algn="just">
-              <a:buFont typeface="+mj-lt"/>
-              <a:buAutoNum type="arabicPeriod"/>
+            <a:pPr marL="342900" indent="-228600">
+              <a:buFont typeface="Arial" panose="020B0604020202020204" pitchFamily="34" charset="0"/>
+              <a:buChar char="•"/>
             </a:pPr>
             <a:endParaRPr lang="en-US" dirty="0"/>
           </a:p>
           <a:p>
-            <a:pPr algn="just"/>
+            <a:pPr indent="-228600">
+              <a:buFont typeface="Arial" panose="020B0604020202020204" pitchFamily="34" charset="0"/>
+              <a:buChar char="•"/>
+            </a:pPr>
             <a:endParaRPr lang="en-US" dirty="0"/>
+          </a:p>
+        </p:txBody>
+      </p:sp>
+      <p:pic>
+        <p:nvPicPr>
+          <p:cNvPr id="5" name="Picture 4" descr="Table&#10;&#10;Description automatically generated with medium confidence">
+            <a:extLst>
+              <a:ext uri="{FF2B5EF4-FFF2-40B4-BE49-F238E27FC236}">
+                <a16:creationId xmlns:a16="http://schemas.microsoft.com/office/drawing/2014/main" id="{1D089A32-E651-5570-5BB9-6021E08D4A39}"/>
+              </a:ext>
+            </a:extLst>
+          </p:cNvPr>
+          <p:cNvPicPr>
+            <a:picLocks noChangeAspect="1"/>
+          </p:cNvPicPr>
+          <p:nvPr/>
+        </p:nvPicPr>
+        <p:blipFill>
+          <a:blip r:embed="rId2"/>
+          <a:stretch>
+            <a:fillRect/>
+          </a:stretch>
+        </p:blipFill>
+        <p:spPr>
+          <a:xfrm>
+            <a:off x="6956383" y="354651"/>
+            <a:ext cx="3783814" cy="3074349"/>
+          </a:xfrm>
+          <a:prstGeom prst="rect">
+            <a:avLst/>
+          </a:prstGeom>
+        </p:spPr>
+      </p:pic>
+      <p:pic>
+        <p:nvPicPr>
+          <p:cNvPr id="6" name="Picture 5" descr="Chart&#10;&#10;Description automatically generated">
+            <a:extLst>
+              <a:ext uri="{FF2B5EF4-FFF2-40B4-BE49-F238E27FC236}">
+                <a16:creationId xmlns:a16="http://schemas.microsoft.com/office/drawing/2014/main" id="{F62A955E-F5F1-CF2A-B9E5-E89E14BC68A9}"/>
+              </a:ext>
+            </a:extLst>
+          </p:cNvPr>
+          <p:cNvPicPr>
+            <a:picLocks noChangeAspect="1"/>
+          </p:cNvPicPr>
+          <p:nvPr/>
+        </p:nvPicPr>
+        <p:blipFill>
+          <a:blip r:embed="rId3"/>
+          <a:stretch>
+            <a:fillRect/>
+          </a:stretch>
+        </p:blipFill>
+        <p:spPr>
+          <a:xfrm>
+            <a:off x="6956384" y="3476298"/>
+            <a:ext cx="3783813" cy="2979753"/>
+          </a:xfrm>
+          <a:prstGeom prst="rect">
+            <a:avLst/>
+          </a:prstGeom>
+        </p:spPr>
+      </p:pic>
+      <p:sp>
+        <p:nvSpPr>
+          <p:cNvPr id="33" name="Rectangle 16">
+            <a:extLst>
+              <a:ext uri="{FF2B5EF4-FFF2-40B4-BE49-F238E27FC236}">
+                <a16:creationId xmlns:a16="http://schemas.microsoft.com/office/drawing/2014/main" id="{3808F57C-E98A-4053-BD3D-4D04986CB21A}"/>
+              </a:ext>
+              <a:ext uri="{C183D7F6-B498-43B3-948B-1728B52AA6E4}">
+                <adec:decorative xmlns:adec="http://schemas.microsoft.com/office/drawing/2017/decorative" val="1"/>
+              </a:ext>
+            </a:extLst>
+          </p:cNvPr>
+          <p:cNvSpPr>
+            <a:spLocks noGrp="1" noRot="1" noChangeAspect="1" noMove="1" noResize="1" noEditPoints="1" noAdjustHandles="1" noChangeArrowheads="1" noChangeShapeType="1" noTextEdit="1"/>
+          </p:cNvSpPr>
+          <p:nvPr>
+            <p:extLst>
+              <p:ext uri="{386F3935-93C4-4BCD-93E2-E3B085C9AB24}">
+                <p16:designElem xmlns:p16="http://schemas.microsoft.com/office/powerpoint/2015/main" val="1"/>
+              </p:ext>
+            </p:extLst>
+          </p:nvPr>
+        </p:nvSpPr>
+        <p:spPr>
+          <a:xfrm rot="10800000" flipH="1">
+            <a:off x="0" y="6408741"/>
+            <a:ext cx="12192000" cy="449256"/>
+          </a:xfrm>
+          <a:prstGeom prst="rect">
+            <a:avLst/>
+          </a:prstGeom>
+          <a:gradFill>
+            <a:gsLst>
+              <a:gs pos="14000">
+                <a:schemeClr val="accent4">
+                  <a:alpha val="28000"/>
+                </a:schemeClr>
+              </a:gs>
+              <a:gs pos="100000">
+                <a:schemeClr val="accent5">
+                  <a:alpha val="85000"/>
+                </a:schemeClr>
+              </a:gs>
+            </a:gsLst>
+            <a:lin ang="9000000" scaled="0"/>
+          </a:gradFill>
+          <a:ln>
+            <a:noFill/>
+          </a:ln>
+        </p:spPr>
+        <p:style>
+          <a:lnRef idx="2">
+            <a:schemeClr val="accent1">
+              <a:shade val="50000"/>
+            </a:schemeClr>
+          </a:lnRef>
+          <a:fillRef idx="1">
+            <a:schemeClr val="accent1"/>
+          </a:fillRef>
+          <a:effectRef idx="0">
+            <a:schemeClr val="accent1"/>
+          </a:effectRef>
+          <a:fontRef idx="minor">
+            <a:schemeClr val="lt1"/>
+          </a:fontRef>
+        </p:style>
+        <p:txBody>
+          <a:bodyPr rtlCol="0" anchor="ctr"/>
+          <a:lstStyle/>
+          <a:p>
+            <a:pPr algn="ctr"/>
+            <a:endParaRPr lang="en-US"/>
+          </a:p>
+        </p:txBody>
+      </p:sp>
+      <p:sp>
+        <p:nvSpPr>
+          <p:cNvPr id="34" name="Rectangle 18">
+            <a:extLst>
+              <a:ext uri="{FF2B5EF4-FFF2-40B4-BE49-F238E27FC236}">
+                <a16:creationId xmlns:a16="http://schemas.microsoft.com/office/drawing/2014/main" id="{3DD8121B-71ED-41BD-AA7C-9E5609999D11}"/>
+              </a:ext>
+              <a:ext uri="{C183D7F6-B498-43B3-948B-1728B52AA6E4}">
+                <adec:decorative xmlns:adec="http://schemas.microsoft.com/office/drawing/2017/decorative" val="1"/>
+              </a:ext>
+            </a:extLst>
+          </p:cNvPr>
+          <p:cNvSpPr>
+            <a:spLocks noGrp="1" noRot="1" noChangeAspect="1" noMove="1" noResize="1" noEditPoints="1" noAdjustHandles="1" noChangeArrowheads="1" noChangeShapeType="1" noTextEdit="1"/>
+          </p:cNvSpPr>
+          <p:nvPr>
+            <p:extLst>
+              <p:ext uri="{386F3935-93C4-4BCD-93E2-E3B085C9AB24}">
+                <p16:designElem xmlns:p16="http://schemas.microsoft.com/office/powerpoint/2015/main" val="1"/>
+              </p:ext>
+            </p:extLst>
+          </p:nvPr>
+        </p:nvSpPr>
+        <p:spPr>
+          <a:xfrm flipH="1">
+            <a:off x="4038600" y="6408316"/>
+            <a:ext cx="8153398" cy="449684"/>
+          </a:xfrm>
+          <a:prstGeom prst="rect">
+            <a:avLst/>
+          </a:prstGeom>
+          <a:gradFill>
+            <a:gsLst>
+              <a:gs pos="9000">
+                <a:schemeClr val="accent2">
+                  <a:lumMod val="60000"/>
+                  <a:lumOff val="40000"/>
+                  <a:alpha val="68000"/>
+                </a:schemeClr>
+              </a:gs>
+              <a:gs pos="99000">
+                <a:schemeClr val="accent2"/>
+              </a:gs>
+            </a:gsLst>
+            <a:lin ang="13800000" scaled="0"/>
+          </a:gradFill>
+          <a:ln>
+            <a:noFill/>
+          </a:ln>
+        </p:spPr>
+        <p:style>
+          <a:lnRef idx="2">
+            <a:schemeClr val="accent1">
+              <a:shade val="50000"/>
+            </a:schemeClr>
+          </a:lnRef>
+          <a:fillRef idx="1">
+            <a:schemeClr val="accent1"/>
+          </a:fillRef>
+          <a:effectRef idx="0">
+            <a:schemeClr val="accent1"/>
+          </a:effectRef>
+          <a:fontRef idx="minor">
+            <a:schemeClr val="lt1"/>
+          </a:fontRef>
+        </p:style>
+        <p:txBody>
+          <a:bodyPr rtlCol="0" anchor="ctr"/>
+          <a:lstStyle/>
+          <a:p>
+            <a:pPr algn="ctr"/>
+            <a:endParaRPr lang="en-US"/>
           </a:p>
         </p:txBody>
       </p:sp>
@@ -9118,7 +11124,7 @@
 </p:sld>
 </file>
 
-<file path=ppt/slides/slide7.xml><?xml version="1.0" encoding="utf-8"?>
+<file path=ppt/slides/slide9.xml><?xml version="1.0" encoding="utf-8"?>
 <p:sld xmlns:a="http://schemas.openxmlformats.org/drawingml/2006/main" xmlns:r="http://schemas.openxmlformats.org/officeDocument/2006/relationships" xmlns:p="http://schemas.openxmlformats.org/presentationml/2006/main">
   <p:cSld>
     <p:spTree>
@@ -9151,62 +11157,99 @@
             <p:ph type="title"/>
           </p:nvPr>
         </p:nvSpPr>
-        <p:spPr/>
+        <p:spPr>
+          <a:xfrm>
+            <a:off x="1048297" y="998999"/>
+            <a:ext cx="3932237" cy="1894511"/>
+          </a:xfrm>
+        </p:spPr>
         <p:txBody>
-          <a:bodyPr/>
+          <a:bodyPr>
+            <a:normAutofit/>
+          </a:bodyPr>
           <a:lstStyle/>
           <a:p>
-            <a:endParaRPr lang="en-US"/>
+            <a:r>
+              <a:rPr lang="en-US" dirty="0"/>
+              <a:t>Average loan amount</a:t>
+            </a:r>
           </a:p>
         </p:txBody>
       </p:sp>
+      <p:pic>
+        <p:nvPicPr>
+          <p:cNvPr id="5" name="Picture 4">
+            <a:extLst>
+              <a:ext uri="{FF2B5EF4-FFF2-40B4-BE49-F238E27FC236}">
+                <a16:creationId xmlns:a16="http://schemas.microsoft.com/office/drawing/2014/main" id="{98D3FF54-1812-2584-5F7A-162D98309124}"/>
+              </a:ext>
+            </a:extLst>
+          </p:cNvPr>
+          <p:cNvPicPr>
+            <a:picLocks noChangeAspect="1"/>
+          </p:cNvPicPr>
+          <p:nvPr/>
+        </p:nvPicPr>
+        <p:blipFill>
+          <a:blip r:embed="rId2"/>
+          <a:stretch>
+            <a:fillRect/>
+          </a:stretch>
+        </p:blipFill>
+        <p:spPr>
+          <a:xfrm>
+            <a:off x="5303837" y="1109441"/>
+            <a:ext cx="6203346" cy="4639117"/>
+          </a:xfrm>
+          <a:prstGeom prst="rect">
+            <a:avLst/>
+          </a:prstGeom>
+        </p:spPr>
+      </p:pic>
       <p:sp>
         <p:nvSpPr>
-          <p:cNvPr id="3" name="Content Placeholder 2">
-            <a:extLst>
-              <a:ext uri="{FF2B5EF4-FFF2-40B4-BE49-F238E27FC236}">
-                <a16:creationId xmlns:a16="http://schemas.microsoft.com/office/drawing/2014/main" id="{60EF4D4A-E0D7-0F1E-F508-F8291C0DB995}"/>
-              </a:ext>
-            </a:extLst>
-          </p:cNvPr>
-          <p:cNvSpPr>
-            <a:spLocks noGrp="1"/>
-          </p:cNvSpPr>
-          <p:nvPr>
-            <p:ph idx="1"/>
-          </p:nvPr>
+          <p:cNvPr id="7" name="TextBox 6">
+            <a:extLst>
+              <a:ext uri="{FF2B5EF4-FFF2-40B4-BE49-F238E27FC236}">
+                <a16:creationId xmlns:a16="http://schemas.microsoft.com/office/drawing/2014/main" id="{70E97BB2-6796-5426-152B-9D160E266F1C}"/>
+              </a:ext>
+            </a:extLst>
+          </p:cNvPr>
+          <p:cNvSpPr txBox="1"/>
+          <p:nvPr/>
         </p:nvSpPr>
-        <p:spPr/>
+        <p:spPr>
+          <a:xfrm>
+            <a:off x="1048297" y="3428999"/>
+            <a:ext cx="3809649" cy="1631216"/>
+          </a:xfrm>
+          <a:prstGeom prst="rect">
+            <a:avLst/>
+          </a:prstGeom>
+          <a:noFill/>
+        </p:spPr>
         <p:txBody>
-          <a:bodyPr/>
+          <a:bodyPr wrap="square">
+            <a:spAutoFit/>
+          </a:bodyPr>
           <a:lstStyle/>
           <a:p>
-            <a:endParaRPr lang="en-US"/>
-          </a:p>
-        </p:txBody>
-      </p:sp>
-      <p:sp>
-        <p:nvSpPr>
-          <p:cNvPr id="4" name="Text Placeholder 3">
-            <a:extLst>
-              <a:ext uri="{FF2B5EF4-FFF2-40B4-BE49-F238E27FC236}">
-                <a16:creationId xmlns:a16="http://schemas.microsoft.com/office/drawing/2014/main" id="{7F0E6752-C56C-03F5-CFD3-880B9A2FAE56}"/>
-              </a:ext>
-            </a:extLst>
-          </p:cNvPr>
-          <p:cNvSpPr>
-            <a:spLocks noGrp="1"/>
-          </p:cNvSpPr>
-          <p:nvPr>
-            <p:ph type="body" sz="half" idx="2"/>
-          </p:nvPr>
-        </p:nvSpPr>
-        <p:spPr/>
-        <p:txBody>
-          <a:bodyPr/>
-          <a:lstStyle/>
-          <a:p>
-            <a:endParaRPr lang="en-US"/>
+            <a:pPr marL="342900" indent="-342900" algn="just">
+              <a:buFont typeface="Arial" panose="020B0604020202020204" pitchFamily="34" charset="0"/>
+              <a:buChar char="•"/>
+            </a:pPr>
+            <a:r>
+              <a:rPr lang="en-US" sz="2000" dirty="0"/>
+              <a:t>As a curiosity, in regards of the </a:t>
+            </a:r>
+            <a:r>
+              <a:rPr lang="en-US" sz="2000" b="1" dirty="0"/>
+              <a:t>loan amount approval</a:t>
+            </a:r>
+            <a:r>
+              <a:rPr lang="en-US" sz="2000" dirty="0"/>
+              <a:t>, we have the same demographics, but we have basically a tie between female and male.</a:t>
+            </a:r>
           </a:p>
         </p:txBody>
       </p:sp>
@@ -9214,269 +11257,6 @@
     <p:extLst>
       <p:ext uri="{BB962C8B-B14F-4D97-AF65-F5344CB8AC3E}">
         <p14:creationId xmlns:p14="http://schemas.microsoft.com/office/powerpoint/2010/main" val="3612393829"/>
-      </p:ext>
-    </p:extLst>
-  </p:cSld>
-  <p:clrMapOvr>
-    <a:masterClrMapping/>
-  </p:clrMapOvr>
-</p:sld>
-</file>
-
-<file path=ppt/slides/slide8.xml><?xml version="1.0" encoding="utf-8"?>
-<p:sld xmlns:a="http://schemas.openxmlformats.org/drawingml/2006/main" xmlns:r="http://schemas.openxmlformats.org/officeDocument/2006/relationships" xmlns:p="http://schemas.openxmlformats.org/presentationml/2006/main">
-  <p:cSld>
-    <p:spTree>
-      <p:nvGrpSpPr>
-        <p:cNvPr id="1" name=""/>
-        <p:cNvGrpSpPr/>
-        <p:nvPr/>
-      </p:nvGrpSpPr>
-      <p:grpSpPr>
-        <a:xfrm>
-          <a:off x="0" y="0"/>
-          <a:ext cx="0" cy="0"/>
-          <a:chOff x="0" y="0"/>
-          <a:chExt cx="0" cy="0"/>
-        </a:xfrm>
-      </p:grpSpPr>
-      <p:sp>
-        <p:nvSpPr>
-          <p:cNvPr id="2" name="Title 1">
-            <a:extLst>
-              <a:ext uri="{FF2B5EF4-FFF2-40B4-BE49-F238E27FC236}">
-                <a16:creationId xmlns:a16="http://schemas.microsoft.com/office/drawing/2014/main" id="{0A3F13E1-FBC2-8129-4193-6EAC1898ECEB}"/>
-              </a:ext>
-            </a:extLst>
-          </p:cNvPr>
-          <p:cNvSpPr>
-            <a:spLocks noGrp="1"/>
-          </p:cNvSpPr>
-          <p:nvPr>
-            <p:ph type="title"/>
-          </p:nvPr>
-        </p:nvSpPr>
-        <p:spPr/>
-        <p:txBody>
-          <a:bodyPr/>
-          <a:lstStyle/>
-          <a:p>
-            <a:r>
-              <a:rPr lang="en-US" dirty="0"/>
-              <a:t>Classification problem/model</a:t>
-            </a:r>
-          </a:p>
-        </p:txBody>
-      </p:sp>
-      <p:sp>
-        <p:nvSpPr>
-          <p:cNvPr id="3" name="Content Placeholder 2">
-            <a:extLst>
-              <a:ext uri="{FF2B5EF4-FFF2-40B4-BE49-F238E27FC236}">
-                <a16:creationId xmlns:a16="http://schemas.microsoft.com/office/drawing/2014/main" id="{22259D3C-32FB-1EDC-BE2D-6EAAD7F244FF}"/>
-              </a:ext>
-            </a:extLst>
-          </p:cNvPr>
-          <p:cNvSpPr>
-            <a:spLocks noGrp="1"/>
-          </p:cNvSpPr>
-          <p:nvPr>
-            <p:ph sz="half" idx="1"/>
-          </p:nvPr>
-        </p:nvSpPr>
-        <p:spPr/>
-        <p:txBody>
-          <a:bodyPr>
-            <a:normAutofit lnSpcReduction="10000"/>
-          </a:bodyPr>
-          <a:lstStyle/>
-          <a:p>
-            <a:r>
-              <a:rPr lang="en-US" dirty="0"/>
-              <a:t>Baseline model 1</a:t>
-            </a:r>
-          </a:p>
-          <a:p>
-            <a:r>
-              <a:rPr lang="en-US" dirty="0"/>
-              <a:t>Logistic Regressor</a:t>
-            </a:r>
-          </a:p>
-          <a:p>
-            <a:r>
-              <a:rPr lang="en-US" dirty="0"/>
-              <a:t>Evaluation metrics</a:t>
-            </a:r>
-          </a:p>
-          <a:p>
-            <a:pPr marL="0" indent="0" algn="just">
-              <a:buNone/>
-            </a:pPr>
-            <a:r>
-              <a:rPr lang="en-CA" sz="2000" b="0" i="0" dirty="0">
-                <a:effectLst/>
-                <a:highlight>
-                  <a:srgbClr val="FFFF00"/>
-                </a:highlight>
-              </a:rPr>
-              <a:t>Accuracy: 0.7218543046357616 </a:t>
-            </a:r>
-          </a:p>
-          <a:p>
-            <a:pPr marL="0" indent="0" algn="just">
-              <a:buNone/>
-            </a:pPr>
-            <a:r>
-              <a:rPr lang="en-CA" sz="2000" b="0" i="0" dirty="0">
-                <a:effectLst/>
-              </a:rPr>
-              <a:t>Precision: 0.7008547008547008 </a:t>
-            </a:r>
-          </a:p>
-          <a:p>
-            <a:pPr marL="0" indent="0" algn="just">
-              <a:buNone/>
-            </a:pPr>
-            <a:r>
-              <a:rPr lang="en-CA" sz="2000" b="0" i="0" dirty="0">
-                <a:effectLst/>
-              </a:rPr>
-              <a:t>Recall: 0.9213483146067416 </a:t>
-            </a:r>
-          </a:p>
-          <a:p>
-            <a:pPr marL="0" indent="0" algn="just">
-              <a:buNone/>
-            </a:pPr>
-            <a:r>
-              <a:rPr lang="en-CA" sz="2000" b="0" i="0" dirty="0">
-                <a:effectLst/>
-              </a:rPr>
-              <a:t>F1-score: 0.7961165048543689 </a:t>
-            </a:r>
-          </a:p>
-          <a:p>
-            <a:pPr marL="0" indent="0" algn="just">
-              <a:buNone/>
-            </a:pPr>
-            <a:r>
-              <a:rPr lang="en-CA" sz="2000" b="0" i="0" dirty="0">
-                <a:effectLst/>
-              </a:rPr>
-              <a:t>ROC-AUC score: 0.6784160927872418</a:t>
-            </a:r>
-            <a:endParaRPr lang="en-US" sz="2000" dirty="0"/>
-          </a:p>
-        </p:txBody>
-      </p:sp>
-      <p:sp>
-        <p:nvSpPr>
-          <p:cNvPr id="4" name="Content Placeholder 3">
-            <a:extLst>
-              <a:ext uri="{FF2B5EF4-FFF2-40B4-BE49-F238E27FC236}">
-                <a16:creationId xmlns:a16="http://schemas.microsoft.com/office/drawing/2014/main" id="{94D0BA7E-AF13-72EA-A7FA-F041FBDAD482}"/>
-              </a:ext>
-            </a:extLst>
-          </p:cNvPr>
-          <p:cNvSpPr>
-            <a:spLocks noGrp="1"/>
-          </p:cNvSpPr>
-          <p:nvPr>
-            <p:ph sz="half" idx="2"/>
-          </p:nvPr>
-        </p:nvSpPr>
-        <p:spPr/>
-        <p:txBody>
-          <a:bodyPr>
-            <a:normAutofit lnSpcReduction="10000"/>
-          </a:bodyPr>
-          <a:lstStyle/>
-          <a:p>
-            <a:r>
-              <a:rPr lang="en-US" dirty="0"/>
-              <a:t>Baseline model 2</a:t>
-            </a:r>
-          </a:p>
-          <a:p>
-            <a:r>
-              <a:rPr lang="en-US" dirty="0"/>
-              <a:t>Random Forest</a:t>
-            </a:r>
-          </a:p>
-          <a:p>
-            <a:pPr marL="0" indent="0" algn="just">
-              <a:buNone/>
-            </a:pPr>
-            <a:r>
-              <a:rPr lang="en-US" dirty="0"/>
-              <a:t>Evaluation metrics</a:t>
-            </a:r>
-          </a:p>
-          <a:p>
-            <a:pPr marL="0" indent="0" algn="just">
-              <a:buNone/>
-            </a:pPr>
-            <a:r>
-              <a:rPr lang="en-CA" sz="2000" b="0" i="0" dirty="0">
-                <a:effectLst/>
-                <a:highlight>
-                  <a:srgbClr val="FFFF00"/>
-                </a:highlight>
-              </a:rPr>
-              <a:t>Accuracy: 0.7019867549668874 </a:t>
-            </a:r>
-          </a:p>
-          <a:p>
-            <a:pPr marL="0" indent="0" algn="just">
-              <a:buNone/>
-            </a:pPr>
-            <a:r>
-              <a:rPr lang="en-CA" sz="2000" b="0" i="0" dirty="0">
-                <a:effectLst/>
-              </a:rPr>
-              <a:t>Precision: 0.6929824561403509 </a:t>
-            </a:r>
-          </a:p>
-          <a:p>
-            <a:pPr marL="0" indent="0" algn="just">
-              <a:buNone/>
-            </a:pPr>
-            <a:r>
-              <a:rPr lang="en-CA" sz="2000" b="0" i="0" dirty="0">
-                <a:effectLst/>
-              </a:rPr>
-              <a:t>Recall: 0.8876404494382022 </a:t>
-            </a:r>
-          </a:p>
-          <a:p>
-            <a:pPr marL="0" indent="0" algn="just">
-              <a:buNone/>
-            </a:pPr>
-            <a:r>
-              <a:rPr lang="en-CA" sz="2000" b="0" i="0" dirty="0">
-                <a:effectLst/>
-              </a:rPr>
-              <a:t>F1-score: 0.7783251231527094 </a:t>
-            </a:r>
-          </a:p>
-          <a:p>
-            <a:pPr marL="0" indent="0" algn="just">
-              <a:buNone/>
-            </a:pPr>
-            <a:r>
-              <a:rPr lang="en-CA" sz="2000" b="0" i="0" dirty="0">
-                <a:effectLst/>
-              </a:rPr>
-              <a:t>ROC-AUC score: 0.661562160202972</a:t>
-            </a:r>
-            <a:endParaRPr lang="en-US" sz="2000" dirty="0"/>
-          </a:p>
-        </p:txBody>
-      </p:sp>
-    </p:spTree>
-    <p:extLst>
-      <p:ext uri="{BB962C8B-B14F-4D97-AF65-F5344CB8AC3E}">
-        <p14:creationId xmlns:p14="http://schemas.microsoft.com/office/powerpoint/2010/main" val="323434526"/>
       </p:ext>
     </p:extLst>
   </p:cSld>

--- a/Presentation.pptx
+++ b/Presentation.pptx
@@ -15,6 +15,7 @@
     <p:sldId id="261" r:id="rId9"/>
     <p:sldId id="263" r:id="rId10"/>
     <p:sldId id="259" r:id="rId11"/>
+    <p:sldId id="267" r:id="rId12"/>
   </p:sldIdLst>
   <p:sldSz cx="12192000" cy="6858000"/>
   <p:notesSz cx="6858000" cy="9144000"/>
@@ -128,6 +129,7 @@
             <p14:sldId id="261"/>
             <p14:sldId id="263"/>
             <p14:sldId id="259"/>
+            <p14:sldId id="267"/>
           </p14:sldIdLst>
         </p14:section>
         <p14:section name="Pipeline" id="{C32284C8-BCB6-D64E-99B2-12EB62CDFCF4}">
@@ -8116,10 +8118,10 @@
       </p:grpSpPr>
       <p:sp>
         <p:nvSpPr>
-          <p:cNvPr id="2" name="Title 1">
+          <p:cNvPr id="5" name="Text Placeholder 4">
             <a:extLst>
               <a:ext uri="{FF2B5EF4-FFF2-40B4-BE49-F238E27FC236}">
-                <a16:creationId xmlns:a16="http://schemas.microsoft.com/office/drawing/2014/main" id="{0A3F13E1-FBC2-8129-4193-6EAC1898ECEB}"/>
+                <a16:creationId xmlns:a16="http://schemas.microsoft.com/office/drawing/2014/main" id="{4EAF04F7-B404-DA2C-0706-A9C942EDEE44}"/>
               </a:ext>
             </a:extLst>
           </p:cNvPr>
@@ -8127,7 +8129,7 @@
             <a:spLocks noGrp="1"/>
           </p:cNvSpPr>
           <p:nvPr>
-            <p:ph type="title"/>
+            <p:ph type="body" idx="1"/>
           </p:nvPr>
         </p:nvSpPr>
         <p:spPr/>
@@ -8137,7 +8139,7 @@
           <a:p>
             <a:r>
               <a:rPr lang="en-US" dirty="0"/>
-              <a:t>Classification problem/model</a:t>
+              <a:t>Logistic Regressor</a:t>
             </a:r>
           </a:p>
         </p:txBody>
@@ -8155,18 +8157,13 @@
             <a:spLocks noGrp="1"/>
           </p:cNvSpPr>
           <p:nvPr>
-            <p:ph sz="half" idx="1"/>
+            <p:ph sz="half" idx="2"/>
           </p:nvPr>
         </p:nvSpPr>
-        <p:spPr>
-          <a:xfrm>
-            <a:off x="1371600" y="2112265"/>
-            <a:ext cx="4846320" cy="3959352"/>
-          </a:xfrm>
-        </p:spPr>
+        <p:spPr/>
         <p:txBody>
           <a:bodyPr>
-            <a:normAutofit fontScale="85000" lnSpcReduction="10000"/>
+            <a:normAutofit fontScale="77500" lnSpcReduction="20000"/>
           </a:bodyPr>
           <a:lstStyle/>
           <a:p>
@@ -8178,17 +8175,6 @@
             <a:r>
               <a:rPr lang="en-US" dirty="0"/>
               <a:t>Baseline model 1</a:t>
-            </a:r>
-          </a:p>
-          <a:p>
-            <a:pPr algn="just">
-              <a:lnSpc>
-                <a:spcPct val="160000"/>
-              </a:lnSpc>
-            </a:pPr>
-            <a:r>
-              <a:rPr lang="en-US" dirty="0"/>
-              <a:t>Logistic Regressor</a:t>
             </a:r>
           </a:p>
           <a:p>
@@ -8267,10 +8253,10 @@
       </p:sp>
       <p:sp>
         <p:nvSpPr>
-          <p:cNvPr id="4" name="Content Placeholder 3">
+          <p:cNvPr id="6" name="Text Placeholder 5">
             <a:extLst>
               <a:ext uri="{FF2B5EF4-FFF2-40B4-BE49-F238E27FC236}">
-                <a16:creationId xmlns:a16="http://schemas.microsoft.com/office/drawing/2014/main" id="{94D0BA7E-AF13-72EA-A7FA-F041FBDAD482}"/>
+                <a16:creationId xmlns:a16="http://schemas.microsoft.com/office/drawing/2014/main" id="{BCB7161A-0D8A-7CF8-B8F5-84A7BE504DB5}"/>
               </a:ext>
             </a:extLst>
           </p:cNvPr>
@@ -8278,18 +8264,41 @@
             <a:spLocks noGrp="1"/>
           </p:cNvSpPr>
           <p:nvPr>
-            <p:ph sz="half" idx="2"/>
+            <p:ph type="body" sz="quarter" idx="3"/>
           </p:nvPr>
         </p:nvSpPr>
-        <p:spPr>
-          <a:xfrm>
-            <a:off x="6604514" y="2112266"/>
-            <a:ext cx="4846320" cy="3959351"/>
-          </a:xfrm>
-        </p:spPr>
+        <p:spPr/>
+        <p:txBody>
+          <a:bodyPr/>
+          <a:lstStyle/>
+          <a:p>
+            <a:r>
+              <a:rPr lang="en-US" dirty="0"/>
+              <a:t>Random Forest</a:t>
+            </a:r>
+          </a:p>
+        </p:txBody>
+      </p:sp>
+      <p:sp>
+        <p:nvSpPr>
+          <p:cNvPr id="4" name="Content Placeholder 3">
+            <a:extLst>
+              <a:ext uri="{FF2B5EF4-FFF2-40B4-BE49-F238E27FC236}">
+                <a16:creationId xmlns:a16="http://schemas.microsoft.com/office/drawing/2014/main" id="{94D0BA7E-AF13-72EA-A7FA-F041FBDAD482}"/>
+              </a:ext>
+            </a:extLst>
+          </p:cNvPr>
+          <p:cNvSpPr>
+            <a:spLocks noGrp="1"/>
+          </p:cNvSpPr>
+          <p:nvPr>
+            <p:ph sz="quarter" idx="4"/>
+          </p:nvPr>
+        </p:nvSpPr>
+        <p:spPr/>
         <p:txBody>
           <a:bodyPr>
-            <a:normAutofit fontScale="85000" lnSpcReduction="10000"/>
+            <a:normAutofit fontScale="77500" lnSpcReduction="20000"/>
           </a:bodyPr>
           <a:lstStyle/>
           <a:p>
@@ -8301,17 +8310,6 @@
             <a:r>
               <a:rPr lang="en-US" dirty="0"/>
               <a:t>Baseline model 2</a:t>
-            </a:r>
-          </a:p>
-          <a:p>
-            <a:pPr algn="just">
-              <a:lnSpc>
-                <a:spcPct val="160000"/>
-              </a:lnSpc>
-            </a:pPr>
-            <a:r>
-              <a:rPr lang="en-US" dirty="0"/>
-              <a:t>Random Forest</a:t>
             </a:r>
           </a:p>
           <a:p>
@@ -8388,10 +8386,1298 @@
           </a:p>
         </p:txBody>
       </p:sp>
+      <p:sp>
+        <p:nvSpPr>
+          <p:cNvPr id="2" name="Title 1">
+            <a:extLst>
+              <a:ext uri="{FF2B5EF4-FFF2-40B4-BE49-F238E27FC236}">
+                <a16:creationId xmlns:a16="http://schemas.microsoft.com/office/drawing/2014/main" id="{0A3F13E1-FBC2-8129-4193-6EAC1898ECEB}"/>
+              </a:ext>
+            </a:extLst>
+          </p:cNvPr>
+          <p:cNvSpPr>
+            <a:spLocks noGrp="1"/>
+          </p:cNvSpPr>
+          <p:nvPr>
+            <p:ph type="title"/>
+          </p:nvPr>
+        </p:nvSpPr>
+        <p:spPr/>
+        <p:txBody>
+          <a:bodyPr/>
+          <a:lstStyle/>
+          <a:p>
+            <a:r>
+              <a:rPr lang="en-US" dirty="0"/>
+              <a:t>Classification problem/model</a:t>
+            </a:r>
+          </a:p>
+        </p:txBody>
+      </p:sp>
     </p:spTree>
     <p:extLst>
       <p:ext uri="{BB962C8B-B14F-4D97-AF65-F5344CB8AC3E}">
         <p14:creationId xmlns:p14="http://schemas.microsoft.com/office/powerpoint/2010/main" val="323434526"/>
+      </p:ext>
+    </p:extLst>
+  </p:cSld>
+  <p:clrMapOvr>
+    <a:masterClrMapping/>
+  </p:clrMapOvr>
+</p:sld>
+</file>
+
+<file path=ppt/slides/slide11.xml><?xml version="1.0" encoding="utf-8"?>
+<p:sld xmlns:a="http://schemas.openxmlformats.org/drawingml/2006/main" xmlns:r="http://schemas.openxmlformats.org/officeDocument/2006/relationships" xmlns:p="http://schemas.openxmlformats.org/presentationml/2006/main">
+  <p:cSld>
+    <p:spTree>
+      <p:nvGrpSpPr>
+        <p:cNvPr id="1" name=""/>
+        <p:cNvGrpSpPr/>
+        <p:nvPr/>
+      </p:nvGrpSpPr>
+      <p:grpSpPr>
+        <a:xfrm>
+          <a:off x="0" y="0"/>
+          <a:ext cx="0" cy="0"/>
+          <a:chOff x="0" y="0"/>
+          <a:chExt cx="0" cy="0"/>
+        </a:xfrm>
+      </p:grpSpPr>
+      <p:graphicFrame>
+        <p:nvGraphicFramePr>
+          <p:cNvPr id="7" name="Table 7">
+            <a:extLst>
+              <a:ext uri="{FF2B5EF4-FFF2-40B4-BE49-F238E27FC236}">
+                <a16:creationId xmlns:a16="http://schemas.microsoft.com/office/drawing/2014/main" id="{8C336380-F301-E137-48D5-0898F51C864A}"/>
+              </a:ext>
+            </a:extLst>
+          </p:cNvPr>
+          <p:cNvGraphicFramePr>
+            <a:graphicFrameLocks noGrp="1"/>
+          </p:cNvGraphicFramePr>
+          <p:nvPr>
+            <p:ph sz="half" idx="2"/>
+            <p:extLst>
+              <p:ext uri="{D42A27DB-BD31-4B8C-83A1-F6EECF244321}">
+                <p14:modId xmlns:p14="http://schemas.microsoft.com/office/powerpoint/2010/main" val="623032066"/>
+              </p:ext>
+            </p:extLst>
+          </p:nvPr>
+        </p:nvGraphicFramePr>
+        <p:xfrm>
+          <a:off x="0" y="0"/>
+          <a:ext cx="12191999" cy="6354501"/>
+        </p:xfrm>
+        <a:graphic>
+          <a:graphicData uri="http://schemas.openxmlformats.org/drawingml/2006/table">
+            <a:tbl>
+              <a:tblPr firstRow="1" bandRow="1">
+                <a:tableStyleId>{0660B408-B3CF-4A94-85FC-2B1E0A45F4A2}</a:tableStyleId>
+              </a:tblPr>
+              <a:tblGrid>
+                <a:gridCol w="1432399">
+                  <a:extLst>
+                    <a:ext uri="{9D8B030D-6E8A-4147-A177-3AD203B41FA5}">
+                      <a16:colId xmlns:a16="http://schemas.microsoft.com/office/drawing/2014/main" val="2304630871"/>
+                    </a:ext>
+                  </a:extLst>
+                </a:gridCol>
+                <a:gridCol w="1698125">
+                  <a:extLst>
+                    <a:ext uri="{9D8B030D-6E8A-4147-A177-3AD203B41FA5}">
+                      <a16:colId xmlns:a16="http://schemas.microsoft.com/office/drawing/2014/main" val="4099274381"/>
+                    </a:ext>
+                  </a:extLst>
+                </a:gridCol>
+                <a:gridCol w="1671140">
+                  <a:extLst>
+                    <a:ext uri="{9D8B030D-6E8A-4147-A177-3AD203B41FA5}">
+                      <a16:colId xmlns:a16="http://schemas.microsoft.com/office/drawing/2014/main" val="35176146"/>
+                    </a:ext>
+                  </a:extLst>
+                </a:gridCol>
+                <a:gridCol w="1671140">
+                  <a:extLst>
+                    <a:ext uri="{9D8B030D-6E8A-4147-A177-3AD203B41FA5}">
+                      <a16:colId xmlns:a16="http://schemas.microsoft.com/office/drawing/2014/main" val="1956135299"/>
+                    </a:ext>
+                  </a:extLst>
+                </a:gridCol>
+                <a:gridCol w="1671140">
+                  <a:extLst>
+                    <a:ext uri="{9D8B030D-6E8A-4147-A177-3AD203B41FA5}">
+                      <a16:colId xmlns:a16="http://schemas.microsoft.com/office/drawing/2014/main" val="534838998"/>
+                    </a:ext>
+                  </a:extLst>
+                </a:gridCol>
+                <a:gridCol w="1835627">
+                  <a:extLst>
+                    <a:ext uri="{9D8B030D-6E8A-4147-A177-3AD203B41FA5}">
+                      <a16:colId xmlns:a16="http://schemas.microsoft.com/office/drawing/2014/main" val="2156360941"/>
+                    </a:ext>
+                  </a:extLst>
+                </a:gridCol>
+                <a:gridCol w="2212428">
+                  <a:extLst>
+                    <a:ext uri="{9D8B030D-6E8A-4147-A177-3AD203B41FA5}">
+                      <a16:colId xmlns:a16="http://schemas.microsoft.com/office/drawing/2014/main" val="4037677699"/>
+                    </a:ext>
+                  </a:extLst>
+                </a:gridCol>
+              </a:tblGrid>
+              <a:tr h="2286000">
+                <a:tc>
+                  <a:txBody>
+                    <a:bodyPr/>
+                    <a:lstStyle/>
+                    <a:p>
+                      <a:pPr algn="ctr">
+                        <a:lnSpc>
+                          <a:spcPct val="100000"/>
+                        </a:lnSpc>
+                      </a:pPr>
+                      <a:endParaRPr lang="en-US" dirty="0"/>
+                    </a:p>
+                    <a:p>
+                      <a:pPr algn="ctr">
+                        <a:lnSpc>
+                          <a:spcPct val="100000"/>
+                        </a:lnSpc>
+                      </a:pPr>
+                      <a:endParaRPr lang="en-US" dirty="0"/>
+                    </a:p>
+                    <a:p>
+                      <a:pPr algn="ctr">
+                        <a:lnSpc>
+                          <a:spcPct val="100000"/>
+                        </a:lnSpc>
+                      </a:pPr>
+                      <a:endParaRPr lang="en-US" dirty="0"/>
+                    </a:p>
+                    <a:p>
+                      <a:pPr algn="ctr">
+                        <a:lnSpc>
+                          <a:spcPct val="100000"/>
+                        </a:lnSpc>
+                      </a:pPr>
+                      <a:r>
+                        <a:rPr lang="en-US" dirty="0"/>
+                        <a:t>Metrics</a:t>
+                      </a:r>
+                    </a:p>
+                  </a:txBody>
+                  <a:tcPr/>
+                </a:tc>
+                <a:tc>
+                  <a:txBody>
+                    <a:bodyPr/>
+                    <a:lstStyle/>
+                    <a:p>
+                      <a:pPr algn="ctr">
+                        <a:lnSpc>
+                          <a:spcPct val="100000"/>
+                        </a:lnSpc>
+                      </a:pPr>
+                      <a:r>
+                        <a:rPr lang="en-US" dirty="0"/>
+                        <a:t>Base Line Model 1</a:t>
+                      </a:r>
+                    </a:p>
+                    <a:p>
+                      <a:pPr algn="ctr">
+                        <a:lnSpc>
+                          <a:spcPct val="100000"/>
+                        </a:lnSpc>
+                      </a:pPr>
+                      <a:endParaRPr lang="en-US" dirty="0"/>
+                    </a:p>
+                    <a:p>
+                      <a:pPr algn="ctr">
+                        <a:lnSpc>
+                          <a:spcPct val="100000"/>
+                        </a:lnSpc>
+                      </a:pPr>
+                      <a:endParaRPr lang="en-US" dirty="0"/>
+                    </a:p>
+                    <a:p>
+                      <a:pPr algn="ctr">
+                        <a:lnSpc>
+                          <a:spcPct val="100000"/>
+                        </a:lnSpc>
+                      </a:pPr>
+                      <a:endParaRPr lang="en-US" dirty="0"/>
+                    </a:p>
+                    <a:p>
+                      <a:pPr algn="ctr">
+                        <a:lnSpc>
+                          <a:spcPct val="100000"/>
+                        </a:lnSpc>
+                      </a:pPr>
+                      <a:r>
+                        <a:rPr lang="en-US" dirty="0"/>
+                        <a:t>Logistic Regressor</a:t>
+                      </a:r>
+                    </a:p>
+                  </a:txBody>
+                  <a:tcPr/>
+                </a:tc>
+                <a:tc>
+                  <a:txBody>
+                    <a:bodyPr/>
+                    <a:lstStyle/>
+                    <a:p>
+                      <a:pPr marL="0" marR="0" lvl="0" indent="0" algn="ctr" defTabSz="914400" rtl="0" eaLnBrk="1" fontAlgn="auto" latinLnBrk="0" hangingPunct="1">
+                        <a:lnSpc>
+                          <a:spcPct val="100000"/>
+                        </a:lnSpc>
+                        <a:spcBef>
+                          <a:spcPts val="0"/>
+                        </a:spcBef>
+                        <a:spcAft>
+                          <a:spcPts val="0"/>
+                        </a:spcAft>
+                        <a:buClrTx/>
+                        <a:buSzTx/>
+                        <a:buFontTx/>
+                        <a:buNone/>
+                        <a:tabLst/>
+                        <a:defRPr/>
+                      </a:pPr>
+                      <a:r>
+                        <a:rPr lang="en-US" dirty="0"/>
+                        <a:t>Base Line Model 1 with Grid Search CV</a:t>
+                      </a:r>
+                    </a:p>
+                    <a:p>
+                      <a:pPr marL="0" marR="0" lvl="0" indent="0" algn="ctr" defTabSz="914400" rtl="0" eaLnBrk="1" fontAlgn="auto" latinLnBrk="0" hangingPunct="1">
+                        <a:lnSpc>
+                          <a:spcPct val="100000"/>
+                        </a:lnSpc>
+                        <a:spcBef>
+                          <a:spcPts val="0"/>
+                        </a:spcBef>
+                        <a:spcAft>
+                          <a:spcPts val="0"/>
+                        </a:spcAft>
+                        <a:buClrTx/>
+                        <a:buSzTx/>
+                        <a:buFontTx/>
+                        <a:buNone/>
+                        <a:tabLst/>
+                        <a:defRPr/>
+                      </a:pPr>
+                      <a:endParaRPr lang="en-US" dirty="0"/>
+                    </a:p>
+                    <a:p>
+                      <a:pPr marL="0" marR="0" lvl="0" indent="0" algn="ctr" defTabSz="914400" rtl="0" eaLnBrk="1" fontAlgn="auto" latinLnBrk="0" hangingPunct="1">
+                        <a:lnSpc>
+                          <a:spcPct val="100000"/>
+                        </a:lnSpc>
+                        <a:spcBef>
+                          <a:spcPts val="0"/>
+                        </a:spcBef>
+                        <a:spcAft>
+                          <a:spcPts val="0"/>
+                        </a:spcAft>
+                        <a:buClrTx/>
+                        <a:buSzTx/>
+                        <a:buFontTx/>
+                        <a:buNone/>
+                        <a:tabLst/>
+                        <a:defRPr/>
+                      </a:pPr>
+                      <a:endParaRPr lang="en-US" dirty="0"/>
+                    </a:p>
+                    <a:p>
+                      <a:pPr marL="0" marR="0" lvl="0" indent="0" algn="ctr" defTabSz="914400" rtl="0" eaLnBrk="1" fontAlgn="auto" latinLnBrk="0" hangingPunct="1">
+                        <a:lnSpc>
+                          <a:spcPct val="100000"/>
+                        </a:lnSpc>
+                        <a:spcBef>
+                          <a:spcPts val="0"/>
+                        </a:spcBef>
+                        <a:spcAft>
+                          <a:spcPts val="0"/>
+                        </a:spcAft>
+                        <a:buClrTx/>
+                        <a:buSzTx/>
+                        <a:buFontTx/>
+                        <a:buNone/>
+                        <a:tabLst/>
+                        <a:defRPr/>
+                      </a:pPr>
+                      <a:r>
+                        <a:rPr lang="en-US" dirty="0"/>
+                        <a:t>Logistic Regressor</a:t>
+                      </a:r>
+                    </a:p>
+                  </a:txBody>
+                  <a:tcPr/>
+                </a:tc>
+                <a:tc>
+                  <a:txBody>
+                    <a:bodyPr/>
+                    <a:lstStyle/>
+                    <a:p>
+                      <a:pPr algn="ctr"/>
+                      <a:r>
+                        <a:rPr lang="en-US" dirty="0"/>
+                        <a:t>Pipeline </a:t>
+                      </a:r>
+                    </a:p>
+                    <a:p>
+                      <a:pPr algn="ctr"/>
+                      <a:endParaRPr lang="en-US" dirty="0"/>
+                    </a:p>
+                    <a:p>
+                      <a:pPr algn="ctr"/>
+                      <a:endParaRPr lang="en-US" dirty="0"/>
+                    </a:p>
+                    <a:p>
+                      <a:pPr algn="ctr"/>
+                      <a:endParaRPr lang="en-US" dirty="0"/>
+                    </a:p>
+                    <a:p>
+                      <a:pPr algn="ctr"/>
+                      <a:endParaRPr lang="en-US" dirty="0"/>
+                    </a:p>
+                    <a:p>
+                      <a:pPr algn="ctr"/>
+                      <a:r>
+                        <a:rPr lang="en-US" dirty="0"/>
+                        <a:t>Logistic Regressor </a:t>
+                      </a:r>
+                    </a:p>
+                  </a:txBody>
+                  <a:tcPr/>
+                </a:tc>
+                <a:tc>
+                  <a:txBody>
+                    <a:bodyPr/>
+                    <a:lstStyle/>
+                    <a:p>
+                      <a:pPr algn="ctr">
+                        <a:lnSpc>
+                          <a:spcPct val="100000"/>
+                        </a:lnSpc>
+                      </a:pPr>
+                      <a:r>
+                        <a:rPr lang="en-US" dirty="0"/>
+                        <a:t>Base Line Model 2</a:t>
+                      </a:r>
+                    </a:p>
+                    <a:p>
+                      <a:pPr algn="ctr">
+                        <a:lnSpc>
+                          <a:spcPct val="100000"/>
+                        </a:lnSpc>
+                      </a:pPr>
+                      <a:endParaRPr lang="en-US" dirty="0"/>
+                    </a:p>
+                    <a:p>
+                      <a:pPr algn="ctr">
+                        <a:lnSpc>
+                          <a:spcPct val="100000"/>
+                        </a:lnSpc>
+                      </a:pPr>
+                      <a:endParaRPr lang="en-US" dirty="0"/>
+                    </a:p>
+                    <a:p>
+                      <a:pPr algn="ctr">
+                        <a:lnSpc>
+                          <a:spcPct val="100000"/>
+                        </a:lnSpc>
+                      </a:pPr>
+                      <a:r>
+                        <a:rPr lang="en-US" dirty="0"/>
+                        <a:t> </a:t>
+                      </a:r>
+                    </a:p>
+                    <a:p>
+                      <a:pPr algn="ctr">
+                        <a:lnSpc>
+                          <a:spcPct val="100000"/>
+                        </a:lnSpc>
+                      </a:pPr>
+                      <a:r>
+                        <a:rPr lang="en-US" dirty="0"/>
+                        <a:t>Random Forest</a:t>
+                      </a:r>
+                    </a:p>
+                  </a:txBody>
+                  <a:tcPr/>
+                </a:tc>
+                <a:tc>
+                  <a:txBody>
+                    <a:bodyPr/>
+                    <a:lstStyle/>
+                    <a:p>
+                      <a:pPr marL="0" marR="0" lvl="0" indent="0" algn="ctr" defTabSz="914400" rtl="0" eaLnBrk="1" fontAlgn="auto" latinLnBrk="0" hangingPunct="1">
+                        <a:lnSpc>
+                          <a:spcPct val="100000"/>
+                        </a:lnSpc>
+                        <a:spcBef>
+                          <a:spcPts val="0"/>
+                        </a:spcBef>
+                        <a:spcAft>
+                          <a:spcPts val="0"/>
+                        </a:spcAft>
+                        <a:buClrTx/>
+                        <a:buSzTx/>
+                        <a:buFontTx/>
+                        <a:buNone/>
+                        <a:tabLst/>
+                        <a:defRPr/>
+                      </a:pPr>
+                      <a:r>
+                        <a:rPr lang="en-US" dirty="0"/>
+                        <a:t>Base Line Model 2 with Grid Search CV</a:t>
+                      </a:r>
+                    </a:p>
+                    <a:p>
+                      <a:pPr marL="0" marR="0" lvl="0" indent="0" algn="ctr" defTabSz="914400" rtl="0" eaLnBrk="1" fontAlgn="auto" latinLnBrk="0" hangingPunct="1">
+                        <a:lnSpc>
+                          <a:spcPct val="100000"/>
+                        </a:lnSpc>
+                        <a:spcBef>
+                          <a:spcPts val="0"/>
+                        </a:spcBef>
+                        <a:spcAft>
+                          <a:spcPts val="0"/>
+                        </a:spcAft>
+                        <a:buClrTx/>
+                        <a:buSzTx/>
+                        <a:buFontTx/>
+                        <a:buNone/>
+                        <a:tabLst/>
+                        <a:defRPr/>
+                      </a:pPr>
+                      <a:endParaRPr lang="en-US" dirty="0"/>
+                    </a:p>
+                    <a:p>
+                      <a:pPr marL="0" marR="0" lvl="0" indent="0" algn="ctr" defTabSz="914400" rtl="0" eaLnBrk="1" fontAlgn="auto" latinLnBrk="0" hangingPunct="1">
+                        <a:lnSpc>
+                          <a:spcPct val="100000"/>
+                        </a:lnSpc>
+                        <a:spcBef>
+                          <a:spcPts val="0"/>
+                        </a:spcBef>
+                        <a:spcAft>
+                          <a:spcPts val="0"/>
+                        </a:spcAft>
+                        <a:buClrTx/>
+                        <a:buSzTx/>
+                        <a:buFontTx/>
+                        <a:buNone/>
+                        <a:tabLst/>
+                        <a:defRPr/>
+                      </a:pPr>
+                      <a:endParaRPr lang="en-US" dirty="0"/>
+                    </a:p>
+                    <a:p>
+                      <a:pPr marL="0" marR="0" lvl="0" indent="0" algn="ctr" defTabSz="914400" rtl="0" eaLnBrk="1" fontAlgn="auto" latinLnBrk="0" hangingPunct="1">
+                        <a:lnSpc>
+                          <a:spcPct val="100000"/>
+                        </a:lnSpc>
+                        <a:spcBef>
+                          <a:spcPts val="0"/>
+                        </a:spcBef>
+                        <a:spcAft>
+                          <a:spcPts val="0"/>
+                        </a:spcAft>
+                        <a:buClrTx/>
+                        <a:buSzTx/>
+                        <a:buFontTx/>
+                        <a:buNone/>
+                        <a:tabLst/>
+                        <a:defRPr/>
+                      </a:pPr>
+                      <a:r>
+                        <a:rPr lang="en-US" dirty="0"/>
+                        <a:t>Random Forest</a:t>
+                      </a:r>
+                    </a:p>
+                  </a:txBody>
+                  <a:tcPr/>
+                </a:tc>
+                <a:tc>
+                  <a:txBody>
+                    <a:bodyPr/>
+                    <a:lstStyle/>
+                    <a:p>
+                      <a:pPr marL="0" marR="0" lvl="0" indent="0" algn="ctr" defTabSz="914400" rtl="0" eaLnBrk="1" fontAlgn="auto" latinLnBrk="0" hangingPunct="1">
+                        <a:lnSpc>
+                          <a:spcPct val="100000"/>
+                        </a:lnSpc>
+                        <a:spcBef>
+                          <a:spcPts val="0"/>
+                        </a:spcBef>
+                        <a:spcAft>
+                          <a:spcPts val="0"/>
+                        </a:spcAft>
+                        <a:buClrTx/>
+                        <a:buSzTx/>
+                        <a:buFontTx/>
+                        <a:buNone/>
+                        <a:tabLst/>
+                        <a:defRPr/>
+                      </a:pPr>
+                      <a:r>
+                        <a:rPr lang="en-US" dirty="0"/>
+                        <a:t>Pipeline </a:t>
+                      </a:r>
+                    </a:p>
+                    <a:p>
+                      <a:pPr marL="0" marR="0" lvl="0" indent="0" algn="ctr" defTabSz="914400" rtl="0" eaLnBrk="1" fontAlgn="auto" latinLnBrk="0" hangingPunct="1">
+                        <a:lnSpc>
+                          <a:spcPct val="100000"/>
+                        </a:lnSpc>
+                        <a:spcBef>
+                          <a:spcPts val="0"/>
+                        </a:spcBef>
+                        <a:spcAft>
+                          <a:spcPts val="0"/>
+                        </a:spcAft>
+                        <a:buClrTx/>
+                        <a:buSzTx/>
+                        <a:buFontTx/>
+                        <a:buNone/>
+                        <a:tabLst/>
+                        <a:defRPr/>
+                      </a:pPr>
+                      <a:endParaRPr lang="en-US" dirty="0"/>
+                    </a:p>
+                    <a:p>
+                      <a:pPr marL="0" marR="0" lvl="0" indent="0" algn="ctr" defTabSz="914400" rtl="0" eaLnBrk="1" fontAlgn="auto" latinLnBrk="0" hangingPunct="1">
+                        <a:lnSpc>
+                          <a:spcPct val="100000"/>
+                        </a:lnSpc>
+                        <a:spcBef>
+                          <a:spcPts val="0"/>
+                        </a:spcBef>
+                        <a:spcAft>
+                          <a:spcPts val="0"/>
+                        </a:spcAft>
+                        <a:buClrTx/>
+                        <a:buSzTx/>
+                        <a:buFontTx/>
+                        <a:buNone/>
+                        <a:tabLst/>
+                        <a:defRPr/>
+                      </a:pPr>
+                      <a:endParaRPr lang="en-US" dirty="0"/>
+                    </a:p>
+                    <a:p>
+                      <a:pPr marL="0" marR="0" lvl="0" indent="0" algn="ctr" defTabSz="914400" rtl="0" eaLnBrk="1" fontAlgn="auto" latinLnBrk="0" hangingPunct="1">
+                        <a:lnSpc>
+                          <a:spcPct val="100000"/>
+                        </a:lnSpc>
+                        <a:spcBef>
+                          <a:spcPts val="0"/>
+                        </a:spcBef>
+                        <a:spcAft>
+                          <a:spcPts val="0"/>
+                        </a:spcAft>
+                        <a:buClrTx/>
+                        <a:buSzTx/>
+                        <a:buFontTx/>
+                        <a:buNone/>
+                        <a:tabLst/>
+                        <a:defRPr/>
+                      </a:pPr>
+                      <a:endParaRPr lang="en-US" dirty="0"/>
+                    </a:p>
+                    <a:p>
+                      <a:pPr marL="0" marR="0" lvl="0" indent="0" algn="ctr" defTabSz="914400" rtl="0" eaLnBrk="1" fontAlgn="auto" latinLnBrk="0" hangingPunct="1">
+                        <a:lnSpc>
+                          <a:spcPct val="100000"/>
+                        </a:lnSpc>
+                        <a:spcBef>
+                          <a:spcPts val="0"/>
+                        </a:spcBef>
+                        <a:spcAft>
+                          <a:spcPts val="0"/>
+                        </a:spcAft>
+                        <a:buClrTx/>
+                        <a:buSzTx/>
+                        <a:buFontTx/>
+                        <a:buNone/>
+                        <a:tabLst/>
+                        <a:defRPr/>
+                      </a:pPr>
+                      <a:endParaRPr lang="en-US" dirty="0"/>
+                    </a:p>
+                    <a:p>
+                      <a:pPr marL="0" marR="0" lvl="0" indent="0" algn="ctr" defTabSz="914400" rtl="0" eaLnBrk="1" fontAlgn="auto" latinLnBrk="0" hangingPunct="1">
+                        <a:lnSpc>
+                          <a:spcPct val="100000"/>
+                        </a:lnSpc>
+                        <a:spcBef>
+                          <a:spcPts val="0"/>
+                        </a:spcBef>
+                        <a:spcAft>
+                          <a:spcPts val="0"/>
+                        </a:spcAft>
+                        <a:buClrTx/>
+                        <a:buSzTx/>
+                        <a:buFontTx/>
+                        <a:buNone/>
+                        <a:tabLst/>
+                        <a:defRPr/>
+                      </a:pPr>
+                      <a:r>
+                        <a:rPr lang="en-US" dirty="0"/>
+                        <a:t>Random Forest</a:t>
+                      </a:r>
+                    </a:p>
+                  </a:txBody>
+                  <a:tcPr/>
+                </a:tc>
+                <a:extLst>
+                  <a:ext uri="{0D108BD9-81ED-4DB2-BD59-A6C34878D82A}">
+                    <a16:rowId xmlns:a16="http://schemas.microsoft.com/office/drawing/2014/main" val="3113750937"/>
+                  </a:ext>
+                </a:extLst>
+              </a:tr>
+              <a:tr h="1036599">
+                <a:tc>
+                  <a:txBody>
+                    <a:bodyPr/>
+                    <a:lstStyle/>
+                    <a:p>
+                      <a:pPr algn="ctr">
+                        <a:lnSpc>
+                          <a:spcPct val="100000"/>
+                        </a:lnSpc>
+                      </a:pPr>
+                      <a:r>
+                        <a:rPr lang="en-US" b="1" dirty="0"/>
+                        <a:t>Accuracy</a:t>
+                      </a:r>
+                    </a:p>
+                  </a:txBody>
+                  <a:tcPr/>
+                </a:tc>
+                <a:tc>
+                  <a:txBody>
+                    <a:bodyPr/>
+                    <a:lstStyle/>
+                    <a:p>
+                      <a:pPr marL="0" marR="0" lvl="0" indent="0" algn="ctr" defTabSz="914400" rtl="0" eaLnBrk="1" fontAlgn="auto" latinLnBrk="0" hangingPunct="1">
+                        <a:lnSpc>
+                          <a:spcPct val="100000"/>
+                        </a:lnSpc>
+                        <a:spcBef>
+                          <a:spcPts val="0"/>
+                        </a:spcBef>
+                        <a:spcAft>
+                          <a:spcPts val="0"/>
+                        </a:spcAft>
+                        <a:buClrTx/>
+                        <a:buSzTx/>
+                        <a:buFontTx/>
+                        <a:buNone/>
+                        <a:tabLst/>
+                        <a:defRPr/>
+                      </a:pPr>
+                      <a:r>
+                        <a:rPr lang="en-CA" b="1" dirty="0">
+                          <a:solidFill>
+                            <a:schemeClr val="tx1"/>
+                          </a:solidFill>
+                          <a:effectLst/>
+                        </a:rPr>
+                        <a:t>0.721</a:t>
+                      </a:r>
+                      <a:endParaRPr lang="en-US" b="1" dirty="0">
+                        <a:solidFill>
+                          <a:schemeClr val="tx1"/>
+                        </a:solidFill>
+                      </a:endParaRPr>
+                    </a:p>
+                  </a:txBody>
+                  <a:tcPr/>
+                </a:tc>
+                <a:tc>
+                  <a:txBody>
+                    <a:bodyPr/>
+                    <a:lstStyle/>
+                    <a:p>
+                      <a:pPr algn="ctr"/>
+                      <a:r>
+                        <a:rPr lang="en-CA" sz="1800" b="1" i="0" kern="1200" dirty="0">
+                          <a:solidFill>
+                            <a:schemeClr val="tx1"/>
+                          </a:solidFill>
+                          <a:effectLst/>
+                          <a:latin typeface="+mn-lt"/>
+                          <a:ea typeface="+mn-ea"/>
+                          <a:cs typeface="+mn-cs"/>
+                        </a:rPr>
+                        <a:t>0.728</a:t>
+                      </a:r>
+                      <a:endParaRPr lang="en-US" b="1" dirty="0">
+                        <a:solidFill>
+                          <a:schemeClr val="tx1"/>
+                        </a:solidFill>
+                      </a:endParaRPr>
+                    </a:p>
+                  </a:txBody>
+                  <a:tcPr/>
+                </a:tc>
+                <a:tc>
+                  <a:txBody>
+                    <a:bodyPr/>
+                    <a:lstStyle/>
+                    <a:p>
+                      <a:pPr algn="ctr"/>
+                      <a:r>
+                        <a:rPr lang="en-CA" sz="1800" b="1" kern="1200" dirty="0">
+                          <a:solidFill>
+                            <a:schemeClr val="tx1"/>
+                          </a:solidFill>
+                          <a:effectLst/>
+                        </a:rPr>
+                        <a:t>0.708</a:t>
+                      </a:r>
+                      <a:endParaRPr lang="en-US" b="1" dirty="0">
+                        <a:solidFill>
+                          <a:schemeClr val="tx1"/>
+                        </a:solidFill>
+                      </a:endParaRPr>
+                    </a:p>
+                  </a:txBody>
+                  <a:tcPr/>
+                </a:tc>
+                <a:tc>
+                  <a:txBody>
+                    <a:bodyPr/>
+                    <a:lstStyle/>
+                    <a:p>
+                      <a:pPr marL="0" marR="0" lvl="0" indent="0" algn="ctr" defTabSz="914400" rtl="0" eaLnBrk="1" fontAlgn="auto" latinLnBrk="0" hangingPunct="1">
+                        <a:lnSpc>
+                          <a:spcPct val="100000"/>
+                        </a:lnSpc>
+                        <a:spcBef>
+                          <a:spcPts val="0"/>
+                        </a:spcBef>
+                        <a:spcAft>
+                          <a:spcPts val="0"/>
+                        </a:spcAft>
+                        <a:buClrTx/>
+                        <a:buSzTx/>
+                        <a:buFontTx/>
+                        <a:buNone/>
+                        <a:tabLst/>
+                        <a:defRPr/>
+                      </a:pPr>
+                      <a:r>
+                        <a:rPr lang="en-CA" b="1" dirty="0">
+                          <a:solidFill>
+                            <a:schemeClr val="tx1"/>
+                          </a:solidFill>
+                          <a:effectLst/>
+                        </a:rPr>
+                        <a:t>0.675</a:t>
+                      </a:r>
+                      <a:endParaRPr lang="en-US" b="1" dirty="0">
+                        <a:solidFill>
+                          <a:schemeClr val="tx1"/>
+                        </a:solidFill>
+                      </a:endParaRPr>
+                    </a:p>
+                  </a:txBody>
+                  <a:tcPr/>
+                </a:tc>
+                <a:tc>
+                  <a:txBody>
+                    <a:bodyPr/>
+                    <a:lstStyle/>
+                    <a:p>
+                      <a:pPr algn="ctr"/>
+                      <a:r>
+                        <a:rPr lang="en-CA" sz="1800" b="1" i="0" kern="1200" dirty="0">
+                          <a:solidFill>
+                            <a:schemeClr val="tx1"/>
+                          </a:solidFill>
+                          <a:effectLst/>
+                          <a:latin typeface="+mn-lt"/>
+                          <a:ea typeface="+mn-ea"/>
+                          <a:cs typeface="+mn-cs"/>
+                        </a:rPr>
+                        <a:t>0.728</a:t>
+                      </a:r>
+                      <a:endParaRPr lang="en-US" b="1" dirty="0">
+                        <a:solidFill>
+                          <a:schemeClr val="tx1"/>
+                        </a:solidFill>
+                      </a:endParaRPr>
+                    </a:p>
+                  </a:txBody>
+                  <a:tcPr/>
+                </a:tc>
+                <a:tc>
+                  <a:txBody>
+                    <a:bodyPr/>
+                    <a:lstStyle/>
+                    <a:p>
+                      <a:pPr algn="ctr"/>
+                      <a:r>
+                        <a:rPr lang="en-CA" sz="1800" b="1" kern="1200" dirty="0">
+                          <a:solidFill>
+                            <a:schemeClr val="tx1"/>
+                          </a:solidFill>
+                          <a:effectLst/>
+                        </a:rPr>
+                        <a:t>0.668</a:t>
+                      </a:r>
+                      <a:endParaRPr lang="en-US" b="1" dirty="0">
+                        <a:solidFill>
+                          <a:schemeClr val="tx1"/>
+                        </a:solidFill>
+                      </a:endParaRPr>
+                    </a:p>
+                  </a:txBody>
+                  <a:tcPr/>
+                </a:tc>
+                <a:extLst>
+                  <a:ext uri="{0D108BD9-81ED-4DB2-BD59-A6C34878D82A}">
+                    <a16:rowId xmlns:a16="http://schemas.microsoft.com/office/drawing/2014/main" val="1550660384"/>
+                  </a:ext>
+                </a:extLst>
+              </a:tr>
+              <a:tr h="1036599">
+                <a:tc>
+                  <a:txBody>
+                    <a:bodyPr/>
+                    <a:lstStyle/>
+                    <a:p>
+                      <a:pPr marL="0" indent="0" algn="ctr">
+                        <a:lnSpc>
+                          <a:spcPct val="100000"/>
+                        </a:lnSpc>
+                        <a:buNone/>
+                      </a:pPr>
+                      <a:r>
+                        <a:rPr lang="en-CA" b="0" dirty="0">
+                          <a:effectLst/>
+                        </a:rPr>
+                        <a:t>Precision</a:t>
+                      </a:r>
+                      <a:endParaRPr lang="en-US" dirty="0"/>
+                    </a:p>
+                  </a:txBody>
+                  <a:tcPr/>
+                </a:tc>
+                <a:tc>
+                  <a:txBody>
+                    <a:bodyPr/>
+                    <a:lstStyle/>
+                    <a:p>
+                      <a:pPr marL="0" marR="0" lvl="0" indent="0" algn="ctr" defTabSz="914400" rtl="0" eaLnBrk="1" fontAlgn="auto" latinLnBrk="0" hangingPunct="1">
+                        <a:lnSpc>
+                          <a:spcPct val="100000"/>
+                        </a:lnSpc>
+                        <a:spcBef>
+                          <a:spcPts val="0"/>
+                        </a:spcBef>
+                        <a:spcAft>
+                          <a:spcPts val="0"/>
+                        </a:spcAft>
+                        <a:buClrTx/>
+                        <a:buSzTx/>
+                        <a:buFontTx/>
+                        <a:buNone/>
+                        <a:tabLst/>
+                        <a:defRPr/>
+                      </a:pPr>
+                      <a:r>
+                        <a:rPr lang="en-CA" b="0" dirty="0">
+                          <a:effectLst/>
+                        </a:rPr>
+                        <a:t>0.704</a:t>
+                      </a:r>
+                      <a:endParaRPr lang="en-US" dirty="0"/>
+                    </a:p>
+                  </a:txBody>
+                  <a:tcPr/>
+                </a:tc>
+                <a:tc>
+                  <a:txBody>
+                    <a:bodyPr/>
+                    <a:lstStyle/>
+                    <a:p>
+                      <a:pPr algn="ctr"/>
+                      <a:endParaRPr lang="en-US" dirty="0"/>
+                    </a:p>
+                  </a:txBody>
+                  <a:tcPr/>
+                </a:tc>
+                <a:tc>
+                  <a:txBody>
+                    <a:bodyPr/>
+                    <a:lstStyle/>
+                    <a:p>
+                      <a:pPr marL="0" indent="0" algn="ctr">
+                        <a:lnSpc>
+                          <a:spcPct val="100000"/>
+                        </a:lnSpc>
+                        <a:buNone/>
+                      </a:pPr>
+                      <a:endParaRPr lang="en-US" dirty="0"/>
+                    </a:p>
+                  </a:txBody>
+                  <a:tcPr/>
+                </a:tc>
+                <a:tc>
+                  <a:txBody>
+                    <a:bodyPr/>
+                    <a:lstStyle/>
+                    <a:p>
+                      <a:pPr marL="0" indent="0" algn="ctr">
+                        <a:lnSpc>
+                          <a:spcPct val="100000"/>
+                        </a:lnSpc>
+                        <a:buNone/>
+                      </a:pPr>
+                      <a:r>
+                        <a:rPr lang="en-CA" b="0" dirty="0">
+                          <a:effectLst/>
+                        </a:rPr>
+                        <a:t>0.669</a:t>
+                      </a:r>
+                      <a:endParaRPr lang="en-US" dirty="0"/>
+                    </a:p>
+                  </a:txBody>
+                  <a:tcPr/>
+                </a:tc>
+                <a:tc>
+                  <a:txBody>
+                    <a:bodyPr/>
+                    <a:lstStyle/>
+                    <a:p>
+                      <a:pPr algn="ctr"/>
+                      <a:endParaRPr lang="en-US" dirty="0"/>
+                    </a:p>
+                  </a:txBody>
+                  <a:tcPr/>
+                </a:tc>
+                <a:tc>
+                  <a:txBody>
+                    <a:bodyPr/>
+                    <a:lstStyle/>
+                    <a:p>
+                      <a:pPr algn="ctr"/>
+                      <a:endParaRPr lang="en-US" dirty="0"/>
+                    </a:p>
+                  </a:txBody>
+                  <a:tcPr/>
+                </a:tc>
+                <a:extLst>
+                  <a:ext uri="{0D108BD9-81ED-4DB2-BD59-A6C34878D82A}">
+                    <a16:rowId xmlns:a16="http://schemas.microsoft.com/office/drawing/2014/main" val="3673812393"/>
+                  </a:ext>
+                </a:extLst>
+              </a:tr>
+              <a:tr h="1036599">
+                <a:tc>
+                  <a:txBody>
+                    <a:bodyPr/>
+                    <a:lstStyle/>
+                    <a:p>
+                      <a:pPr algn="ctr">
+                        <a:lnSpc>
+                          <a:spcPct val="100000"/>
+                        </a:lnSpc>
+                      </a:pPr>
+                      <a:r>
+                        <a:rPr lang="en-US" dirty="0"/>
+                        <a:t>Recall</a:t>
+                      </a:r>
+                    </a:p>
+                  </a:txBody>
+                  <a:tcPr/>
+                </a:tc>
+                <a:tc>
+                  <a:txBody>
+                    <a:bodyPr/>
+                    <a:lstStyle/>
+                    <a:p>
+                      <a:pPr marL="0" marR="0" lvl="0" indent="0" algn="ctr" defTabSz="914400" rtl="0" eaLnBrk="1" fontAlgn="auto" latinLnBrk="0" hangingPunct="1">
+                        <a:lnSpc>
+                          <a:spcPct val="100000"/>
+                        </a:lnSpc>
+                        <a:spcBef>
+                          <a:spcPts val="0"/>
+                        </a:spcBef>
+                        <a:spcAft>
+                          <a:spcPts val="0"/>
+                        </a:spcAft>
+                        <a:buClrTx/>
+                        <a:buSzTx/>
+                        <a:buFontTx/>
+                        <a:buNone/>
+                        <a:tabLst/>
+                        <a:defRPr/>
+                      </a:pPr>
+                      <a:r>
+                        <a:rPr lang="en-CA" b="0" dirty="0">
+                          <a:effectLst/>
+                        </a:rPr>
+                        <a:t>0.910</a:t>
+                      </a:r>
+                      <a:endParaRPr lang="en-US" dirty="0"/>
+                    </a:p>
+                  </a:txBody>
+                  <a:tcPr/>
+                </a:tc>
+                <a:tc>
+                  <a:txBody>
+                    <a:bodyPr/>
+                    <a:lstStyle/>
+                    <a:p>
+                      <a:pPr algn="ctr"/>
+                      <a:endParaRPr lang="en-US" dirty="0"/>
+                    </a:p>
+                  </a:txBody>
+                  <a:tcPr/>
+                </a:tc>
+                <a:tc>
+                  <a:txBody>
+                    <a:bodyPr/>
+                    <a:lstStyle/>
+                    <a:p>
+                      <a:pPr marL="0" indent="0" algn="ctr">
+                        <a:lnSpc>
+                          <a:spcPct val="100000"/>
+                        </a:lnSpc>
+                        <a:buNone/>
+                      </a:pPr>
+                      <a:endParaRPr lang="en-CA" b="0" i="0" dirty="0">
+                        <a:effectLst/>
+                      </a:endParaRPr>
+                    </a:p>
+                  </a:txBody>
+                  <a:tcPr/>
+                </a:tc>
+                <a:tc>
+                  <a:txBody>
+                    <a:bodyPr/>
+                    <a:lstStyle/>
+                    <a:p>
+                      <a:pPr marL="0" indent="0" algn="ctr">
+                        <a:lnSpc>
+                          <a:spcPct val="100000"/>
+                        </a:lnSpc>
+                        <a:buNone/>
+                      </a:pPr>
+                      <a:r>
+                        <a:rPr lang="en-CA" b="0" dirty="0">
+                          <a:effectLst/>
+                        </a:rPr>
+                        <a:t>0.887</a:t>
+                      </a:r>
+                      <a:endParaRPr lang="en-CA" b="0" i="0" dirty="0">
+                        <a:effectLst/>
+                      </a:endParaRPr>
+                    </a:p>
+                  </a:txBody>
+                  <a:tcPr/>
+                </a:tc>
+                <a:tc>
+                  <a:txBody>
+                    <a:bodyPr/>
+                    <a:lstStyle/>
+                    <a:p>
+                      <a:pPr algn="ctr"/>
+                      <a:endParaRPr lang="en-US" dirty="0"/>
+                    </a:p>
+                  </a:txBody>
+                  <a:tcPr/>
+                </a:tc>
+                <a:tc>
+                  <a:txBody>
+                    <a:bodyPr/>
+                    <a:lstStyle/>
+                    <a:p>
+                      <a:pPr algn="ctr"/>
+                      <a:endParaRPr lang="en-US" dirty="0"/>
+                    </a:p>
+                  </a:txBody>
+                  <a:tcPr/>
+                </a:tc>
+                <a:extLst>
+                  <a:ext uri="{0D108BD9-81ED-4DB2-BD59-A6C34878D82A}">
+                    <a16:rowId xmlns:a16="http://schemas.microsoft.com/office/drawing/2014/main" val="1828819681"/>
+                  </a:ext>
+                </a:extLst>
+              </a:tr>
+              <a:tr h="958704">
+                <a:tc>
+                  <a:txBody>
+                    <a:bodyPr/>
+                    <a:lstStyle/>
+                    <a:p>
+                      <a:pPr algn="ctr">
+                        <a:lnSpc>
+                          <a:spcPct val="100000"/>
+                        </a:lnSpc>
+                      </a:pPr>
+                      <a:r>
+                        <a:rPr lang="en-US" dirty="0"/>
+                        <a:t>F1-Score</a:t>
+                      </a:r>
+                    </a:p>
+                  </a:txBody>
+                  <a:tcPr/>
+                </a:tc>
+                <a:tc>
+                  <a:txBody>
+                    <a:bodyPr/>
+                    <a:lstStyle/>
+                    <a:p>
+                      <a:pPr marL="0" marR="0" lvl="0" indent="0" algn="ctr" defTabSz="914400" rtl="0" eaLnBrk="1" fontAlgn="auto" latinLnBrk="0" hangingPunct="1">
+                        <a:lnSpc>
+                          <a:spcPct val="100000"/>
+                        </a:lnSpc>
+                        <a:spcBef>
+                          <a:spcPts val="0"/>
+                        </a:spcBef>
+                        <a:spcAft>
+                          <a:spcPts val="0"/>
+                        </a:spcAft>
+                        <a:buClrTx/>
+                        <a:buSzTx/>
+                        <a:buFontTx/>
+                        <a:buNone/>
+                        <a:tabLst/>
+                        <a:defRPr/>
+                      </a:pPr>
+                      <a:r>
+                        <a:rPr lang="en-CA" b="0" dirty="0">
+                          <a:effectLst/>
+                        </a:rPr>
+                        <a:t>0.794</a:t>
+                      </a:r>
+                      <a:endParaRPr lang="en-US" dirty="0"/>
+                    </a:p>
+                  </a:txBody>
+                  <a:tcPr/>
+                </a:tc>
+                <a:tc>
+                  <a:txBody>
+                    <a:bodyPr/>
+                    <a:lstStyle/>
+                    <a:p>
+                      <a:pPr algn="ctr"/>
+                      <a:r>
+                        <a:rPr lang="en-US" dirty="0"/>
+                        <a:t>0.784</a:t>
+                      </a:r>
+                    </a:p>
+                  </a:txBody>
+                  <a:tcPr/>
+                </a:tc>
+                <a:tc>
+                  <a:txBody>
+                    <a:bodyPr/>
+                    <a:lstStyle/>
+                    <a:p>
+                      <a:pPr marL="0" marR="0" lvl="0" indent="0" algn="ctr" defTabSz="914400" rtl="0" eaLnBrk="1" fontAlgn="auto" latinLnBrk="0" hangingPunct="1">
+                        <a:lnSpc>
+                          <a:spcPct val="100000"/>
+                        </a:lnSpc>
+                        <a:spcBef>
+                          <a:spcPts val="0"/>
+                        </a:spcBef>
+                        <a:spcAft>
+                          <a:spcPts val="0"/>
+                        </a:spcAft>
+                        <a:buClrTx/>
+                        <a:buSzTx/>
+                        <a:buFontTx/>
+                        <a:buNone/>
+                        <a:tabLst/>
+                        <a:defRPr/>
+                      </a:pPr>
+                      <a:endParaRPr lang="en-US" dirty="0"/>
+                    </a:p>
+                  </a:txBody>
+                  <a:tcPr/>
+                </a:tc>
+                <a:tc>
+                  <a:txBody>
+                    <a:bodyPr/>
+                    <a:lstStyle/>
+                    <a:p>
+                      <a:pPr marL="0" marR="0" lvl="0" indent="0" algn="ctr" defTabSz="914400" rtl="0" eaLnBrk="1" fontAlgn="auto" latinLnBrk="0" hangingPunct="1">
+                        <a:lnSpc>
+                          <a:spcPct val="100000"/>
+                        </a:lnSpc>
+                        <a:spcBef>
+                          <a:spcPts val="0"/>
+                        </a:spcBef>
+                        <a:spcAft>
+                          <a:spcPts val="0"/>
+                        </a:spcAft>
+                        <a:buClrTx/>
+                        <a:buSzTx/>
+                        <a:buFontTx/>
+                        <a:buNone/>
+                        <a:tabLst/>
+                        <a:defRPr/>
+                      </a:pPr>
+                      <a:r>
+                        <a:rPr lang="en-CA" b="0" dirty="0">
+                          <a:effectLst/>
+                        </a:rPr>
+                        <a:t> 0.763</a:t>
+                      </a:r>
+                      <a:endParaRPr lang="en-US" dirty="0"/>
+                    </a:p>
+                  </a:txBody>
+                  <a:tcPr/>
+                </a:tc>
+                <a:tc>
+                  <a:txBody>
+                    <a:bodyPr/>
+                    <a:lstStyle/>
+                    <a:p>
+                      <a:pPr algn="ctr"/>
+                      <a:r>
+                        <a:rPr lang="en-US" dirty="0"/>
+                        <a:t>0.773</a:t>
+                      </a:r>
+                    </a:p>
+                  </a:txBody>
+                  <a:tcPr/>
+                </a:tc>
+                <a:tc>
+                  <a:txBody>
+                    <a:bodyPr/>
+                    <a:lstStyle/>
+                    <a:p>
+                      <a:pPr algn="ctr"/>
+                      <a:endParaRPr lang="en-US" dirty="0"/>
+                    </a:p>
+                  </a:txBody>
+                  <a:tcPr/>
+                </a:tc>
+                <a:extLst>
+                  <a:ext uri="{0D108BD9-81ED-4DB2-BD59-A6C34878D82A}">
+                    <a16:rowId xmlns:a16="http://schemas.microsoft.com/office/drawing/2014/main" val="1081092358"/>
+                  </a:ext>
+                </a:extLst>
+              </a:tr>
+            </a:tbl>
+          </a:graphicData>
+        </a:graphic>
+      </p:graphicFrame>
+    </p:spTree>
+    <p:extLst>
+      <p:ext uri="{BB962C8B-B14F-4D97-AF65-F5344CB8AC3E}">
+        <p14:creationId xmlns:p14="http://schemas.microsoft.com/office/powerpoint/2010/main" val="1919104070"/>
       </p:ext>
     </p:extLst>
   </p:cSld>

--- a/Presentation.pptx
+++ b/Presentation.pptx
@@ -10,12 +10,16 @@
     <p:sldId id="257" r:id="rId4"/>
     <p:sldId id="260" r:id="rId5"/>
     <p:sldId id="262" r:id="rId6"/>
-    <p:sldId id="265" r:id="rId7"/>
-    <p:sldId id="264" r:id="rId8"/>
-    <p:sldId id="261" r:id="rId9"/>
-    <p:sldId id="263" r:id="rId10"/>
-    <p:sldId id="259" r:id="rId11"/>
-    <p:sldId id="267" r:id="rId12"/>
+    <p:sldId id="274" r:id="rId7"/>
+    <p:sldId id="265" r:id="rId8"/>
+    <p:sldId id="264" r:id="rId9"/>
+    <p:sldId id="272" r:id="rId10"/>
+    <p:sldId id="263" r:id="rId11"/>
+    <p:sldId id="273" r:id="rId12"/>
+    <p:sldId id="271" r:id="rId13"/>
+    <p:sldId id="267" r:id="rId14"/>
+    <p:sldId id="270" r:id="rId15"/>
+    <p:sldId id="269" r:id="rId16"/>
   </p:sldIdLst>
   <p:sldSz cx="12192000" cy="6858000"/>
   <p:notesSz cx="6858000" cy="9144000"/>
@@ -117,22 +121,26 @@
   <p:extLst>
     <p:ext uri="{521415D9-36F7-43E2-AB2F-B90AF26B5E84}">
       <p14:sectionLst xmlns:p14="http://schemas.microsoft.com/office/powerpoint/2010/main">
-        <p14:section name="Default Section" id="{DD5307BF-C712-914B-8142-C50BD2A6323E}">
+        <p14:section name="Loan Prediction Model Introduction" id="{DD5307BF-C712-914B-8142-C50BD2A6323E}">
           <p14:sldIdLst>
             <p14:sldId id="256"/>
             <p14:sldId id="258"/>
             <p14:sldId id="257"/>
             <p14:sldId id="260"/>
             <p14:sldId id="262"/>
+            <p14:sldId id="274"/>
             <p14:sldId id="265"/>
             <p14:sldId id="264"/>
-            <p14:sldId id="261"/>
+            <p14:sldId id="272"/>
             <p14:sldId id="263"/>
-            <p14:sldId id="259"/>
+            <p14:sldId id="273"/>
+            <p14:sldId id="271"/>
             <p14:sldId id="267"/>
+            <p14:sldId id="270"/>
+            <p14:sldId id="269"/>
           </p14:sldIdLst>
         </p14:section>
-        <p14:section name="Pipeline" id="{C32284C8-BCB6-D64E-99B2-12EB62CDFCF4}">
+        <p14:section name="ML Models" id="{C32284C8-BCB6-D64E-99B2-12EB62CDFCF4}">
           <p14:sldIdLst/>
         </p14:section>
       </p14:sectionLst>
@@ -142,15 +150,15 @@
 </file>
 
 <file path=ppt/diagrams/colors1.xml><?xml version="1.0" encoding="utf-8"?>
-<dgm:colorsDef xmlns:dgm="http://schemas.openxmlformats.org/drawingml/2006/diagram" xmlns:a="http://schemas.openxmlformats.org/drawingml/2006/main" uniqueId="urn:microsoft.com/office/officeart/2018/5/colors/Iconchunking_neutralicontext_colorful2">
+<dgm:colorsDef xmlns:dgm="http://schemas.openxmlformats.org/drawingml/2006/diagram" xmlns:a="http://schemas.openxmlformats.org/drawingml/2006/main" uniqueId="urn:microsoft.com/office/officeart/2005/8/colors/accent2_2">
   <dgm:title val=""/>
   <dgm:desc val=""/>
   <dgm:catLst>
-    <dgm:cat type="colorful" pri="10200"/>
+    <dgm:cat type="accent2" pri="11200"/>
   </dgm:catLst>
   <dgm:styleLbl name="node0">
     <dgm:fillClrLst meth="repeat">
-      <a:schemeClr val="accent1"/>
+      <a:schemeClr val="accent2"/>
     </dgm:fillClrLst>
     <dgm:linClrLst meth="repeat">
       <a:schemeClr val="lt1"/>
@@ -162,28 +170,22 @@
   </dgm:styleLbl>
   <dgm:styleLbl name="node1">
     <dgm:fillClrLst meth="repeat">
-      <a:schemeClr val="bg1"/>
+      <a:schemeClr val="accent2"/>
     </dgm:fillClrLst>
     <dgm:linClrLst meth="repeat">
-      <a:schemeClr val="lt1">
-        <a:alpha val="0"/>
-      </a:schemeClr>
+      <a:schemeClr val="lt1"/>
     </dgm:linClrLst>
     <dgm:effectClrLst/>
     <dgm:txLinClrLst/>
-    <dgm:txFillClrLst meth="repeat">
-      <a:schemeClr val="dk1"/>
-    </dgm:txFillClrLst>
+    <dgm:txFillClrLst/>
     <dgm:txEffectClrLst/>
   </dgm:styleLbl>
   <dgm:styleLbl name="alignNode1">
-    <dgm:fillClrLst>
+    <dgm:fillClrLst meth="repeat">
       <a:schemeClr val="accent2"/>
-      <a:schemeClr val="accent3"/>
     </dgm:fillClrLst>
-    <dgm:linClrLst>
+    <dgm:linClrLst meth="repeat">
       <a:schemeClr val="accent2"/>
-      <a:schemeClr val="accent3"/>
     </dgm:linClrLst>
     <dgm:effectClrLst/>
     <dgm:txLinClrLst/>
@@ -191,9 +193,8 @@
     <dgm:txEffectClrLst/>
   </dgm:styleLbl>
   <dgm:styleLbl name="lnNode1">
-    <dgm:fillClrLst>
+    <dgm:fillClrLst meth="repeat">
       <a:schemeClr val="accent2"/>
-      <a:schemeClr val="accent3"/>
     </dgm:fillClrLst>
     <dgm:linClrLst meth="repeat">
       <a:schemeClr val="lt1"/>
@@ -204,11 +205,8 @@
     <dgm:txEffectClrLst/>
   </dgm:styleLbl>
   <dgm:styleLbl name="vennNode1">
-    <dgm:fillClrLst>
+    <dgm:fillClrLst meth="repeat">
       <a:schemeClr val="accent2">
-        <a:alpha val="50000"/>
-      </a:schemeClr>
-      <a:schemeClr val="accent3">
         <a:alpha val="50000"/>
       </a:schemeClr>
     </dgm:fillClrLst>
@@ -221,8 +219,8 @@
     <dgm:txEffectClrLst/>
   </dgm:styleLbl>
   <dgm:styleLbl name="node2">
-    <dgm:fillClrLst>
-      <a:schemeClr val="accent3"/>
+    <dgm:fillClrLst meth="repeat">
+      <a:schemeClr val="accent2"/>
     </dgm:fillClrLst>
     <dgm:linClrLst meth="repeat">
       <a:schemeClr val="lt1"/>
@@ -233,8 +231,8 @@
     <dgm:txEffectClrLst/>
   </dgm:styleLbl>
   <dgm:styleLbl name="node3">
-    <dgm:fillClrLst>
-      <a:schemeClr val="accent4"/>
+    <dgm:fillClrLst meth="repeat">
+      <a:schemeClr val="accent2"/>
     </dgm:fillClrLst>
     <dgm:linClrLst meth="repeat">
       <a:schemeClr val="lt1"/>
@@ -245,8 +243,8 @@
     <dgm:txEffectClrLst/>
   </dgm:styleLbl>
   <dgm:styleLbl name="node4">
-    <dgm:fillClrLst>
-      <a:schemeClr val="accent5"/>
+    <dgm:fillClrLst meth="repeat">
+      <a:schemeClr val="accent2"/>
     </dgm:fillClrLst>
     <dgm:linClrLst meth="repeat">
       <a:schemeClr val="lt1"/>
@@ -257,11 +255,8 @@
     <dgm:txEffectClrLst/>
   </dgm:styleLbl>
   <dgm:styleLbl name="fgImgPlace1">
-    <dgm:fillClrLst>
+    <dgm:fillClrLst meth="repeat">
       <a:schemeClr val="accent2">
-        <a:tint val="50000"/>
-      </a:schemeClr>
-      <a:schemeClr val="accent3">
         <a:tint val="50000"/>
       </a:schemeClr>
     </dgm:fillClrLst>
@@ -276,12 +271,9 @@
     <dgm:txEffectClrLst/>
   </dgm:styleLbl>
   <dgm:styleLbl name="alignImgPlace1">
-    <dgm:fillClrLst>
+    <dgm:fillClrLst meth="repeat">
       <a:schemeClr val="accent2">
         <a:tint val="50000"/>
-      </a:schemeClr>
-      <a:schemeClr val="accent3">
-        <a:tint val="20000"/>
       </a:schemeClr>
     </dgm:fillClrLst>
     <dgm:linClrLst meth="repeat">
@@ -295,12 +287,9 @@
     <dgm:txEffectClrLst/>
   </dgm:styleLbl>
   <dgm:styleLbl name="bgImgPlace1">
-    <dgm:fillClrLst>
+    <dgm:fillClrLst meth="repeat">
       <a:schemeClr val="accent2">
         <a:tint val="50000"/>
-      </a:schemeClr>
-      <a:schemeClr val="accent3">
-        <a:tint val="20000"/>
       </a:schemeClr>
     </dgm:fillClrLst>
     <dgm:linClrLst meth="repeat">
@@ -314,12 +303,15 @@
     <dgm:txEffectClrLst/>
   </dgm:styleLbl>
   <dgm:styleLbl name="sibTrans2D1">
-    <dgm:fillClrLst>
-      <a:schemeClr val="accent2"/>
-      <a:schemeClr val="accent3"/>
+    <dgm:fillClrLst meth="repeat">
+      <a:schemeClr val="accent2">
+        <a:tint val="60000"/>
+      </a:schemeClr>
     </dgm:fillClrLst>
     <dgm:linClrLst meth="repeat">
-      <a:schemeClr val="lt1"/>
+      <a:schemeClr val="accent2">
+        <a:tint val="60000"/>
+      </a:schemeClr>
     </dgm:linClrLst>
     <dgm:effectClrLst/>
     <dgm:txLinClrLst/>
@@ -327,40 +319,43 @@
     <dgm:txEffectClrLst/>
   </dgm:styleLbl>
   <dgm:styleLbl name="fgSibTrans2D1">
-    <dgm:fillClrLst>
-      <a:schemeClr val="accent2"/>
-      <a:schemeClr val="accent3"/>
+    <dgm:fillClrLst meth="repeat">
+      <a:schemeClr val="accent2">
+        <a:tint val="60000"/>
+      </a:schemeClr>
     </dgm:fillClrLst>
     <dgm:linClrLst meth="repeat">
-      <a:schemeClr val="lt1"/>
+      <a:schemeClr val="accent2">
+        <a:tint val="60000"/>
+      </a:schemeClr>
     </dgm:linClrLst>
     <dgm:effectClrLst/>
     <dgm:txLinClrLst/>
-    <dgm:txFillClrLst meth="repeat">
-      <a:schemeClr val="lt1"/>
-    </dgm:txFillClrLst>
+    <dgm:txFillClrLst/>
     <dgm:txEffectClrLst/>
   </dgm:styleLbl>
   <dgm:styleLbl name="bgSibTrans2D1">
-    <dgm:fillClrLst>
-      <a:schemeClr val="accent2"/>
-      <a:schemeClr val="accent3"/>
+    <dgm:fillClrLst meth="repeat">
+      <a:schemeClr val="accent2">
+        <a:tint val="60000"/>
+      </a:schemeClr>
     </dgm:fillClrLst>
     <dgm:linClrLst meth="repeat">
-      <a:schemeClr val="lt1"/>
+      <a:schemeClr val="accent2">
+        <a:tint val="60000"/>
+      </a:schemeClr>
     </dgm:linClrLst>
     <dgm:effectClrLst/>
     <dgm:txLinClrLst/>
-    <dgm:txFillClrLst meth="repeat">
-      <a:schemeClr val="lt1"/>
-    </dgm:txFillClrLst>
+    <dgm:txFillClrLst/>
     <dgm:txEffectClrLst/>
   </dgm:styleLbl>
   <dgm:styleLbl name="sibTrans1D1">
-    <dgm:fillClrLst/>
-    <dgm:linClrLst>
+    <dgm:fillClrLst meth="repeat">
       <a:schemeClr val="accent2"/>
-      <a:schemeClr val="accent3"/>
+    </dgm:fillClrLst>
+    <dgm:linClrLst meth="repeat">
+      <a:schemeClr val="accent2"/>
     </dgm:linClrLst>
     <dgm:effectClrLst/>
     <dgm:txLinClrLst/>
@@ -390,9 +385,7 @@
       <a:schemeClr val="accent2"/>
     </dgm:fillClrLst>
     <dgm:linClrLst meth="repeat">
-      <a:schemeClr val="lt1">
-        <a:shade val="80000"/>
-      </a:schemeClr>
+      <a:schemeClr val="lt1"/>
     </dgm:linClrLst>
     <dgm:effectClrLst/>
     <dgm:txLinClrLst/>
@@ -401,12 +394,10 @@
   </dgm:styleLbl>
   <dgm:styleLbl name="asst1">
     <dgm:fillClrLst meth="repeat">
-      <a:schemeClr val="accent3"/>
+      <a:schemeClr val="accent2"/>
     </dgm:fillClrLst>
     <dgm:linClrLst meth="repeat">
-      <a:schemeClr val="lt1">
-        <a:shade val="80000"/>
-      </a:schemeClr>
+      <a:schemeClr val="lt1"/>
     </dgm:linClrLst>
     <dgm:effectClrLst/>
     <dgm:txLinClrLst/>
@@ -414,8 +405,8 @@
     <dgm:txEffectClrLst/>
   </dgm:styleLbl>
   <dgm:styleLbl name="asst2">
-    <dgm:fillClrLst>
-      <a:schemeClr val="accent4"/>
+    <dgm:fillClrLst meth="repeat">
+      <a:schemeClr val="accent2"/>
     </dgm:fillClrLst>
     <dgm:linClrLst meth="repeat">
       <a:schemeClr val="lt1"/>
@@ -426,8 +417,8 @@
     <dgm:txEffectClrLst/>
   </dgm:styleLbl>
   <dgm:styleLbl name="asst3">
-    <dgm:fillClrLst>
-      <a:schemeClr val="accent5"/>
+    <dgm:fillClrLst meth="repeat">
+      <a:schemeClr val="accent2"/>
     </dgm:fillClrLst>
     <dgm:linClrLst meth="repeat">
       <a:schemeClr val="lt1"/>
@@ -438,8 +429,8 @@
     <dgm:txEffectClrLst/>
   </dgm:styleLbl>
   <dgm:styleLbl name="asst4">
-    <dgm:fillClrLst>
-      <a:schemeClr val="accent6"/>
+    <dgm:fillClrLst meth="repeat">
+      <a:schemeClr val="accent2"/>
     </dgm:fillClrLst>
     <dgm:linClrLst meth="repeat">
       <a:schemeClr val="lt1"/>
@@ -451,10 +442,14 @@
   </dgm:styleLbl>
   <dgm:styleLbl name="parChTrans2D1">
     <dgm:fillClrLst meth="repeat">
-      <a:schemeClr val="accent2"/>
+      <a:schemeClr val="accent2">
+        <a:tint val="60000"/>
+      </a:schemeClr>
     </dgm:fillClrLst>
     <dgm:linClrLst meth="repeat">
-      <a:schemeClr val="lt1"/>
+      <a:schemeClr val="accent2">
+        <a:tint val="60000"/>
+      </a:schemeClr>
     </dgm:linClrLst>
     <dgm:effectClrLst/>
     <dgm:txLinClrLst/>
@@ -465,34 +460,38 @@
   </dgm:styleLbl>
   <dgm:styleLbl name="parChTrans2D2">
     <dgm:fillClrLst meth="repeat">
-      <a:schemeClr val="accent3"/>
+      <a:schemeClr val="accent2"/>
     </dgm:fillClrLst>
     <dgm:linClrLst meth="repeat">
-      <a:schemeClr val="lt1"/>
+      <a:schemeClr val="accent2"/>
     </dgm:linClrLst>
     <dgm:effectClrLst/>
     <dgm:txLinClrLst/>
-    <dgm:txFillClrLst/>
+    <dgm:txFillClrLst meth="repeat">
+      <a:schemeClr val="lt1"/>
+    </dgm:txFillClrLst>
     <dgm:txEffectClrLst/>
   </dgm:styleLbl>
   <dgm:styleLbl name="parChTrans2D3">
     <dgm:fillClrLst meth="repeat">
-      <a:schemeClr val="accent4"/>
+      <a:schemeClr val="accent2"/>
     </dgm:fillClrLst>
     <dgm:linClrLst meth="repeat">
-      <a:schemeClr val="lt1"/>
+      <a:schemeClr val="accent2"/>
     </dgm:linClrLst>
     <dgm:effectClrLst/>
     <dgm:txLinClrLst/>
-    <dgm:txFillClrLst/>
+    <dgm:txFillClrLst meth="repeat">
+      <a:schemeClr val="lt1"/>
+    </dgm:txFillClrLst>
     <dgm:txEffectClrLst/>
   </dgm:styleLbl>
   <dgm:styleLbl name="parChTrans2D4">
     <dgm:fillClrLst meth="repeat">
-      <a:schemeClr val="accent5"/>
+      <a:schemeClr val="accent2"/>
     </dgm:fillClrLst>
     <dgm:linClrLst meth="repeat">
-      <a:schemeClr val="lt1"/>
+      <a:schemeClr val="accent2"/>
     </dgm:linClrLst>
     <dgm:effectClrLst/>
     <dgm:txLinClrLst/>
@@ -506,7 +505,9 @@
       <a:schemeClr val="accent2"/>
     </dgm:fillClrLst>
     <dgm:linClrLst meth="repeat">
-      <a:schemeClr val="accent2"/>
+      <a:schemeClr val="accent2">
+        <a:shade val="60000"/>
+      </a:schemeClr>
     </dgm:linClrLst>
     <dgm:effectClrLst/>
     <dgm:txLinClrLst/>
@@ -517,12 +518,12 @@
   </dgm:styleLbl>
   <dgm:styleLbl name="parChTrans1D2">
     <dgm:fillClrLst meth="repeat">
-      <a:schemeClr val="accent2">
-        <a:tint val="90000"/>
-      </a:schemeClr>
+      <a:schemeClr val="accent2"/>
     </dgm:fillClrLst>
     <dgm:linClrLst meth="repeat">
-      <a:schemeClr val="accent3"/>
+      <a:schemeClr val="accent2">
+        <a:shade val="60000"/>
+      </a:schemeClr>
     </dgm:linClrLst>
     <dgm:effectClrLst/>
     <dgm:txLinClrLst/>
@@ -533,12 +534,12 @@
   </dgm:styleLbl>
   <dgm:styleLbl name="parChTrans1D3">
     <dgm:fillClrLst meth="repeat">
-      <a:schemeClr val="accent2">
-        <a:tint val="70000"/>
-      </a:schemeClr>
+      <a:schemeClr val="accent2"/>
     </dgm:fillClrLst>
     <dgm:linClrLst meth="repeat">
-      <a:schemeClr val="accent4"/>
+      <a:schemeClr val="accent2">
+        <a:shade val="80000"/>
+      </a:schemeClr>
     </dgm:linClrLst>
     <dgm:effectClrLst/>
     <dgm:txLinClrLst/>
@@ -549,12 +550,12 @@
   </dgm:styleLbl>
   <dgm:styleLbl name="parChTrans1D4">
     <dgm:fillClrLst meth="repeat">
-      <a:schemeClr val="accent2">
-        <a:tint val="50000"/>
-      </a:schemeClr>
+      <a:schemeClr val="accent2"/>
     </dgm:fillClrLst>
     <dgm:linClrLst meth="repeat">
-      <a:schemeClr val="accent5"/>
+      <a:schemeClr val="accent2">
+        <a:shade val="80000"/>
+      </a:schemeClr>
     </dgm:linClrLst>
     <dgm:effectClrLst/>
     <dgm:txLinClrLst/>
@@ -569,9 +570,8 @@
         <a:alpha val="90000"/>
       </a:schemeClr>
     </dgm:fillClrLst>
-    <dgm:linClrLst>
+    <dgm:linClrLst meth="repeat">
       <a:schemeClr val="accent2"/>
-      <a:schemeClr val="accent3"/>
     </dgm:linClrLst>
     <dgm:effectClrLst/>
     <dgm:txLinClrLst/>
@@ -586,9 +586,8 @@
         <a:alpha val="90000"/>
       </a:schemeClr>
     </dgm:fillClrLst>
-    <dgm:linClrLst>
+    <dgm:linClrLst meth="repeat">
       <a:schemeClr val="accent2"/>
-      <a:schemeClr val="accent3"/>
     </dgm:linClrLst>
     <dgm:effectClrLst/>
     <dgm:txLinClrLst/>
@@ -603,9 +602,8 @@
         <a:alpha val="90000"/>
       </a:schemeClr>
     </dgm:fillClrLst>
-    <dgm:linClrLst>
+    <dgm:linClrLst meth="repeat">
       <a:schemeClr val="accent2"/>
-      <a:schemeClr val="accent3"/>
     </dgm:linClrLst>
     <dgm:effectClrLst/>
     <dgm:txLinClrLst/>
@@ -636,9 +634,8 @@
         <a:alpha val="90000"/>
       </a:schemeClr>
     </dgm:fillClrLst>
-    <dgm:linClrLst>
+    <dgm:linClrLst meth="repeat">
       <a:schemeClr val="accent2"/>
-      <a:schemeClr val="accent3"/>
     </dgm:linClrLst>
     <dgm:effectClrLst/>
     <dgm:txLinClrLst/>
@@ -651,9 +648,8 @@
     <dgm:fillClrLst meth="repeat">
       <a:schemeClr val="lt1"/>
     </dgm:fillClrLst>
-    <dgm:linClrLst>
+    <dgm:linClrLst meth="repeat">
       <a:schemeClr val="accent2"/>
-      <a:schemeClr val="accent3"/>
     </dgm:linClrLst>
     <dgm:effectClrLst/>
     <dgm:txLinClrLst/>
@@ -666,9 +662,8 @@
     <dgm:fillClrLst meth="repeat">
       <a:schemeClr val="lt1"/>
     </dgm:fillClrLst>
-    <dgm:linClrLst>
+    <dgm:linClrLst meth="repeat">
       <a:schemeClr val="accent2"/>
-      <a:schemeClr val="accent3"/>
     </dgm:linClrLst>
     <dgm:effectClrLst/>
     <dgm:txLinClrLst/>
@@ -681,9 +676,8 @@
     <dgm:fillClrLst meth="repeat">
       <a:schemeClr val="lt1"/>
     </dgm:fillClrLst>
-    <dgm:linClrLst>
+    <dgm:linClrLst meth="repeat">
       <a:schemeClr val="accent2"/>
-      <a:schemeClr val="accent3"/>
     </dgm:linClrLst>
     <dgm:effectClrLst/>
     <dgm:txLinClrLst/>
@@ -693,24 +687,16 @@
     <dgm:txEffectClrLst/>
   </dgm:styleLbl>
   <dgm:styleLbl name="fgAccFollowNode1">
-    <dgm:fillClrLst>
+    <dgm:fillClrLst meth="repeat">
       <a:schemeClr val="accent2">
+        <a:alpha val="90000"/>
         <a:tint val="40000"/>
-        <a:alpha val="90000"/>
-      </a:schemeClr>
-      <a:schemeClr val="accent3">
-        <a:tint val="40000"/>
-        <a:alpha val="90000"/>
       </a:schemeClr>
     </dgm:fillClrLst>
-    <dgm:linClrLst>
+    <dgm:linClrLst meth="repeat">
       <a:schemeClr val="accent2">
+        <a:alpha val="90000"/>
         <a:tint val="40000"/>
-        <a:alpha val="90000"/>
-      </a:schemeClr>
-      <a:schemeClr val="accent3">
-        <a:tint val="40000"/>
-        <a:alpha val="90000"/>
       </a:schemeClr>
     </dgm:linClrLst>
     <dgm:effectClrLst/>
@@ -721,24 +707,16 @@
     <dgm:txEffectClrLst/>
   </dgm:styleLbl>
   <dgm:styleLbl name="alignAccFollowNode1">
-    <dgm:fillClrLst>
+    <dgm:fillClrLst meth="repeat">
       <a:schemeClr val="accent2">
+        <a:alpha val="90000"/>
         <a:tint val="40000"/>
-        <a:alpha val="90000"/>
-      </a:schemeClr>
-      <a:schemeClr val="accent3">
-        <a:tint val="40000"/>
-        <a:alpha val="90000"/>
       </a:schemeClr>
     </dgm:fillClrLst>
-    <dgm:linClrLst>
+    <dgm:linClrLst meth="repeat">
       <a:schemeClr val="accent2">
+        <a:alpha val="90000"/>
         <a:tint val="40000"/>
-        <a:alpha val="90000"/>
-      </a:schemeClr>
-      <a:schemeClr val="accent3">
-        <a:tint val="40000"/>
-        <a:alpha val="90000"/>
       </a:schemeClr>
     </dgm:linClrLst>
     <dgm:effectClrLst/>
@@ -749,24 +727,16 @@
     <dgm:txEffectClrLst/>
   </dgm:styleLbl>
   <dgm:styleLbl name="bgAccFollowNode1">
-    <dgm:fillClrLst>
+    <dgm:fillClrLst meth="repeat">
       <a:schemeClr val="accent2">
+        <a:alpha val="90000"/>
         <a:tint val="40000"/>
-        <a:alpha val="90000"/>
-      </a:schemeClr>
-      <a:schemeClr val="accent3">
-        <a:tint val="40000"/>
-        <a:alpha val="90000"/>
       </a:schemeClr>
     </dgm:fillClrLst>
-    <dgm:linClrLst>
+    <dgm:linClrLst meth="repeat">
       <a:schemeClr val="accent2">
+        <a:alpha val="90000"/>
         <a:tint val="40000"/>
-        <a:alpha val="90000"/>
-      </a:schemeClr>
-      <a:schemeClr val="accent3">
-        <a:tint val="40000"/>
-        <a:alpha val="90000"/>
       </a:schemeClr>
     </dgm:linClrLst>
     <dgm:effectClrLst/>
@@ -782,8 +752,8 @@
         <a:alpha val="90000"/>
       </a:schemeClr>
     </dgm:fillClrLst>
-    <dgm:linClrLst>
-      <a:schemeClr val="accent1"/>
+    <dgm:linClrLst meth="repeat">
+      <a:schemeClr val="accent2"/>
     </dgm:linClrLst>
     <dgm:effectClrLst/>
     <dgm:txLinClrLst/>
@@ -798,8 +768,8 @@
         <a:alpha val="90000"/>
       </a:schemeClr>
     </dgm:fillClrLst>
-    <dgm:linClrLst>
-      <a:schemeClr val="accent3"/>
+    <dgm:linClrLst meth="repeat">
+      <a:schemeClr val="accent2"/>
     </dgm:linClrLst>
     <dgm:effectClrLst/>
     <dgm:txLinClrLst/>
@@ -814,8 +784,8 @@
         <a:alpha val="90000"/>
       </a:schemeClr>
     </dgm:fillClrLst>
-    <dgm:linClrLst>
-      <a:schemeClr val="accent4"/>
+    <dgm:linClrLst meth="repeat">
+      <a:schemeClr val="accent2"/>
     </dgm:linClrLst>
     <dgm:effectClrLst/>
     <dgm:txLinClrLst/>
@@ -830,8 +800,8 @@
         <a:alpha val="90000"/>
       </a:schemeClr>
     </dgm:fillClrLst>
-    <dgm:linClrLst>
-      <a:schemeClr val="accent5"/>
+    <dgm:linClrLst meth="repeat">
+      <a:schemeClr val="accent2"/>
     </dgm:linClrLst>
     <dgm:effectClrLst/>
     <dgm:txLinClrLst/>
@@ -841,28 +811,29 @@
     <dgm:txEffectClrLst/>
   </dgm:styleLbl>
   <dgm:styleLbl name="bgShp">
-    <dgm:fillClrLst>
-      <a:schemeClr val="accent2"/>
-      <a:schemeClr val="accent3"/>
+    <dgm:fillClrLst meth="repeat">
+      <a:schemeClr val="accent2">
+        <a:tint val="40000"/>
+      </a:schemeClr>
     </dgm:fillClrLst>
     <dgm:linClrLst meth="repeat">
-      <a:schemeClr val="lt1">
-        <a:alpha val="0"/>
-      </a:schemeClr>
+      <a:schemeClr val="accent2"/>
     </dgm:linClrLst>
     <dgm:effectClrLst/>
     <dgm:txLinClrLst/>
-    <dgm:txFillClrLst/>
+    <dgm:txFillClrLst meth="repeat">
+      <a:schemeClr val="dk1"/>
+    </dgm:txFillClrLst>
     <dgm:txEffectClrLst/>
   </dgm:styleLbl>
   <dgm:styleLbl name="dkBgShp">
     <dgm:fillClrLst meth="repeat">
       <a:schemeClr val="accent2">
-        <a:shade val="90000"/>
+        <a:shade val="80000"/>
       </a:schemeClr>
     </dgm:fillClrLst>
     <dgm:linClrLst meth="repeat">
-      <a:schemeClr val="dk1"/>
+      <a:schemeClr val="accent2"/>
     </dgm:linClrLst>
     <dgm:effectClrLst/>
     <dgm:txLinClrLst/>
@@ -891,7 +862,7 @@
   <dgm:styleLbl name="fgShp">
     <dgm:fillClrLst meth="repeat">
       <a:schemeClr val="accent2">
-        <a:tint val="40000"/>
+        <a:tint val="60000"/>
       </a:schemeClr>
     </dgm:fillClrLst>
     <dgm:linClrLst meth="repeat">
@@ -918,7 +889,7 @@
     <dgm:effectClrLst/>
     <dgm:txLinClrLst/>
     <dgm:txFillClrLst meth="repeat">
-      <a:schemeClr val="bg1"/>
+      <a:schemeClr val="tx1"/>
     </dgm:txFillClrLst>
     <dgm:txEffectClrLst/>
   </dgm:styleLbl>
@@ -929,7 +900,7 @@
 <dgm:dataModel xmlns:dgm="http://schemas.openxmlformats.org/drawingml/2006/diagram" xmlns:a="http://schemas.openxmlformats.org/drawingml/2006/main">
   <dgm:ptLst>
     <dgm:pt modelId="{0AEE0DFB-2662-4368-A209-1EC787198120}" type="doc">
-      <dgm:prSet loTypeId="urn:microsoft.com/office/officeart/2018/2/layout/IconVerticalSolidList" loCatId="icon" qsTypeId="urn:microsoft.com/office/officeart/2005/8/quickstyle/simple1" qsCatId="simple" csTypeId="urn:microsoft.com/office/officeart/2018/5/colors/Iconchunking_neutralicontext_colorful2" csCatId="colorful" phldr="1"/>
+      <dgm:prSet loTypeId="urn:microsoft.com/office/officeart/2005/8/layout/list1" loCatId="list" qsTypeId="urn:microsoft.com/office/officeart/2005/8/quickstyle/simple1" qsCatId="simple" csTypeId="urn:microsoft.com/office/officeart/2005/8/colors/accent2_2" csCatId="accent2" phldr="1"/>
       <dgm:spPr/>
       <dgm:t>
         <a:bodyPr/>
@@ -947,7 +918,7 @@
         <a:lstStyle/>
         <a:p>
           <a:r>
-            <a:rPr lang="en-US" dirty="0"/>
+            <a:rPr lang="en-US"/>
             <a:t>Research-question (Problem Statement)</a:t>
           </a:r>
         </a:p>
@@ -1227,441 +1198,350 @@
         </a:p>
       </dgm:t>
     </dgm:pt>
-    <dgm:pt modelId="{EAE2201E-3509-42D9-A5A6-BABD4E84A621}" type="pres">
-      <dgm:prSet presAssocID="{0AEE0DFB-2662-4368-A209-1EC787198120}" presName="root" presStyleCnt="0">
+    <dgm:pt modelId="{6D5F5C26-1EAE-0F4F-8988-ED11AC1CD6C4}" type="pres">
+      <dgm:prSet presAssocID="{0AEE0DFB-2662-4368-A209-1EC787198120}" presName="linear" presStyleCnt="0">
         <dgm:presLayoutVars>
           <dgm:dir/>
+          <dgm:animLvl val="lvl"/>
           <dgm:resizeHandles val="exact"/>
         </dgm:presLayoutVars>
       </dgm:prSet>
       <dgm:spPr/>
     </dgm:pt>
-    <dgm:pt modelId="{3EDE93CC-1BCC-4988-A0C6-DB19389E0950}" type="pres">
-      <dgm:prSet presAssocID="{7C9C6344-C6CE-4497-B899-87FD9049D74E}" presName="compNode" presStyleCnt="0"/>
+    <dgm:pt modelId="{DC02A956-75E1-E847-9C26-492FC436CF9E}" type="pres">
+      <dgm:prSet presAssocID="{7C9C6344-C6CE-4497-B899-87FD9049D74E}" presName="parentLin" presStyleCnt="0"/>
       <dgm:spPr/>
     </dgm:pt>
-    <dgm:pt modelId="{7612BF60-CAA6-4EDC-B76B-38910645A30A}" type="pres">
-      <dgm:prSet presAssocID="{7C9C6344-C6CE-4497-B899-87FD9049D74E}" presName="bgRect" presStyleLbl="bgShp" presStyleIdx="0" presStyleCnt="8"/>
+    <dgm:pt modelId="{F0B45E14-673A-374F-8BF1-57DB66BE0452}" type="pres">
+      <dgm:prSet presAssocID="{7C9C6344-C6CE-4497-B899-87FD9049D74E}" presName="parentLeftMargin" presStyleLbl="node1" presStyleIdx="0" presStyleCnt="8"/>
       <dgm:spPr/>
     </dgm:pt>
-    <dgm:pt modelId="{A464B5B4-46B5-4AFE-AF4D-2789942DFC68}" type="pres">
-      <dgm:prSet presAssocID="{7C9C6344-C6CE-4497-B899-87FD9049D74E}" presName="iconRect" presStyleLbl="node1" presStyleIdx="0" presStyleCnt="8"/>
-      <dgm:spPr>
-        <a:blipFill>
-          <a:blip xmlns:r="http://schemas.openxmlformats.org/officeDocument/2006/relationships" r:embed="rId1">
-            <a:extLst>
-              <a:ext uri="{28A0092B-C50C-407E-A947-70E740481C1C}">
-                <a14:useLocalDpi xmlns:a14="http://schemas.microsoft.com/office/drawing/2010/main" val="0"/>
-              </a:ext>
-              <a:ext uri="{96DAC541-7B7A-43D3-8B79-37D633B846F1}">
-                <asvg:svgBlip xmlns:asvg="http://schemas.microsoft.com/office/drawing/2016/SVG/main" r:embed="rId2"/>
-              </a:ext>
-            </a:extLst>
-          </a:blip>
-          <a:stretch>
-            <a:fillRect/>
-          </a:stretch>
-        </a:blipFill>
-        <a:ln>
-          <a:noFill/>
-        </a:ln>
-      </dgm:spPr>
-      <dgm:extLst>
-        <a:ext uri="{E40237B7-FDA0-4F09-8148-C483321AD2D9}">
-          <dgm14:cNvPr xmlns:dgm14="http://schemas.microsoft.com/office/drawing/2010/diagram" id="0" name="" descr="Question mark"/>
-        </a:ext>
-      </dgm:extLst>
-    </dgm:pt>
-    <dgm:pt modelId="{C2DDA945-DF6C-41B0-8DA0-410A30F4C6E3}" type="pres">
-      <dgm:prSet presAssocID="{7C9C6344-C6CE-4497-B899-87FD9049D74E}" presName="spaceRect" presStyleCnt="0"/>
-      <dgm:spPr/>
-    </dgm:pt>
-    <dgm:pt modelId="{F79EEEDA-F43D-4F6D-8332-64D4A3EB71F1}" type="pres">
-      <dgm:prSet presAssocID="{7C9C6344-C6CE-4497-B899-87FD9049D74E}" presName="parTx" presStyleLbl="revTx" presStyleIdx="0" presStyleCnt="8">
+    <dgm:pt modelId="{E2BBEBA9-1ABA-0848-A191-39252BB4DCC5}" type="pres">
+      <dgm:prSet presAssocID="{7C9C6344-C6CE-4497-B899-87FD9049D74E}" presName="parentText" presStyleLbl="node1" presStyleIdx="0" presStyleCnt="8">
         <dgm:presLayoutVars>
           <dgm:chMax val="0"/>
-          <dgm:chPref val="0"/>
+          <dgm:bulletEnabled val="1"/>
         </dgm:presLayoutVars>
       </dgm:prSet>
       <dgm:spPr/>
     </dgm:pt>
-    <dgm:pt modelId="{874F191B-A08D-4791-A8A9-4FA57AC3A70F}" type="pres">
-      <dgm:prSet presAssocID="{1DD476E1-EA0C-4C36-BCCA-FEB2920F645A}" presName="sibTrans" presStyleCnt="0"/>
+    <dgm:pt modelId="{41BE3B02-5155-324F-BE5E-5FEE8D4BEDD8}" type="pres">
+      <dgm:prSet presAssocID="{7C9C6344-C6CE-4497-B899-87FD9049D74E}" presName="negativeSpace" presStyleCnt="0"/>
       <dgm:spPr/>
     </dgm:pt>
-    <dgm:pt modelId="{C2E0E821-9829-47EA-96BC-ECF79AAD23C8}" type="pres">
-      <dgm:prSet presAssocID="{9BDD2F64-873A-41E8-A23F-E3D8476622F3}" presName="compNode" presStyleCnt="0"/>
-      <dgm:spPr/>
-    </dgm:pt>
-    <dgm:pt modelId="{5C37F377-AE9E-4AFA-A2AD-AF39DC53B8D5}" type="pres">
-      <dgm:prSet presAssocID="{9BDD2F64-873A-41E8-A23F-E3D8476622F3}" presName="bgRect" presStyleLbl="bgShp" presStyleIdx="1" presStyleCnt="8"/>
-      <dgm:spPr/>
-    </dgm:pt>
-    <dgm:pt modelId="{5052D82B-7C0E-4DC2-89F0-C484DBDE260A}" type="pres">
-      <dgm:prSet presAssocID="{9BDD2F64-873A-41E8-A23F-E3D8476622F3}" presName="iconRect" presStyleLbl="node1" presStyleIdx="1" presStyleCnt="8"/>
-      <dgm:spPr>
-        <a:blipFill>
-          <a:blip xmlns:r="http://schemas.openxmlformats.org/officeDocument/2006/relationships" r:embed="rId3">
-            <a:extLst>
-              <a:ext uri="{28A0092B-C50C-407E-A947-70E740481C1C}">
-                <a14:useLocalDpi xmlns:a14="http://schemas.microsoft.com/office/drawing/2010/main" val="0"/>
-              </a:ext>
-              <a:ext uri="{96DAC541-7B7A-43D3-8B79-37D633B846F1}">
-                <asvg:svgBlip xmlns:asvg="http://schemas.microsoft.com/office/drawing/2016/SVG/main" r:embed="rId4"/>
-              </a:ext>
-            </a:extLst>
-          </a:blip>
-          <a:stretch>
-            <a:fillRect/>
-          </a:stretch>
-        </a:blipFill>
-        <a:ln>
-          <a:noFill/>
-        </a:ln>
-      </dgm:spPr>
-      <dgm:extLst>
-        <a:ext uri="{E40237B7-FDA0-4F09-8148-C483321AD2D9}">
-          <dgm14:cNvPr xmlns:dgm14="http://schemas.microsoft.com/office/drawing/2010/diagram" id="0" name="" descr="Statistics"/>
-        </a:ext>
-      </dgm:extLst>
-    </dgm:pt>
-    <dgm:pt modelId="{34A8D8DF-9133-4A5B-A1E2-00AA6082B860}" type="pres">
-      <dgm:prSet presAssocID="{9BDD2F64-873A-41E8-A23F-E3D8476622F3}" presName="spaceRect" presStyleCnt="0"/>
-      <dgm:spPr/>
-    </dgm:pt>
-    <dgm:pt modelId="{53F30F61-59EF-4121-AA70-E741FD8BAE2A}" type="pres">
-      <dgm:prSet presAssocID="{9BDD2F64-873A-41E8-A23F-E3D8476622F3}" presName="parTx" presStyleLbl="revTx" presStyleIdx="1" presStyleCnt="8">
+    <dgm:pt modelId="{FB38BADC-CC19-7A43-8546-6EE557C7CC49}" type="pres">
+      <dgm:prSet presAssocID="{7C9C6344-C6CE-4497-B899-87FD9049D74E}" presName="childText" presStyleLbl="conFgAcc1" presStyleIdx="0" presStyleCnt="8">
         <dgm:presLayoutVars>
-          <dgm:chMax val="0"/>
-          <dgm:chPref val="0"/>
+          <dgm:bulletEnabled val="1"/>
         </dgm:presLayoutVars>
       </dgm:prSet>
       <dgm:spPr/>
     </dgm:pt>
-    <dgm:pt modelId="{CCA605DA-350A-482B-9003-90BC4D71E038}" type="pres">
-      <dgm:prSet presAssocID="{53FA6D56-D2B1-4473-9A85-6BB7C8F87D7B}" presName="sibTrans" presStyleCnt="0"/>
+    <dgm:pt modelId="{1B3BCC56-CDDC-7C43-A0A3-BBAC6F72A3A4}" type="pres">
+      <dgm:prSet presAssocID="{1DD476E1-EA0C-4C36-BCCA-FEB2920F645A}" presName="spaceBetweenRectangles" presStyleCnt="0"/>
       <dgm:spPr/>
     </dgm:pt>
-    <dgm:pt modelId="{30A43E2E-2D6E-4C58-8D35-3D9C3111DBD7}" type="pres">
-      <dgm:prSet presAssocID="{773A2D90-B7B8-48BD-BE1D-2CEAF6E0B064}" presName="compNode" presStyleCnt="0"/>
+    <dgm:pt modelId="{E5985E42-7450-DA45-A524-C3EE8C210E82}" type="pres">
+      <dgm:prSet presAssocID="{9BDD2F64-873A-41E8-A23F-E3D8476622F3}" presName="parentLin" presStyleCnt="0"/>
       <dgm:spPr/>
     </dgm:pt>
-    <dgm:pt modelId="{8179B4A4-B07E-4A99-B26F-F822511E7A0B}" type="pres">
-      <dgm:prSet presAssocID="{773A2D90-B7B8-48BD-BE1D-2CEAF6E0B064}" presName="bgRect" presStyleLbl="bgShp" presStyleIdx="2" presStyleCnt="8"/>
+    <dgm:pt modelId="{8261C870-1210-CD49-800C-E67B0F55AFA2}" type="pres">
+      <dgm:prSet presAssocID="{9BDD2F64-873A-41E8-A23F-E3D8476622F3}" presName="parentLeftMargin" presStyleLbl="node1" presStyleIdx="0" presStyleCnt="8"/>
       <dgm:spPr/>
     </dgm:pt>
-    <dgm:pt modelId="{372196B8-7A4C-4404-81A6-691175DEA3B4}" type="pres">
-      <dgm:prSet presAssocID="{773A2D90-B7B8-48BD-BE1D-2CEAF6E0B064}" presName="iconRect" presStyleLbl="node1" presStyleIdx="2" presStyleCnt="8"/>
-      <dgm:spPr>
-        <a:blipFill>
-          <a:blip xmlns:r="http://schemas.openxmlformats.org/officeDocument/2006/relationships" r:embed="rId5">
-            <a:extLst>
-              <a:ext uri="{28A0092B-C50C-407E-A947-70E740481C1C}">
-                <a14:useLocalDpi xmlns:a14="http://schemas.microsoft.com/office/drawing/2010/main" val="0"/>
-              </a:ext>
-              <a:ext uri="{96DAC541-7B7A-43D3-8B79-37D633B846F1}">
-                <asvg:svgBlip xmlns:asvg="http://schemas.microsoft.com/office/drawing/2016/SVG/main" r:embed="rId6"/>
-              </a:ext>
-            </a:extLst>
-          </a:blip>
-          <a:stretch>
-            <a:fillRect/>
-          </a:stretch>
-        </a:blipFill>
-        <a:ln>
-          <a:noFill/>
-        </a:ln>
-      </dgm:spPr>
-      <dgm:extLst>
-        <a:ext uri="{E40237B7-FDA0-4F09-8148-C483321AD2D9}">
-          <dgm14:cNvPr xmlns:dgm14="http://schemas.microsoft.com/office/drawing/2010/diagram" id="0" name="" descr="Bug under Magnifying Glass"/>
-        </a:ext>
-      </dgm:extLst>
-    </dgm:pt>
-    <dgm:pt modelId="{A0630171-F60C-4F3A-A715-E66BB4CEB6F6}" type="pres">
-      <dgm:prSet presAssocID="{773A2D90-B7B8-48BD-BE1D-2CEAF6E0B064}" presName="spaceRect" presStyleCnt="0"/>
-      <dgm:spPr/>
-    </dgm:pt>
-    <dgm:pt modelId="{E31983EC-5FC0-4B1E-82CF-D203B7658F4B}" type="pres">
-      <dgm:prSet presAssocID="{773A2D90-B7B8-48BD-BE1D-2CEAF6E0B064}" presName="parTx" presStyleLbl="revTx" presStyleIdx="2" presStyleCnt="8">
+    <dgm:pt modelId="{5CAC218E-E930-DE4A-89F0-6D4B3D36A282}" type="pres">
+      <dgm:prSet presAssocID="{9BDD2F64-873A-41E8-A23F-E3D8476622F3}" presName="parentText" presStyleLbl="node1" presStyleIdx="1" presStyleCnt="8">
         <dgm:presLayoutVars>
           <dgm:chMax val="0"/>
-          <dgm:chPref val="0"/>
+          <dgm:bulletEnabled val="1"/>
         </dgm:presLayoutVars>
       </dgm:prSet>
       <dgm:spPr/>
     </dgm:pt>
-    <dgm:pt modelId="{CA4067FA-B755-44CF-82B7-D85DD300E267}" type="pres">
-      <dgm:prSet presAssocID="{11CB3ABE-9EB4-40F3-80C9-2D2566E86FF5}" presName="sibTrans" presStyleCnt="0"/>
+    <dgm:pt modelId="{26F82CC7-794C-D643-A4A8-6DC145A956B4}" type="pres">
+      <dgm:prSet presAssocID="{9BDD2F64-873A-41E8-A23F-E3D8476622F3}" presName="negativeSpace" presStyleCnt="0"/>
       <dgm:spPr/>
     </dgm:pt>
-    <dgm:pt modelId="{D2B436F2-417A-429A-918F-98F2CCAE6125}" type="pres">
-      <dgm:prSet presAssocID="{C94A9287-5845-4B6A-8BFC-BF5DF9FC319C}" presName="compNode" presStyleCnt="0"/>
-      <dgm:spPr/>
-    </dgm:pt>
-    <dgm:pt modelId="{B4C2588F-61E3-42C7-AE96-DC588550032C}" type="pres">
-      <dgm:prSet presAssocID="{C94A9287-5845-4B6A-8BFC-BF5DF9FC319C}" presName="bgRect" presStyleLbl="bgShp" presStyleIdx="3" presStyleCnt="8"/>
-      <dgm:spPr/>
-    </dgm:pt>
-    <dgm:pt modelId="{E5CB63F4-079C-4D67-9418-97C6A1C5D064}" type="pres">
-      <dgm:prSet presAssocID="{C94A9287-5845-4B6A-8BFC-BF5DF9FC319C}" presName="iconRect" presStyleLbl="node1" presStyleIdx="3" presStyleCnt="8"/>
-      <dgm:spPr>
-        <a:blipFill>
-          <a:blip xmlns:r="http://schemas.openxmlformats.org/officeDocument/2006/relationships" r:embed="rId7">
-            <a:extLst>
-              <a:ext uri="{28A0092B-C50C-407E-A947-70E740481C1C}">
-                <a14:useLocalDpi xmlns:a14="http://schemas.microsoft.com/office/drawing/2010/main" val="0"/>
-              </a:ext>
-              <a:ext uri="{96DAC541-7B7A-43D3-8B79-37D633B846F1}">
-                <asvg:svgBlip xmlns:asvg="http://schemas.microsoft.com/office/drawing/2016/SVG/main" r:embed="rId8"/>
-              </a:ext>
-            </a:extLst>
-          </a:blip>
-          <a:stretch>
-            <a:fillRect/>
-          </a:stretch>
-        </a:blipFill>
-        <a:ln>
-          <a:noFill/>
-        </a:ln>
-      </dgm:spPr>
-      <dgm:extLst>
-        <a:ext uri="{E40237B7-FDA0-4F09-8148-C483321AD2D9}">
-          <dgm14:cNvPr xmlns:dgm14="http://schemas.microsoft.com/office/drawing/2010/diagram" id="0" name="" descr="Streamers"/>
-        </a:ext>
-      </dgm:extLst>
-    </dgm:pt>
-    <dgm:pt modelId="{6655C5B5-02FA-46F3-8A84-79FDC8F2EF59}" type="pres">
-      <dgm:prSet presAssocID="{C94A9287-5845-4B6A-8BFC-BF5DF9FC319C}" presName="spaceRect" presStyleCnt="0"/>
-      <dgm:spPr/>
-    </dgm:pt>
-    <dgm:pt modelId="{2E3CE708-3B9A-4EA8-B5F8-4F5E6E3349A8}" type="pres">
-      <dgm:prSet presAssocID="{C94A9287-5845-4B6A-8BFC-BF5DF9FC319C}" presName="parTx" presStyleLbl="revTx" presStyleIdx="3" presStyleCnt="8">
+    <dgm:pt modelId="{5A7773B6-902B-9F49-8A92-81970EE970F8}" type="pres">
+      <dgm:prSet presAssocID="{9BDD2F64-873A-41E8-A23F-E3D8476622F3}" presName="childText" presStyleLbl="conFgAcc1" presStyleIdx="1" presStyleCnt="8">
         <dgm:presLayoutVars>
-          <dgm:chMax val="0"/>
-          <dgm:chPref val="0"/>
+          <dgm:bulletEnabled val="1"/>
         </dgm:presLayoutVars>
       </dgm:prSet>
       <dgm:spPr/>
     </dgm:pt>
-    <dgm:pt modelId="{BFD5D65D-5856-401C-8608-36CEBCB5E20B}" type="pres">
-      <dgm:prSet presAssocID="{70154BE3-91BD-4AB3-A5C1-4C04C0B9D9C8}" presName="sibTrans" presStyleCnt="0"/>
+    <dgm:pt modelId="{BCBFC259-33D1-A345-BF62-423B83F53D0B}" type="pres">
+      <dgm:prSet presAssocID="{53FA6D56-D2B1-4473-9A85-6BB7C8F87D7B}" presName="spaceBetweenRectangles" presStyleCnt="0"/>
       <dgm:spPr/>
     </dgm:pt>
-    <dgm:pt modelId="{330A4AAE-38F7-4CC3-B6F5-543AD4455A4E}" type="pres">
-      <dgm:prSet presAssocID="{ADAEFD1C-E1CC-48EC-99B5-EA091593B167}" presName="compNode" presStyleCnt="0"/>
+    <dgm:pt modelId="{DF67DD88-71E7-5944-8A27-F2BEFDF95FC2}" type="pres">
+      <dgm:prSet presAssocID="{773A2D90-B7B8-48BD-BE1D-2CEAF6E0B064}" presName="parentLin" presStyleCnt="0"/>
       <dgm:spPr/>
     </dgm:pt>
-    <dgm:pt modelId="{6708E74A-2746-4A00-AE06-CCDE9ED94758}" type="pres">
-      <dgm:prSet presAssocID="{ADAEFD1C-E1CC-48EC-99B5-EA091593B167}" presName="bgRect" presStyleLbl="bgShp" presStyleIdx="4" presStyleCnt="8"/>
+    <dgm:pt modelId="{CC8772B4-02F7-2847-94E5-D081E36EE617}" type="pres">
+      <dgm:prSet presAssocID="{773A2D90-B7B8-48BD-BE1D-2CEAF6E0B064}" presName="parentLeftMargin" presStyleLbl="node1" presStyleIdx="1" presStyleCnt="8"/>
       <dgm:spPr/>
     </dgm:pt>
-    <dgm:pt modelId="{5F34325A-E043-4B3B-A9DA-2AE9AA4AF311}" type="pres">
-      <dgm:prSet presAssocID="{ADAEFD1C-E1CC-48EC-99B5-EA091593B167}" presName="iconRect" presStyleLbl="node1" presStyleIdx="4" presStyleCnt="8"/>
-      <dgm:spPr>
-        <a:blipFill>
-          <a:blip xmlns:r="http://schemas.openxmlformats.org/officeDocument/2006/relationships" r:embed="rId9">
-            <a:extLst>
-              <a:ext uri="{28A0092B-C50C-407E-A947-70E740481C1C}">
-                <a14:useLocalDpi xmlns:a14="http://schemas.microsoft.com/office/drawing/2010/main" val="0"/>
-              </a:ext>
-              <a:ext uri="{96DAC541-7B7A-43D3-8B79-37D633B846F1}">
-                <asvg:svgBlip xmlns:asvg="http://schemas.microsoft.com/office/drawing/2016/SVG/main" r:embed="rId10"/>
-              </a:ext>
-            </a:extLst>
-          </a:blip>
-          <a:stretch>
-            <a:fillRect/>
-          </a:stretch>
-        </a:blipFill>
-        <a:ln>
-          <a:noFill/>
-        </a:ln>
-      </dgm:spPr>
-      <dgm:extLst>
-        <a:ext uri="{E40237B7-FDA0-4F09-8148-C483321AD2D9}">
-          <dgm14:cNvPr xmlns:dgm14="http://schemas.microsoft.com/office/drawing/2010/diagram" id="0" name="" descr="Test tubes"/>
-        </a:ext>
-      </dgm:extLst>
-    </dgm:pt>
-    <dgm:pt modelId="{4EF0F40F-6DF6-4359-815D-2B28678773B7}" type="pres">
-      <dgm:prSet presAssocID="{ADAEFD1C-E1CC-48EC-99B5-EA091593B167}" presName="spaceRect" presStyleCnt="0"/>
-      <dgm:spPr/>
-    </dgm:pt>
-    <dgm:pt modelId="{23221EC1-7F9C-49DD-988E-4C2BD520C378}" type="pres">
-      <dgm:prSet presAssocID="{ADAEFD1C-E1CC-48EC-99B5-EA091593B167}" presName="parTx" presStyleLbl="revTx" presStyleIdx="4" presStyleCnt="8">
+    <dgm:pt modelId="{22959397-7F00-7F4C-98C1-535EF6941D8C}" type="pres">
+      <dgm:prSet presAssocID="{773A2D90-B7B8-48BD-BE1D-2CEAF6E0B064}" presName="parentText" presStyleLbl="node1" presStyleIdx="2" presStyleCnt="8">
         <dgm:presLayoutVars>
           <dgm:chMax val="0"/>
-          <dgm:chPref val="0"/>
+          <dgm:bulletEnabled val="1"/>
         </dgm:presLayoutVars>
       </dgm:prSet>
       <dgm:spPr/>
     </dgm:pt>
-    <dgm:pt modelId="{4201540E-E839-3E4B-B858-B94BB9972C19}" type="pres">
-      <dgm:prSet presAssocID="{003162ED-1FE7-4FAF-AD1B-97F13EB96B76}" presName="sibTrans" presStyleCnt="0"/>
+    <dgm:pt modelId="{87869D32-1071-1C4B-80BD-DC3C982D1841}" type="pres">
+      <dgm:prSet presAssocID="{773A2D90-B7B8-48BD-BE1D-2CEAF6E0B064}" presName="negativeSpace" presStyleCnt="0"/>
       <dgm:spPr/>
     </dgm:pt>
-    <dgm:pt modelId="{3CD2B086-5997-4C4D-8E13-EAAA000C63EF}" type="pres">
-      <dgm:prSet presAssocID="{11DD67B4-7121-6A4E-9ABF-6F719FA41992}" presName="compNode" presStyleCnt="0"/>
-      <dgm:spPr/>
-    </dgm:pt>
-    <dgm:pt modelId="{804981F6-552B-D743-9B3D-3837576F2468}" type="pres">
-      <dgm:prSet presAssocID="{11DD67B4-7121-6A4E-9ABF-6F719FA41992}" presName="bgRect" presStyleLbl="bgShp" presStyleIdx="5" presStyleCnt="8"/>
-      <dgm:spPr/>
-    </dgm:pt>
-    <dgm:pt modelId="{F67A5314-E03A-9841-9F1C-42D3AECF58BA}" type="pres">
-      <dgm:prSet presAssocID="{11DD67B4-7121-6A4E-9ABF-6F719FA41992}" presName="iconRect" presStyleLbl="node1" presStyleIdx="5" presStyleCnt="8"/>
-      <dgm:spPr>
-        <a:ln>
-          <a:noFill/>
-        </a:ln>
-      </dgm:spPr>
-    </dgm:pt>
-    <dgm:pt modelId="{2A848B93-812F-4144-A741-252A636B145C}" type="pres">
-      <dgm:prSet presAssocID="{11DD67B4-7121-6A4E-9ABF-6F719FA41992}" presName="spaceRect" presStyleCnt="0"/>
-      <dgm:spPr/>
-    </dgm:pt>
-    <dgm:pt modelId="{F02FC280-0A07-E843-A7D9-6AD9558EBD83}" type="pres">
-      <dgm:prSet presAssocID="{11DD67B4-7121-6A4E-9ABF-6F719FA41992}" presName="parTx" presStyleLbl="revTx" presStyleIdx="5" presStyleCnt="8">
+    <dgm:pt modelId="{F0314A6A-0498-4546-8FF5-4890FCE8B9B5}" type="pres">
+      <dgm:prSet presAssocID="{773A2D90-B7B8-48BD-BE1D-2CEAF6E0B064}" presName="childText" presStyleLbl="conFgAcc1" presStyleIdx="2" presStyleCnt="8">
         <dgm:presLayoutVars>
-          <dgm:chMax val="0"/>
-          <dgm:chPref val="0"/>
+          <dgm:bulletEnabled val="1"/>
         </dgm:presLayoutVars>
       </dgm:prSet>
       <dgm:spPr/>
     </dgm:pt>
-    <dgm:pt modelId="{AAF2D25C-33C3-734C-A772-6935F00440C9}" type="pres">
-      <dgm:prSet presAssocID="{B4DD16DC-180B-EB49-BDC8-EBDC27DAAFA9}" presName="sibTrans" presStyleCnt="0"/>
+    <dgm:pt modelId="{D6AFCB9A-0D84-844F-9899-4EA81652CEE5}" type="pres">
+      <dgm:prSet presAssocID="{11CB3ABE-9EB4-40F3-80C9-2D2566E86FF5}" presName="spaceBetweenRectangles" presStyleCnt="0"/>
       <dgm:spPr/>
     </dgm:pt>
-    <dgm:pt modelId="{DE212412-D8FD-DA4C-8127-266222063074}" type="pres">
-      <dgm:prSet presAssocID="{07C2B7CD-2226-664E-A63F-CD84C5604F81}" presName="compNode" presStyleCnt="0"/>
+    <dgm:pt modelId="{29DE7AC2-80D1-D040-BC99-844D0BD6AE5F}" type="pres">
+      <dgm:prSet presAssocID="{C94A9287-5845-4B6A-8BFC-BF5DF9FC319C}" presName="parentLin" presStyleCnt="0"/>
       <dgm:spPr/>
     </dgm:pt>
-    <dgm:pt modelId="{A36C96B9-BA25-4C4C-B377-A907460E28CE}" type="pres">
-      <dgm:prSet presAssocID="{07C2B7CD-2226-664E-A63F-CD84C5604F81}" presName="bgRect" presStyleLbl="bgShp" presStyleIdx="6" presStyleCnt="8"/>
+    <dgm:pt modelId="{603502B1-8ECD-914E-AC33-F10FECE4D001}" type="pres">
+      <dgm:prSet presAssocID="{C94A9287-5845-4B6A-8BFC-BF5DF9FC319C}" presName="parentLeftMargin" presStyleLbl="node1" presStyleIdx="2" presStyleCnt="8"/>
       <dgm:spPr/>
     </dgm:pt>
-    <dgm:pt modelId="{DD182109-F98F-6948-8CEC-10F08ACF6965}" type="pres">
-      <dgm:prSet presAssocID="{07C2B7CD-2226-664E-A63F-CD84C5604F81}" presName="iconRect" presStyleLbl="node1" presStyleIdx="6" presStyleCnt="8"/>
-      <dgm:spPr>
-        <a:ln>
-          <a:noFill/>
-        </a:ln>
-      </dgm:spPr>
-    </dgm:pt>
-    <dgm:pt modelId="{3A0FE71D-4A30-CA4F-8E27-059F4E06A2C6}" type="pres">
-      <dgm:prSet presAssocID="{07C2B7CD-2226-664E-A63F-CD84C5604F81}" presName="spaceRect" presStyleCnt="0"/>
-      <dgm:spPr/>
-    </dgm:pt>
-    <dgm:pt modelId="{338FD0AC-8854-D940-A102-37F417790A75}" type="pres">
-      <dgm:prSet presAssocID="{07C2B7CD-2226-664E-A63F-CD84C5604F81}" presName="parTx" presStyleLbl="revTx" presStyleIdx="6" presStyleCnt="8">
+    <dgm:pt modelId="{964BB139-50D6-084D-ACFC-44D41D356F2F}" type="pres">
+      <dgm:prSet presAssocID="{C94A9287-5845-4B6A-8BFC-BF5DF9FC319C}" presName="parentText" presStyleLbl="node1" presStyleIdx="3" presStyleCnt="8">
         <dgm:presLayoutVars>
           <dgm:chMax val="0"/>
-          <dgm:chPref val="0"/>
+          <dgm:bulletEnabled val="1"/>
         </dgm:presLayoutVars>
       </dgm:prSet>
       <dgm:spPr/>
     </dgm:pt>
-    <dgm:pt modelId="{171CDEBF-2B00-BE46-9FCB-52CAB1053C56}" type="pres">
-      <dgm:prSet presAssocID="{5291A6E7-2FEC-BD48-BDB8-C80DB96B5BEC}" presName="sibTrans" presStyleCnt="0"/>
+    <dgm:pt modelId="{B4487F77-DE1E-4E4A-86FB-D699B1903517}" type="pres">
+      <dgm:prSet presAssocID="{C94A9287-5845-4B6A-8BFC-BF5DF9FC319C}" presName="negativeSpace" presStyleCnt="0"/>
       <dgm:spPr/>
     </dgm:pt>
-    <dgm:pt modelId="{5F5E812C-2207-3741-B3C5-00A35E6BD247}" type="pres">
-      <dgm:prSet presAssocID="{27BFA186-D4FD-1847-98DC-9FBB64383C7E}" presName="compNode" presStyleCnt="0"/>
+    <dgm:pt modelId="{33EA2006-0934-704E-AD87-A0F178389DE7}" type="pres">
+      <dgm:prSet presAssocID="{C94A9287-5845-4B6A-8BFC-BF5DF9FC319C}" presName="childText" presStyleLbl="conFgAcc1" presStyleIdx="3" presStyleCnt="8">
+        <dgm:presLayoutVars>
+          <dgm:bulletEnabled val="1"/>
+        </dgm:presLayoutVars>
+      </dgm:prSet>
       <dgm:spPr/>
     </dgm:pt>
-    <dgm:pt modelId="{94247BBF-2E02-1F4F-8322-F4F4558E6AF2}" type="pres">
-      <dgm:prSet presAssocID="{27BFA186-D4FD-1847-98DC-9FBB64383C7E}" presName="bgRect" presStyleLbl="bgShp" presStyleIdx="7" presStyleCnt="8"/>
+    <dgm:pt modelId="{EA58369D-7498-204A-97CA-F84A3636997B}" type="pres">
+      <dgm:prSet presAssocID="{70154BE3-91BD-4AB3-A5C1-4C04C0B9D9C8}" presName="spaceBetweenRectangles" presStyleCnt="0"/>
       <dgm:spPr/>
     </dgm:pt>
-    <dgm:pt modelId="{7430CC78-DFD0-A948-A175-C20B8E9AD9A2}" type="pres">
-      <dgm:prSet presAssocID="{27BFA186-D4FD-1847-98DC-9FBB64383C7E}" presName="iconRect" presStyleLbl="node1" presStyleIdx="7" presStyleCnt="8"/>
-      <dgm:spPr>
-        <a:ln>
-          <a:noFill/>
-        </a:ln>
-      </dgm:spPr>
-    </dgm:pt>
-    <dgm:pt modelId="{49FD4F42-326C-3546-AEA8-37DBC44E4500}" type="pres">
-      <dgm:prSet presAssocID="{27BFA186-D4FD-1847-98DC-9FBB64383C7E}" presName="spaceRect" presStyleCnt="0"/>
+    <dgm:pt modelId="{94604A46-91E0-C040-B337-BE880C74CCB8}" type="pres">
+      <dgm:prSet presAssocID="{ADAEFD1C-E1CC-48EC-99B5-EA091593B167}" presName="parentLin" presStyleCnt="0"/>
       <dgm:spPr/>
     </dgm:pt>
-    <dgm:pt modelId="{08176E27-CD4D-4640-A8D7-47C6CA8394F8}" type="pres">
-      <dgm:prSet presAssocID="{27BFA186-D4FD-1847-98DC-9FBB64383C7E}" presName="parTx" presStyleLbl="revTx" presStyleIdx="7" presStyleCnt="8">
+    <dgm:pt modelId="{56BB6BB6-B1F4-2A45-9071-3764B5BA9C12}" type="pres">
+      <dgm:prSet presAssocID="{ADAEFD1C-E1CC-48EC-99B5-EA091593B167}" presName="parentLeftMargin" presStyleLbl="node1" presStyleIdx="3" presStyleCnt="8"/>
+      <dgm:spPr/>
+    </dgm:pt>
+    <dgm:pt modelId="{65461BCF-01C5-BB42-9686-FD9C3CE94A7D}" type="pres">
+      <dgm:prSet presAssocID="{ADAEFD1C-E1CC-48EC-99B5-EA091593B167}" presName="parentText" presStyleLbl="node1" presStyleIdx="4" presStyleCnt="8">
         <dgm:presLayoutVars>
           <dgm:chMax val="0"/>
-          <dgm:chPref val="0"/>
+          <dgm:bulletEnabled val="1"/>
+        </dgm:presLayoutVars>
+      </dgm:prSet>
+      <dgm:spPr/>
+    </dgm:pt>
+    <dgm:pt modelId="{677059E9-CC34-7540-8D49-D6D28E1B2940}" type="pres">
+      <dgm:prSet presAssocID="{ADAEFD1C-E1CC-48EC-99B5-EA091593B167}" presName="negativeSpace" presStyleCnt="0"/>
+      <dgm:spPr/>
+    </dgm:pt>
+    <dgm:pt modelId="{3975BD19-13E3-C545-B471-3F1B4D41A688}" type="pres">
+      <dgm:prSet presAssocID="{ADAEFD1C-E1CC-48EC-99B5-EA091593B167}" presName="childText" presStyleLbl="conFgAcc1" presStyleIdx="4" presStyleCnt="8">
+        <dgm:presLayoutVars>
+          <dgm:bulletEnabled val="1"/>
+        </dgm:presLayoutVars>
+      </dgm:prSet>
+      <dgm:spPr/>
+    </dgm:pt>
+    <dgm:pt modelId="{24F962D8-B444-0942-A031-61E1AFA8FD65}" type="pres">
+      <dgm:prSet presAssocID="{003162ED-1FE7-4FAF-AD1B-97F13EB96B76}" presName="spaceBetweenRectangles" presStyleCnt="0"/>
+      <dgm:spPr/>
+    </dgm:pt>
+    <dgm:pt modelId="{DB2B2096-B989-0F46-98D5-DA05EDD54671}" type="pres">
+      <dgm:prSet presAssocID="{11DD67B4-7121-6A4E-9ABF-6F719FA41992}" presName="parentLin" presStyleCnt="0"/>
+      <dgm:spPr/>
+    </dgm:pt>
+    <dgm:pt modelId="{06478E39-550B-3640-8368-7C159BE6279A}" type="pres">
+      <dgm:prSet presAssocID="{11DD67B4-7121-6A4E-9ABF-6F719FA41992}" presName="parentLeftMargin" presStyleLbl="node1" presStyleIdx="4" presStyleCnt="8"/>
+      <dgm:spPr/>
+    </dgm:pt>
+    <dgm:pt modelId="{9C3E39B2-CE57-1E49-BD36-6C2B99B03280}" type="pres">
+      <dgm:prSet presAssocID="{11DD67B4-7121-6A4E-9ABF-6F719FA41992}" presName="parentText" presStyleLbl="node1" presStyleIdx="5" presStyleCnt="8">
+        <dgm:presLayoutVars>
+          <dgm:chMax val="0"/>
+          <dgm:bulletEnabled val="1"/>
+        </dgm:presLayoutVars>
+      </dgm:prSet>
+      <dgm:spPr/>
+    </dgm:pt>
+    <dgm:pt modelId="{E4E19340-62FB-CA41-A79B-E56E4C9D9EE6}" type="pres">
+      <dgm:prSet presAssocID="{11DD67B4-7121-6A4E-9ABF-6F719FA41992}" presName="negativeSpace" presStyleCnt="0"/>
+      <dgm:spPr/>
+    </dgm:pt>
+    <dgm:pt modelId="{A1701100-793F-7240-BC0F-C39ABE5FEFE2}" type="pres">
+      <dgm:prSet presAssocID="{11DD67B4-7121-6A4E-9ABF-6F719FA41992}" presName="childText" presStyleLbl="conFgAcc1" presStyleIdx="5" presStyleCnt="8">
+        <dgm:presLayoutVars>
+          <dgm:bulletEnabled val="1"/>
+        </dgm:presLayoutVars>
+      </dgm:prSet>
+      <dgm:spPr/>
+    </dgm:pt>
+    <dgm:pt modelId="{C9611E16-1300-0148-8E8F-ACB078EDF57D}" type="pres">
+      <dgm:prSet presAssocID="{B4DD16DC-180B-EB49-BDC8-EBDC27DAAFA9}" presName="spaceBetweenRectangles" presStyleCnt="0"/>
+      <dgm:spPr/>
+    </dgm:pt>
+    <dgm:pt modelId="{EA87053B-BE79-0D41-9698-41E44417BB71}" type="pres">
+      <dgm:prSet presAssocID="{07C2B7CD-2226-664E-A63F-CD84C5604F81}" presName="parentLin" presStyleCnt="0"/>
+      <dgm:spPr/>
+    </dgm:pt>
+    <dgm:pt modelId="{7964087F-B104-AD49-B490-D622D3C787A0}" type="pres">
+      <dgm:prSet presAssocID="{07C2B7CD-2226-664E-A63F-CD84C5604F81}" presName="parentLeftMargin" presStyleLbl="node1" presStyleIdx="5" presStyleCnt="8"/>
+      <dgm:spPr/>
+    </dgm:pt>
+    <dgm:pt modelId="{F0DC37F7-31DB-F24E-8AC3-12831766449C}" type="pres">
+      <dgm:prSet presAssocID="{07C2B7CD-2226-664E-A63F-CD84C5604F81}" presName="parentText" presStyleLbl="node1" presStyleIdx="6" presStyleCnt="8">
+        <dgm:presLayoutVars>
+          <dgm:chMax val="0"/>
+          <dgm:bulletEnabled val="1"/>
+        </dgm:presLayoutVars>
+      </dgm:prSet>
+      <dgm:spPr/>
+    </dgm:pt>
+    <dgm:pt modelId="{F7333595-732F-D243-AB80-E384A00BE77B}" type="pres">
+      <dgm:prSet presAssocID="{07C2B7CD-2226-664E-A63F-CD84C5604F81}" presName="negativeSpace" presStyleCnt="0"/>
+      <dgm:spPr/>
+    </dgm:pt>
+    <dgm:pt modelId="{1B35E18A-37BD-C341-BA30-A042937FA658}" type="pres">
+      <dgm:prSet presAssocID="{07C2B7CD-2226-664E-A63F-CD84C5604F81}" presName="childText" presStyleLbl="conFgAcc1" presStyleIdx="6" presStyleCnt="8">
+        <dgm:presLayoutVars>
+          <dgm:bulletEnabled val="1"/>
+        </dgm:presLayoutVars>
+      </dgm:prSet>
+      <dgm:spPr/>
+    </dgm:pt>
+    <dgm:pt modelId="{0954AD62-438E-B147-AFF1-CC83AC536463}" type="pres">
+      <dgm:prSet presAssocID="{5291A6E7-2FEC-BD48-BDB8-C80DB96B5BEC}" presName="spaceBetweenRectangles" presStyleCnt="0"/>
+      <dgm:spPr/>
+    </dgm:pt>
+    <dgm:pt modelId="{F3AB7C0F-6CB5-A940-8B01-E809F4D53729}" type="pres">
+      <dgm:prSet presAssocID="{27BFA186-D4FD-1847-98DC-9FBB64383C7E}" presName="parentLin" presStyleCnt="0"/>
+      <dgm:spPr/>
+    </dgm:pt>
+    <dgm:pt modelId="{C2C49AC7-CC7A-AA46-B9D0-77B88B04A71F}" type="pres">
+      <dgm:prSet presAssocID="{27BFA186-D4FD-1847-98DC-9FBB64383C7E}" presName="parentLeftMargin" presStyleLbl="node1" presStyleIdx="6" presStyleCnt="8"/>
+      <dgm:spPr/>
+    </dgm:pt>
+    <dgm:pt modelId="{56BEA374-394F-DB47-9CFC-4BC46685D61E}" type="pres">
+      <dgm:prSet presAssocID="{27BFA186-D4FD-1847-98DC-9FBB64383C7E}" presName="parentText" presStyleLbl="node1" presStyleIdx="7" presStyleCnt="8">
+        <dgm:presLayoutVars>
+          <dgm:chMax val="0"/>
+          <dgm:bulletEnabled val="1"/>
+        </dgm:presLayoutVars>
+      </dgm:prSet>
+      <dgm:spPr/>
+    </dgm:pt>
+    <dgm:pt modelId="{00DC73D6-3F83-A845-82B4-EA07620EAC2B}" type="pres">
+      <dgm:prSet presAssocID="{27BFA186-D4FD-1847-98DC-9FBB64383C7E}" presName="negativeSpace" presStyleCnt="0"/>
+      <dgm:spPr/>
+    </dgm:pt>
+    <dgm:pt modelId="{596A5F6C-7CE1-EB4B-8F21-BB674B48D317}" type="pres">
+      <dgm:prSet presAssocID="{27BFA186-D4FD-1847-98DC-9FBB64383C7E}" presName="childText" presStyleLbl="conFgAcc1" presStyleIdx="7" presStyleCnt="8">
+        <dgm:presLayoutVars>
+          <dgm:bulletEnabled val="1"/>
         </dgm:presLayoutVars>
       </dgm:prSet>
       <dgm:spPr/>
     </dgm:pt>
   </dgm:ptLst>
   <dgm:cxnLst>
-    <dgm:cxn modelId="{A92BA00C-54C8-D242-9E2F-FC30B35A4581}" type="presOf" srcId="{07C2B7CD-2226-664E-A63F-CD84C5604F81}" destId="{338FD0AC-8854-D940-A102-37F417790A75}" srcOrd="0" destOrd="0" presId="urn:microsoft.com/office/officeart/2018/2/layout/IconVerticalSolidList"/>
+    <dgm:cxn modelId="{D2F5B909-7330-7846-8D54-BB42C371A459}" type="presOf" srcId="{0AEE0DFB-2662-4368-A209-1EC787198120}" destId="{6D5F5C26-1EAE-0F4F-8988-ED11AC1CD6C4}" srcOrd="0" destOrd="0" presId="urn:microsoft.com/office/officeart/2005/8/layout/list1"/>
+    <dgm:cxn modelId="{8CE9A40E-A707-D94B-9AAF-F3D03E4B4CD0}" type="presOf" srcId="{773A2D90-B7B8-48BD-BE1D-2CEAF6E0B064}" destId="{22959397-7F00-7F4C-98C1-535EF6941D8C}" srcOrd="1" destOrd="0" presId="urn:microsoft.com/office/officeart/2005/8/layout/list1"/>
     <dgm:cxn modelId="{C5627818-BE0E-47D1-8D80-45E9348302BC}" srcId="{0AEE0DFB-2662-4368-A209-1EC787198120}" destId="{C94A9287-5845-4B6A-8BFC-BF5DF9FC319C}" srcOrd="3" destOrd="0" parTransId="{E963854D-E413-4F17-9B3F-D42E72AA1278}" sibTransId="{70154BE3-91BD-4AB3-A5C1-4C04C0B9D9C8}"/>
     <dgm:cxn modelId="{023A2020-80DF-5E48-93DD-0520F5E05A6B}" srcId="{0AEE0DFB-2662-4368-A209-1EC787198120}" destId="{27BFA186-D4FD-1847-98DC-9FBB64383C7E}" srcOrd="7" destOrd="0" parTransId="{01636D51-54AD-D142-B904-4E60CC8056B8}" sibTransId="{9C3B81DD-2CDF-614E-8548-54CE313E7CD7}"/>
     <dgm:cxn modelId="{3EEF8125-437E-B049-A4D3-3B75904A00C4}" srcId="{0AEE0DFB-2662-4368-A209-1EC787198120}" destId="{11DD67B4-7121-6A4E-9ABF-6F719FA41992}" srcOrd="5" destOrd="0" parTransId="{E563385F-29B8-1440-8821-8E9649E1C943}" sibTransId="{B4DD16DC-180B-EB49-BDC8-EBDC27DAAFA9}"/>
-    <dgm:cxn modelId="{43328953-B495-3046-871E-52444155FFB6}" type="presOf" srcId="{C94A9287-5845-4B6A-8BFC-BF5DF9FC319C}" destId="{2E3CE708-3B9A-4EA8-B5F8-4F5E6E3349A8}" srcOrd="0" destOrd="0" presId="urn:microsoft.com/office/officeart/2018/2/layout/IconVerticalSolidList"/>
+    <dgm:cxn modelId="{8CDDB22C-3D9D-9543-91BC-56A876A144F3}" type="presOf" srcId="{9BDD2F64-873A-41E8-A23F-E3D8476622F3}" destId="{5CAC218E-E930-DE4A-89F0-6D4B3D36A282}" srcOrd="1" destOrd="0" presId="urn:microsoft.com/office/officeart/2005/8/layout/list1"/>
     <dgm:cxn modelId="{8345FE55-157B-453B-BC76-3C826491676E}" srcId="{0AEE0DFB-2662-4368-A209-1EC787198120}" destId="{9BDD2F64-873A-41E8-A23F-E3D8476622F3}" srcOrd="1" destOrd="0" parTransId="{0A99924E-082A-47B9-81C5-A3B1E2CEA0D3}" sibTransId="{53FA6D56-D2B1-4473-9A85-6BB7C8F87D7B}"/>
-    <dgm:cxn modelId="{2D33A35F-B2A2-A74D-9CD1-8C5A0CCF3691}" type="presOf" srcId="{27BFA186-D4FD-1847-98DC-9FBB64383C7E}" destId="{08176E27-CD4D-4640-A8D7-47C6CA8394F8}" srcOrd="0" destOrd="0" presId="urn:microsoft.com/office/officeart/2018/2/layout/IconVerticalSolidList"/>
-    <dgm:cxn modelId="{D2F6C66C-EB3D-084F-8B8E-B32D7DDD5410}" type="presOf" srcId="{9BDD2F64-873A-41E8-A23F-E3D8476622F3}" destId="{53F30F61-59EF-4121-AA70-E741FD8BAE2A}" srcOrd="0" destOrd="0" presId="urn:microsoft.com/office/officeart/2018/2/layout/IconVerticalSolidList"/>
+    <dgm:cxn modelId="{B7CB5F58-6CCA-0A42-9725-C0C877A28D20}" type="presOf" srcId="{27BFA186-D4FD-1847-98DC-9FBB64383C7E}" destId="{56BEA374-394F-DB47-9CFC-4BC46685D61E}" srcOrd="1" destOrd="0" presId="urn:microsoft.com/office/officeart/2005/8/layout/list1"/>
+    <dgm:cxn modelId="{866E8458-244E-DF47-ABE1-8790A11FE55D}" type="presOf" srcId="{773A2D90-B7B8-48BD-BE1D-2CEAF6E0B064}" destId="{CC8772B4-02F7-2847-94E5-D081E36EE617}" srcOrd="0" destOrd="0" presId="urn:microsoft.com/office/officeart/2005/8/layout/list1"/>
+    <dgm:cxn modelId="{3198795F-3F4C-434C-B32E-FB98124F33DF}" type="presOf" srcId="{ADAEFD1C-E1CC-48EC-99B5-EA091593B167}" destId="{56BB6BB6-B1F4-2A45-9071-3764B5BA9C12}" srcOrd="0" destOrd="0" presId="urn:microsoft.com/office/officeart/2005/8/layout/list1"/>
     <dgm:cxn modelId="{9FA3C875-B95B-4A7F-993B-837F4F6CA158}" srcId="{0AEE0DFB-2662-4368-A209-1EC787198120}" destId="{773A2D90-B7B8-48BD-BE1D-2CEAF6E0B064}" srcOrd="2" destOrd="0" parTransId="{DD70B8D7-8762-4D6F-B880-FE7B6B9A5992}" sibTransId="{11CB3ABE-9EB4-40F3-80C9-2D2566E86FF5}"/>
-    <dgm:cxn modelId="{39A1C88A-A642-E541-9C2C-B88D95FF61C1}" type="presOf" srcId="{7C9C6344-C6CE-4497-B899-87FD9049D74E}" destId="{F79EEEDA-F43D-4F6D-8332-64D4A3EB71F1}" srcOrd="0" destOrd="0" presId="urn:microsoft.com/office/officeart/2018/2/layout/IconVerticalSolidList"/>
-    <dgm:cxn modelId="{30FBC099-EEA5-864D-8834-D83503CEB2B7}" type="presOf" srcId="{773A2D90-B7B8-48BD-BE1D-2CEAF6E0B064}" destId="{E31983EC-5FC0-4B1E-82CF-D203B7658F4B}" srcOrd="0" destOrd="0" presId="urn:microsoft.com/office/officeart/2018/2/layout/IconVerticalSolidList"/>
-    <dgm:cxn modelId="{5CF01BB0-590C-7F49-B717-B48F16002873}" type="presOf" srcId="{ADAEFD1C-E1CC-48EC-99B5-EA091593B167}" destId="{23221EC1-7F9C-49DD-988E-4C2BD520C378}" srcOrd="0" destOrd="0" presId="urn:microsoft.com/office/officeart/2018/2/layout/IconVerticalSolidList"/>
+    <dgm:cxn modelId="{861B6579-BFDA-A24F-B7B1-E41540725F38}" type="presOf" srcId="{ADAEFD1C-E1CC-48EC-99B5-EA091593B167}" destId="{65461BCF-01C5-BB42-9686-FD9C3CE94A7D}" srcOrd="1" destOrd="0" presId="urn:microsoft.com/office/officeart/2005/8/layout/list1"/>
+    <dgm:cxn modelId="{97418B80-800B-A84C-9DC5-9F1D24935BD3}" type="presOf" srcId="{9BDD2F64-873A-41E8-A23F-E3D8476622F3}" destId="{8261C870-1210-CD49-800C-E67B0F55AFA2}" srcOrd="0" destOrd="0" presId="urn:microsoft.com/office/officeart/2005/8/layout/list1"/>
+    <dgm:cxn modelId="{8706508E-7B2E-0644-86F3-03867A18E9EC}" type="presOf" srcId="{07C2B7CD-2226-664E-A63F-CD84C5604F81}" destId="{7964087F-B104-AD49-B490-D622D3C787A0}" srcOrd="0" destOrd="0" presId="urn:microsoft.com/office/officeart/2005/8/layout/list1"/>
+    <dgm:cxn modelId="{8862FB98-C35D-1946-8D0F-F8585C2BB7ED}" type="presOf" srcId="{7C9C6344-C6CE-4497-B899-87FD9049D74E}" destId="{E2BBEBA9-1ABA-0848-A191-39252BB4DCC5}" srcOrd="1" destOrd="0" presId="urn:microsoft.com/office/officeart/2005/8/layout/list1"/>
+    <dgm:cxn modelId="{A63B899D-C1E1-5C4C-B50D-834DC9D5A341}" type="presOf" srcId="{7C9C6344-C6CE-4497-B899-87FD9049D74E}" destId="{F0B45E14-673A-374F-8BF1-57DB66BE0452}" srcOrd="0" destOrd="0" presId="urn:microsoft.com/office/officeart/2005/8/layout/list1"/>
+    <dgm:cxn modelId="{115262AE-D256-724C-A9FA-3F70B54CA3FB}" type="presOf" srcId="{27BFA186-D4FD-1847-98DC-9FBB64383C7E}" destId="{C2C49AC7-CC7A-AA46-B9D0-77B88B04A71F}" srcOrd="0" destOrd="0" presId="urn:microsoft.com/office/officeart/2005/8/layout/list1"/>
     <dgm:cxn modelId="{859FBBB8-999A-4D51-A13F-460334E26DAF}" srcId="{0AEE0DFB-2662-4368-A209-1EC787198120}" destId="{ADAEFD1C-E1CC-48EC-99B5-EA091593B167}" srcOrd="4" destOrd="0" parTransId="{D07AE1ED-8352-4274-8C65-CAFD7D9E7ED5}" sibTransId="{003162ED-1FE7-4FAF-AD1B-97F13EB96B76}"/>
-    <dgm:cxn modelId="{EC9BB8BA-54CA-704B-A3E5-983922257BD9}" type="presOf" srcId="{11DD67B4-7121-6A4E-9ABF-6F719FA41992}" destId="{F02FC280-0A07-E843-A7D9-6AD9558EBD83}" srcOrd="0" destOrd="0" presId="urn:microsoft.com/office/officeart/2018/2/layout/IconVerticalSolidList"/>
-    <dgm:cxn modelId="{163C80D7-D9B2-A841-A30B-5AFD402886E1}" type="presOf" srcId="{0AEE0DFB-2662-4368-A209-1EC787198120}" destId="{EAE2201E-3509-42D9-A5A6-BABD4E84A621}" srcOrd="0" destOrd="0" presId="urn:microsoft.com/office/officeart/2018/2/layout/IconVerticalSolidList"/>
+    <dgm:cxn modelId="{878B59BC-A293-374C-B919-C4DA7FBD60A8}" type="presOf" srcId="{C94A9287-5845-4B6A-8BFC-BF5DF9FC319C}" destId="{603502B1-8ECD-914E-AC33-F10FECE4D001}" srcOrd="0" destOrd="0" presId="urn:microsoft.com/office/officeart/2005/8/layout/list1"/>
+    <dgm:cxn modelId="{22BB54C9-B1E5-A343-89C7-7D14609B8A2B}" type="presOf" srcId="{11DD67B4-7121-6A4E-9ABF-6F719FA41992}" destId="{9C3E39B2-CE57-1E49-BD36-6C2B99B03280}" srcOrd="1" destOrd="0" presId="urn:microsoft.com/office/officeart/2005/8/layout/list1"/>
+    <dgm:cxn modelId="{B0F524CB-C28D-994C-AF10-F5B00EB80BBF}" type="presOf" srcId="{C94A9287-5845-4B6A-8BFC-BF5DF9FC319C}" destId="{964BB139-50D6-084D-ACFC-44D41D356F2F}" srcOrd="1" destOrd="0" presId="urn:microsoft.com/office/officeart/2005/8/layout/list1"/>
     <dgm:cxn modelId="{243340EC-5746-4EC2-A6B7-129C1B014A3F}" srcId="{0AEE0DFB-2662-4368-A209-1EC787198120}" destId="{7C9C6344-C6CE-4497-B899-87FD9049D74E}" srcOrd="0" destOrd="0" parTransId="{EA9FDA1B-A351-481D-9729-A82B611B343C}" sibTransId="{1DD476E1-EA0C-4C36-BCCA-FEB2920F645A}"/>
+    <dgm:cxn modelId="{C4B67AF3-8A56-1F4C-96D6-921BEE53E99F}" type="presOf" srcId="{11DD67B4-7121-6A4E-9ABF-6F719FA41992}" destId="{06478E39-550B-3640-8368-7C159BE6279A}" srcOrd="0" destOrd="0" presId="urn:microsoft.com/office/officeart/2005/8/layout/list1"/>
+    <dgm:cxn modelId="{0E4B2BFC-636B-8641-A279-23024B30940E}" type="presOf" srcId="{07C2B7CD-2226-664E-A63F-CD84C5604F81}" destId="{F0DC37F7-31DB-F24E-8AC3-12831766449C}" srcOrd="1" destOrd="0" presId="urn:microsoft.com/office/officeart/2005/8/layout/list1"/>
     <dgm:cxn modelId="{6A8B0AFF-18AC-5A43-882E-63B4C4876915}" srcId="{0AEE0DFB-2662-4368-A209-1EC787198120}" destId="{07C2B7CD-2226-664E-A63F-CD84C5604F81}" srcOrd="6" destOrd="0" parTransId="{7F1AE752-3183-2F4F-BBDF-664402F24D06}" sibTransId="{5291A6E7-2FEC-BD48-BDB8-C80DB96B5BEC}"/>
-    <dgm:cxn modelId="{3C612E77-AC84-AB4A-97CB-6C3BE53CA036}" type="presParOf" srcId="{EAE2201E-3509-42D9-A5A6-BABD4E84A621}" destId="{3EDE93CC-1BCC-4988-A0C6-DB19389E0950}" srcOrd="0" destOrd="0" presId="urn:microsoft.com/office/officeart/2018/2/layout/IconVerticalSolidList"/>
-    <dgm:cxn modelId="{CBCC858E-122E-DE45-B899-D12A631F8BD0}" type="presParOf" srcId="{3EDE93CC-1BCC-4988-A0C6-DB19389E0950}" destId="{7612BF60-CAA6-4EDC-B76B-38910645A30A}" srcOrd="0" destOrd="0" presId="urn:microsoft.com/office/officeart/2018/2/layout/IconVerticalSolidList"/>
-    <dgm:cxn modelId="{48B0CFE8-75A8-5949-B3ED-A9FE56B94791}" type="presParOf" srcId="{3EDE93CC-1BCC-4988-A0C6-DB19389E0950}" destId="{A464B5B4-46B5-4AFE-AF4D-2789942DFC68}" srcOrd="1" destOrd="0" presId="urn:microsoft.com/office/officeart/2018/2/layout/IconVerticalSolidList"/>
-    <dgm:cxn modelId="{ECA8E775-C773-354A-9B22-D5284826763A}" type="presParOf" srcId="{3EDE93CC-1BCC-4988-A0C6-DB19389E0950}" destId="{C2DDA945-DF6C-41B0-8DA0-410A30F4C6E3}" srcOrd="2" destOrd="0" presId="urn:microsoft.com/office/officeart/2018/2/layout/IconVerticalSolidList"/>
-    <dgm:cxn modelId="{D3190421-5EAF-C34A-9ECB-5E8077FAE328}" type="presParOf" srcId="{3EDE93CC-1BCC-4988-A0C6-DB19389E0950}" destId="{F79EEEDA-F43D-4F6D-8332-64D4A3EB71F1}" srcOrd="3" destOrd="0" presId="urn:microsoft.com/office/officeart/2018/2/layout/IconVerticalSolidList"/>
-    <dgm:cxn modelId="{67CC22A9-22EC-D744-AFC9-760AF8257466}" type="presParOf" srcId="{EAE2201E-3509-42D9-A5A6-BABD4E84A621}" destId="{874F191B-A08D-4791-A8A9-4FA57AC3A70F}" srcOrd="1" destOrd="0" presId="urn:microsoft.com/office/officeart/2018/2/layout/IconVerticalSolidList"/>
-    <dgm:cxn modelId="{9F7DB795-67F5-E04C-B73E-2FDE26F0CC69}" type="presParOf" srcId="{EAE2201E-3509-42D9-A5A6-BABD4E84A621}" destId="{C2E0E821-9829-47EA-96BC-ECF79AAD23C8}" srcOrd="2" destOrd="0" presId="urn:microsoft.com/office/officeart/2018/2/layout/IconVerticalSolidList"/>
-    <dgm:cxn modelId="{E7E1251F-0428-784B-9D82-C8B0722CF6DF}" type="presParOf" srcId="{C2E0E821-9829-47EA-96BC-ECF79AAD23C8}" destId="{5C37F377-AE9E-4AFA-A2AD-AF39DC53B8D5}" srcOrd="0" destOrd="0" presId="urn:microsoft.com/office/officeart/2018/2/layout/IconVerticalSolidList"/>
-    <dgm:cxn modelId="{444BF7A5-715B-3A42-A190-99F481856120}" type="presParOf" srcId="{C2E0E821-9829-47EA-96BC-ECF79AAD23C8}" destId="{5052D82B-7C0E-4DC2-89F0-C484DBDE260A}" srcOrd="1" destOrd="0" presId="urn:microsoft.com/office/officeart/2018/2/layout/IconVerticalSolidList"/>
-    <dgm:cxn modelId="{A6A8E2B2-6489-0248-88D3-D8CFC6F60FB2}" type="presParOf" srcId="{C2E0E821-9829-47EA-96BC-ECF79AAD23C8}" destId="{34A8D8DF-9133-4A5B-A1E2-00AA6082B860}" srcOrd="2" destOrd="0" presId="urn:microsoft.com/office/officeart/2018/2/layout/IconVerticalSolidList"/>
-    <dgm:cxn modelId="{7FCDEC5F-91BB-294F-A05D-688D785A8876}" type="presParOf" srcId="{C2E0E821-9829-47EA-96BC-ECF79AAD23C8}" destId="{53F30F61-59EF-4121-AA70-E741FD8BAE2A}" srcOrd="3" destOrd="0" presId="urn:microsoft.com/office/officeart/2018/2/layout/IconVerticalSolidList"/>
-    <dgm:cxn modelId="{4AC5B362-7285-2849-A9CA-FD877878BE90}" type="presParOf" srcId="{EAE2201E-3509-42D9-A5A6-BABD4E84A621}" destId="{CCA605DA-350A-482B-9003-90BC4D71E038}" srcOrd="3" destOrd="0" presId="urn:microsoft.com/office/officeart/2018/2/layout/IconVerticalSolidList"/>
-    <dgm:cxn modelId="{CCE87ED7-2224-3942-AA58-6B12D807EE52}" type="presParOf" srcId="{EAE2201E-3509-42D9-A5A6-BABD4E84A621}" destId="{30A43E2E-2D6E-4C58-8D35-3D9C3111DBD7}" srcOrd="4" destOrd="0" presId="urn:microsoft.com/office/officeart/2018/2/layout/IconVerticalSolidList"/>
-    <dgm:cxn modelId="{40B381C2-122A-8A4E-90A4-AFF0F47C261F}" type="presParOf" srcId="{30A43E2E-2D6E-4C58-8D35-3D9C3111DBD7}" destId="{8179B4A4-B07E-4A99-B26F-F822511E7A0B}" srcOrd="0" destOrd="0" presId="urn:microsoft.com/office/officeart/2018/2/layout/IconVerticalSolidList"/>
-    <dgm:cxn modelId="{55E23256-2E78-5A4E-B8BC-FBC27A3AA2A8}" type="presParOf" srcId="{30A43E2E-2D6E-4C58-8D35-3D9C3111DBD7}" destId="{372196B8-7A4C-4404-81A6-691175DEA3B4}" srcOrd="1" destOrd="0" presId="urn:microsoft.com/office/officeart/2018/2/layout/IconVerticalSolidList"/>
-    <dgm:cxn modelId="{AAE37DB3-A61F-4649-ACA1-1407F0F0D422}" type="presParOf" srcId="{30A43E2E-2D6E-4C58-8D35-3D9C3111DBD7}" destId="{A0630171-F60C-4F3A-A715-E66BB4CEB6F6}" srcOrd="2" destOrd="0" presId="urn:microsoft.com/office/officeart/2018/2/layout/IconVerticalSolidList"/>
-    <dgm:cxn modelId="{0C051CBC-8CDE-044F-97FA-CC10F60360A3}" type="presParOf" srcId="{30A43E2E-2D6E-4C58-8D35-3D9C3111DBD7}" destId="{E31983EC-5FC0-4B1E-82CF-D203B7658F4B}" srcOrd="3" destOrd="0" presId="urn:microsoft.com/office/officeart/2018/2/layout/IconVerticalSolidList"/>
-    <dgm:cxn modelId="{E41A7000-0E04-8042-9A03-CE4B8B24AB15}" type="presParOf" srcId="{EAE2201E-3509-42D9-A5A6-BABD4E84A621}" destId="{CA4067FA-B755-44CF-82B7-D85DD300E267}" srcOrd="5" destOrd="0" presId="urn:microsoft.com/office/officeart/2018/2/layout/IconVerticalSolidList"/>
-    <dgm:cxn modelId="{99E4533F-89F7-0A47-9FB6-3CB6720E70B3}" type="presParOf" srcId="{EAE2201E-3509-42D9-A5A6-BABD4E84A621}" destId="{D2B436F2-417A-429A-918F-98F2CCAE6125}" srcOrd="6" destOrd="0" presId="urn:microsoft.com/office/officeart/2018/2/layout/IconVerticalSolidList"/>
-    <dgm:cxn modelId="{67E3D9D8-4109-D843-AC7F-8D3E6D9E0872}" type="presParOf" srcId="{D2B436F2-417A-429A-918F-98F2CCAE6125}" destId="{B4C2588F-61E3-42C7-AE96-DC588550032C}" srcOrd="0" destOrd="0" presId="urn:microsoft.com/office/officeart/2018/2/layout/IconVerticalSolidList"/>
-    <dgm:cxn modelId="{D9413D63-14F7-6542-8BC7-7B9A56055A33}" type="presParOf" srcId="{D2B436F2-417A-429A-918F-98F2CCAE6125}" destId="{E5CB63F4-079C-4D67-9418-97C6A1C5D064}" srcOrd="1" destOrd="0" presId="urn:microsoft.com/office/officeart/2018/2/layout/IconVerticalSolidList"/>
-    <dgm:cxn modelId="{FF4CD9A6-D75D-AC4F-9F10-0A8D960796AC}" type="presParOf" srcId="{D2B436F2-417A-429A-918F-98F2CCAE6125}" destId="{6655C5B5-02FA-46F3-8A84-79FDC8F2EF59}" srcOrd="2" destOrd="0" presId="urn:microsoft.com/office/officeart/2018/2/layout/IconVerticalSolidList"/>
-    <dgm:cxn modelId="{438DC0D8-4433-4440-925A-2AEF44DF4354}" type="presParOf" srcId="{D2B436F2-417A-429A-918F-98F2CCAE6125}" destId="{2E3CE708-3B9A-4EA8-B5F8-4F5E6E3349A8}" srcOrd="3" destOrd="0" presId="urn:microsoft.com/office/officeart/2018/2/layout/IconVerticalSolidList"/>
-    <dgm:cxn modelId="{03159F02-7D66-1640-A01A-609D78DB53DF}" type="presParOf" srcId="{EAE2201E-3509-42D9-A5A6-BABD4E84A621}" destId="{BFD5D65D-5856-401C-8608-36CEBCB5E20B}" srcOrd="7" destOrd="0" presId="urn:microsoft.com/office/officeart/2018/2/layout/IconVerticalSolidList"/>
-    <dgm:cxn modelId="{05A6FF6F-C123-BE4B-8D90-AD66676EF652}" type="presParOf" srcId="{EAE2201E-3509-42D9-A5A6-BABD4E84A621}" destId="{330A4AAE-38F7-4CC3-B6F5-543AD4455A4E}" srcOrd="8" destOrd="0" presId="urn:microsoft.com/office/officeart/2018/2/layout/IconVerticalSolidList"/>
-    <dgm:cxn modelId="{6D71D509-5646-904E-95F0-ED7DC7FC6463}" type="presParOf" srcId="{330A4AAE-38F7-4CC3-B6F5-543AD4455A4E}" destId="{6708E74A-2746-4A00-AE06-CCDE9ED94758}" srcOrd="0" destOrd="0" presId="urn:microsoft.com/office/officeart/2018/2/layout/IconVerticalSolidList"/>
-    <dgm:cxn modelId="{4D05ABE5-BC90-D741-9C60-ADCF919D1F9F}" type="presParOf" srcId="{330A4AAE-38F7-4CC3-B6F5-543AD4455A4E}" destId="{5F34325A-E043-4B3B-A9DA-2AE9AA4AF311}" srcOrd="1" destOrd="0" presId="urn:microsoft.com/office/officeart/2018/2/layout/IconVerticalSolidList"/>
-    <dgm:cxn modelId="{F854FCBF-336A-1847-8C4D-DB7FDBDD4CD2}" type="presParOf" srcId="{330A4AAE-38F7-4CC3-B6F5-543AD4455A4E}" destId="{4EF0F40F-6DF6-4359-815D-2B28678773B7}" srcOrd="2" destOrd="0" presId="urn:microsoft.com/office/officeart/2018/2/layout/IconVerticalSolidList"/>
-    <dgm:cxn modelId="{98F6C762-BB86-064A-9489-231B40796EE3}" type="presParOf" srcId="{330A4AAE-38F7-4CC3-B6F5-543AD4455A4E}" destId="{23221EC1-7F9C-49DD-988E-4C2BD520C378}" srcOrd="3" destOrd="0" presId="urn:microsoft.com/office/officeart/2018/2/layout/IconVerticalSolidList"/>
-    <dgm:cxn modelId="{534F1CD4-1235-FB42-A908-C90052B01E15}" type="presParOf" srcId="{EAE2201E-3509-42D9-A5A6-BABD4E84A621}" destId="{4201540E-E839-3E4B-B858-B94BB9972C19}" srcOrd="9" destOrd="0" presId="urn:microsoft.com/office/officeart/2018/2/layout/IconVerticalSolidList"/>
-    <dgm:cxn modelId="{57B10E97-EF2F-BE44-809C-C048DAE873FE}" type="presParOf" srcId="{EAE2201E-3509-42D9-A5A6-BABD4E84A621}" destId="{3CD2B086-5997-4C4D-8E13-EAAA000C63EF}" srcOrd="10" destOrd="0" presId="urn:microsoft.com/office/officeart/2018/2/layout/IconVerticalSolidList"/>
-    <dgm:cxn modelId="{AE5DB3F6-D397-3C49-8E86-1AE6146E32F4}" type="presParOf" srcId="{3CD2B086-5997-4C4D-8E13-EAAA000C63EF}" destId="{804981F6-552B-D743-9B3D-3837576F2468}" srcOrd="0" destOrd="0" presId="urn:microsoft.com/office/officeart/2018/2/layout/IconVerticalSolidList"/>
-    <dgm:cxn modelId="{DC912376-4254-8F4F-BA9B-D8CDDC989467}" type="presParOf" srcId="{3CD2B086-5997-4C4D-8E13-EAAA000C63EF}" destId="{F67A5314-E03A-9841-9F1C-42D3AECF58BA}" srcOrd="1" destOrd="0" presId="urn:microsoft.com/office/officeart/2018/2/layout/IconVerticalSolidList"/>
-    <dgm:cxn modelId="{549D07AE-DB87-AC4F-88A7-5C6551BC6000}" type="presParOf" srcId="{3CD2B086-5997-4C4D-8E13-EAAA000C63EF}" destId="{2A848B93-812F-4144-A741-252A636B145C}" srcOrd="2" destOrd="0" presId="urn:microsoft.com/office/officeart/2018/2/layout/IconVerticalSolidList"/>
-    <dgm:cxn modelId="{42D441C4-F586-4A4A-AC0D-9FAB3C2E21EF}" type="presParOf" srcId="{3CD2B086-5997-4C4D-8E13-EAAA000C63EF}" destId="{F02FC280-0A07-E843-A7D9-6AD9558EBD83}" srcOrd="3" destOrd="0" presId="urn:microsoft.com/office/officeart/2018/2/layout/IconVerticalSolidList"/>
-    <dgm:cxn modelId="{45BB3056-0DCE-9543-86E8-489D3A453301}" type="presParOf" srcId="{EAE2201E-3509-42D9-A5A6-BABD4E84A621}" destId="{AAF2D25C-33C3-734C-A772-6935F00440C9}" srcOrd="11" destOrd="0" presId="urn:microsoft.com/office/officeart/2018/2/layout/IconVerticalSolidList"/>
-    <dgm:cxn modelId="{6FA99C53-2E57-B045-80E4-3641EE0B6C43}" type="presParOf" srcId="{EAE2201E-3509-42D9-A5A6-BABD4E84A621}" destId="{DE212412-D8FD-DA4C-8127-266222063074}" srcOrd="12" destOrd="0" presId="urn:microsoft.com/office/officeart/2018/2/layout/IconVerticalSolidList"/>
-    <dgm:cxn modelId="{8EECC586-2F7F-B245-9DF7-4212EC70F73C}" type="presParOf" srcId="{DE212412-D8FD-DA4C-8127-266222063074}" destId="{A36C96B9-BA25-4C4C-B377-A907460E28CE}" srcOrd="0" destOrd="0" presId="urn:microsoft.com/office/officeart/2018/2/layout/IconVerticalSolidList"/>
-    <dgm:cxn modelId="{13C87DD3-8D0D-A649-909A-2249931A5459}" type="presParOf" srcId="{DE212412-D8FD-DA4C-8127-266222063074}" destId="{DD182109-F98F-6948-8CEC-10F08ACF6965}" srcOrd="1" destOrd="0" presId="urn:microsoft.com/office/officeart/2018/2/layout/IconVerticalSolidList"/>
-    <dgm:cxn modelId="{6C019EE9-B47F-2A48-B275-9F1C07C70233}" type="presParOf" srcId="{DE212412-D8FD-DA4C-8127-266222063074}" destId="{3A0FE71D-4A30-CA4F-8E27-059F4E06A2C6}" srcOrd="2" destOrd="0" presId="urn:microsoft.com/office/officeart/2018/2/layout/IconVerticalSolidList"/>
-    <dgm:cxn modelId="{FF78B1DE-26DA-F84B-864B-D48B5B38253C}" type="presParOf" srcId="{DE212412-D8FD-DA4C-8127-266222063074}" destId="{338FD0AC-8854-D940-A102-37F417790A75}" srcOrd="3" destOrd="0" presId="urn:microsoft.com/office/officeart/2018/2/layout/IconVerticalSolidList"/>
-    <dgm:cxn modelId="{A74D137C-87B3-5B49-AA09-4B4146B99854}" type="presParOf" srcId="{EAE2201E-3509-42D9-A5A6-BABD4E84A621}" destId="{171CDEBF-2B00-BE46-9FCB-52CAB1053C56}" srcOrd="13" destOrd="0" presId="urn:microsoft.com/office/officeart/2018/2/layout/IconVerticalSolidList"/>
-    <dgm:cxn modelId="{C155C291-0B24-834C-9CA7-2EC1B1AC3745}" type="presParOf" srcId="{EAE2201E-3509-42D9-A5A6-BABD4E84A621}" destId="{5F5E812C-2207-3741-B3C5-00A35E6BD247}" srcOrd="14" destOrd="0" presId="urn:microsoft.com/office/officeart/2018/2/layout/IconVerticalSolidList"/>
-    <dgm:cxn modelId="{963E03C7-146C-F647-8041-45C70C3AC501}" type="presParOf" srcId="{5F5E812C-2207-3741-B3C5-00A35E6BD247}" destId="{94247BBF-2E02-1F4F-8322-F4F4558E6AF2}" srcOrd="0" destOrd="0" presId="urn:microsoft.com/office/officeart/2018/2/layout/IconVerticalSolidList"/>
-    <dgm:cxn modelId="{71F6015B-2D87-C54B-B35B-DBB932BAFDDC}" type="presParOf" srcId="{5F5E812C-2207-3741-B3C5-00A35E6BD247}" destId="{7430CC78-DFD0-A948-A175-C20B8E9AD9A2}" srcOrd="1" destOrd="0" presId="urn:microsoft.com/office/officeart/2018/2/layout/IconVerticalSolidList"/>
-    <dgm:cxn modelId="{E64E4784-DECB-D041-AFEC-AC38B4AB278C}" type="presParOf" srcId="{5F5E812C-2207-3741-B3C5-00A35E6BD247}" destId="{49FD4F42-326C-3546-AEA8-37DBC44E4500}" srcOrd="2" destOrd="0" presId="urn:microsoft.com/office/officeart/2018/2/layout/IconVerticalSolidList"/>
-    <dgm:cxn modelId="{FCF412B6-7CCF-804A-A4AA-E3714230977A}" type="presParOf" srcId="{5F5E812C-2207-3741-B3C5-00A35E6BD247}" destId="{08176E27-CD4D-4640-A8D7-47C6CA8394F8}" srcOrd="3" destOrd="0" presId="urn:microsoft.com/office/officeart/2018/2/layout/IconVerticalSolidList"/>
+    <dgm:cxn modelId="{0C0CA747-E1D4-7242-9695-C04C40DE4297}" type="presParOf" srcId="{6D5F5C26-1EAE-0F4F-8988-ED11AC1CD6C4}" destId="{DC02A956-75E1-E847-9C26-492FC436CF9E}" srcOrd="0" destOrd="0" presId="urn:microsoft.com/office/officeart/2005/8/layout/list1"/>
+    <dgm:cxn modelId="{9CDDFC00-4260-A04D-B395-85C8105A7277}" type="presParOf" srcId="{DC02A956-75E1-E847-9C26-492FC436CF9E}" destId="{F0B45E14-673A-374F-8BF1-57DB66BE0452}" srcOrd="0" destOrd="0" presId="urn:microsoft.com/office/officeart/2005/8/layout/list1"/>
+    <dgm:cxn modelId="{2B39B3F6-1448-7945-AC55-206560E51BEC}" type="presParOf" srcId="{DC02A956-75E1-E847-9C26-492FC436CF9E}" destId="{E2BBEBA9-1ABA-0848-A191-39252BB4DCC5}" srcOrd="1" destOrd="0" presId="urn:microsoft.com/office/officeart/2005/8/layout/list1"/>
+    <dgm:cxn modelId="{5EB2CA39-7510-DD4E-9E25-409CA658EABB}" type="presParOf" srcId="{6D5F5C26-1EAE-0F4F-8988-ED11AC1CD6C4}" destId="{41BE3B02-5155-324F-BE5E-5FEE8D4BEDD8}" srcOrd="1" destOrd="0" presId="urn:microsoft.com/office/officeart/2005/8/layout/list1"/>
+    <dgm:cxn modelId="{8134BB6A-BE84-8945-A693-728DD5CD5AE8}" type="presParOf" srcId="{6D5F5C26-1EAE-0F4F-8988-ED11AC1CD6C4}" destId="{FB38BADC-CC19-7A43-8546-6EE557C7CC49}" srcOrd="2" destOrd="0" presId="urn:microsoft.com/office/officeart/2005/8/layout/list1"/>
+    <dgm:cxn modelId="{BAFA24DB-794F-B844-92F4-BE2EE1C40D7A}" type="presParOf" srcId="{6D5F5C26-1EAE-0F4F-8988-ED11AC1CD6C4}" destId="{1B3BCC56-CDDC-7C43-A0A3-BBAC6F72A3A4}" srcOrd="3" destOrd="0" presId="urn:microsoft.com/office/officeart/2005/8/layout/list1"/>
+    <dgm:cxn modelId="{724857B5-FD9F-DD44-AE3F-1D58B89CB901}" type="presParOf" srcId="{6D5F5C26-1EAE-0F4F-8988-ED11AC1CD6C4}" destId="{E5985E42-7450-DA45-A524-C3EE8C210E82}" srcOrd="4" destOrd="0" presId="urn:microsoft.com/office/officeart/2005/8/layout/list1"/>
+    <dgm:cxn modelId="{C1AC6D14-5E81-7B48-8F5F-329326222187}" type="presParOf" srcId="{E5985E42-7450-DA45-A524-C3EE8C210E82}" destId="{8261C870-1210-CD49-800C-E67B0F55AFA2}" srcOrd="0" destOrd="0" presId="urn:microsoft.com/office/officeart/2005/8/layout/list1"/>
+    <dgm:cxn modelId="{1488C9C2-8D34-604B-9A8B-45085FCED6ED}" type="presParOf" srcId="{E5985E42-7450-DA45-A524-C3EE8C210E82}" destId="{5CAC218E-E930-DE4A-89F0-6D4B3D36A282}" srcOrd="1" destOrd="0" presId="urn:microsoft.com/office/officeart/2005/8/layout/list1"/>
+    <dgm:cxn modelId="{269B1B1D-3359-AB48-A893-3EFCD79D8A9F}" type="presParOf" srcId="{6D5F5C26-1EAE-0F4F-8988-ED11AC1CD6C4}" destId="{26F82CC7-794C-D643-A4A8-6DC145A956B4}" srcOrd="5" destOrd="0" presId="urn:microsoft.com/office/officeart/2005/8/layout/list1"/>
+    <dgm:cxn modelId="{73F4963B-D107-0742-9FD3-4AEB3D5A7C24}" type="presParOf" srcId="{6D5F5C26-1EAE-0F4F-8988-ED11AC1CD6C4}" destId="{5A7773B6-902B-9F49-8A92-81970EE970F8}" srcOrd="6" destOrd="0" presId="urn:microsoft.com/office/officeart/2005/8/layout/list1"/>
+    <dgm:cxn modelId="{DF4A4948-0A35-1845-9A67-9C9537833567}" type="presParOf" srcId="{6D5F5C26-1EAE-0F4F-8988-ED11AC1CD6C4}" destId="{BCBFC259-33D1-A345-BF62-423B83F53D0B}" srcOrd="7" destOrd="0" presId="urn:microsoft.com/office/officeart/2005/8/layout/list1"/>
+    <dgm:cxn modelId="{9B8C0FB8-4FAF-9B45-91C3-0FB9FB18AF05}" type="presParOf" srcId="{6D5F5C26-1EAE-0F4F-8988-ED11AC1CD6C4}" destId="{DF67DD88-71E7-5944-8A27-F2BEFDF95FC2}" srcOrd="8" destOrd="0" presId="urn:microsoft.com/office/officeart/2005/8/layout/list1"/>
+    <dgm:cxn modelId="{AD31E01F-C6D3-BF40-8D98-BA35445F0B41}" type="presParOf" srcId="{DF67DD88-71E7-5944-8A27-F2BEFDF95FC2}" destId="{CC8772B4-02F7-2847-94E5-D081E36EE617}" srcOrd="0" destOrd="0" presId="urn:microsoft.com/office/officeart/2005/8/layout/list1"/>
+    <dgm:cxn modelId="{80AFF5F0-F032-BE4C-A047-FFE8178B0615}" type="presParOf" srcId="{DF67DD88-71E7-5944-8A27-F2BEFDF95FC2}" destId="{22959397-7F00-7F4C-98C1-535EF6941D8C}" srcOrd="1" destOrd="0" presId="urn:microsoft.com/office/officeart/2005/8/layout/list1"/>
+    <dgm:cxn modelId="{EE2561DB-6001-D74A-86CC-A5B3DA81A224}" type="presParOf" srcId="{6D5F5C26-1EAE-0F4F-8988-ED11AC1CD6C4}" destId="{87869D32-1071-1C4B-80BD-DC3C982D1841}" srcOrd="9" destOrd="0" presId="urn:microsoft.com/office/officeart/2005/8/layout/list1"/>
+    <dgm:cxn modelId="{BECD2CE8-1B49-A94A-A3C4-BB55D478803B}" type="presParOf" srcId="{6D5F5C26-1EAE-0F4F-8988-ED11AC1CD6C4}" destId="{F0314A6A-0498-4546-8FF5-4890FCE8B9B5}" srcOrd="10" destOrd="0" presId="urn:microsoft.com/office/officeart/2005/8/layout/list1"/>
+    <dgm:cxn modelId="{5517B42D-B745-C842-9012-FC5DDA8B6213}" type="presParOf" srcId="{6D5F5C26-1EAE-0F4F-8988-ED11AC1CD6C4}" destId="{D6AFCB9A-0D84-844F-9899-4EA81652CEE5}" srcOrd="11" destOrd="0" presId="urn:microsoft.com/office/officeart/2005/8/layout/list1"/>
+    <dgm:cxn modelId="{400BB4E4-E43D-7E42-91D9-66C4B172D314}" type="presParOf" srcId="{6D5F5C26-1EAE-0F4F-8988-ED11AC1CD6C4}" destId="{29DE7AC2-80D1-D040-BC99-844D0BD6AE5F}" srcOrd="12" destOrd="0" presId="urn:microsoft.com/office/officeart/2005/8/layout/list1"/>
+    <dgm:cxn modelId="{988F75C5-44D6-ED45-8E83-5D9C4DAA595C}" type="presParOf" srcId="{29DE7AC2-80D1-D040-BC99-844D0BD6AE5F}" destId="{603502B1-8ECD-914E-AC33-F10FECE4D001}" srcOrd="0" destOrd="0" presId="urn:microsoft.com/office/officeart/2005/8/layout/list1"/>
+    <dgm:cxn modelId="{4A6C30A6-2AD4-6C47-B647-685BE6B01AA5}" type="presParOf" srcId="{29DE7AC2-80D1-D040-BC99-844D0BD6AE5F}" destId="{964BB139-50D6-084D-ACFC-44D41D356F2F}" srcOrd="1" destOrd="0" presId="urn:microsoft.com/office/officeart/2005/8/layout/list1"/>
+    <dgm:cxn modelId="{18A56B86-183A-2240-911F-B277F368D598}" type="presParOf" srcId="{6D5F5C26-1EAE-0F4F-8988-ED11AC1CD6C4}" destId="{B4487F77-DE1E-4E4A-86FB-D699B1903517}" srcOrd="13" destOrd="0" presId="urn:microsoft.com/office/officeart/2005/8/layout/list1"/>
+    <dgm:cxn modelId="{8638F027-8231-2543-B638-B5CFCF11E12C}" type="presParOf" srcId="{6D5F5C26-1EAE-0F4F-8988-ED11AC1CD6C4}" destId="{33EA2006-0934-704E-AD87-A0F178389DE7}" srcOrd="14" destOrd="0" presId="urn:microsoft.com/office/officeart/2005/8/layout/list1"/>
+    <dgm:cxn modelId="{B463E467-539F-834F-A6F8-43DF13DD6517}" type="presParOf" srcId="{6D5F5C26-1EAE-0F4F-8988-ED11AC1CD6C4}" destId="{EA58369D-7498-204A-97CA-F84A3636997B}" srcOrd="15" destOrd="0" presId="urn:microsoft.com/office/officeart/2005/8/layout/list1"/>
+    <dgm:cxn modelId="{D056C244-FBBE-AD40-B475-E3F23FB10E51}" type="presParOf" srcId="{6D5F5C26-1EAE-0F4F-8988-ED11AC1CD6C4}" destId="{94604A46-91E0-C040-B337-BE880C74CCB8}" srcOrd="16" destOrd="0" presId="urn:microsoft.com/office/officeart/2005/8/layout/list1"/>
+    <dgm:cxn modelId="{B6ABF3F9-7A49-564C-AEAA-37B564A594EE}" type="presParOf" srcId="{94604A46-91E0-C040-B337-BE880C74CCB8}" destId="{56BB6BB6-B1F4-2A45-9071-3764B5BA9C12}" srcOrd="0" destOrd="0" presId="urn:microsoft.com/office/officeart/2005/8/layout/list1"/>
+    <dgm:cxn modelId="{324A43DD-76B8-B846-96DB-B774148331FE}" type="presParOf" srcId="{94604A46-91E0-C040-B337-BE880C74CCB8}" destId="{65461BCF-01C5-BB42-9686-FD9C3CE94A7D}" srcOrd="1" destOrd="0" presId="urn:microsoft.com/office/officeart/2005/8/layout/list1"/>
+    <dgm:cxn modelId="{1BCFA2FC-B3F8-C545-A1B3-55213B9176FF}" type="presParOf" srcId="{6D5F5C26-1EAE-0F4F-8988-ED11AC1CD6C4}" destId="{677059E9-CC34-7540-8D49-D6D28E1B2940}" srcOrd="17" destOrd="0" presId="urn:microsoft.com/office/officeart/2005/8/layout/list1"/>
+    <dgm:cxn modelId="{45902F4E-B4B5-684E-9E8D-02144A752CD4}" type="presParOf" srcId="{6D5F5C26-1EAE-0F4F-8988-ED11AC1CD6C4}" destId="{3975BD19-13E3-C545-B471-3F1B4D41A688}" srcOrd="18" destOrd="0" presId="urn:microsoft.com/office/officeart/2005/8/layout/list1"/>
+    <dgm:cxn modelId="{400466AF-1371-6642-B051-DA4AD677B0AB}" type="presParOf" srcId="{6D5F5C26-1EAE-0F4F-8988-ED11AC1CD6C4}" destId="{24F962D8-B444-0942-A031-61E1AFA8FD65}" srcOrd="19" destOrd="0" presId="urn:microsoft.com/office/officeart/2005/8/layout/list1"/>
+    <dgm:cxn modelId="{248F6B43-C30A-9140-B4CA-893F022B37AC}" type="presParOf" srcId="{6D5F5C26-1EAE-0F4F-8988-ED11AC1CD6C4}" destId="{DB2B2096-B989-0F46-98D5-DA05EDD54671}" srcOrd="20" destOrd="0" presId="urn:microsoft.com/office/officeart/2005/8/layout/list1"/>
+    <dgm:cxn modelId="{CD9B558B-AED5-3348-9D4F-8182225DE062}" type="presParOf" srcId="{DB2B2096-B989-0F46-98D5-DA05EDD54671}" destId="{06478E39-550B-3640-8368-7C159BE6279A}" srcOrd="0" destOrd="0" presId="urn:microsoft.com/office/officeart/2005/8/layout/list1"/>
+    <dgm:cxn modelId="{2DAD82E9-08BA-A642-B22B-F2606EE50D9A}" type="presParOf" srcId="{DB2B2096-B989-0F46-98D5-DA05EDD54671}" destId="{9C3E39B2-CE57-1E49-BD36-6C2B99B03280}" srcOrd="1" destOrd="0" presId="urn:microsoft.com/office/officeart/2005/8/layout/list1"/>
+    <dgm:cxn modelId="{D850A985-3386-DA40-A951-4CADA3BBDBC9}" type="presParOf" srcId="{6D5F5C26-1EAE-0F4F-8988-ED11AC1CD6C4}" destId="{E4E19340-62FB-CA41-A79B-E56E4C9D9EE6}" srcOrd="21" destOrd="0" presId="urn:microsoft.com/office/officeart/2005/8/layout/list1"/>
+    <dgm:cxn modelId="{7343087D-7709-5F47-970B-D049EE6926A3}" type="presParOf" srcId="{6D5F5C26-1EAE-0F4F-8988-ED11AC1CD6C4}" destId="{A1701100-793F-7240-BC0F-C39ABE5FEFE2}" srcOrd="22" destOrd="0" presId="urn:microsoft.com/office/officeart/2005/8/layout/list1"/>
+    <dgm:cxn modelId="{F8525372-95B6-9E4D-8F91-F429688234CF}" type="presParOf" srcId="{6D5F5C26-1EAE-0F4F-8988-ED11AC1CD6C4}" destId="{C9611E16-1300-0148-8E8F-ACB078EDF57D}" srcOrd="23" destOrd="0" presId="urn:microsoft.com/office/officeart/2005/8/layout/list1"/>
+    <dgm:cxn modelId="{2A03003E-E160-9249-930B-E0A7E39B23F0}" type="presParOf" srcId="{6D5F5C26-1EAE-0F4F-8988-ED11AC1CD6C4}" destId="{EA87053B-BE79-0D41-9698-41E44417BB71}" srcOrd="24" destOrd="0" presId="urn:microsoft.com/office/officeart/2005/8/layout/list1"/>
+    <dgm:cxn modelId="{35F49BFB-80AB-3344-A5B5-C2AB1E00E3EB}" type="presParOf" srcId="{EA87053B-BE79-0D41-9698-41E44417BB71}" destId="{7964087F-B104-AD49-B490-D622D3C787A0}" srcOrd="0" destOrd="0" presId="urn:microsoft.com/office/officeart/2005/8/layout/list1"/>
+    <dgm:cxn modelId="{5B69F02F-E5AC-FA49-BA08-61EBC9F6F066}" type="presParOf" srcId="{EA87053B-BE79-0D41-9698-41E44417BB71}" destId="{F0DC37F7-31DB-F24E-8AC3-12831766449C}" srcOrd="1" destOrd="0" presId="urn:microsoft.com/office/officeart/2005/8/layout/list1"/>
+    <dgm:cxn modelId="{31570CEE-0B1B-3E42-BCD6-C07B47CD12F7}" type="presParOf" srcId="{6D5F5C26-1EAE-0F4F-8988-ED11AC1CD6C4}" destId="{F7333595-732F-D243-AB80-E384A00BE77B}" srcOrd="25" destOrd="0" presId="urn:microsoft.com/office/officeart/2005/8/layout/list1"/>
+    <dgm:cxn modelId="{5CAE1F0C-53ED-4644-9497-A462558290DB}" type="presParOf" srcId="{6D5F5C26-1EAE-0F4F-8988-ED11AC1CD6C4}" destId="{1B35E18A-37BD-C341-BA30-A042937FA658}" srcOrd="26" destOrd="0" presId="urn:microsoft.com/office/officeart/2005/8/layout/list1"/>
+    <dgm:cxn modelId="{1E89F01D-1A31-0648-916E-3D2B4248C377}" type="presParOf" srcId="{6D5F5C26-1EAE-0F4F-8988-ED11AC1CD6C4}" destId="{0954AD62-438E-B147-AFF1-CC83AC536463}" srcOrd="27" destOrd="0" presId="urn:microsoft.com/office/officeart/2005/8/layout/list1"/>
+    <dgm:cxn modelId="{4FC6D7DA-41E8-5644-8033-1D54E3ADCE6F}" type="presParOf" srcId="{6D5F5C26-1EAE-0F4F-8988-ED11AC1CD6C4}" destId="{F3AB7C0F-6CB5-A940-8B01-E809F4D53729}" srcOrd="28" destOrd="0" presId="urn:microsoft.com/office/officeart/2005/8/layout/list1"/>
+    <dgm:cxn modelId="{0AECCB3F-302A-C349-BA51-00EF99FEB4AA}" type="presParOf" srcId="{F3AB7C0F-6CB5-A940-8B01-E809F4D53729}" destId="{C2C49AC7-CC7A-AA46-B9D0-77B88B04A71F}" srcOrd="0" destOrd="0" presId="urn:microsoft.com/office/officeart/2005/8/layout/list1"/>
+    <dgm:cxn modelId="{68F1FBAA-208C-0540-BE56-EE77C79CCA14}" type="presParOf" srcId="{F3AB7C0F-6CB5-A940-8B01-E809F4D53729}" destId="{56BEA374-394F-DB47-9CFC-4BC46685D61E}" srcOrd="1" destOrd="0" presId="urn:microsoft.com/office/officeart/2005/8/layout/list1"/>
+    <dgm:cxn modelId="{2659E161-1888-6D45-B1EF-5C32000094DE}" type="presParOf" srcId="{6D5F5C26-1EAE-0F4F-8988-ED11AC1CD6C4}" destId="{00DC73D6-3F83-A845-82B4-EA07620EAC2B}" srcOrd="29" destOrd="0" presId="urn:microsoft.com/office/officeart/2005/8/layout/list1"/>
+    <dgm:cxn modelId="{734D7812-36A3-E141-95B3-FC940EA60347}" type="presParOf" srcId="{6D5F5C26-1EAE-0F4F-8988-ED11AC1CD6C4}" destId="{596A5F6C-7CE1-EB4B-8F21-BB674B48D317}" srcOrd="30" destOrd="0" presId="urn:microsoft.com/office/officeart/2005/8/layout/list1"/>
   </dgm:cxnLst>
   <dgm:bg/>
   <dgm:whole/>
@@ -1681,36 +1561,44 @@
       <dsp:cNvGrpSpPr/>
     </dsp:nvGrpSpPr>
     <dsp:grpSpPr/>
-    <dsp:sp modelId="{7612BF60-CAA6-4EDC-B76B-38910645A30A}">
+    <dsp:sp modelId="{FB38BADC-CC19-7A43-8546-6EE557C7CC49}">
       <dsp:nvSpPr>
         <dsp:cNvPr id="0" name=""/>
         <dsp:cNvSpPr/>
       </dsp:nvSpPr>
       <dsp:spPr>
         <a:xfrm>
-          <a:off x="0" y="688"/>
-          <a:ext cx="5623795" cy="578197"/>
+          <a:off x="0" y="359699"/>
+          <a:ext cx="5623795" cy="378000"/>
         </a:xfrm>
-        <a:prstGeom prst="roundRect">
-          <a:avLst>
-            <a:gd name="adj" fmla="val 10000"/>
-          </a:avLst>
+        <a:prstGeom prst="rect">
+          <a:avLst/>
         </a:prstGeom>
         <a:solidFill>
-          <a:schemeClr val="accent2">
+          <a:schemeClr val="lt1">
+            <a:alpha val="90000"/>
             <a:hueOff val="0"/>
             <a:satOff val="0"/>
             <a:lumOff val="0"/>
             <a:alphaOff val="0"/>
           </a:schemeClr>
         </a:solidFill>
-        <a:ln>
-          <a:noFill/>
+        <a:ln w="12700" cap="flat" cmpd="sng" algn="ctr">
+          <a:solidFill>
+            <a:schemeClr val="accent2">
+              <a:hueOff val="0"/>
+              <a:satOff val="0"/>
+              <a:lumOff val="0"/>
+              <a:alphaOff val="0"/>
+            </a:schemeClr>
+          </a:solidFill>
+          <a:prstDash val="solid"/>
+          <a:miter lim="800000"/>
         </a:ln>
         <a:effectLst/>
       </dsp:spPr>
       <dsp:style>
-        <a:lnRef idx="0">
+        <a:lnRef idx="2">
           <a:scrgbClr r="0" g="0" b="0"/>
         </a:lnRef>
         <a:fillRef idx="1">
@@ -1722,36 +1610,36 @@
         <a:fontRef idx="minor"/>
       </dsp:style>
     </dsp:sp>
-    <dsp:sp modelId="{A464B5B4-46B5-4AFE-AF4D-2789942DFC68}">
+    <dsp:sp modelId="{E2BBEBA9-1ABA-0848-A191-39252BB4DCC5}">
       <dsp:nvSpPr>
         <dsp:cNvPr id="0" name=""/>
         <dsp:cNvSpPr/>
       </dsp:nvSpPr>
       <dsp:spPr>
         <a:xfrm>
-          <a:off x="174904" y="130782"/>
-          <a:ext cx="318008" cy="318008"/>
+          <a:off x="281189" y="138299"/>
+          <a:ext cx="3936657" cy="442800"/>
         </a:xfrm>
-        <a:prstGeom prst="rect">
+        <a:prstGeom prst="roundRect">
           <a:avLst/>
         </a:prstGeom>
-        <a:blipFill>
-          <a:blip xmlns:r="http://schemas.openxmlformats.org/officeDocument/2006/relationships" r:embed="rId1">
-            <a:extLst>
-              <a:ext uri="{28A0092B-C50C-407E-A947-70E740481C1C}">
-                <a14:useLocalDpi xmlns:a14="http://schemas.microsoft.com/office/drawing/2010/main" val="0"/>
-              </a:ext>
-              <a:ext uri="{96DAC541-7B7A-43D3-8B79-37D633B846F1}">
-                <asvg:svgBlip xmlns:asvg="http://schemas.microsoft.com/office/drawing/2016/SVG/main" r:embed="rId2"/>
-              </a:ext>
-            </a:extLst>
-          </a:blip>
-          <a:stretch>
-            <a:fillRect/>
-          </a:stretch>
-        </a:blipFill>
+        <a:solidFill>
+          <a:schemeClr val="accent2">
+            <a:hueOff val="0"/>
+            <a:satOff val="0"/>
+            <a:lumOff val="0"/>
+            <a:alphaOff val="0"/>
+          </a:schemeClr>
+        </a:solidFill>
         <a:ln w="12700" cap="flat" cmpd="sng" algn="ctr">
-          <a:noFill/>
+          <a:solidFill>
+            <a:schemeClr val="lt1">
+              <a:hueOff val="0"/>
+              <a:satOff val="0"/>
+              <a:lumOff val="0"/>
+              <a:alphaOff val="0"/>
+            </a:schemeClr>
+          </a:solidFill>
           <a:prstDash val="solid"/>
           <a:miter lim="800000"/>
         </a:ln>
@@ -1771,45 +1659,13 @@
           <a:schemeClr val="lt1"/>
         </a:fontRef>
       </dsp:style>
-    </dsp:sp>
-    <dsp:sp modelId="{F79EEEDA-F43D-4F6D-8332-64D4A3EB71F1}">
-      <dsp:nvSpPr>
-        <dsp:cNvPr id="0" name=""/>
-        <dsp:cNvSpPr/>
-      </dsp:nvSpPr>
-      <dsp:spPr>
-        <a:xfrm>
-          <a:off x="667817" y="688"/>
-          <a:ext cx="4955978" cy="578197"/>
-        </a:xfrm>
-        <a:prstGeom prst="rect">
-          <a:avLst/>
-        </a:prstGeom>
-        <a:noFill/>
-        <a:ln>
-          <a:noFill/>
-        </a:ln>
-        <a:effectLst/>
-      </dsp:spPr>
-      <dsp:style>
-        <a:lnRef idx="0">
-          <a:scrgbClr r="0" g="0" b="0"/>
-        </a:lnRef>
-        <a:fillRef idx="0">
-          <a:scrgbClr r="0" g="0" b="0"/>
-        </a:fillRef>
-        <a:effectRef idx="0">
-          <a:scrgbClr r="0" g="0" b="0"/>
-        </a:effectRef>
-        <a:fontRef idx="minor"/>
-      </dsp:style>
       <dsp:txBody>
-        <a:bodyPr spcFirstLastPara="0" vert="horz" wrap="square" lIns="61193" tIns="61193" rIns="61193" bIns="61193" numCol="1" spcCol="1270" anchor="ctr" anchorCtr="0">
+        <a:bodyPr spcFirstLastPara="0" vert="horz" wrap="square" lIns="148796" tIns="0" rIns="148796" bIns="0" numCol="1" spcCol="1270" anchor="ctr" anchorCtr="0">
           <a:noAutofit/>
         </a:bodyPr>
         <a:lstStyle/>
         <a:p>
-          <a:pPr marL="0" lvl="0" indent="0" algn="l" defTabSz="711200">
+          <a:pPr marL="0" lvl="0" indent="0" algn="l" defTabSz="666750">
             <a:lnSpc>
               <a:spcPct val="90000"/>
             </a:lnSpc>
@@ -1822,46 +1678,54 @@
             <a:buNone/>
           </a:pPr>
           <a:r>
-            <a:rPr lang="en-US" sz="1600" kern="1200" dirty="0"/>
+            <a:rPr lang="en-US" sz="1500" kern="1200"/>
             <a:t>Research-question (Problem Statement)</a:t>
           </a:r>
         </a:p>
       </dsp:txBody>
       <dsp:txXfrm>
-        <a:off x="667817" y="688"/>
-        <a:ext cx="4955978" cy="578197"/>
+        <a:off x="302805" y="159915"/>
+        <a:ext cx="3893425" cy="399568"/>
       </dsp:txXfrm>
     </dsp:sp>
-    <dsp:sp modelId="{5C37F377-AE9E-4AFA-A2AD-AF39DC53B8D5}">
+    <dsp:sp modelId="{5A7773B6-902B-9F49-8A92-81970EE970F8}">
       <dsp:nvSpPr>
         <dsp:cNvPr id="0" name=""/>
         <dsp:cNvSpPr/>
       </dsp:nvSpPr>
       <dsp:spPr>
         <a:xfrm>
-          <a:off x="0" y="723434"/>
-          <a:ext cx="5623795" cy="578197"/>
+          <a:off x="0" y="1040099"/>
+          <a:ext cx="5623795" cy="378000"/>
         </a:xfrm>
-        <a:prstGeom prst="roundRect">
-          <a:avLst>
-            <a:gd name="adj" fmla="val 10000"/>
-          </a:avLst>
+        <a:prstGeom prst="rect">
+          <a:avLst/>
         </a:prstGeom>
         <a:solidFill>
-          <a:schemeClr val="accent2">
-            <a:hueOff val="2870631"/>
-            <a:satOff val="-36"/>
-            <a:lumOff val="896"/>
+          <a:schemeClr val="lt1">
+            <a:alpha val="90000"/>
+            <a:hueOff val="0"/>
+            <a:satOff val="0"/>
+            <a:lumOff val="0"/>
             <a:alphaOff val="0"/>
           </a:schemeClr>
         </a:solidFill>
-        <a:ln>
-          <a:noFill/>
+        <a:ln w="12700" cap="flat" cmpd="sng" algn="ctr">
+          <a:solidFill>
+            <a:schemeClr val="accent2">
+              <a:hueOff val="0"/>
+              <a:satOff val="0"/>
+              <a:lumOff val="0"/>
+              <a:alphaOff val="0"/>
+            </a:schemeClr>
+          </a:solidFill>
+          <a:prstDash val="solid"/>
+          <a:miter lim="800000"/>
         </a:ln>
         <a:effectLst/>
       </dsp:spPr>
       <dsp:style>
-        <a:lnRef idx="0">
+        <a:lnRef idx="2">
           <a:scrgbClr r="0" g="0" b="0"/>
         </a:lnRef>
         <a:fillRef idx="1">
@@ -1873,36 +1737,36 @@
         <a:fontRef idx="minor"/>
       </dsp:style>
     </dsp:sp>
-    <dsp:sp modelId="{5052D82B-7C0E-4DC2-89F0-C484DBDE260A}">
+    <dsp:sp modelId="{5CAC218E-E930-DE4A-89F0-6D4B3D36A282}">
       <dsp:nvSpPr>
         <dsp:cNvPr id="0" name=""/>
         <dsp:cNvSpPr/>
       </dsp:nvSpPr>
       <dsp:spPr>
         <a:xfrm>
-          <a:off x="174904" y="853529"/>
-          <a:ext cx="318008" cy="318008"/>
+          <a:off x="281189" y="818699"/>
+          <a:ext cx="3936657" cy="442800"/>
         </a:xfrm>
-        <a:prstGeom prst="rect">
+        <a:prstGeom prst="roundRect">
           <a:avLst/>
         </a:prstGeom>
-        <a:blipFill>
-          <a:blip xmlns:r="http://schemas.openxmlformats.org/officeDocument/2006/relationships" r:embed="rId3">
-            <a:extLst>
-              <a:ext uri="{28A0092B-C50C-407E-A947-70E740481C1C}">
-                <a14:useLocalDpi xmlns:a14="http://schemas.microsoft.com/office/drawing/2010/main" val="0"/>
-              </a:ext>
-              <a:ext uri="{96DAC541-7B7A-43D3-8B79-37D633B846F1}">
-                <asvg:svgBlip xmlns:asvg="http://schemas.microsoft.com/office/drawing/2016/SVG/main" r:embed="rId4"/>
-              </a:ext>
-            </a:extLst>
-          </a:blip>
-          <a:stretch>
-            <a:fillRect/>
-          </a:stretch>
-        </a:blipFill>
+        <a:solidFill>
+          <a:schemeClr val="accent2">
+            <a:hueOff val="0"/>
+            <a:satOff val="0"/>
+            <a:lumOff val="0"/>
+            <a:alphaOff val="0"/>
+          </a:schemeClr>
+        </a:solidFill>
         <a:ln w="12700" cap="flat" cmpd="sng" algn="ctr">
-          <a:noFill/>
+          <a:solidFill>
+            <a:schemeClr val="lt1">
+              <a:hueOff val="0"/>
+              <a:satOff val="0"/>
+              <a:lumOff val="0"/>
+              <a:alphaOff val="0"/>
+            </a:schemeClr>
+          </a:solidFill>
           <a:prstDash val="solid"/>
           <a:miter lim="800000"/>
         </a:ln>
@@ -1922,45 +1786,13 @@
           <a:schemeClr val="lt1"/>
         </a:fontRef>
       </dsp:style>
-    </dsp:sp>
-    <dsp:sp modelId="{53F30F61-59EF-4121-AA70-E741FD8BAE2A}">
-      <dsp:nvSpPr>
-        <dsp:cNvPr id="0" name=""/>
-        <dsp:cNvSpPr/>
-      </dsp:nvSpPr>
-      <dsp:spPr>
-        <a:xfrm>
-          <a:off x="667817" y="723434"/>
-          <a:ext cx="4955978" cy="578197"/>
-        </a:xfrm>
-        <a:prstGeom prst="rect">
-          <a:avLst/>
-        </a:prstGeom>
-        <a:noFill/>
-        <a:ln>
-          <a:noFill/>
-        </a:ln>
-        <a:effectLst/>
-      </dsp:spPr>
-      <dsp:style>
-        <a:lnRef idx="0">
-          <a:scrgbClr r="0" g="0" b="0"/>
-        </a:lnRef>
-        <a:fillRef idx="0">
-          <a:scrgbClr r="0" g="0" b="0"/>
-        </a:fillRef>
-        <a:effectRef idx="0">
-          <a:scrgbClr r="0" g="0" b="0"/>
-        </a:effectRef>
-        <a:fontRef idx="minor"/>
-      </dsp:style>
       <dsp:txBody>
-        <a:bodyPr spcFirstLastPara="0" vert="horz" wrap="square" lIns="61193" tIns="61193" rIns="61193" bIns="61193" numCol="1" spcCol="1270" anchor="ctr" anchorCtr="0">
+        <a:bodyPr spcFirstLastPara="0" vert="horz" wrap="square" lIns="148796" tIns="0" rIns="148796" bIns="0" numCol="1" spcCol="1270" anchor="ctr" anchorCtr="0">
           <a:noAutofit/>
         </a:bodyPr>
         <a:lstStyle/>
         <a:p>
-          <a:pPr marL="0" lvl="0" indent="0" algn="l" defTabSz="711200">
+          <a:pPr marL="0" lvl="0" indent="0" algn="l" defTabSz="666750">
             <a:lnSpc>
               <a:spcPct val="90000"/>
             </a:lnSpc>
@@ -1973,46 +1805,54 @@
             <a:buNone/>
           </a:pPr>
           <a:r>
-            <a:rPr lang="en-US" sz="1600" kern="1200"/>
+            <a:rPr lang="en-US" sz="1500" kern="1200"/>
             <a:t>Hypothesis Generation</a:t>
           </a:r>
         </a:p>
       </dsp:txBody>
       <dsp:txXfrm>
-        <a:off x="667817" y="723434"/>
-        <a:ext cx="4955978" cy="578197"/>
+        <a:off x="302805" y="840315"/>
+        <a:ext cx="3893425" cy="399568"/>
       </dsp:txXfrm>
     </dsp:sp>
-    <dsp:sp modelId="{8179B4A4-B07E-4A99-B26F-F822511E7A0B}">
+    <dsp:sp modelId="{F0314A6A-0498-4546-8FF5-4890FCE8B9B5}">
       <dsp:nvSpPr>
         <dsp:cNvPr id="0" name=""/>
         <dsp:cNvSpPr/>
       </dsp:nvSpPr>
       <dsp:spPr>
         <a:xfrm>
-          <a:off x="0" y="1446181"/>
-          <a:ext cx="5623795" cy="578197"/>
+          <a:off x="0" y="1720499"/>
+          <a:ext cx="5623795" cy="378000"/>
         </a:xfrm>
-        <a:prstGeom prst="roundRect">
-          <a:avLst>
-            <a:gd name="adj" fmla="val 10000"/>
-          </a:avLst>
+        <a:prstGeom prst="rect">
+          <a:avLst/>
         </a:prstGeom>
         <a:solidFill>
-          <a:schemeClr val="accent2">
-            <a:hueOff val="5741261"/>
-            <a:satOff val="-72"/>
-            <a:lumOff val="1793"/>
+          <a:schemeClr val="lt1">
+            <a:alpha val="90000"/>
+            <a:hueOff val="0"/>
+            <a:satOff val="0"/>
+            <a:lumOff val="0"/>
             <a:alphaOff val="0"/>
           </a:schemeClr>
         </a:solidFill>
-        <a:ln>
-          <a:noFill/>
+        <a:ln w="12700" cap="flat" cmpd="sng" algn="ctr">
+          <a:solidFill>
+            <a:schemeClr val="accent2">
+              <a:hueOff val="0"/>
+              <a:satOff val="0"/>
+              <a:lumOff val="0"/>
+              <a:alphaOff val="0"/>
+            </a:schemeClr>
+          </a:solidFill>
+          <a:prstDash val="solid"/>
+          <a:miter lim="800000"/>
         </a:ln>
         <a:effectLst/>
       </dsp:spPr>
       <dsp:style>
-        <a:lnRef idx="0">
+        <a:lnRef idx="2">
           <a:scrgbClr r="0" g="0" b="0"/>
         </a:lnRef>
         <a:fillRef idx="1">
@@ -2024,36 +1864,36 @@
         <a:fontRef idx="minor"/>
       </dsp:style>
     </dsp:sp>
-    <dsp:sp modelId="{372196B8-7A4C-4404-81A6-691175DEA3B4}">
+    <dsp:sp modelId="{22959397-7F00-7F4C-98C1-535EF6941D8C}">
       <dsp:nvSpPr>
         <dsp:cNvPr id="0" name=""/>
         <dsp:cNvSpPr/>
       </dsp:nvSpPr>
       <dsp:spPr>
         <a:xfrm>
-          <a:off x="174904" y="1576275"/>
-          <a:ext cx="318008" cy="318008"/>
+          <a:off x="281189" y="1499099"/>
+          <a:ext cx="3936657" cy="442800"/>
         </a:xfrm>
-        <a:prstGeom prst="rect">
+        <a:prstGeom prst="roundRect">
           <a:avLst/>
         </a:prstGeom>
-        <a:blipFill>
-          <a:blip xmlns:r="http://schemas.openxmlformats.org/officeDocument/2006/relationships" r:embed="rId5">
-            <a:extLst>
-              <a:ext uri="{28A0092B-C50C-407E-A947-70E740481C1C}">
-                <a14:useLocalDpi xmlns:a14="http://schemas.microsoft.com/office/drawing/2010/main" val="0"/>
-              </a:ext>
-              <a:ext uri="{96DAC541-7B7A-43D3-8B79-37D633B846F1}">
-                <asvg:svgBlip xmlns:asvg="http://schemas.microsoft.com/office/drawing/2016/SVG/main" r:embed="rId6"/>
-              </a:ext>
-            </a:extLst>
-          </a:blip>
-          <a:stretch>
-            <a:fillRect/>
-          </a:stretch>
-        </a:blipFill>
+        <a:solidFill>
+          <a:schemeClr val="accent2">
+            <a:hueOff val="0"/>
+            <a:satOff val="0"/>
+            <a:lumOff val="0"/>
+            <a:alphaOff val="0"/>
+          </a:schemeClr>
+        </a:solidFill>
         <a:ln w="12700" cap="flat" cmpd="sng" algn="ctr">
-          <a:noFill/>
+          <a:solidFill>
+            <a:schemeClr val="lt1">
+              <a:hueOff val="0"/>
+              <a:satOff val="0"/>
+              <a:lumOff val="0"/>
+              <a:alphaOff val="0"/>
+            </a:schemeClr>
+          </a:solidFill>
           <a:prstDash val="solid"/>
           <a:miter lim="800000"/>
         </a:ln>
@@ -2073,45 +1913,13 @@
           <a:schemeClr val="lt1"/>
         </a:fontRef>
       </dsp:style>
-    </dsp:sp>
-    <dsp:sp modelId="{E31983EC-5FC0-4B1E-82CF-D203B7658F4B}">
-      <dsp:nvSpPr>
-        <dsp:cNvPr id="0" name=""/>
-        <dsp:cNvSpPr/>
-      </dsp:nvSpPr>
-      <dsp:spPr>
-        <a:xfrm>
-          <a:off x="667817" y="1446181"/>
-          <a:ext cx="4955978" cy="578197"/>
-        </a:xfrm>
-        <a:prstGeom prst="rect">
-          <a:avLst/>
-        </a:prstGeom>
-        <a:noFill/>
-        <a:ln>
-          <a:noFill/>
-        </a:ln>
-        <a:effectLst/>
-      </dsp:spPr>
-      <dsp:style>
-        <a:lnRef idx="0">
-          <a:scrgbClr r="0" g="0" b="0"/>
-        </a:lnRef>
-        <a:fillRef idx="0">
-          <a:scrgbClr r="0" g="0" b="0"/>
-        </a:fillRef>
-        <a:effectRef idx="0">
-          <a:scrgbClr r="0" g="0" b="0"/>
-        </a:effectRef>
-        <a:fontRef idx="minor"/>
-      </dsp:style>
       <dsp:txBody>
-        <a:bodyPr spcFirstLastPara="0" vert="horz" wrap="square" lIns="61193" tIns="61193" rIns="61193" bIns="61193" numCol="1" spcCol="1270" anchor="ctr" anchorCtr="0">
+        <a:bodyPr spcFirstLastPara="0" vert="horz" wrap="square" lIns="148796" tIns="0" rIns="148796" bIns="0" numCol="1" spcCol="1270" anchor="ctr" anchorCtr="0">
           <a:noAutofit/>
         </a:bodyPr>
         <a:lstStyle/>
         <a:p>
-          <a:pPr marL="0" lvl="0" indent="0" algn="l" defTabSz="711200">
+          <a:pPr marL="0" lvl="0" indent="0" algn="l" defTabSz="666750">
             <a:lnSpc>
               <a:spcPct val="90000"/>
             </a:lnSpc>
@@ -2124,46 +1932,54 @@
             <a:buNone/>
           </a:pPr>
           <a:r>
-            <a:rPr lang="en-US" sz="1600" kern="1200"/>
+            <a:rPr lang="en-US" sz="1500" kern="1200"/>
             <a:t>EDA (Exploratory Data Analysis)</a:t>
           </a:r>
         </a:p>
       </dsp:txBody>
       <dsp:txXfrm>
-        <a:off x="667817" y="1446181"/>
-        <a:ext cx="4955978" cy="578197"/>
+        <a:off x="302805" y="1520715"/>
+        <a:ext cx="3893425" cy="399568"/>
       </dsp:txXfrm>
     </dsp:sp>
-    <dsp:sp modelId="{B4C2588F-61E3-42C7-AE96-DC588550032C}">
+    <dsp:sp modelId="{33EA2006-0934-704E-AD87-A0F178389DE7}">
       <dsp:nvSpPr>
         <dsp:cNvPr id="0" name=""/>
         <dsp:cNvSpPr/>
       </dsp:nvSpPr>
       <dsp:spPr>
         <a:xfrm>
-          <a:off x="0" y="2168927"/>
-          <a:ext cx="5623795" cy="578197"/>
+          <a:off x="0" y="2400899"/>
+          <a:ext cx="5623795" cy="378000"/>
         </a:xfrm>
-        <a:prstGeom prst="roundRect">
-          <a:avLst>
-            <a:gd name="adj" fmla="val 10000"/>
-          </a:avLst>
+        <a:prstGeom prst="rect">
+          <a:avLst/>
         </a:prstGeom>
         <a:solidFill>
-          <a:schemeClr val="accent2">
-            <a:hueOff val="8611891"/>
-            <a:satOff val="-108"/>
-            <a:lumOff val="2689"/>
+          <a:schemeClr val="lt1">
+            <a:alpha val="90000"/>
+            <a:hueOff val="0"/>
+            <a:satOff val="0"/>
+            <a:lumOff val="0"/>
             <a:alphaOff val="0"/>
           </a:schemeClr>
         </a:solidFill>
-        <a:ln>
-          <a:noFill/>
+        <a:ln w="12700" cap="flat" cmpd="sng" algn="ctr">
+          <a:solidFill>
+            <a:schemeClr val="accent2">
+              <a:hueOff val="0"/>
+              <a:satOff val="0"/>
+              <a:lumOff val="0"/>
+              <a:alphaOff val="0"/>
+            </a:schemeClr>
+          </a:solidFill>
+          <a:prstDash val="solid"/>
+          <a:miter lim="800000"/>
         </a:ln>
         <a:effectLst/>
       </dsp:spPr>
       <dsp:style>
-        <a:lnRef idx="0">
+        <a:lnRef idx="2">
           <a:scrgbClr r="0" g="0" b="0"/>
         </a:lnRef>
         <a:fillRef idx="1">
@@ -2175,36 +1991,36 @@
         <a:fontRef idx="minor"/>
       </dsp:style>
     </dsp:sp>
-    <dsp:sp modelId="{E5CB63F4-079C-4D67-9418-97C6A1C5D064}">
+    <dsp:sp modelId="{964BB139-50D6-084D-ACFC-44D41D356F2F}">
       <dsp:nvSpPr>
         <dsp:cNvPr id="0" name=""/>
         <dsp:cNvSpPr/>
       </dsp:nvSpPr>
       <dsp:spPr>
         <a:xfrm>
-          <a:off x="174904" y="2299022"/>
-          <a:ext cx="318008" cy="318008"/>
+          <a:off x="281189" y="2179499"/>
+          <a:ext cx="3936657" cy="442800"/>
         </a:xfrm>
-        <a:prstGeom prst="rect">
+        <a:prstGeom prst="roundRect">
           <a:avLst/>
         </a:prstGeom>
-        <a:blipFill>
-          <a:blip xmlns:r="http://schemas.openxmlformats.org/officeDocument/2006/relationships" r:embed="rId7">
-            <a:extLst>
-              <a:ext uri="{28A0092B-C50C-407E-A947-70E740481C1C}">
-                <a14:useLocalDpi xmlns:a14="http://schemas.microsoft.com/office/drawing/2010/main" val="0"/>
-              </a:ext>
-              <a:ext uri="{96DAC541-7B7A-43D3-8B79-37D633B846F1}">
-                <asvg:svgBlip xmlns:asvg="http://schemas.microsoft.com/office/drawing/2016/SVG/main" r:embed="rId8"/>
-              </a:ext>
-            </a:extLst>
-          </a:blip>
-          <a:stretch>
-            <a:fillRect/>
-          </a:stretch>
-        </a:blipFill>
+        <a:solidFill>
+          <a:schemeClr val="accent2">
+            <a:hueOff val="0"/>
+            <a:satOff val="0"/>
+            <a:lumOff val="0"/>
+            <a:alphaOff val="0"/>
+          </a:schemeClr>
+        </a:solidFill>
         <a:ln w="12700" cap="flat" cmpd="sng" algn="ctr">
-          <a:noFill/>
+          <a:solidFill>
+            <a:schemeClr val="lt1">
+              <a:hueOff val="0"/>
+              <a:satOff val="0"/>
+              <a:lumOff val="0"/>
+              <a:alphaOff val="0"/>
+            </a:schemeClr>
+          </a:solidFill>
           <a:prstDash val="solid"/>
           <a:miter lim="800000"/>
         </a:ln>
@@ -2224,45 +2040,13 @@
           <a:schemeClr val="lt1"/>
         </a:fontRef>
       </dsp:style>
-    </dsp:sp>
-    <dsp:sp modelId="{2E3CE708-3B9A-4EA8-B5F8-4F5E6E3349A8}">
-      <dsp:nvSpPr>
-        <dsp:cNvPr id="0" name=""/>
-        <dsp:cNvSpPr/>
-      </dsp:nvSpPr>
-      <dsp:spPr>
-        <a:xfrm>
-          <a:off x="667817" y="2168927"/>
-          <a:ext cx="4955978" cy="578197"/>
-        </a:xfrm>
-        <a:prstGeom prst="rect">
-          <a:avLst/>
-        </a:prstGeom>
-        <a:noFill/>
-        <a:ln>
-          <a:noFill/>
-        </a:ln>
-        <a:effectLst/>
-      </dsp:spPr>
-      <dsp:style>
-        <a:lnRef idx="0">
-          <a:scrgbClr r="0" g="0" b="0"/>
-        </a:lnRef>
-        <a:fillRef idx="0">
-          <a:scrgbClr r="0" g="0" b="0"/>
-        </a:fillRef>
-        <a:effectRef idx="0">
-          <a:scrgbClr r="0" g="0" b="0"/>
-        </a:effectRef>
-        <a:fontRef idx="minor"/>
-      </dsp:style>
       <dsp:txBody>
-        <a:bodyPr spcFirstLastPara="0" vert="horz" wrap="square" lIns="61193" tIns="61193" rIns="61193" bIns="61193" numCol="1" spcCol="1270" anchor="ctr" anchorCtr="0">
+        <a:bodyPr spcFirstLastPara="0" vert="horz" wrap="square" lIns="148796" tIns="0" rIns="148796" bIns="0" numCol="1" spcCol="1270" anchor="ctr" anchorCtr="0">
           <a:noAutofit/>
         </a:bodyPr>
         <a:lstStyle/>
         <a:p>
-          <a:pPr marL="0" lvl="0" indent="0" algn="l" defTabSz="711200">
+          <a:pPr marL="0" lvl="0" indent="0" algn="l" defTabSz="666750">
             <a:lnSpc>
               <a:spcPct val="90000"/>
             </a:lnSpc>
@@ -2275,46 +2059,54 @@
             <a:buNone/>
           </a:pPr>
           <a:r>
-            <a:rPr lang="en-US" sz="1600" kern="1200"/>
+            <a:rPr lang="en-US" sz="1500" kern="1200"/>
             <a:t>Data Cleaning and Preparation (preprocessing)</a:t>
           </a:r>
         </a:p>
       </dsp:txBody>
       <dsp:txXfrm>
-        <a:off x="667817" y="2168927"/>
-        <a:ext cx="4955978" cy="578197"/>
+        <a:off x="302805" y="2201115"/>
+        <a:ext cx="3893425" cy="399568"/>
       </dsp:txXfrm>
     </dsp:sp>
-    <dsp:sp modelId="{6708E74A-2746-4A00-AE06-CCDE9ED94758}">
+    <dsp:sp modelId="{3975BD19-13E3-C545-B471-3F1B4D41A688}">
       <dsp:nvSpPr>
         <dsp:cNvPr id="0" name=""/>
         <dsp:cNvSpPr/>
       </dsp:nvSpPr>
       <dsp:spPr>
         <a:xfrm>
-          <a:off x="0" y="2891674"/>
-          <a:ext cx="5623795" cy="578197"/>
+          <a:off x="0" y="3081299"/>
+          <a:ext cx="5623795" cy="378000"/>
         </a:xfrm>
-        <a:prstGeom prst="roundRect">
-          <a:avLst>
-            <a:gd name="adj" fmla="val 10000"/>
-          </a:avLst>
+        <a:prstGeom prst="rect">
+          <a:avLst/>
         </a:prstGeom>
         <a:solidFill>
-          <a:schemeClr val="accent2">
-            <a:hueOff val="11482523"/>
-            <a:satOff val="-144"/>
-            <a:lumOff val="3586"/>
+          <a:schemeClr val="lt1">
+            <a:alpha val="90000"/>
+            <a:hueOff val="0"/>
+            <a:satOff val="0"/>
+            <a:lumOff val="0"/>
             <a:alphaOff val="0"/>
           </a:schemeClr>
         </a:solidFill>
-        <a:ln>
-          <a:noFill/>
+        <a:ln w="12700" cap="flat" cmpd="sng" algn="ctr">
+          <a:solidFill>
+            <a:schemeClr val="accent2">
+              <a:hueOff val="0"/>
+              <a:satOff val="0"/>
+              <a:lumOff val="0"/>
+              <a:alphaOff val="0"/>
+            </a:schemeClr>
+          </a:solidFill>
+          <a:prstDash val="solid"/>
+          <a:miter lim="800000"/>
         </a:ln>
         <a:effectLst/>
       </dsp:spPr>
       <dsp:style>
-        <a:lnRef idx="0">
+        <a:lnRef idx="2">
           <a:scrgbClr r="0" g="0" b="0"/>
         </a:lnRef>
         <a:fillRef idx="1">
@@ -2326,36 +2118,36 @@
         <a:fontRef idx="minor"/>
       </dsp:style>
     </dsp:sp>
-    <dsp:sp modelId="{5F34325A-E043-4B3B-A9DA-2AE9AA4AF311}">
+    <dsp:sp modelId="{65461BCF-01C5-BB42-9686-FD9C3CE94A7D}">
       <dsp:nvSpPr>
         <dsp:cNvPr id="0" name=""/>
         <dsp:cNvSpPr/>
       </dsp:nvSpPr>
       <dsp:spPr>
         <a:xfrm>
-          <a:off x="174904" y="3021768"/>
-          <a:ext cx="318008" cy="318008"/>
+          <a:off x="281189" y="2859899"/>
+          <a:ext cx="3936657" cy="442800"/>
         </a:xfrm>
-        <a:prstGeom prst="rect">
+        <a:prstGeom prst="roundRect">
           <a:avLst/>
         </a:prstGeom>
-        <a:blipFill>
-          <a:blip xmlns:r="http://schemas.openxmlformats.org/officeDocument/2006/relationships" r:embed="rId9">
-            <a:extLst>
-              <a:ext uri="{28A0092B-C50C-407E-A947-70E740481C1C}">
-                <a14:useLocalDpi xmlns:a14="http://schemas.microsoft.com/office/drawing/2010/main" val="0"/>
-              </a:ext>
-              <a:ext uri="{96DAC541-7B7A-43D3-8B79-37D633B846F1}">
-                <asvg:svgBlip xmlns:asvg="http://schemas.microsoft.com/office/drawing/2016/SVG/main" r:embed="rId10"/>
-              </a:ext>
-            </a:extLst>
-          </a:blip>
-          <a:stretch>
-            <a:fillRect/>
-          </a:stretch>
-        </a:blipFill>
+        <a:solidFill>
+          <a:schemeClr val="accent2">
+            <a:hueOff val="0"/>
+            <a:satOff val="0"/>
+            <a:lumOff val="0"/>
+            <a:alphaOff val="0"/>
+          </a:schemeClr>
+        </a:solidFill>
         <a:ln w="12700" cap="flat" cmpd="sng" algn="ctr">
-          <a:noFill/>
+          <a:solidFill>
+            <a:schemeClr val="lt1">
+              <a:hueOff val="0"/>
+              <a:satOff val="0"/>
+              <a:lumOff val="0"/>
+              <a:alphaOff val="0"/>
+            </a:schemeClr>
+          </a:solidFill>
           <a:prstDash val="solid"/>
           <a:miter lim="800000"/>
         </a:ln>
@@ -2375,45 +2167,13 @@
           <a:schemeClr val="lt1"/>
         </a:fontRef>
       </dsp:style>
-    </dsp:sp>
-    <dsp:sp modelId="{23221EC1-7F9C-49DD-988E-4C2BD520C378}">
-      <dsp:nvSpPr>
-        <dsp:cNvPr id="0" name=""/>
-        <dsp:cNvSpPr/>
-      </dsp:nvSpPr>
-      <dsp:spPr>
-        <a:xfrm>
-          <a:off x="667817" y="2891674"/>
-          <a:ext cx="4955978" cy="578197"/>
-        </a:xfrm>
-        <a:prstGeom prst="rect">
-          <a:avLst/>
-        </a:prstGeom>
-        <a:noFill/>
-        <a:ln>
-          <a:noFill/>
-        </a:ln>
-        <a:effectLst/>
-      </dsp:spPr>
-      <dsp:style>
-        <a:lnRef idx="0">
-          <a:scrgbClr r="0" g="0" b="0"/>
-        </a:lnRef>
-        <a:fillRef idx="0">
-          <a:scrgbClr r="0" g="0" b="0"/>
-        </a:fillRef>
-        <a:effectRef idx="0">
-          <a:scrgbClr r="0" g="0" b="0"/>
-        </a:effectRef>
-        <a:fontRef idx="minor"/>
-      </dsp:style>
       <dsp:txBody>
-        <a:bodyPr spcFirstLastPara="0" vert="horz" wrap="square" lIns="61193" tIns="61193" rIns="61193" bIns="61193" numCol="1" spcCol="1270" anchor="ctr" anchorCtr="0">
+        <a:bodyPr spcFirstLastPara="0" vert="horz" wrap="square" lIns="148796" tIns="0" rIns="148796" bIns="0" numCol="1" spcCol="1270" anchor="ctr" anchorCtr="0">
           <a:noAutofit/>
         </a:bodyPr>
         <a:lstStyle/>
         <a:p>
-          <a:pPr marL="0" lvl="0" indent="0" algn="l" defTabSz="711200">
+          <a:pPr marL="0" lvl="0" indent="0" algn="l" defTabSz="666750">
             <a:lnSpc>
               <a:spcPct val="90000"/>
             </a:lnSpc>
@@ -2426,46 +2186,54 @@
             <a:buNone/>
           </a:pPr>
           <a:r>
-            <a:rPr lang="en-US" sz="1600" kern="1200"/>
+            <a:rPr lang="en-US" sz="1500" kern="1200"/>
             <a:t>Build the Baseline Model</a:t>
           </a:r>
         </a:p>
       </dsp:txBody>
       <dsp:txXfrm>
-        <a:off x="667817" y="2891674"/>
-        <a:ext cx="4955978" cy="578197"/>
+        <a:off x="302805" y="2881515"/>
+        <a:ext cx="3893425" cy="399568"/>
       </dsp:txXfrm>
     </dsp:sp>
-    <dsp:sp modelId="{804981F6-552B-D743-9B3D-3837576F2468}">
+    <dsp:sp modelId="{A1701100-793F-7240-BC0F-C39ABE5FEFE2}">
       <dsp:nvSpPr>
         <dsp:cNvPr id="0" name=""/>
         <dsp:cNvSpPr/>
       </dsp:nvSpPr>
       <dsp:spPr>
         <a:xfrm>
-          <a:off x="0" y="3614420"/>
-          <a:ext cx="5623795" cy="578197"/>
+          <a:off x="0" y="3761699"/>
+          <a:ext cx="5623795" cy="378000"/>
         </a:xfrm>
-        <a:prstGeom prst="roundRect">
-          <a:avLst>
-            <a:gd name="adj" fmla="val 10000"/>
-          </a:avLst>
+        <a:prstGeom prst="rect">
+          <a:avLst/>
         </a:prstGeom>
         <a:solidFill>
-          <a:schemeClr val="accent2">
-            <a:hueOff val="14353152"/>
-            <a:satOff val="-180"/>
-            <a:lumOff val="4482"/>
+          <a:schemeClr val="lt1">
+            <a:alpha val="90000"/>
+            <a:hueOff val="0"/>
+            <a:satOff val="0"/>
+            <a:lumOff val="0"/>
             <a:alphaOff val="0"/>
           </a:schemeClr>
         </a:solidFill>
-        <a:ln>
-          <a:noFill/>
+        <a:ln w="12700" cap="flat" cmpd="sng" algn="ctr">
+          <a:solidFill>
+            <a:schemeClr val="accent2">
+              <a:hueOff val="0"/>
+              <a:satOff val="0"/>
+              <a:lumOff val="0"/>
+              <a:alphaOff val="0"/>
+            </a:schemeClr>
+          </a:solidFill>
+          <a:prstDash val="solid"/>
+          <a:miter lim="800000"/>
         </a:ln>
         <a:effectLst/>
       </dsp:spPr>
       <dsp:style>
-        <a:lnRef idx="0">
+        <a:lnRef idx="2">
           <a:scrgbClr r="0" g="0" b="0"/>
         </a:lnRef>
         <a:fillRef idx="1">
@@ -2477,21 +2245,21 @@
         <a:fontRef idx="minor"/>
       </dsp:style>
     </dsp:sp>
-    <dsp:sp modelId="{F67A5314-E03A-9841-9F1C-42D3AECF58BA}">
+    <dsp:sp modelId="{9C3E39B2-CE57-1E49-BD36-6C2B99B03280}">
       <dsp:nvSpPr>
         <dsp:cNvPr id="0" name=""/>
         <dsp:cNvSpPr/>
       </dsp:nvSpPr>
       <dsp:spPr>
         <a:xfrm>
-          <a:off x="174904" y="3744514"/>
-          <a:ext cx="318008" cy="318008"/>
+          <a:off x="281189" y="3540299"/>
+          <a:ext cx="3936657" cy="442800"/>
         </a:xfrm>
-        <a:prstGeom prst="rect">
+        <a:prstGeom prst="roundRect">
           <a:avLst/>
         </a:prstGeom>
         <a:solidFill>
-          <a:schemeClr val="bg1">
+          <a:schemeClr val="accent2">
             <a:hueOff val="0"/>
             <a:satOff val="0"/>
             <a:lumOff val="0"/>
@@ -2499,7 +2267,14 @@
           </a:schemeClr>
         </a:solidFill>
         <a:ln w="12700" cap="flat" cmpd="sng" algn="ctr">
-          <a:noFill/>
+          <a:solidFill>
+            <a:schemeClr val="lt1">
+              <a:hueOff val="0"/>
+              <a:satOff val="0"/>
+              <a:lumOff val="0"/>
+              <a:alphaOff val="0"/>
+            </a:schemeClr>
+          </a:solidFill>
           <a:prstDash val="solid"/>
           <a:miter lim="800000"/>
         </a:ln>
@@ -2519,45 +2294,13 @@
           <a:schemeClr val="lt1"/>
         </a:fontRef>
       </dsp:style>
-    </dsp:sp>
-    <dsp:sp modelId="{F02FC280-0A07-E843-A7D9-6AD9558EBD83}">
-      <dsp:nvSpPr>
-        <dsp:cNvPr id="0" name=""/>
-        <dsp:cNvSpPr/>
-      </dsp:nvSpPr>
-      <dsp:spPr>
-        <a:xfrm>
-          <a:off x="667817" y="3614420"/>
-          <a:ext cx="4955978" cy="578197"/>
-        </a:xfrm>
-        <a:prstGeom prst="rect">
-          <a:avLst/>
-        </a:prstGeom>
-        <a:noFill/>
-        <a:ln>
-          <a:noFill/>
-        </a:ln>
-        <a:effectLst/>
-      </dsp:spPr>
-      <dsp:style>
-        <a:lnRef idx="0">
-          <a:scrgbClr r="0" g="0" b="0"/>
-        </a:lnRef>
-        <a:fillRef idx="0">
-          <a:scrgbClr r="0" g="0" b="0"/>
-        </a:fillRef>
-        <a:effectRef idx="0">
-          <a:scrgbClr r="0" g="0" b="0"/>
-        </a:effectRef>
-        <a:fontRef idx="minor"/>
-      </dsp:style>
       <dsp:txBody>
-        <a:bodyPr spcFirstLastPara="0" vert="horz" wrap="square" lIns="61193" tIns="61193" rIns="61193" bIns="61193" numCol="1" spcCol="1270" anchor="ctr" anchorCtr="0">
+        <a:bodyPr spcFirstLastPara="0" vert="horz" wrap="square" lIns="148796" tIns="0" rIns="148796" bIns="0" numCol="1" spcCol="1270" anchor="ctr" anchorCtr="0">
           <a:noAutofit/>
         </a:bodyPr>
         <a:lstStyle/>
         <a:p>
-          <a:pPr marL="0" lvl="0" indent="0" algn="l" defTabSz="711200">
+          <a:pPr marL="0" lvl="0" indent="0" algn="l" defTabSz="666750">
             <a:lnSpc>
               <a:spcPct val="90000"/>
             </a:lnSpc>
@@ -2570,46 +2313,54 @@
             <a:buNone/>
           </a:pPr>
           <a:r>
-            <a:rPr lang="en-US" sz="1600" kern="1200"/>
+            <a:rPr lang="en-US" sz="1500" kern="1200"/>
             <a:t>Hyperparameter Tunning (GridSearchCV)</a:t>
           </a:r>
         </a:p>
       </dsp:txBody>
       <dsp:txXfrm>
-        <a:off x="667817" y="3614420"/>
-        <a:ext cx="4955978" cy="578197"/>
+        <a:off x="302805" y="3561915"/>
+        <a:ext cx="3893425" cy="399568"/>
       </dsp:txXfrm>
     </dsp:sp>
-    <dsp:sp modelId="{A36C96B9-BA25-4C4C-B377-A907460E28CE}">
+    <dsp:sp modelId="{1B35E18A-37BD-C341-BA30-A042937FA658}">
       <dsp:nvSpPr>
         <dsp:cNvPr id="0" name=""/>
         <dsp:cNvSpPr/>
       </dsp:nvSpPr>
       <dsp:spPr>
         <a:xfrm>
-          <a:off x="0" y="4337167"/>
-          <a:ext cx="5623795" cy="578197"/>
+          <a:off x="0" y="4442099"/>
+          <a:ext cx="5623795" cy="378000"/>
         </a:xfrm>
-        <a:prstGeom prst="roundRect">
-          <a:avLst>
-            <a:gd name="adj" fmla="val 10000"/>
-          </a:avLst>
+        <a:prstGeom prst="rect">
+          <a:avLst/>
         </a:prstGeom>
         <a:solidFill>
-          <a:schemeClr val="accent2">
-            <a:hueOff val="17223783"/>
-            <a:satOff val="-216"/>
-            <a:lumOff val="5379"/>
+          <a:schemeClr val="lt1">
+            <a:alpha val="90000"/>
+            <a:hueOff val="0"/>
+            <a:satOff val="0"/>
+            <a:lumOff val="0"/>
             <a:alphaOff val="0"/>
           </a:schemeClr>
         </a:solidFill>
-        <a:ln>
-          <a:noFill/>
+        <a:ln w="12700" cap="flat" cmpd="sng" algn="ctr">
+          <a:solidFill>
+            <a:schemeClr val="accent2">
+              <a:hueOff val="0"/>
+              <a:satOff val="0"/>
+              <a:lumOff val="0"/>
+              <a:alphaOff val="0"/>
+            </a:schemeClr>
+          </a:solidFill>
+          <a:prstDash val="solid"/>
+          <a:miter lim="800000"/>
         </a:ln>
         <a:effectLst/>
       </dsp:spPr>
       <dsp:style>
-        <a:lnRef idx="0">
+        <a:lnRef idx="2">
           <a:scrgbClr r="0" g="0" b="0"/>
         </a:lnRef>
         <a:fillRef idx="1">
@@ -2621,21 +2372,21 @@
         <a:fontRef idx="minor"/>
       </dsp:style>
     </dsp:sp>
-    <dsp:sp modelId="{DD182109-F98F-6948-8CEC-10F08ACF6965}">
+    <dsp:sp modelId="{F0DC37F7-31DB-F24E-8AC3-12831766449C}">
       <dsp:nvSpPr>
         <dsp:cNvPr id="0" name=""/>
         <dsp:cNvSpPr/>
       </dsp:nvSpPr>
       <dsp:spPr>
         <a:xfrm>
-          <a:off x="174904" y="4467261"/>
-          <a:ext cx="318008" cy="318008"/>
+          <a:off x="281189" y="4220699"/>
+          <a:ext cx="3936657" cy="442800"/>
         </a:xfrm>
-        <a:prstGeom prst="rect">
+        <a:prstGeom prst="roundRect">
           <a:avLst/>
         </a:prstGeom>
         <a:solidFill>
-          <a:schemeClr val="bg1">
+          <a:schemeClr val="accent2">
             <a:hueOff val="0"/>
             <a:satOff val="0"/>
             <a:lumOff val="0"/>
@@ -2643,7 +2394,14 @@
           </a:schemeClr>
         </a:solidFill>
         <a:ln w="12700" cap="flat" cmpd="sng" algn="ctr">
-          <a:noFill/>
+          <a:solidFill>
+            <a:schemeClr val="lt1">
+              <a:hueOff val="0"/>
+              <a:satOff val="0"/>
+              <a:lumOff val="0"/>
+              <a:alphaOff val="0"/>
+            </a:schemeClr>
+          </a:solidFill>
           <a:prstDash val="solid"/>
           <a:miter lim="800000"/>
         </a:ln>
@@ -2663,45 +2421,13 @@
           <a:schemeClr val="lt1"/>
         </a:fontRef>
       </dsp:style>
-    </dsp:sp>
-    <dsp:sp modelId="{338FD0AC-8854-D940-A102-37F417790A75}">
-      <dsp:nvSpPr>
-        <dsp:cNvPr id="0" name=""/>
-        <dsp:cNvSpPr/>
-      </dsp:nvSpPr>
-      <dsp:spPr>
-        <a:xfrm>
-          <a:off x="667817" y="4337167"/>
-          <a:ext cx="4955978" cy="578197"/>
-        </a:xfrm>
-        <a:prstGeom prst="rect">
-          <a:avLst/>
-        </a:prstGeom>
-        <a:noFill/>
-        <a:ln>
-          <a:noFill/>
-        </a:ln>
-        <a:effectLst/>
-      </dsp:spPr>
-      <dsp:style>
-        <a:lnRef idx="0">
-          <a:scrgbClr r="0" g="0" b="0"/>
-        </a:lnRef>
-        <a:fillRef idx="0">
-          <a:scrgbClr r="0" g="0" b="0"/>
-        </a:fillRef>
-        <a:effectRef idx="0">
-          <a:scrgbClr r="0" g="0" b="0"/>
-        </a:effectRef>
-        <a:fontRef idx="minor"/>
-      </dsp:style>
       <dsp:txBody>
-        <a:bodyPr spcFirstLastPara="0" vert="horz" wrap="square" lIns="61193" tIns="61193" rIns="61193" bIns="61193" numCol="1" spcCol="1270" anchor="ctr" anchorCtr="0">
+        <a:bodyPr spcFirstLastPara="0" vert="horz" wrap="square" lIns="148796" tIns="0" rIns="148796" bIns="0" numCol="1" spcCol="1270" anchor="ctr" anchorCtr="0">
           <a:noAutofit/>
         </a:bodyPr>
         <a:lstStyle/>
         <a:p>
-          <a:pPr marL="0" lvl="0" indent="0" algn="l" defTabSz="711200">
+          <a:pPr marL="0" lvl="0" indent="0" algn="l" defTabSz="666750">
             <a:lnSpc>
               <a:spcPct val="90000"/>
             </a:lnSpc>
@@ -2714,46 +2440,54 @@
             <a:buNone/>
           </a:pPr>
           <a:r>
-            <a:rPr lang="en-US" sz="1600" kern="1200"/>
+            <a:rPr lang="en-US" sz="1500" kern="1200"/>
             <a:t>Pipeline</a:t>
           </a:r>
         </a:p>
       </dsp:txBody>
       <dsp:txXfrm>
-        <a:off x="667817" y="4337167"/>
-        <a:ext cx="4955978" cy="578197"/>
+        <a:off x="302805" y="4242315"/>
+        <a:ext cx="3893425" cy="399568"/>
       </dsp:txXfrm>
     </dsp:sp>
-    <dsp:sp modelId="{94247BBF-2E02-1F4F-8322-F4F4558E6AF2}">
+    <dsp:sp modelId="{596A5F6C-7CE1-EB4B-8F21-BB674B48D317}">
       <dsp:nvSpPr>
         <dsp:cNvPr id="0" name=""/>
         <dsp:cNvSpPr/>
       </dsp:nvSpPr>
       <dsp:spPr>
         <a:xfrm>
-          <a:off x="0" y="5059913"/>
-          <a:ext cx="5623795" cy="578197"/>
+          <a:off x="0" y="5122499"/>
+          <a:ext cx="5623795" cy="378000"/>
         </a:xfrm>
-        <a:prstGeom prst="roundRect">
-          <a:avLst>
-            <a:gd name="adj" fmla="val 10000"/>
-          </a:avLst>
+        <a:prstGeom prst="rect">
+          <a:avLst/>
         </a:prstGeom>
         <a:solidFill>
-          <a:schemeClr val="accent2">
-            <a:hueOff val="20094413"/>
-            <a:satOff val="-252"/>
-            <a:lumOff val="6275"/>
+          <a:schemeClr val="lt1">
+            <a:alpha val="90000"/>
+            <a:hueOff val="0"/>
+            <a:satOff val="0"/>
+            <a:lumOff val="0"/>
             <a:alphaOff val="0"/>
           </a:schemeClr>
         </a:solidFill>
-        <a:ln>
-          <a:noFill/>
+        <a:ln w="12700" cap="flat" cmpd="sng" algn="ctr">
+          <a:solidFill>
+            <a:schemeClr val="accent2">
+              <a:hueOff val="0"/>
+              <a:satOff val="0"/>
+              <a:lumOff val="0"/>
+              <a:alphaOff val="0"/>
+            </a:schemeClr>
+          </a:solidFill>
+          <a:prstDash val="solid"/>
+          <a:miter lim="800000"/>
         </a:ln>
         <a:effectLst/>
       </dsp:spPr>
       <dsp:style>
-        <a:lnRef idx="0">
+        <a:lnRef idx="2">
           <a:scrgbClr r="0" g="0" b="0"/>
         </a:lnRef>
         <a:fillRef idx="1">
@@ -2765,21 +2499,21 @@
         <a:fontRef idx="minor"/>
       </dsp:style>
     </dsp:sp>
-    <dsp:sp modelId="{7430CC78-DFD0-A948-A175-C20B8E9AD9A2}">
+    <dsp:sp modelId="{56BEA374-394F-DB47-9CFC-4BC46685D61E}">
       <dsp:nvSpPr>
         <dsp:cNvPr id="0" name=""/>
         <dsp:cNvSpPr/>
       </dsp:nvSpPr>
       <dsp:spPr>
         <a:xfrm>
-          <a:off x="174904" y="5190007"/>
-          <a:ext cx="318008" cy="318008"/>
+          <a:off x="281189" y="4901099"/>
+          <a:ext cx="3936657" cy="442800"/>
         </a:xfrm>
-        <a:prstGeom prst="rect">
+        <a:prstGeom prst="roundRect">
           <a:avLst/>
         </a:prstGeom>
         <a:solidFill>
-          <a:schemeClr val="bg1">
+          <a:schemeClr val="accent2">
             <a:hueOff val="0"/>
             <a:satOff val="0"/>
             <a:lumOff val="0"/>
@@ -2787,7 +2521,14 @@
           </a:schemeClr>
         </a:solidFill>
         <a:ln w="12700" cap="flat" cmpd="sng" algn="ctr">
-          <a:noFill/>
+          <a:solidFill>
+            <a:schemeClr val="lt1">
+              <a:hueOff val="0"/>
+              <a:satOff val="0"/>
+              <a:lumOff val="0"/>
+              <a:alphaOff val="0"/>
+            </a:schemeClr>
+          </a:solidFill>
           <a:prstDash val="solid"/>
           <a:miter lim="800000"/>
         </a:ln>
@@ -2807,45 +2548,13 @@
           <a:schemeClr val="lt1"/>
         </a:fontRef>
       </dsp:style>
-    </dsp:sp>
-    <dsp:sp modelId="{08176E27-CD4D-4640-A8D7-47C6CA8394F8}">
-      <dsp:nvSpPr>
-        <dsp:cNvPr id="0" name=""/>
-        <dsp:cNvSpPr/>
-      </dsp:nvSpPr>
-      <dsp:spPr>
-        <a:xfrm>
-          <a:off x="667817" y="5059913"/>
-          <a:ext cx="4955978" cy="578197"/>
-        </a:xfrm>
-        <a:prstGeom prst="rect">
-          <a:avLst/>
-        </a:prstGeom>
-        <a:noFill/>
-        <a:ln>
-          <a:noFill/>
-        </a:ln>
-        <a:effectLst/>
-      </dsp:spPr>
-      <dsp:style>
-        <a:lnRef idx="0">
-          <a:scrgbClr r="0" g="0" b="0"/>
-        </a:lnRef>
-        <a:fillRef idx="0">
-          <a:scrgbClr r="0" g="0" b="0"/>
-        </a:fillRef>
-        <a:effectRef idx="0">
-          <a:scrgbClr r="0" g="0" b="0"/>
-        </a:effectRef>
-        <a:fontRef idx="minor"/>
-      </dsp:style>
       <dsp:txBody>
-        <a:bodyPr spcFirstLastPara="0" vert="horz" wrap="square" lIns="61193" tIns="61193" rIns="61193" bIns="61193" numCol="1" spcCol="1270" anchor="ctr" anchorCtr="0">
+        <a:bodyPr spcFirstLastPara="0" vert="horz" wrap="square" lIns="148796" tIns="0" rIns="148796" bIns="0" numCol="1" spcCol="1270" anchor="ctr" anchorCtr="0">
           <a:noAutofit/>
         </a:bodyPr>
         <a:lstStyle/>
         <a:p>
-          <a:pPr marL="0" lvl="0" indent="0" algn="l" defTabSz="711200">
+          <a:pPr marL="0" lvl="0" indent="0" algn="l" defTabSz="666750">
             <a:lnSpc>
               <a:spcPct val="90000"/>
             </a:lnSpc>
@@ -2858,14 +2567,14 @@
             <a:buNone/>
           </a:pPr>
           <a:r>
-            <a:rPr lang="en-US" sz="1600" kern="1200"/>
+            <a:rPr lang="en-US" sz="1500" kern="1200"/>
             <a:t>Model Deployment</a:t>
           </a:r>
         </a:p>
       </dsp:txBody>
       <dsp:txXfrm>
-        <a:off x="667817" y="5059913"/>
-        <a:ext cx="4955978" cy="578197"/>
+        <a:off x="302805" y="4922715"/>
+        <a:ext cx="3893425" cy="399568"/>
       </dsp:txXfrm>
     </dsp:sp>
   </dsp:spTree>
@@ -2873,48 +2582,89 @@
 </file>
 
 <file path=ppt/diagrams/layout1.xml><?xml version="1.0" encoding="utf-8"?>
-<dgm:layoutDef xmlns:dgm="http://schemas.openxmlformats.org/drawingml/2006/diagram" xmlns:a="http://schemas.openxmlformats.org/drawingml/2006/main" uniqueId="urn:microsoft.com/office/officeart/2018/2/layout/IconVerticalSolidList">
-  <dgm:title val="Icon Vertical Solid List"/>
-  <dgm:desc val="Use to show a series of visuals from top to bottom with Level 1 or Level 1 and Level 2 text grouped in a shape. Works best with icons or small pictures with lengthier descriptions."/>
+<dgm:layoutDef xmlns:dgm="http://schemas.openxmlformats.org/drawingml/2006/diagram" xmlns:a="http://schemas.openxmlformats.org/drawingml/2006/main" uniqueId="urn:microsoft.com/office/officeart/2005/8/layout/list1">
+  <dgm:title val=""/>
+  <dgm:desc val=""/>
   <dgm:catLst>
-    <dgm:cat type="icon" pri="500"/>
+    <dgm:cat type="list" pri="4000"/>
   </dgm:catLst>
-  <dgm:sampData useDef="1">
+  <dgm:sampData>
     <dgm:dataModel>
-      <dgm:ptLst/>
+      <dgm:ptLst>
+        <dgm:pt modelId="0" type="doc"/>
+        <dgm:pt modelId="1">
+          <dgm:prSet phldr="1"/>
+        </dgm:pt>
+        <dgm:pt modelId="2">
+          <dgm:prSet phldr="1"/>
+        </dgm:pt>
+        <dgm:pt modelId="3">
+          <dgm:prSet phldr="1"/>
+        </dgm:pt>
+      </dgm:ptLst>
+      <dgm:cxnLst>
+        <dgm:cxn modelId="4" srcId="0" destId="1" srcOrd="0" destOrd="0"/>
+        <dgm:cxn modelId="5" srcId="0" destId="2" srcOrd="1" destOrd="0"/>
+        <dgm:cxn modelId="6" srcId="0" destId="3" srcOrd="2" destOrd="0"/>
+      </dgm:cxnLst>
       <dgm:bg/>
       <dgm:whole/>
     </dgm:dataModel>
   </dgm:sampData>
-  <dgm:styleData useDef="1">
+  <dgm:styleData>
     <dgm:dataModel>
-      <dgm:ptLst/>
+      <dgm:ptLst>
+        <dgm:pt modelId="0" type="doc"/>
+        <dgm:pt modelId="1"/>
+        <dgm:pt modelId="2"/>
+      </dgm:ptLst>
+      <dgm:cxnLst>
+        <dgm:cxn modelId="4" srcId="0" destId="1" srcOrd="0" destOrd="0"/>
+        <dgm:cxn modelId="5" srcId="0" destId="2" srcOrd="1" destOrd="0"/>
+      </dgm:cxnLst>
       <dgm:bg/>
       <dgm:whole/>
     </dgm:dataModel>
   </dgm:styleData>
-  <dgm:clrData useDef="1">
+  <dgm:clrData>
     <dgm:dataModel>
-      <dgm:ptLst/>
+      <dgm:ptLst>
+        <dgm:pt modelId="0" type="doc"/>
+        <dgm:pt modelId="1"/>
+        <dgm:pt modelId="2"/>
+        <dgm:pt modelId="3"/>
+        <dgm:pt modelId="4"/>
+      </dgm:ptLst>
+      <dgm:cxnLst>
+        <dgm:cxn modelId="5" srcId="0" destId="1" srcOrd="0" destOrd="0"/>
+        <dgm:cxn modelId="6" srcId="0" destId="2" srcOrd="1" destOrd="0"/>
+        <dgm:cxn modelId="7" srcId="0" destId="3" srcOrd="2" destOrd="0"/>
+        <dgm:cxn modelId="8" srcId="0" destId="4" srcOrd="3" destOrd="0"/>
+      </dgm:cxnLst>
       <dgm:bg/>
       <dgm:whole/>
     </dgm:dataModel>
   </dgm:clrData>
-  <dgm:layoutNode name="root">
+  <dgm:layoutNode name="linear">
     <dgm:varLst>
       <dgm:dir/>
+      <dgm:animLvl val="lvl"/>
       <dgm:resizeHandles val="exact"/>
     </dgm:varLst>
     <dgm:choose name="Name0">
-      <dgm:if name="Name1" axis="self" func="var" arg="dir" op="equ" val="norm">
+      <dgm:if name="Name1" func="var" arg="dir" op="equ" val="norm">
         <dgm:alg type="lin">
           <dgm:param type="linDir" val="fromT"/>
+          <dgm:param type="vertAlign" val="mid"/>
+          <dgm:param type="horzAlign" val="l"/>
           <dgm:param type="nodeHorzAlign" val="l"/>
         </dgm:alg>
       </dgm:if>
       <dgm:else name="Name2">
         <dgm:alg type="lin">
           <dgm:param type="linDir" val="fromT"/>
+          <dgm:param type="vertAlign" val="mid"/>
+          <dgm:param type="horzAlign" val="r"/>
           <dgm:param type="nodeHorzAlign" val="r"/>
         </dgm:alg>
       </dgm:else>
@@ -2923,150 +2673,125 @@
       <dgm:adjLst/>
     </dgm:shape>
     <dgm:presOf/>
-    <dgm:choose name="Name3">
-      <dgm:if name="Name4" axis="ch" ptType="node" func="cnt" op="lte" val="3">
-        <dgm:constrLst>
-          <dgm:constr type="h" for="ch" forName="compNode" refType="h" fact="0.3"/>
-          <dgm:constr type="w" for="ch" forName="compNode" refType="w"/>
-          <dgm:constr type="h" for="ch" forName="sibTrans" refType="h" refFor="ch" refForName="compNode" fact="0.25"/>
-          <dgm:constr type="primFontSz" for="des" forName="parTx" val="25"/>
-          <dgm:constr type="primFontSz" for="des" forName="desTx" refType="primFontSz" refFor="des" refForName="parTx" op="lte" fact="0.75"/>
-          <dgm:constr type="h" for="des" forName="compNode" op="equ"/>
-          <dgm:constr type="h" for="des" forName="bgRect" op="equ"/>
-          <dgm:constr type="h" for="des" forName="iconRect" op="equ"/>
-          <dgm:constr type="w" for="des" forName="iconRect" op="equ"/>
-          <dgm:constr type="h" for="des" forName="spaceRect" op="equ"/>
-          <dgm:constr type="h" for="des" forName="parTx" op="equ"/>
-          <dgm:constr type="h" for="des" forName="desTx" op="equ"/>
-        </dgm:constrLst>
-      </dgm:if>
-      <dgm:if name="Name5" axis="ch" ptType="node" func="cnt" op="lte" val="4">
-        <dgm:constrLst>
-          <dgm:constr type="h" for="ch" forName="compNode" refType="h" fact="0.3"/>
-          <dgm:constr type="w" for="ch" forName="compNode" refType="w"/>
-          <dgm:constr type="h" for="ch" forName="sibTrans" refType="h" refFor="ch" refForName="compNode" fact="0.25"/>
-          <dgm:constr type="primFontSz" for="des" forName="parTx" val="22"/>
-          <dgm:constr type="primFontSz" for="des" forName="desTx" refType="primFontSz" refFor="des" refForName="parTx" op="lte" fact="0.75"/>
-          <dgm:constr type="h" for="des" forName="compNode" op="equ"/>
-          <dgm:constr type="h" for="des" forName="bgRect" op="equ"/>
-          <dgm:constr type="h" for="des" forName="iconRect" op="equ"/>
-          <dgm:constr type="w" for="des" forName="iconRect" op="equ"/>
-          <dgm:constr type="h" for="des" forName="spaceRect" op="equ"/>
-          <dgm:constr type="h" for="des" forName="parTx" op="equ"/>
-          <dgm:constr type="h" for="des" forName="desTx" op="equ"/>
-        </dgm:constrLst>
-      </dgm:if>
-      <dgm:if name="Name6" axis="ch" ptType="node" func="cnt" op="lte" val="6">
-        <dgm:constrLst>
-          <dgm:constr type="h" for="ch" forName="compNode" refType="h" fact="0.3"/>
-          <dgm:constr type="w" for="ch" forName="compNode" refType="w"/>
-          <dgm:constr type="h" for="ch" forName="sibTrans" refType="h" refFor="ch" refForName="compNode" fact="0.25"/>
-          <dgm:constr type="primFontSz" for="des" forName="parTx" val="19"/>
-          <dgm:constr type="primFontSz" for="des" forName="desTx" refType="primFontSz" refFor="des" refForName="parTx" op="lte" fact="0.75"/>
-          <dgm:constr type="h" for="des" forName="compNode" op="equ"/>
-          <dgm:constr type="h" for="des" forName="bgRect" op="equ"/>
-          <dgm:constr type="h" for="des" forName="iconRect" op="equ"/>
-          <dgm:constr type="w" for="des" forName="iconRect" op="equ"/>
-          <dgm:constr type="h" for="des" forName="spaceRect" op="equ"/>
-          <dgm:constr type="h" for="des" forName="parTx" op="equ"/>
-          <dgm:constr type="h" for="des" forName="desTx" op="equ"/>
-        </dgm:constrLst>
-      </dgm:if>
-      <dgm:else name="Name7">
-        <dgm:constrLst>
-          <dgm:constr type="h" for="ch" forName="compNode" refType="h" fact="0.3"/>
-          <dgm:constr type="w" for="ch" forName="compNode" refType="w"/>
-          <dgm:constr type="h" for="ch" forName="sibTrans" refType="h" refFor="ch" refForName="compNode" fact="0.25"/>
-          <dgm:constr type="primFontSz" for="des" forName="parTx" val="16"/>
-          <dgm:constr type="primFontSz" for="des" forName="desTx" refType="primFontSz" refFor="des" refForName="parTx" op="lte" fact="0.75"/>
-          <dgm:constr type="h" for="des" forName="compNode" op="equ"/>
-          <dgm:constr type="h" for="des" forName="bgRect" op="equ"/>
-          <dgm:constr type="h" for="des" forName="iconRect" op="equ"/>
-          <dgm:constr type="w" for="des" forName="iconRect" op="equ"/>
-          <dgm:constr type="h" for="des" forName="spaceRect" op="equ"/>
-          <dgm:constr type="h" for="des" forName="parTx" op="equ"/>
-          <dgm:constr type="h" for="des" forName="desTx" op="equ"/>
-        </dgm:constrLst>
-      </dgm:else>
-    </dgm:choose>
+    <dgm:constrLst>
+      <dgm:constr type="w" for="ch" forName="parentLin" refType="w"/>
+      <dgm:constr type="h" for="ch" forName="parentLin" val="INF"/>
+      <dgm:constr type="w" for="des" forName="parentLeftMargin" refType="w" fact="0.05"/>
+      <dgm:constr type="w" for="des" forName="parentText" refType="w" fact="0.7"/>
+      <dgm:constr type="h" for="des" forName="parentText" refType="primFontSz" refFor="des" refForName="parentText" fact="0.82"/>
+      <dgm:constr type="h" for="ch" forName="negativeSpace" refType="primFontSz" refFor="des" refForName="parentText" fact="-0.41"/>
+      <dgm:constr type="h" for="ch" forName="negativeSpace" refType="h" refFor="des" refForName="parentText" op="lte" fact="-0.82"/>
+      <dgm:constr type="h" for="ch" forName="negativeSpace" refType="h" refFor="des" refForName="parentText" op="gte" fact="-0.82"/>
+      <dgm:constr type="w" for="ch" forName="childText" refType="w"/>
+      <dgm:constr type="h" for="ch" forName="childText" refType="primFontSz" refFor="des" refForName="parentText" fact="0.7"/>
+      <dgm:constr type="primFontSz" for="des" forName="parentText" val="65"/>
+      <dgm:constr type="primFontSz" for="ch" forName="childText" refType="primFontSz" refFor="des" refForName="parentText"/>
+      <dgm:constr type="tMarg" for="ch" forName="childText" refType="primFontSz" refFor="des" refForName="parentText" fact="1.64"/>
+      <dgm:constr type="tMarg" for="ch" forName="childText" refType="h" refFor="des" refForName="parentText" op="lte" fact="3.28"/>
+      <dgm:constr type="tMarg" for="ch" forName="childText" refType="h" refFor="des" refForName="parentText" op="gte" fact="3.28"/>
+      <dgm:constr type="lMarg" for="ch" forName="childText" refType="w" fact="0.22"/>
+      <dgm:constr type="rMarg" for="ch" forName="childText" refType="lMarg" refFor="ch" refForName="childText"/>
+      <dgm:constr type="lMarg" for="des" forName="parentText" refType="w" fact="0.075"/>
+      <dgm:constr type="rMarg" for="des" forName="parentText" refType="lMarg" refFor="des" refForName="parentText"/>
+      <dgm:constr type="h" for="ch" forName="spaceBetweenRectangles" refType="primFontSz" refFor="des" refForName="parentText" fact="0.15"/>
+    </dgm:constrLst>
     <dgm:ruleLst>
-      <dgm:rule type="h" for="ch" forName="compNode" val="0" fact="NaN" max="NaN"/>
+      <dgm:rule type="primFontSz" for="des" forName="parentText" val="5" fact="NaN" max="NaN"/>
     </dgm:ruleLst>
-    <dgm:forEach name="Name8" axis="ch" ptType="node">
-      <dgm:layoutNode name="compNode">
-        <dgm:alg type="composite"/>
+    <dgm:forEach name="Name3" axis="ch" ptType="node">
+      <dgm:layoutNode name="parentLin">
+        <dgm:choose name="Name4">
+          <dgm:if name="Name5" func="var" arg="dir" op="equ" val="norm">
+            <dgm:alg type="lin">
+              <dgm:param type="linDir" val="fromL"/>
+              <dgm:param type="horzAlign" val="l"/>
+              <dgm:param type="nodeHorzAlign" val="l"/>
+            </dgm:alg>
+          </dgm:if>
+          <dgm:else name="Name6">
+            <dgm:alg type="lin">
+              <dgm:param type="linDir" val="fromR"/>
+              <dgm:param type="horzAlign" val="r"/>
+              <dgm:param type="nodeHorzAlign" val="r"/>
+            </dgm:alg>
+          </dgm:else>
+        </dgm:choose>
         <dgm:shape xmlns:r="http://schemas.openxmlformats.org/officeDocument/2006/relationships" r:blip="">
           <dgm:adjLst/>
         </dgm:shape>
-        <dgm:presOf axis="self"/>
-        <dgm:choose name="Name9">
-          <dgm:if name="Name10" axis="ch" ptType="node" func="cnt" op="gte" val="1">
-            <dgm:constrLst>
-              <dgm:constr type="w" for="ch" forName="bgRect" refType="w"/>
-              <dgm:constr type="h" for="ch" forName="bgRect" refType="h"/>
-              <dgm:constr type="l" for="ch" forName="bgRect"/>
-              <dgm:constr type="t" for="ch" forName="bgRect"/>
-              <dgm:constr type="h" for="ch" forName="iconRect" refType="h" fact="0.55"/>
-              <dgm:constr type="w" for="ch" forName="iconRect" refType="h" refFor="ch" refForName="iconRect"/>
-              <dgm:constr type="l" for="ch" forName="iconRect" refType="h" refFor="ch" refForName="iconRect" fact="0.55"/>
-              <dgm:constr type="ctrY" for="ch" forName="iconRect" refType="ctrY" refFor="ch" refForName="bgRect"/>
-              <dgm:constr type="w" for="ch" forName="spaceRect" refType="l" refFor="ch" refForName="iconRect"/>
-              <dgm:constr type="h" for="ch" forName="spaceRect" refType="h"/>
-              <dgm:constr type="l" for="ch" forName="spaceRect" refType="r" refFor="ch" refForName="iconRect"/>
-              <dgm:constr type="t" for="ch" forName="spaceRect"/>
-              <dgm:constr type="w" for="ch" forName="parTx" refType="w" fact="0.45"/>
-              <dgm:constr type="h" for="ch" forName="parTx" refType="h"/>
-              <dgm:constr type="l" for="ch" forName="parTx" refType="r" refFor="ch" refForName="spaceRect"/>
-              <dgm:constr type="t" for="ch" forName="parTx"/>
-              <dgm:constr type="h" for="ch" forName="desTx" refType="h"/>
-              <dgm:constr type="l" for="ch" forName="desTx" refType="r" refFor="ch" refForName="parTx"/>
-              <dgm:constr type="t" for="ch" forName="desTx"/>
-            </dgm:constrLst>
-          </dgm:if>
-          <dgm:else name="Name11">
-            <dgm:constrLst>
-              <dgm:constr type="w" for="ch" forName="bgRect" refType="w"/>
-              <dgm:constr type="h" for="ch" forName="bgRect" refType="h"/>
-              <dgm:constr type="l" for="ch" forName="bgRect"/>
-              <dgm:constr type="t" for="ch" forName="bgRect"/>
-              <dgm:constr type="h" for="ch" forName="iconRect" refType="h" fact="0.55"/>
-              <dgm:constr type="w" for="ch" forName="iconRect" refType="h" refFor="ch" refForName="iconRect"/>
-              <dgm:constr type="l" for="ch" forName="iconRect" refType="h" refFor="ch" refForName="iconRect" fact="0.55"/>
-              <dgm:constr type="ctrY" for="ch" forName="iconRect" refType="ctrY" refFor="ch" refForName="bgRect"/>
-              <dgm:constr type="w" for="ch" forName="spaceRect" refType="l" refFor="ch" refForName="iconRect"/>
-              <dgm:constr type="h" for="ch" forName="spaceRect" refType="h"/>
-              <dgm:constr type="l" for="ch" forName="spaceRect" refType="r" refFor="ch" refForName="iconRect"/>
-              <dgm:constr type="t" for="ch" forName="spaceRect"/>
-              <dgm:constr type="h" for="ch" forName="parTx" refType="h"/>
-              <dgm:constr type="l" for="ch" forName="parTx" refType="r" refFor="ch" refForName="spaceRect"/>
-              <dgm:constr type="t" for="ch" forName="parTx"/>
-            </dgm:constrLst>
-          </dgm:else>
-        </dgm:choose>
+        <dgm:presOf/>
+        <dgm:constrLst/>
+        <dgm:ruleLst/>
+        <dgm:layoutNode name="parentLeftMargin">
+          <dgm:alg type="sp"/>
+          <dgm:shape xmlns:r="http://schemas.openxmlformats.org/officeDocument/2006/relationships" type="rect" r:blip="" hideGeom="1">
+            <dgm:adjLst/>
+          </dgm:shape>
+          <dgm:presOf axis="self"/>
+          <dgm:constrLst>
+            <dgm:constr type="h"/>
+          </dgm:constrLst>
+          <dgm:ruleLst/>
+        </dgm:layoutNode>
+        <dgm:layoutNode name="parentText" styleLbl="node1">
+          <dgm:varLst>
+            <dgm:chMax val="0"/>
+            <dgm:bulletEnabled val="1"/>
+          </dgm:varLst>
+          <dgm:choose name="Name7">
+            <dgm:if name="Name8" func="var" arg="dir" op="equ" val="norm">
+              <dgm:alg type="tx">
+                <dgm:param type="parTxLTRAlign" val="l"/>
+                <dgm:param type="parTxRTLAlign" val="l"/>
+              </dgm:alg>
+            </dgm:if>
+            <dgm:else name="Name9">
+              <dgm:alg type="tx">
+                <dgm:param type="parTxLTRAlign" val="r"/>
+                <dgm:param type="parTxRTLAlign" val="r"/>
+              </dgm:alg>
+            </dgm:else>
+          </dgm:choose>
+          <dgm:shape xmlns:r="http://schemas.openxmlformats.org/officeDocument/2006/relationships" type="roundRect" r:blip="">
+            <dgm:adjLst/>
+          </dgm:shape>
+          <dgm:presOf axis="self" ptType="node"/>
+          <dgm:constrLst>
+            <dgm:constr type="tMarg"/>
+            <dgm:constr type="bMarg"/>
+          </dgm:constrLst>
+          <dgm:ruleLst/>
+        </dgm:layoutNode>
+      </dgm:layoutNode>
+      <dgm:layoutNode name="negativeSpace">
+        <dgm:alg type="sp"/>
+        <dgm:shape xmlns:r="http://schemas.openxmlformats.org/officeDocument/2006/relationships" r:blip="">
+          <dgm:adjLst/>
+        </dgm:shape>
+        <dgm:presOf/>
+        <dgm:constrLst/>
+        <dgm:ruleLst/>
+      </dgm:layoutNode>
+      <dgm:layoutNode name="childText" styleLbl="conFgAcc1">
+        <dgm:varLst>
+          <dgm:bulletEnabled val="1"/>
+        </dgm:varLst>
+        <dgm:alg type="tx">
+          <dgm:param type="stBulletLvl" val="1"/>
+        </dgm:alg>
+        <dgm:shape xmlns:r="http://schemas.openxmlformats.org/officeDocument/2006/relationships" type="rect" r:blip="" zOrderOff="-2">
+          <dgm:adjLst/>
+        </dgm:shape>
+        <dgm:presOf axis="des" ptType="node"/>
+        <dgm:constrLst>
+          <dgm:constr type="secFontSz" refType="primFontSz"/>
+        </dgm:constrLst>
         <dgm:ruleLst>
           <dgm:rule type="h" val="INF" fact="NaN" max="NaN"/>
         </dgm:ruleLst>
-        <dgm:layoutNode name="bgRect" styleLbl="bgShp">
-          <dgm:alg type="sp"/>
-          <dgm:shape xmlns:r="http://schemas.openxmlformats.org/officeDocument/2006/relationships" type="roundRect" r:blip="">
-            <dgm:adjLst>
-              <dgm:adj idx="1" val="0.1"/>
-            </dgm:adjLst>
-          </dgm:shape>
-          <dgm:presOf/>
-          <dgm:constrLst/>
-          <dgm:ruleLst/>
-        </dgm:layoutNode>
-        <dgm:layoutNode name="iconRect" styleLbl="node1">
-          <dgm:alg type="sp"/>
-          <dgm:shape xmlns:r="http://schemas.openxmlformats.org/officeDocument/2006/relationships" type="rect" r:blip="" blipPhldr="1">
-            <dgm:adjLst/>
-          </dgm:shape>
-          <dgm:presOf/>
-          <dgm:constrLst/>
-          <dgm:ruleLst/>
-        </dgm:layoutNode>
-        <dgm:layoutNode name="spaceRect">
+      </dgm:layoutNode>
+      <dgm:forEach name="Name10" axis="followSib" ptType="sibTrans" cnt="1">
+        <dgm:layoutNode name="spaceBetweenRectangles">
           <dgm:alg type="sp"/>
           <dgm:shape xmlns:r="http://schemas.openxmlformats.org/officeDocument/2006/relationships" r:blip="">
             <dgm:adjLst/>
@@ -3075,94 +2800,9 @@
           <dgm:constrLst/>
           <dgm:ruleLst/>
         </dgm:layoutNode>
-        <dgm:layoutNode name="parTx" styleLbl="revTx">
-          <dgm:varLst>
-            <dgm:chMax val="0"/>
-            <dgm:chPref val="0"/>
-          </dgm:varLst>
-          <dgm:alg type="tx">
-            <dgm:param type="txAnchorVert" val="mid"/>
-            <dgm:param type="parTxLTRAlign" val="l"/>
-            <dgm:param type="shpTxLTRAlignCh" val="l"/>
-            <dgm:param type="parTxRTLAlign" val="r"/>
-            <dgm:param type="shpTxRTLAlignCh" val="r"/>
-          </dgm:alg>
-          <dgm:shape xmlns:r="http://schemas.openxmlformats.org/officeDocument/2006/relationships" type="rect" r:blip="">
-            <dgm:adjLst/>
-          </dgm:shape>
-          <dgm:presOf axis="self" ptType="node"/>
-          <dgm:constrLst>
-            <dgm:constr type="lMarg" refType="h" fact="0.3"/>
-            <dgm:constr type="rMarg" refType="h" fact="0.3"/>
-            <dgm:constr type="tMarg" refType="h" fact="0.3"/>
-            <dgm:constr type="bMarg" refType="h" fact="0.3"/>
-          </dgm:constrLst>
-          <dgm:ruleLst>
-            <dgm:rule type="primFontSz" val="14" fact="NaN" max="NaN"/>
-            <dgm:rule type="h" val="INF" fact="NaN" max="NaN"/>
-          </dgm:ruleLst>
-        </dgm:layoutNode>
-        <dgm:choose name="Name12">
-          <dgm:if name="Name13" axis="ch" ptType="node" func="cnt" op="gte" val="1">
-            <dgm:layoutNode name="desTx" styleLbl="revTx">
-              <dgm:varLst/>
-              <dgm:alg type="tx">
-                <dgm:param type="txAnchorVertCh" val="mid"/>
-                <dgm:param type="parTxLTRAlign" val="l"/>
-                <dgm:param type="shpTxLTRAlignCh" val="l"/>
-                <dgm:param type="parTxRTLAlign" val="r"/>
-                <dgm:param type="shpTxRTLAlignCh" val="r"/>
-                <dgm:param type="stBulletLvl" val="0"/>
-              </dgm:alg>
-              <dgm:shape xmlns:r="http://schemas.openxmlformats.org/officeDocument/2006/relationships" type="rect" r:blip="">
-                <dgm:adjLst/>
-              </dgm:shape>
-              <dgm:presOf axis="des" ptType="node"/>
-              <dgm:constrLst>
-                <dgm:constr type="primFontSz" val="18"/>
-                <dgm:constr type="secFontSz" refType="primFontSz"/>
-                <dgm:constr type="lMarg" refType="h" fact="0.3"/>
-                <dgm:constr type="rMarg" refType="h" fact="0.3"/>
-                <dgm:constr type="tMarg" refType="h" fact="0.3"/>
-                <dgm:constr type="bMarg" refType="h" fact="0.3"/>
-              </dgm:constrLst>
-              <dgm:ruleLst>
-                <dgm:rule type="primFontSz" val="11" fact="NaN" max="NaN"/>
-              </dgm:ruleLst>
-            </dgm:layoutNode>
-          </dgm:if>
-          <dgm:else name="Name14"/>
-        </dgm:choose>
-      </dgm:layoutNode>
-      <dgm:forEach name="Name15" axis="followSib" ptType="sibTrans" cnt="1">
-        <dgm:layoutNode name="sibTrans">
-          <dgm:alg type="sp"/>
-          <dgm:shape xmlns:r="http://schemas.openxmlformats.org/officeDocument/2006/relationships" r:blip="">
-            <dgm:adjLst/>
-          </dgm:shape>
-          <dgm:presOf axis="self"/>
-          <dgm:constrLst/>
-          <dgm:ruleLst/>
-        </dgm:layoutNode>
       </dgm:forEach>
     </dgm:forEach>
   </dgm:layoutNode>
-  <dgm:extLst>
-    <a:ext uri="{68A01E43-0DF5-4B5B-8FA6-DAF915123BFB}">
-      <dgm1612:lstStyle xmlns:dgm1612="http://schemas.microsoft.com/office/drawing/2016/12/diagram">
-        <a:lvl1pPr>
-          <a:lnSpc>
-            <a:spcPct val="100000"/>
-          </a:lnSpc>
-        </a:lvl1pPr>
-        <a:lvl2pPr>
-          <a:lnSpc>
-            <a:spcPct val="100000"/>
-          </a:lnSpc>
-        </a:lvl2pPr>
-      </dgm1612:lstStyle>
-    </a:ext>
-  </dgm:extLst>
 </dgm:layoutDef>
 </file>
 
@@ -8118,280 +7758,10 @@
       </p:grpSpPr>
       <p:sp>
         <p:nvSpPr>
-          <p:cNvPr id="5" name="Text Placeholder 4">
-            <a:extLst>
-              <a:ext uri="{FF2B5EF4-FFF2-40B4-BE49-F238E27FC236}">
-                <a16:creationId xmlns:a16="http://schemas.microsoft.com/office/drawing/2014/main" id="{4EAF04F7-B404-DA2C-0706-A9C942EDEE44}"/>
-              </a:ext>
-            </a:extLst>
-          </p:cNvPr>
-          <p:cNvSpPr>
-            <a:spLocks noGrp="1"/>
-          </p:cNvSpPr>
-          <p:nvPr>
-            <p:ph type="body" idx="1"/>
-          </p:nvPr>
-        </p:nvSpPr>
-        <p:spPr/>
-        <p:txBody>
-          <a:bodyPr/>
-          <a:lstStyle/>
-          <a:p>
-            <a:r>
-              <a:rPr lang="en-US" dirty="0"/>
-              <a:t>Logistic Regressor</a:t>
-            </a:r>
-          </a:p>
-        </p:txBody>
-      </p:sp>
-      <p:sp>
-        <p:nvSpPr>
-          <p:cNvPr id="3" name="Content Placeholder 2">
-            <a:extLst>
-              <a:ext uri="{FF2B5EF4-FFF2-40B4-BE49-F238E27FC236}">
-                <a16:creationId xmlns:a16="http://schemas.microsoft.com/office/drawing/2014/main" id="{22259D3C-32FB-1EDC-BE2D-6EAAD7F244FF}"/>
-              </a:ext>
-            </a:extLst>
-          </p:cNvPr>
-          <p:cNvSpPr>
-            <a:spLocks noGrp="1"/>
-          </p:cNvSpPr>
-          <p:nvPr>
-            <p:ph sz="half" idx="2"/>
-          </p:nvPr>
-        </p:nvSpPr>
-        <p:spPr/>
-        <p:txBody>
-          <a:bodyPr>
-            <a:normAutofit fontScale="77500" lnSpcReduction="20000"/>
-          </a:bodyPr>
-          <a:lstStyle/>
-          <a:p>
-            <a:pPr algn="just">
-              <a:lnSpc>
-                <a:spcPct val="160000"/>
-              </a:lnSpc>
-            </a:pPr>
-            <a:r>
-              <a:rPr lang="en-US" dirty="0"/>
-              <a:t>Baseline model 1</a:t>
-            </a:r>
-          </a:p>
-          <a:p>
-            <a:pPr marL="0" indent="0" algn="just">
-              <a:lnSpc>
-                <a:spcPct val="160000"/>
-              </a:lnSpc>
-              <a:buNone/>
-            </a:pPr>
-            <a:r>
-              <a:rPr lang="en-US" i="1" dirty="0"/>
-              <a:t>Evaluation metrics</a:t>
-            </a:r>
-          </a:p>
-          <a:p>
-            <a:pPr marL="0" indent="0" algn="just">
-              <a:lnSpc>
-                <a:spcPct val="160000"/>
-              </a:lnSpc>
-              <a:buNone/>
-            </a:pPr>
-            <a:r>
-              <a:rPr lang="en-CA" b="0" i="0" dirty="0">
-                <a:effectLst/>
-                <a:highlight>
-                  <a:srgbClr val="FFFF00"/>
-                </a:highlight>
-              </a:rPr>
-              <a:t>Accuracy: 0.7218543046357616</a:t>
-            </a:r>
-          </a:p>
-          <a:p>
-            <a:pPr marL="0" indent="0" algn="just">
-              <a:lnSpc>
-                <a:spcPct val="160000"/>
-              </a:lnSpc>
-              <a:buNone/>
-            </a:pPr>
-            <a:r>
-              <a:rPr lang="en-CA" b="0" i="0" dirty="0">
-                <a:effectLst/>
-              </a:rPr>
-              <a:t>Precision: 0.7043478260869566 </a:t>
-            </a:r>
-          </a:p>
-          <a:p>
-            <a:pPr marL="0" indent="0" algn="just">
-              <a:lnSpc>
-                <a:spcPct val="160000"/>
-              </a:lnSpc>
-              <a:buNone/>
-            </a:pPr>
-            <a:r>
-              <a:rPr lang="en-CA" b="0" i="0" dirty="0">
-                <a:effectLst/>
-              </a:rPr>
-              <a:t>Recall: 0.9101123595505618 </a:t>
-            </a:r>
-          </a:p>
-          <a:p>
-            <a:pPr marL="0" indent="0" algn="just">
-              <a:lnSpc>
-                <a:spcPct val="160000"/>
-              </a:lnSpc>
-              <a:buNone/>
-            </a:pPr>
-            <a:r>
-              <a:rPr lang="en-CA" b="0" i="0" dirty="0">
-                <a:effectLst/>
-              </a:rPr>
-              <a:t>F1-score: 0.7941176470588236</a:t>
-            </a:r>
-            <a:endParaRPr lang="en-US" dirty="0"/>
-          </a:p>
-        </p:txBody>
-      </p:sp>
-      <p:sp>
-        <p:nvSpPr>
-          <p:cNvPr id="6" name="Text Placeholder 5">
-            <a:extLst>
-              <a:ext uri="{FF2B5EF4-FFF2-40B4-BE49-F238E27FC236}">
-                <a16:creationId xmlns:a16="http://schemas.microsoft.com/office/drawing/2014/main" id="{BCB7161A-0D8A-7CF8-B8F5-84A7BE504DB5}"/>
-              </a:ext>
-            </a:extLst>
-          </p:cNvPr>
-          <p:cNvSpPr>
-            <a:spLocks noGrp="1"/>
-          </p:cNvSpPr>
-          <p:nvPr>
-            <p:ph type="body" sz="quarter" idx="3"/>
-          </p:nvPr>
-        </p:nvSpPr>
-        <p:spPr/>
-        <p:txBody>
-          <a:bodyPr/>
-          <a:lstStyle/>
-          <a:p>
-            <a:r>
-              <a:rPr lang="en-US" dirty="0"/>
-              <a:t>Random Forest</a:t>
-            </a:r>
-          </a:p>
-        </p:txBody>
-      </p:sp>
-      <p:sp>
-        <p:nvSpPr>
-          <p:cNvPr id="4" name="Content Placeholder 3">
-            <a:extLst>
-              <a:ext uri="{FF2B5EF4-FFF2-40B4-BE49-F238E27FC236}">
-                <a16:creationId xmlns:a16="http://schemas.microsoft.com/office/drawing/2014/main" id="{94D0BA7E-AF13-72EA-A7FA-F041FBDAD482}"/>
-              </a:ext>
-            </a:extLst>
-          </p:cNvPr>
-          <p:cNvSpPr>
-            <a:spLocks noGrp="1"/>
-          </p:cNvSpPr>
-          <p:nvPr>
-            <p:ph sz="quarter" idx="4"/>
-          </p:nvPr>
-        </p:nvSpPr>
-        <p:spPr/>
-        <p:txBody>
-          <a:bodyPr>
-            <a:normAutofit fontScale="77500" lnSpcReduction="20000"/>
-          </a:bodyPr>
-          <a:lstStyle/>
-          <a:p>
-            <a:pPr algn="just">
-              <a:lnSpc>
-                <a:spcPct val="160000"/>
-              </a:lnSpc>
-            </a:pPr>
-            <a:r>
-              <a:rPr lang="en-US" dirty="0"/>
-              <a:t>Baseline model 2</a:t>
-            </a:r>
-          </a:p>
-          <a:p>
-            <a:pPr marL="0" indent="0" algn="just">
-              <a:lnSpc>
-                <a:spcPct val="160000"/>
-              </a:lnSpc>
-              <a:buNone/>
-            </a:pPr>
-            <a:r>
-              <a:rPr lang="en-US" i="1" dirty="0"/>
-              <a:t>Evaluation metrics</a:t>
-            </a:r>
-          </a:p>
-          <a:p>
-            <a:pPr marL="0" indent="0" algn="just">
-              <a:lnSpc>
-                <a:spcPct val="160000"/>
-              </a:lnSpc>
-              <a:buNone/>
-            </a:pPr>
-            <a:r>
-              <a:rPr lang="en-CA" b="0" i="0" dirty="0">
-                <a:effectLst/>
-                <a:highlight>
-                  <a:srgbClr val="FFFF00"/>
-                </a:highlight>
-              </a:rPr>
-              <a:t>Accuracy: 0.6754966887417219</a:t>
-            </a:r>
-          </a:p>
-          <a:p>
-            <a:pPr marL="0" indent="0" algn="just">
-              <a:lnSpc>
-                <a:spcPct val="160000"/>
-              </a:lnSpc>
-              <a:buNone/>
-            </a:pPr>
-            <a:r>
-              <a:rPr lang="en-CA" b="0" i="0" dirty="0">
-                <a:effectLst/>
-              </a:rPr>
-              <a:t>Precision: 0.6694915254237288</a:t>
-            </a:r>
-          </a:p>
-          <a:p>
-            <a:pPr marL="0" indent="0" algn="just">
-              <a:lnSpc>
-                <a:spcPct val="160000"/>
-              </a:lnSpc>
-              <a:buNone/>
-            </a:pPr>
-            <a:r>
-              <a:rPr lang="en-CA" b="0" i="0" dirty="0">
-                <a:effectLst/>
-              </a:rPr>
-              <a:t>Recall: 0.8876404494382022</a:t>
-            </a:r>
-          </a:p>
-          <a:p>
-            <a:pPr marL="0" indent="0" algn="just">
-              <a:lnSpc>
-                <a:spcPct val="160000"/>
-              </a:lnSpc>
-              <a:buNone/>
-            </a:pPr>
-            <a:r>
-              <a:rPr lang="en-CA" b="0" i="0" dirty="0">
-                <a:effectLst/>
-              </a:rPr>
-              <a:t>F1-score: 0.7632850241545893</a:t>
-            </a:r>
-            <a:endParaRPr lang="en-US" dirty="0"/>
-          </a:p>
-        </p:txBody>
-      </p:sp>
-      <p:sp>
-        <p:nvSpPr>
           <p:cNvPr id="2" name="Title 1">
             <a:extLst>
               <a:ext uri="{FF2B5EF4-FFF2-40B4-BE49-F238E27FC236}">
-                <a16:creationId xmlns:a16="http://schemas.microsoft.com/office/drawing/2014/main" id="{0A3F13E1-FBC2-8129-4193-6EAC1898ECEB}"/>
+                <a16:creationId xmlns:a16="http://schemas.microsoft.com/office/drawing/2014/main" id="{833D164F-52B3-35AB-FECD-68862BF9FA71}"/>
               </a:ext>
             </a:extLst>
           </p:cNvPr>
@@ -8402,14 +7772,94 @@
             <p:ph type="title"/>
           </p:nvPr>
         </p:nvSpPr>
-        <p:spPr/>
+        <p:spPr>
+          <a:xfrm>
+            <a:off x="1048297" y="998999"/>
+            <a:ext cx="3932237" cy="1894511"/>
+          </a:xfrm>
+        </p:spPr>
         <p:txBody>
-          <a:bodyPr/>
+          <a:bodyPr>
+            <a:normAutofit/>
+          </a:bodyPr>
           <a:lstStyle/>
           <a:p>
             <a:r>
               <a:rPr lang="en-US" dirty="0"/>
-              <a:t>Classification problem/model</a:t>
+              <a:t>Average loan amount</a:t>
+            </a:r>
+          </a:p>
+        </p:txBody>
+      </p:sp>
+      <p:pic>
+        <p:nvPicPr>
+          <p:cNvPr id="5" name="Picture 4">
+            <a:extLst>
+              <a:ext uri="{FF2B5EF4-FFF2-40B4-BE49-F238E27FC236}">
+                <a16:creationId xmlns:a16="http://schemas.microsoft.com/office/drawing/2014/main" id="{98D3FF54-1812-2584-5F7A-162D98309124}"/>
+              </a:ext>
+            </a:extLst>
+          </p:cNvPr>
+          <p:cNvPicPr>
+            <a:picLocks noChangeAspect="1"/>
+          </p:cNvPicPr>
+          <p:nvPr/>
+        </p:nvPicPr>
+        <p:blipFill>
+          <a:blip r:embed="rId2"/>
+          <a:stretch>
+            <a:fillRect/>
+          </a:stretch>
+        </p:blipFill>
+        <p:spPr>
+          <a:xfrm>
+            <a:off x="5303837" y="1109441"/>
+            <a:ext cx="6203346" cy="4639117"/>
+          </a:xfrm>
+          <a:prstGeom prst="rect">
+            <a:avLst/>
+          </a:prstGeom>
+        </p:spPr>
+      </p:pic>
+      <p:sp>
+        <p:nvSpPr>
+          <p:cNvPr id="7" name="TextBox 6">
+            <a:extLst>
+              <a:ext uri="{FF2B5EF4-FFF2-40B4-BE49-F238E27FC236}">
+                <a16:creationId xmlns:a16="http://schemas.microsoft.com/office/drawing/2014/main" id="{70E97BB2-6796-5426-152B-9D160E266F1C}"/>
+              </a:ext>
+            </a:extLst>
+          </p:cNvPr>
+          <p:cNvSpPr txBox="1"/>
+          <p:nvPr/>
+        </p:nvSpPr>
+        <p:spPr>
+          <a:xfrm>
+            <a:off x="1048297" y="3428999"/>
+            <a:ext cx="3809649" cy="1323439"/>
+          </a:xfrm>
+          <a:prstGeom prst="rect">
+            <a:avLst/>
+          </a:prstGeom>
+          <a:noFill/>
+        </p:spPr>
+        <p:txBody>
+          <a:bodyPr wrap="square">
+            <a:spAutoFit/>
+          </a:bodyPr>
+          <a:lstStyle/>
+          <a:p>
+            <a:r>
+              <a:rPr lang="en-US" sz="2000" dirty="0"/>
+              <a:t>In regards of the </a:t>
+            </a:r>
+            <a:r>
+              <a:rPr lang="en-US" sz="2000" b="1" dirty="0"/>
+              <a:t>loan amount approval</a:t>
+            </a:r>
+            <a:r>
+              <a:rPr lang="en-US" sz="2000" dirty="0"/>
+              <a:t>, we have the same demographics, so we have basically a tie between female and male.</a:t>
             </a:r>
           </a:p>
         </p:txBody>
@@ -8417,7 +7867,7 @@
     </p:spTree>
     <p:extLst>
       <p:ext uri="{BB962C8B-B14F-4D97-AF65-F5344CB8AC3E}">
-        <p14:creationId xmlns:p14="http://schemas.microsoft.com/office/powerpoint/2010/main" val="323434526"/>
+        <p14:creationId xmlns:p14="http://schemas.microsoft.com/office/powerpoint/2010/main" val="3612393829"/>
       </p:ext>
     </p:extLst>
   </p:cSld>
@@ -8444,6 +7894,243 @@
           <a:chExt cx="0" cy="0"/>
         </a:xfrm>
       </p:grpSpPr>
+      <p:sp>
+        <p:nvSpPr>
+          <p:cNvPr id="2" name="Title 1">
+            <a:extLst>
+              <a:ext uri="{FF2B5EF4-FFF2-40B4-BE49-F238E27FC236}">
+                <a16:creationId xmlns:a16="http://schemas.microsoft.com/office/drawing/2014/main" id="{E22A2D6E-6DDC-976B-2568-FB6F08420815}"/>
+              </a:ext>
+            </a:extLst>
+          </p:cNvPr>
+          <p:cNvSpPr>
+            <a:spLocks noGrp="1"/>
+          </p:cNvSpPr>
+          <p:nvPr>
+            <p:ph type="title"/>
+          </p:nvPr>
+        </p:nvSpPr>
+        <p:spPr/>
+        <p:txBody>
+          <a:bodyPr/>
+          <a:lstStyle/>
+          <a:p>
+            <a:r>
+              <a:rPr lang="en-US" dirty="0"/>
+              <a:t>Data preprocessing</a:t>
+            </a:r>
+          </a:p>
+        </p:txBody>
+      </p:sp>
+      <p:sp>
+        <p:nvSpPr>
+          <p:cNvPr id="3" name="Content Placeholder 2">
+            <a:extLst>
+              <a:ext uri="{FF2B5EF4-FFF2-40B4-BE49-F238E27FC236}">
+                <a16:creationId xmlns:a16="http://schemas.microsoft.com/office/drawing/2014/main" id="{5F8E0849-CAAA-6D1C-F802-613189B2789C}"/>
+              </a:ext>
+            </a:extLst>
+          </p:cNvPr>
+          <p:cNvSpPr>
+            <a:spLocks noGrp="1"/>
+          </p:cNvSpPr>
+          <p:nvPr>
+            <p:ph sz="half" idx="1"/>
+          </p:nvPr>
+        </p:nvSpPr>
+        <p:spPr>
+          <a:xfrm>
+            <a:off x="1371599" y="2112264"/>
+            <a:ext cx="10241279" cy="3959352"/>
+          </a:xfrm>
+        </p:spPr>
+        <p:txBody>
+          <a:bodyPr>
+            <a:normAutofit/>
+          </a:bodyPr>
+          <a:lstStyle/>
+          <a:p>
+            <a:pPr algn="just"/>
+            <a:r>
+              <a:rPr lang="en-US" dirty="0"/>
+              <a:t>Analyzed null values and filled them with some specific statistics measurements (mean, mode, 0…).</a:t>
+            </a:r>
+          </a:p>
+          <a:p>
+            <a:r>
+              <a:rPr lang="en-US" dirty="0"/>
+              <a:t>Converted categorical variables to numerical ones (also used one hot encoding);</a:t>
+            </a:r>
+          </a:p>
+          <a:p>
+            <a:r>
+              <a:rPr lang="en-US" dirty="0"/>
+              <a:t>Dropped the rows of the ‘Gender’ column with the missing values (15 rows) to not make the model even more biased toward male;</a:t>
+            </a:r>
+          </a:p>
+          <a:p>
+            <a:r>
+              <a:rPr lang="en-US" dirty="0"/>
+              <a:t>Applied the log to get rid of the extreme values.</a:t>
+            </a:r>
+          </a:p>
+          <a:p>
+            <a:endParaRPr lang="en-US" dirty="0"/>
+          </a:p>
+        </p:txBody>
+      </p:sp>
+    </p:spTree>
+    <p:extLst>
+      <p:ext uri="{BB962C8B-B14F-4D97-AF65-F5344CB8AC3E}">
+        <p14:creationId xmlns:p14="http://schemas.microsoft.com/office/powerpoint/2010/main" val="2698021452"/>
+      </p:ext>
+    </p:extLst>
+  </p:cSld>
+  <p:clrMapOvr>
+    <a:masterClrMapping/>
+  </p:clrMapOvr>
+</p:sld>
+</file>
+
+<file path=ppt/slides/slide12.xml><?xml version="1.0" encoding="utf-8"?>
+<p:sld xmlns:a="http://schemas.openxmlformats.org/drawingml/2006/main" xmlns:r="http://schemas.openxmlformats.org/officeDocument/2006/relationships" xmlns:p="http://schemas.openxmlformats.org/presentationml/2006/main">
+  <p:cSld>
+    <p:spTree>
+      <p:nvGrpSpPr>
+        <p:cNvPr id="1" name=""/>
+        <p:cNvGrpSpPr/>
+        <p:nvPr/>
+      </p:nvGrpSpPr>
+      <p:grpSpPr>
+        <a:xfrm>
+          <a:off x="0" y="0"/>
+          <a:ext cx="0" cy="0"/>
+          <a:chOff x="0" y="0"/>
+          <a:chExt cx="0" cy="0"/>
+        </a:xfrm>
+      </p:grpSpPr>
+      <p:sp>
+        <p:nvSpPr>
+          <p:cNvPr id="4" name="Title 3">
+            <a:extLst>
+              <a:ext uri="{FF2B5EF4-FFF2-40B4-BE49-F238E27FC236}">
+                <a16:creationId xmlns:a16="http://schemas.microsoft.com/office/drawing/2014/main" id="{A701115E-DC5B-E956-C7EB-951670828222}"/>
+              </a:ext>
+            </a:extLst>
+          </p:cNvPr>
+          <p:cNvSpPr>
+            <a:spLocks noGrp="1"/>
+          </p:cNvSpPr>
+          <p:nvPr>
+            <p:ph type="title"/>
+          </p:nvPr>
+        </p:nvSpPr>
+        <p:spPr/>
+        <p:txBody>
+          <a:bodyPr/>
+          <a:lstStyle/>
+          <a:p>
+            <a:r>
+              <a:rPr lang="en-US" dirty="0"/>
+              <a:t>Loan Amount log</a:t>
+            </a:r>
+          </a:p>
+        </p:txBody>
+      </p:sp>
+      <p:pic>
+        <p:nvPicPr>
+          <p:cNvPr id="7" name="Content Placeholder 6">
+            <a:extLst>
+              <a:ext uri="{FF2B5EF4-FFF2-40B4-BE49-F238E27FC236}">
+                <a16:creationId xmlns:a16="http://schemas.microsoft.com/office/drawing/2014/main" id="{4BC1F42C-76D3-BEEE-6EA8-65BD9398963A}"/>
+              </a:ext>
+            </a:extLst>
+          </p:cNvPr>
+          <p:cNvPicPr>
+            <a:picLocks noGrp="1" noChangeAspect="1"/>
+          </p:cNvPicPr>
+          <p:nvPr>
+            <p:ph sz="half" idx="1"/>
+          </p:nvPr>
+        </p:nvPicPr>
+        <p:blipFill>
+          <a:blip r:embed="rId2"/>
+          <a:stretch>
+            <a:fillRect/>
+          </a:stretch>
+        </p:blipFill>
+        <p:spPr>
+          <a:xfrm>
+            <a:off x="1371600" y="2170047"/>
+            <a:ext cx="4846638" cy="3845056"/>
+          </a:xfrm>
+          <a:prstGeom prst="rect">
+            <a:avLst/>
+          </a:prstGeom>
+        </p:spPr>
+      </p:pic>
+      <p:pic>
+        <p:nvPicPr>
+          <p:cNvPr id="8" name="Content Placeholder 7">
+            <a:extLst>
+              <a:ext uri="{FF2B5EF4-FFF2-40B4-BE49-F238E27FC236}">
+                <a16:creationId xmlns:a16="http://schemas.microsoft.com/office/drawing/2014/main" id="{0820F836-839E-64C1-2E2D-BBDA29D69EDC}"/>
+              </a:ext>
+            </a:extLst>
+          </p:cNvPr>
+          <p:cNvPicPr>
+            <a:picLocks noGrp="1" noChangeAspect="1"/>
+          </p:cNvPicPr>
+          <p:nvPr>
+            <p:ph sz="half" idx="2"/>
+          </p:nvPr>
+        </p:nvPicPr>
+        <p:blipFill>
+          <a:blip r:embed="rId3"/>
+          <a:stretch>
+            <a:fillRect/>
+          </a:stretch>
+        </p:blipFill>
+        <p:spPr>
+          <a:xfrm>
+            <a:off x="6765925" y="2170047"/>
+            <a:ext cx="4846638" cy="3845056"/>
+          </a:xfrm>
+          <a:prstGeom prst="rect">
+            <a:avLst/>
+          </a:prstGeom>
+        </p:spPr>
+      </p:pic>
+    </p:spTree>
+    <p:extLst>
+      <p:ext uri="{BB962C8B-B14F-4D97-AF65-F5344CB8AC3E}">
+        <p14:creationId xmlns:p14="http://schemas.microsoft.com/office/powerpoint/2010/main" val="4220610785"/>
+      </p:ext>
+    </p:extLst>
+  </p:cSld>
+  <p:clrMapOvr>
+    <a:masterClrMapping/>
+  </p:clrMapOvr>
+</p:sld>
+</file>
+
+<file path=ppt/slides/slide13.xml><?xml version="1.0" encoding="utf-8"?>
+<p:sld xmlns:a="http://schemas.openxmlformats.org/drawingml/2006/main" xmlns:r="http://schemas.openxmlformats.org/officeDocument/2006/relationships" xmlns:p="http://schemas.openxmlformats.org/presentationml/2006/main">
+  <p:cSld>
+    <p:spTree>
+      <p:nvGrpSpPr>
+        <p:cNvPr id="1" name=""/>
+        <p:cNvGrpSpPr/>
+        <p:nvPr/>
+      </p:nvGrpSpPr>
+      <p:grpSpPr>
+        <a:xfrm>
+          <a:off x="0" y="0"/>
+          <a:ext cx="0" cy="0"/>
+          <a:chOff x="0" y="0"/>
+          <a:chExt cx="0" cy="0"/>
+        </a:xfrm>
+      </p:grpSpPr>
       <p:graphicFrame>
         <p:nvGraphicFramePr>
           <p:cNvPr id="7" name="Table 7">
@@ -8460,7 +8147,7 @@
             <p:ph sz="half" idx="2"/>
             <p:extLst>
               <p:ext uri="{D42A27DB-BD31-4B8C-83A1-F6EECF244321}">
-                <p14:modId xmlns:p14="http://schemas.microsoft.com/office/powerpoint/2010/main" val="623032066"/>
+                <p14:modId xmlns:p14="http://schemas.microsoft.com/office/powerpoint/2010/main" val="3858201996"/>
               </p:ext>
             </p:extLst>
           </p:nvPr>
@@ -9052,7 +8739,7 @@
                         </a:lnSpc>
                       </a:pPr>
                       <a:r>
-                        <a:rPr lang="en-US" b="1" dirty="0"/>
+                        <a:rPr lang="en-US" b="0" dirty="0"/>
                         <a:t>Accuracy</a:t>
                       </a:r>
                     </a:p>
@@ -9082,7 +8769,7 @@
                         <a:defRPr/>
                       </a:pPr>
                       <a:r>
-                        <a:rPr lang="en-CA" b="1" dirty="0">
+                        <a:rPr lang="en-CA" b="0" dirty="0">
                           <a:solidFill>
                             <a:schemeClr val="tx1"/>
                           </a:solidFill>
@@ -9090,7 +8777,7 @@
                         </a:rPr>
                         <a:t>0.721</a:t>
                       </a:r>
-                      <a:endParaRPr lang="en-US" b="1" dirty="0">
+                      <a:endParaRPr lang="en-US" b="0" dirty="0">
                         <a:solidFill>
                           <a:schemeClr val="tx1"/>
                         </a:solidFill>
@@ -9106,7 +8793,7 @@
                     <a:p>
                       <a:pPr algn="ctr"/>
                       <a:r>
-                        <a:rPr lang="en-CA" sz="1800" b="1" i="0" kern="1200" dirty="0">
+                        <a:rPr lang="en-CA" sz="1800" b="0" i="0" kern="1200" dirty="0">
                           <a:solidFill>
                             <a:schemeClr val="tx1"/>
                           </a:solidFill>
@@ -9117,7 +8804,7 @@
                         </a:rPr>
                         <a:t>0.728</a:t>
                       </a:r>
-                      <a:endParaRPr lang="en-US" b="1" dirty="0">
+                      <a:endParaRPr lang="en-US" b="0" dirty="0">
                         <a:solidFill>
                           <a:schemeClr val="tx1"/>
                         </a:solidFill>
@@ -9133,7 +8820,7 @@
                     <a:p>
                       <a:pPr algn="ctr"/>
                       <a:r>
-                        <a:rPr lang="en-CA" sz="1800" b="1" kern="1200" dirty="0">
+                        <a:rPr lang="en-CA" sz="1800" b="0" kern="1200" dirty="0">
                           <a:solidFill>
                             <a:schemeClr val="tx1"/>
                           </a:solidFill>
@@ -9141,7 +8828,7 @@
                         </a:rPr>
                         <a:t>0.708</a:t>
                       </a:r>
-                      <a:endParaRPr lang="en-US" b="1" dirty="0">
+                      <a:endParaRPr lang="en-US" b="0" dirty="0">
                         <a:solidFill>
                           <a:schemeClr val="tx1"/>
                         </a:solidFill>
@@ -9173,7 +8860,7 @@
                         <a:defRPr/>
                       </a:pPr>
                       <a:r>
-                        <a:rPr lang="en-CA" b="1" dirty="0">
+                        <a:rPr lang="en-CA" b="0" dirty="0">
                           <a:solidFill>
                             <a:schemeClr val="tx1"/>
                           </a:solidFill>
@@ -9181,7 +8868,7 @@
                         </a:rPr>
                         <a:t>0.675</a:t>
                       </a:r>
-                      <a:endParaRPr lang="en-US" b="1" dirty="0">
+                      <a:endParaRPr lang="en-US" b="0" dirty="0">
                         <a:solidFill>
                           <a:schemeClr val="tx1"/>
                         </a:solidFill>
@@ -9197,7 +8884,7 @@
                     <a:p>
                       <a:pPr algn="ctr"/>
                       <a:r>
-                        <a:rPr lang="en-CA" sz="1800" b="1" i="0" kern="1200" dirty="0">
+                        <a:rPr lang="en-CA" sz="1800" b="0" i="0" kern="1200" dirty="0">
                           <a:solidFill>
                             <a:schemeClr val="tx1"/>
                           </a:solidFill>
@@ -9208,7 +8895,7 @@
                         </a:rPr>
                         <a:t>0.728</a:t>
                       </a:r>
-                      <a:endParaRPr lang="en-US" b="1" dirty="0">
+                      <a:endParaRPr lang="en-US" b="0" dirty="0">
                         <a:solidFill>
                           <a:schemeClr val="tx1"/>
                         </a:solidFill>
@@ -9224,15 +8911,15 @@
                     <a:p>
                       <a:pPr algn="ctr"/>
                       <a:r>
-                        <a:rPr lang="en-CA" sz="1800" b="1" kern="1200" dirty="0">
+                        <a:rPr lang="en-CA" sz="1800" b="0" kern="1200" dirty="0">
                           <a:solidFill>
                             <a:schemeClr val="tx1"/>
                           </a:solidFill>
                           <a:effectLst/>
                         </a:rPr>
-                        <a:t>0.668</a:t>
+                        <a:t>0.682</a:t>
                       </a:r>
-                      <a:endParaRPr lang="en-US" b="1" dirty="0">
+                      <a:endParaRPr lang="en-US" b="0" dirty="0">
                         <a:solidFill>
                           <a:schemeClr val="tx1"/>
                         </a:solidFill>
@@ -9260,12 +8947,12 @@
                         <a:buNone/>
                       </a:pPr>
                       <a:r>
-                        <a:rPr lang="en-CA" b="0" dirty="0">
+                        <a:rPr lang="en-CA" b="1" dirty="0">
                           <a:effectLst/>
                         </a:rPr>
                         <a:t>Precision</a:t>
                       </a:r>
-                      <a:endParaRPr lang="en-US" dirty="0"/>
+                      <a:endParaRPr lang="en-US" b="1" dirty="0"/>
                     </a:p>
                   </a:txBody>
                   <a:tcPr/>
@@ -9293,12 +8980,12 @@
                         <a:defRPr/>
                       </a:pPr>
                       <a:r>
-                        <a:rPr lang="en-CA" b="0" dirty="0">
+                        <a:rPr lang="en-CA" b="1" dirty="0">
                           <a:effectLst/>
                         </a:rPr>
                         <a:t>0.704</a:t>
                       </a:r>
-                      <a:endParaRPr lang="en-US" dirty="0"/>
+                      <a:endParaRPr lang="en-US" b="1" dirty="0"/>
                     </a:p>
                   </a:txBody>
                   <a:tcPr/>
@@ -9309,23 +8996,10 @@
                     <a:lstStyle/>
                     <a:p>
                       <a:pPr algn="ctr"/>
-                      <a:endParaRPr lang="en-US" dirty="0"/>
-                    </a:p>
-                  </a:txBody>
-                  <a:tcPr/>
-                </a:tc>
-                <a:tc>
-                  <a:txBody>
-                    <a:bodyPr/>
-                    <a:lstStyle/>
-                    <a:p>
-                      <a:pPr marL="0" indent="0" algn="ctr">
-                        <a:lnSpc>
-                          <a:spcPct val="100000"/>
-                        </a:lnSpc>
-                        <a:buNone/>
-                      </a:pPr>
-                      <a:endParaRPr lang="en-US" dirty="0"/>
+                      <a:r>
+                        <a:rPr lang="en-US" b="1" dirty="0"/>
+                        <a:t>0.710</a:t>
+                      </a:r>
                     </a:p>
                   </a:txBody>
                   <a:tcPr/>
@@ -9342,12 +9016,31 @@
                         <a:buNone/>
                       </a:pPr>
                       <a:r>
-                        <a:rPr lang="en-CA" b="0" dirty="0">
+                        <a:rPr lang="en-US" b="1" dirty="0"/>
+                        <a:t>0.689</a:t>
+                      </a:r>
+                    </a:p>
+                  </a:txBody>
+                  <a:tcPr/>
+                </a:tc>
+                <a:tc>
+                  <a:txBody>
+                    <a:bodyPr/>
+                    <a:lstStyle/>
+                    <a:p>
+                      <a:pPr marL="0" indent="0" algn="ctr">
+                        <a:lnSpc>
+                          <a:spcPct val="100000"/>
+                        </a:lnSpc>
+                        <a:buNone/>
+                      </a:pPr>
+                      <a:r>
+                        <a:rPr lang="en-CA" b="1" dirty="0">
                           <a:effectLst/>
                         </a:rPr>
                         <a:t>0.669</a:t>
                       </a:r>
-                      <a:endParaRPr lang="en-US" dirty="0"/>
+                      <a:endParaRPr lang="en-US" b="1" dirty="0"/>
                     </a:p>
                   </a:txBody>
                   <a:tcPr/>
@@ -9358,7 +9051,10 @@
                     <a:lstStyle/>
                     <a:p>
                       <a:pPr algn="ctr"/>
-                      <a:endParaRPr lang="en-US" dirty="0"/>
+                      <a:r>
+                        <a:rPr lang="en-US" b="1" dirty="0"/>
+                        <a:t>0.703</a:t>
+                      </a:r>
                     </a:p>
                   </a:txBody>
                   <a:tcPr/>
@@ -9369,7 +9065,10 @@
                     <a:lstStyle/>
                     <a:p>
                       <a:pPr algn="ctr"/>
-                      <a:endParaRPr lang="en-US" dirty="0"/>
+                      <a:r>
+                        <a:rPr lang="en-US" b="1" dirty="0"/>
+                        <a:t>0.672</a:t>
+                      </a:r>
                     </a:p>
                   </a:txBody>
                   <a:tcPr/>
@@ -9392,7 +9091,7 @@
                         </a:lnSpc>
                       </a:pPr>
                       <a:r>
-                        <a:rPr lang="en-US" dirty="0"/>
+                        <a:rPr lang="en-US" b="1" dirty="0"/>
                         <a:t>Recall</a:t>
                       </a:r>
                     </a:p>
@@ -9422,12 +9121,12 @@
                         <a:defRPr/>
                       </a:pPr>
                       <a:r>
-                        <a:rPr lang="en-CA" b="0" dirty="0">
+                        <a:rPr lang="en-CA" b="1" dirty="0">
                           <a:effectLst/>
                         </a:rPr>
                         <a:t>0.910</a:t>
                       </a:r>
-                      <a:endParaRPr lang="en-US" dirty="0"/>
+                      <a:endParaRPr lang="en-US" b="1" dirty="0"/>
                     </a:p>
                   </a:txBody>
                   <a:tcPr/>
@@ -9438,25 +9137,10 @@
                     <a:lstStyle/>
                     <a:p>
                       <a:pPr algn="ctr"/>
-                      <a:endParaRPr lang="en-US" dirty="0"/>
-                    </a:p>
-                  </a:txBody>
-                  <a:tcPr/>
-                </a:tc>
-                <a:tc>
-                  <a:txBody>
-                    <a:bodyPr/>
-                    <a:lstStyle/>
-                    <a:p>
-                      <a:pPr marL="0" indent="0" algn="ctr">
-                        <a:lnSpc>
-                          <a:spcPct val="100000"/>
-                        </a:lnSpc>
-                        <a:buNone/>
-                      </a:pPr>
-                      <a:endParaRPr lang="en-CA" b="0" i="0" dirty="0">
-                        <a:effectLst/>
-                      </a:endParaRPr>
+                      <a:r>
+                        <a:rPr lang="en-US" b="1" dirty="0"/>
+                        <a:t>0.910</a:t>
+                      </a:r>
                     </a:p>
                   </a:txBody>
                   <a:tcPr/>
@@ -9473,12 +9157,33 @@
                         <a:buNone/>
                       </a:pPr>
                       <a:r>
-                        <a:rPr lang="en-CA" b="0" dirty="0">
+                        <a:rPr lang="en-CA" b="1" i="0" dirty="0">
+                          <a:effectLst/>
+                        </a:rPr>
+                        <a:t>0.921</a:t>
+                      </a:r>
+                    </a:p>
+                  </a:txBody>
+                  <a:tcPr/>
+                </a:tc>
+                <a:tc>
+                  <a:txBody>
+                    <a:bodyPr/>
+                    <a:lstStyle/>
+                    <a:p>
+                      <a:pPr marL="0" indent="0" algn="ctr">
+                        <a:lnSpc>
+                          <a:spcPct val="100000"/>
+                        </a:lnSpc>
+                        <a:buNone/>
+                      </a:pPr>
+                      <a:r>
+                        <a:rPr lang="en-CA" b="1" dirty="0">
                           <a:effectLst/>
                         </a:rPr>
                         <a:t>0.887</a:t>
                       </a:r>
-                      <a:endParaRPr lang="en-CA" b="0" i="0" dirty="0">
+                      <a:endParaRPr lang="en-CA" b="1" i="0" dirty="0">
                         <a:effectLst/>
                       </a:endParaRPr>
                     </a:p>
@@ -9491,7 +9196,10 @@
                     <a:lstStyle/>
                     <a:p>
                       <a:pPr algn="ctr"/>
-                      <a:endParaRPr lang="en-US" dirty="0"/>
+                      <a:r>
+                        <a:rPr lang="en-US" b="1" dirty="0"/>
+                        <a:t>0.932</a:t>
+                      </a:r>
                     </a:p>
                   </a:txBody>
                   <a:tcPr/>
@@ -9502,7 +9210,10 @@
                     <a:lstStyle/>
                     <a:p>
                       <a:pPr algn="ctr"/>
-                      <a:endParaRPr lang="en-US" dirty="0"/>
+                      <a:r>
+                        <a:rPr lang="en-US" b="1" dirty="0"/>
+                        <a:t>0.898</a:t>
+                      </a:r>
                     </a:p>
                   </a:txBody>
                   <a:tcPr/>
@@ -9573,7 +9284,7 @@
                       <a:pPr algn="ctr"/>
                       <a:r>
                         <a:rPr lang="en-US" dirty="0"/>
-                        <a:t>0.784</a:t>
+                        <a:t>0.798</a:t>
                       </a:r>
                     </a:p>
                   </a:txBody>
@@ -9601,7 +9312,10 @@
                         <a:tabLst/>
                         <a:defRPr/>
                       </a:pPr>
-                      <a:endParaRPr lang="en-US" dirty="0"/>
+                      <a:r>
+                        <a:rPr lang="en-US" dirty="0"/>
+                        <a:t>0.788</a:t>
+                      </a:r>
                     </a:p>
                   </a:txBody>
                   <a:tcPr/>
@@ -9647,7 +9361,7 @@
                       <a:pPr algn="ctr"/>
                       <a:r>
                         <a:rPr lang="en-US" dirty="0"/>
-                        <a:t>0.773</a:t>
+                        <a:t>0.801</a:t>
                       </a:r>
                     </a:p>
                   </a:txBody>
@@ -9659,7 +9373,10 @@
                     <a:lstStyle/>
                     <a:p>
                       <a:pPr algn="ctr"/>
-                      <a:endParaRPr lang="en-US" dirty="0"/>
+                      <a:r>
+                        <a:rPr lang="en-US" dirty="0"/>
+                        <a:t>0.769</a:t>
+                      </a:r>
                     </a:p>
                   </a:txBody>
                   <a:tcPr/>
@@ -9678,6 +9395,166 @@
     <p:extLst>
       <p:ext uri="{BB962C8B-B14F-4D97-AF65-F5344CB8AC3E}">
         <p14:creationId xmlns:p14="http://schemas.microsoft.com/office/powerpoint/2010/main" val="1919104070"/>
+      </p:ext>
+    </p:extLst>
+  </p:cSld>
+  <p:clrMapOvr>
+    <a:masterClrMapping/>
+  </p:clrMapOvr>
+</p:sld>
+</file>
+
+<file path=ppt/slides/slide14.xml><?xml version="1.0" encoding="utf-8"?>
+<p:sld xmlns:a="http://schemas.openxmlformats.org/drawingml/2006/main" xmlns:r="http://schemas.openxmlformats.org/officeDocument/2006/relationships" xmlns:p="http://schemas.openxmlformats.org/presentationml/2006/main">
+  <p:cSld>
+    <p:spTree>
+      <p:nvGrpSpPr>
+        <p:cNvPr id="1" name=""/>
+        <p:cNvGrpSpPr/>
+        <p:nvPr/>
+      </p:nvGrpSpPr>
+      <p:grpSpPr>
+        <a:xfrm>
+          <a:off x="0" y="0"/>
+          <a:ext cx="0" cy="0"/>
+          <a:chOff x="0" y="0"/>
+          <a:chExt cx="0" cy="0"/>
+        </a:xfrm>
+      </p:grpSpPr>
+      <p:sp>
+        <p:nvSpPr>
+          <p:cNvPr id="2" name="Title 1">
+            <a:extLst>
+              <a:ext uri="{FF2B5EF4-FFF2-40B4-BE49-F238E27FC236}">
+                <a16:creationId xmlns:a16="http://schemas.microsoft.com/office/drawing/2014/main" id="{98447277-C09E-72C2-0E0E-EC13BACED276}"/>
+              </a:ext>
+            </a:extLst>
+          </p:cNvPr>
+          <p:cNvSpPr>
+            <a:spLocks noGrp="1"/>
+          </p:cNvSpPr>
+          <p:nvPr>
+            <p:ph type="title"/>
+          </p:nvPr>
+        </p:nvSpPr>
+        <p:spPr/>
+        <p:txBody>
+          <a:bodyPr/>
+          <a:lstStyle/>
+          <a:p>
+            <a:pPr algn="ctr"/>
+            <a:r>
+              <a:rPr lang="en-US" dirty="0"/>
+              <a:t>challenges</a:t>
+            </a:r>
+          </a:p>
+        </p:txBody>
+      </p:sp>
+      <p:sp>
+        <p:nvSpPr>
+          <p:cNvPr id="3" name="Content Placeholder 2">
+            <a:extLst>
+              <a:ext uri="{FF2B5EF4-FFF2-40B4-BE49-F238E27FC236}">
+                <a16:creationId xmlns:a16="http://schemas.microsoft.com/office/drawing/2014/main" id="{35256274-706A-AEF5-DB4F-2446616E77A7}"/>
+              </a:ext>
+            </a:extLst>
+          </p:cNvPr>
+          <p:cNvSpPr>
+            <a:spLocks noGrp="1"/>
+          </p:cNvSpPr>
+          <p:nvPr>
+            <p:ph idx="1"/>
+          </p:nvPr>
+        </p:nvSpPr>
+        <p:spPr/>
+        <p:txBody>
+          <a:bodyPr/>
+          <a:lstStyle/>
+          <a:p>
+            <a:pPr algn="just"/>
+            <a:r>
+              <a:rPr lang="en-US" dirty="0"/>
+              <a:t>To spend more time during the EDA as this is a fundamental step to test the hypothesis and evaluate the features to be engineered of our model;</a:t>
+            </a:r>
+          </a:p>
+          <a:p>
+            <a:pPr algn="just"/>
+            <a:r>
+              <a:rPr lang="en-US" dirty="0"/>
+              <a:t>Understand better about the metrics to be evaluated;</a:t>
+            </a:r>
+          </a:p>
+          <a:p>
+            <a:pPr algn="just"/>
+            <a:r>
+              <a:rPr lang="en-US" dirty="0"/>
+              <a:t>Combine different models in a same pipeline.</a:t>
+            </a:r>
+          </a:p>
+        </p:txBody>
+      </p:sp>
+    </p:spTree>
+    <p:extLst>
+      <p:ext uri="{BB962C8B-B14F-4D97-AF65-F5344CB8AC3E}">
+        <p14:creationId xmlns:p14="http://schemas.microsoft.com/office/powerpoint/2010/main" val="460692645"/>
+      </p:ext>
+    </p:extLst>
+  </p:cSld>
+  <p:clrMapOvr>
+    <a:masterClrMapping/>
+  </p:clrMapOvr>
+</p:sld>
+</file>
+
+<file path=ppt/slides/slide15.xml><?xml version="1.0" encoding="utf-8"?>
+<p:sld xmlns:a="http://schemas.openxmlformats.org/drawingml/2006/main" xmlns:r="http://schemas.openxmlformats.org/officeDocument/2006/relationships" xmlns:p="http://schemas.openxmlformats.org/presentationml/2006/main">
+  <p:cSld>
+    <p:spTree>
+      <p:nvGrpSpPr>
+        <p:cNvPr id="1" name=""/>
+        <p:cNvGrpSpPr/>
+        <p:nvPr/>
+      </p:nvGrpSpPr>
+      <p:grpSpPr>
+        <a:xfrm>
+          <a:off x="0" y="0"/>
+          <a:ext cx="0" cy="0"/>
+          <a:chOff x="0" y="0"/>
+          <a:chExt cx="0" cy="0"/>
+        </a:xfrm>
+      </p:grpSpPr>
+      <p:sp>
+        <p:nvSpPr>
+          <p:cNvPr id="2" name="Title 1">
+            <a:extLst>
+              <a:ext uri="{FF2B5EF4-FFF2-40B4-BE49-F238E27FC236}">
+                <a16:creationId xmlns:a16="http://schemas.microsoft.com/office/drawing/2014/main" id="{5DA8BF6C-FCAC-EB49-D50F-54D457897A45}"/>
+              </a:ext>
+            </a:extLst>
+          </p:cNvPr>
+          <p:cNvSpPr>
+            <a:spLocks noGrp="1"/>
+          </p:cNvSpPr>
+          <p:nvPr>
+            <p:ph type="ctrTitle"/>
+          </p:nvPr>
+        </p:nvSpPr>
+        <p:spPr/>
+        <p:txBody>
+          <a:bodyPr/>
+          <a:lstStyle/>
+          <a:p>
+            <a:r>
+              <a:rPr lang="en-US" dirty="0"/>
+              <a:t>Thank you</a:t>
+            </a:r>
+          </a:p>
+        </p:txBody>
+      </p:sp>
+    </p:spTree>
+    <p:extLst>
+      <p:ext uri="{BB962C8B-B14F-4D97-AF65-F5344CB8AC3E}">
+        <p14:creationId xmlns:p14="http://schemas.microsoft.com/office/powerpoint/2010/main" val="2778094892"/>
       </p:ext>
     </p:extLst>
   </p:cSld>
@@ -9714,7 +9591,7 @@
       </p:grpSpPr>
       <p:sp useBgFill="1">
         <p:nvSpPr>
-          <p:cNvPr id="28" name="Rectangle 21">
+          <p:cNvPr id="70" name="Rectangle 69">
             <a:extLst>
               <a:ext uri="{FF2B5EF4-FFF2-40B4-BE49-F238E27FC236}">
                 <a16:creationId xmlns:a16="http://schemas.microsoft.com/office/drawing/2014/main" id="{06E6C0C3-A448-4D8B-86C7-3C83B7E4A600}"/>
@@ -9817,7 +9694,7 @@
           <a:lstStyle/>
           <a:p>
             <a:r>
-              <a:rPr lang="en-US"/>
+              <a:rPr lang="en-US" dirty="0"/>
               <a:t>Project steps</a:t>
             </a:r>
           </a:p>
@@ -9825,7 +9702,7 @@
       </p:sp>
       <p:sp>
         <p:nvSpPr>
-          <p:cNvPr id="29" name="Rectangle 23">
+          <p:cNvPr id="72" name="Rectangle 71">
             <a:extLst>
               <a:ext uri="{FF2B5EF4-FFF2-40B4-BE49-F238E27FC236}">
                 <a16:creationId xmlns:a16="http://schemas.microsoft.com/office/drawing/2014/main" id="{EF1326A3-CBDD-4503-8C40-806B4ABF4F2A}"/>
@@ -9900,7 +9777,7 @@
       </p:sp>
       <p:sp>
         <p:nvSpPr>
-          <p:cNvPr id="30" name="Rectangle 25">
+          <p:cNvPr id="74" name="Rectangle 73">
             <a:extLst>
               <a:ext uri="{FF2B5EF4-FFF2-40B4-BE49-F238E27FC236}">
                 <a16:creationId xmlns:a16="http://schemas.microsoft.com/office/drawing/2014/main" id="{5910698D-E436-464E-9DE4-F9FB349FD9E6}"/>
@@ -9989,7 +9866,7 @@
             <p:ph idx="1"/>
             <p:extLst>
               <p:ext uri="{D42A27DB-BD31-4B8C-83A1-F6EECF244321}">
-                <p14:modId xmlns:p14="http://schemas.microsoft.com/office/powerpoint/2010/main" val="3649453765"/>
+                <p14:modId xmlns:p14="http://schemas.microsoft.com/office/powerpoint/2010/main" val="267273896"/>
               </p:ext>
             </p:extLst>
           </p:nvPr>
@@ -10176,7 +10053,7 @@
             <a:pPr algn="just"/>
             <a:r>
               <a:rPr lang="en-US" sz="1800" dirty="0"/>
-              <a:t>Focus on a classification problem and in the accuracy as one of the most important metrics.</a:t>
+              <a:t>Focus on a classification problem and in the precision and recall as important metrics.</a:t>
             </a:r>
           </a:p>
         </p:txBody>
@@ -10470,7 +10347,13 @@
               <a:buChar char="Ø"/>
             </a:pPr>
             <a:r>
-              <a:rPr lang="en-CA" sz="2000" b="0" dirty="0">
+              <a:rPr lang="en-CA" sz="2000" dirty="0">
+                <a:solidFill>
+                  <a:schemeClr val="tx1">
+                    <a:lumMod val="50000"/>
+                    <a:lumOff val="50000"/>
+                  </a:schemeClr>
+                </a:solidFill>
                 <a:effectLst/>
               </a:rPr>
               <a:t>Applicants who are male.</a:t>
@@ -10558,8 +10441,8 @@
         </p:blipFill>
         <p:spPr>
           <a:xfrm>
-            <a:off x="2209800" y="2216746"/>
-            <a:ext cx="7772400" cy="3952366"/>
+            <a:off x="1684537" y="2029968"/>
+            <a:ext cx="8424986" cy="4284215"/>
           </a:xfrm>
           <a:prstGeom prst="rect">
             <a:avLst/>
@@ -10580,6 +10463,129 @@
 </file>
 
 <file path=ppt/slides/slide6.xml><?xml version="1.0" encoding="utf-8"?>
+<p:sld xmlns:a="http://schemas.openxmlformats.org/drawingml/2006/main" xmlns:r="http://schemas.openxmlformats.org/officeDocument/2006/relationships" xmlns:p="http://schemas.openxmlformats.org/presentationml/2006/main">
+  <p:cSld>
+    <p:spTree>
+      <p:nvGrpSpPr>
+        <p:cNvPr id="1" name=""/>
+        <p:cNvGrpSpPr/>
+        <p:nvPr/>
+      </p:nvGrpSpPr>
+      <p:grpSpPr>
+        <a:xfrm>
+          <a:off x="0" y="0"/>
+          <a:ext cx="0" cy="0"/>
+          <a:chOff x="0" y="0"/>
+          <a:chExt cx="0" cy="0"/>
+        </a:xfrm>
+      </p:grpSpPr>
+      <p:sp>
+        <p:nvSpPr>
+          <p:cNvPr id="2" name="Title 1">
+            <a:extLst>
+              <a:ext uri="{FF2B5EF4-FFF2-40B4-BE49-F238E27FC236}">
+                <a16:creationId xmlns:a16="http://schemas.microsoft.com/office/drawing/2014/main" id="{E3AFD799-9B12-08FD-E05E-A576A0763AA9}"/>
+              </a:ext>
+            </a:extLst>
+          </p:cNvPr>
+          <p:cNvSpPr>
+            <a:spLocks noGrp="1"/>
+          </p:cNvSpPr>
+          <p:nvPr>
+            <p:ph type="title"/>
+          </p:nvPr>
+        </p:nvSpPr>
+        <p:spPr>
+          <a:xfrm>
+            <a:off x="1140619" y="704204"/>
+            <a:ext cx="10241280" cy="1234440"/>
+          </a:xfrm>
+        </p:spPr>
+        <p:txBody>
+          <a:bodyPr/>
+          <a:lstStyle/>
+          <a:p>
+            <a:r>
+              <a:rPr lang="en-US" dirty="0"/>
+              <a:t>Boxplot of income</a:t>
+            </a:r>
+          </a:p>
+        </p:txBody>
+      </p:sp>
+      <p:pic>
+        <p:nvPicPr>
+          <p:cNvPr id="8" name="Picture 7">
+            <a:extLst>
+              <a:ext uri="{FF2B5EF4-FFF2-40B4-BE49-F238E27FC236}">
+                <a16:creationId xmlns:a16="http://schemas.microsoft.com/office/drawing/2014/main" id="{FBF0FE4D-F2B3-2265-A1DA-103B65684E46}"/>
+              </a:ext>
+            </a:extLst>
+          </p:cNvPr>
+          <p:cNvPicPr>
+            <a:picLocks noChangeAspect="1"/>
+          </p:cNvPicPr>
+          <p:nvPr/>
+        </p:nvPicPr>
+        <p:blipFill>
+          <a:blip r:embed="rId2"/>
+          <a:stretch>
+            <a:fillRect/>
+          </a:stretch>
+        </p:blipFill>
+        <p:spPr>
+          <a:xfrm>
+            <a:off x="949124" y="1938644"/>
+            <a:ext cx="5312135" cy="4423374"/>
+          </a:xfrm>
+          <a:prstGeom prst="rect">
+            <a:avLst/>
+          </a:prstGeom>
+        </p:spPr>
+      </p:pic>
+      <p:pic>
+        <p:nvPicPr>
+          <p:cNvPr id="9" name="Picture 8">
+            <a:extLst>
+              <a:ext uri="{FF2B5EF4-FFF2-40B4-BE49-F238E27FC236}">
+                <a16:creationId xmlns:a16="http://schemas.microsoft.com/office/drawing/2014/main" id="{D8E984EE-B0BE-B5E1-D4F2-B53ED69A181A}"/>
+              </a:ext>
+            </a:extLst>
+          </p:cNvPr>
+          <p:cNvPicPr>
+            <a:picLocks noChangeAspect="1"/>
+          </p:cNvPicPr>
+          <p:nvPr/>
+        </p:nvPicPr>
+        <p:blipFill>
+          <a:blip r:embed="rId3"/>
+          <a:stretch>
+            <a:fillRect/>
+          </a:stretch>
+        </p:blipFill>
+        <p:spPr>
+          <a:xfrm>
+            <a:off x="6208147" y="1938644"/>
+            <a:ext cx="5312136" cy="4423374"/>
+          </a:xfrm>
+          <a:prstGeom prst="rect">
+            <a:avLst/>
+          </a:prstGeom>
+        </p:spPr>
+      </p:pic>
+    </p:spTree>
+    <p:extLst>
+      <p:ext uri="{BB962C8B-B14F-4D97-AF65-F5344CB8AC3E}">
+        <p14:creationId xmlns:p14="http://schemas.microsoft.com/office/powerpoint/2010/main" val="279570104"/>
+      </p:ext>
+    </p:extLst>
+  </p:cSld>
+  <p:clrMapOvr>
+    <a:masterClrMapping/>
+  </p:clrMapOvr>
+</p:sld>
+</file>
+
+<file path=ppt/slides/slide7.xml><?xml version="1.0" encoding="utf-8"?>
 <p:sld xmlns:a="http://schemas.openxmlformats.org/drawingml/2006/main" xmlns:r="http://schemas.openxmlformats.org/officeDocument/2006/relationships" xmlns:p="http://schemas.openxmlformats.org/presentationml/2006/main">
   <p:cSld>
     <p:bg>
@@ -11168,46 +11174,6 @@
           </a:p>
         </p:txBody>
       </p:sp>
-      <p:sp>
-        <p:nvSpPr>
-          <p:cNvPr id="6" name="Text Placeholder 5">
-            <a:extLst>
-              <a:ext uri="{FF2B5EF4-FFF2-40B4-BE49-F238E27FC236}">
-                <a16:creationId xmlns:a16="http://schemas.microsoft.com/office/drawing/2014/main" id="{D2BAF2B7-65F3-925B-1B3C-BE3B305954F5}"/>
-              </a:ext>
-            </a:extLst>
-          </p:cNvPr>
-          <p:cNvSpPr>
-            <a:spLocks noGrp="1"/>
-          </p:cNvSpPr>
-          <p:nvPr>
-            <p:ph type="body" idx="1"/>
-          </p:nvPr>
-        </p:nvSpPr>
-        <p:spPr>
-          <a:xfrm>
-            <a:off x="6548528" y="2177143"/>
-            <a:ext cx="5073272" cy="1480457"/>
-          </a:xfrm>
-        </p:spPr>
-        <p:txBody>
-          <a:bodyPr vert="horz" lIns="0" tIns="0" rIns="0" bIns="0" rtlCol="0" anchor="b">
-            <a:normAutofit/>
-          </a:bodyPr>
-          <a:lstStyle/>
-          <a:p>
-            <a:pPr algn="ctr">
-              <a:lnSpc>
-                <a:spcPct val="150000"/>
-              </a:lnSpc>
-            </a:pPr>
-            <a:r>
-              <a:rPr lang="en-US" sz="1200" b="1" dirty="0"/>
-              <a:t>1. Loan amount status approval 2. average of loan amount requested</a:t>
-            </a:r>
-          </a:p>
-        </p:txBody>
-      </p:sp>
     </p:spTree>
     <p:extLst>
       <p:ext uri="{BB962C8B-B14F-4D97-AF65-F5344CB8AC3E}">
@@ -11221,7 +11187,7 @@
 </p:sld>
 </file>
 
-<file path=ppt/slides/slide7.xml><?xml version="1.0" encoding="utf-8"?>
+<file path=ppt/slides/slide8.xml><?xml version="1.0" encoding="utf-8"?>
 <p:sld xmlns:a="http://schemas.openxmlformats.org/drawingml/2006/main" xmlns:r="http://schemas.openxmlformats.org/officeDocument/2006/relationships" xmlns:p="http://schemas.openxmlformats.org/presentationml/2006/main">
   <p:cSld>
     <p:bg>
@@ -11840,576 +11806,6 @@
 </p:sld>
 </file>
 
-<file path=ppt/slides/slide8.xml><?xml version="1.0" encoding="utf-8"?>
-<p:sld xmlns:a="http://schemas.openxmlformats.org/drawingml/2006/main" xmlns:r="http://schemas.openxmlformats.org/officeDocument/2006/relationships" xmlns:p="http://schemas.openxmlformats.org/presentationml/2006/main">
-  <p:cSld>
-    <p:bg>
-      <p:bgPr>
-        <a:solidFill>
-          <a:schemeClr val="bg1"/>
-        </a:solidFill>
-        <a:effectLst/>
-      </p:bgPr>
-    </p:bg>
-    <p:spTree>
-      <p:nvGrpSpPr>
-        <p:cNvPr id="1" name=""/>
-        <p:cNvGrpSpPr/>
-        <p:nvPr/>
-      </p:nvGrpSpPr>
-      <p:grpSpPr>
-        <a:xfrm>
-          <a:off x="0" y="0"/>
-          <a:ext cx="0" cy="0"/>
-          <a:chOff x="0" y="0"/>
-          <a:chExt cx="0" cy="0"/>
-        </a:xfrm>
-      </p:grpSpPr>
-      <p:sp>
-        <p:nvSpPr>
-          <p:cNvPr id="30" name="Rectangle 10">
-            <a:extLst>
-              <a:ext uri="{FF2B5EF4-FFF2-40B4-BE49-F238E27FC236}">
-                <a16:creationId xmlns:a16="http://schemas.microsoft.com/office/drawing/2014/main" id="{BD4C0BBB-0042-4603-A226-6117F3FD5B3C}"/>
-              </a:ext>
-              <a:ext uri="{C183D7F6-B498-43B3-948B-1728B52AA6E4}">
-                <adec:decorative xmlns:adec="http://schemas.microsoft.com/office/drawing/2017/decorative" val="1"/>
-              </a:ext>
-            </a:extLst>
-          </p:cNvPr>
-          <p:cNvSpPr>
-            <a:spLocks noGrp="1" noRot="1" noChangeAspect="1" noMove="1" noResize="1" noEditPoints="1" noAdjustHandles="1" noChangeArrowheads="1" noChangeShapeType="1" noTextEdit="1"/>
-          </p:cNvSpPr>
-          <p:nvPr>
-            <p:extLst>
-              <p:ext uri="{386F3935-93C4-4BCD-93E2-E3B085C9AB24}">
-                <p16:designElem xmlns:p16="http://schemas.microsoft.com/office/powerpoint/2015/main" val="1"/>
-              </p:ext>
-            </p:extLst>
-          </p:nvPr>
-        </p:nvSpPr>
-        <p:spPr>
-          <a:xfrm rot="10800000" flipH="1">
-            <a:off x="0" y="6400799"/>
-            <a:ext cx="12192000" cy="456773"/>
-          </a:xfrm>
-          <a:prstGeom prst="rect">
-            <a:avLst/>
-          </a:prstGeom>
-          <a:gradFill>
-            <a:gsLst>
-              <a:gs pos="14000">
-                <a:schemeClr val="accent4">
-                  <a:alpha val="28000"/>
-                </a:schemeClr>
-              </a:gs>
-              <a:gs pos="100000">
-                <a:schemeClr val="accent5">
-                  <a:alpha val="85000"/>
-                </a:schemeClr>
-              </a:gs>
-            </a:gsLst>
-            <a:lin ang="6000000" scaled="0"/>
-          </a:gradFill>
-          <a:ln>
-            <a:noFill/>
-          </a:ln>
-        </p:spPr>
-        <p:style>
-          <a:lnRef idx="2">
-            <a:schemeClr val="accent1">
-              <a:shade val="50000"/>
-            </a:schemeClr>
-          </a:lnRef>
-          <a:fillRef idx="1">
-            <a:schemeClr val="accent1"/>
-          </a:fillRef>
-          <a:effectRef idx="0">
-            <a:schemeClr val="accent1"/>
-          </a:effectRef>
-          <a:fontRef idx="minor">
-            <a:schemeClr val="lt1"/>
-          </a:fontRef>
-        </p:style>
-        <p:txBody>
-          <a:bodyPr rtlCol="0" anchor="ctr"/>
-          <a:lstStyle/>
-          <a:p>
-            <a:pPr algn="ctr"/>
-            <a:endParaRPr lang="en-US"/>
-          </a:p>
-        </p:txBody>
-      </p:sp>
-      <p:sp>
-        <p:nvSpPr>
-          <p:cNvPr id="31" name="Rectangle 12">
-            <a:extLst>
-              <a:ext uri="{FF2B5EF4-FFF2-40B4-BE49-F238E27FC236}">
-                <a16:creationId xmlns:a16="http://schemas.microsoft.com/office/drawing/2014/main" id="{EC44F520-2598-460E-9F91-B02F60830CA2}"/>
-              </a:ext>
-              <a:ext uri="{C183D7F6-B498-43B3-948B-1728B52AA6E4}">
-                <adec:decorative xmlns:adec="http://schemas.microsoft.com/office/drawing/2017/decorative" val="1"/>
-              </a:ext>
-            </a:extLst>
-          </p:cNvPr>
-          <p:cNvSpPr>
-            <a:spLocks noGrp="1" noRot="1" noChangeAspect="1" noMove="1" noResize="1" noEditPoints="1" noAdjustHandles="1" noChangeArrowheads="1" noChangeShapeType="1" noTextEdit="1"/>
-          </p:cNvSpPr>
-          <p:nvPr>
-            <p:extLst>
-              <p:ext uri="{386F3935-93C4-4BCD-93E2-E3B085C9AB24}">
-                <p16:designElem xmlns:p16="http://schemas.microsoft.com/office/powerpoint/2015/main" val="1"/>
-              </p:ext>
-            </p:extLst>
-          </p:nvPr>
-        </p:nvSpPr>
-        <p:spPr>
-          <a:xfrm flipH="1">
-            <a:off x="4038600" y="6400799"/>
-            <a:ext cx="8153398" cy="456772"/>
-          </a:xfrm>
-          <a:prstGeom prst="rect">
-            <a:avLst/>
-          </a:prstGeom>
-          <a:gradFill>
-            <a:gsLst>
-              <a:gs pos="9000">
-                <a:schemeClr val="accent2">
-                  <a:lumMod val="60000"/>
-                  <a:lumOff val="40000"/>
-                  <a:alpha val="55000"/>
-                </a:schemeClr>
-              </a:gs>
-              <a:gs pos="99000">
-                <a:schemeClr val="accent2"/>
-              </a:gs>
-            </a:gsLst>
-            <a:lin ang="14400000" scaled="0"/>
-          </a:gradFill>
-          <a:ln>
-            <a:noFill/>
-          </a:ln>
-        </p:spPr>
-        <p:style>
-          <a:lnRef idx="2">
-            <a:schemeClr val="accent1">
-              <a:shade val="50000"/>
-            </a:schemeClr>
-          </a:lnRef>
-          <a:fillRef idx="1">
-            <a:schemeClr val="accent1"/>
-          </a:fillRef>
-          <a:effectRef idx="0">
-            <a:schemeClr val="accent1"/>
-          </a:effectRef>
-          <a:fontRef idx="minor">
-            <a:schemeClr val="lt1"/>
-          </a:fontRef>
-        </p:style>
-        <p:txBody>
-          <a:bodyPr rtlCol="0" anchor="ctr"/>
-          <a:lstStyle/>
-          <a:p>
-            <a:pPr algn="ctr"/>
-            <a:endParaRPr lang="en-US"/>
-          </a:p>
-        </p:txBody>
-      </p:sp>
-      <p:sp useBgFill="1">
-        <p:nvSpPr>
-          <p:cNvPr id="32" name="Rectangle 14">
-            <a:extLst>
-              <a:ext uri="{FF2B5EF4-FFF2-40B4-BE49-F238E27FC236}">
-                <a16:creationId xmlns:a16="http://schemas.microsoft.com/office/drawing/2014/main" id="{9C53F8DC-E65E-42A4-ABA3-AB41274F30F8}"/>
-              </a:ext>
-              <a:ext uri="{C183D7F6-B498-43B3-948B-1728B52AA6E4}">
-                <adec:decorative xmlns:adec="http://schemas.microsoft.com/office/drawing/2017/decorative" val="1"/>
-              </a:ext>
-            </a:extLst>
-          </p:cNvPr>
-          <p:cNvSpPr>
-            <a:spLocks noGrp="1" noRot="1" noChangeAspect="1" noMove="1" noResize="1" noEditPoints="1" noAdjustHandles="1" noChangeArrowheads="1" noChangeShapeType="1" noTextEdit="1"/>
-          </p:cNvSpPr>
-          <p:nvPr>
-            <p:extLst>
-              <p:ext uri="{386F3935-93C4-4BCD-93E2-E3B085C9AB24}">
-                <p16:designElem xmlns:p16="http://schemas.microsoft.com/office/powerpoint/2015/main" val="1"/>
-              </p:ext>
-            </p:extLst>
-          </p:nvPr>
-        </p:nvSpPr>
-        <p:spPr>
-          <a:xfrm>
-            <a:off x="0" y="0"/>
-            <a:ext cx="12192000" cy="6858000"/>
-          </a:xfrm>
-          <a:prstGeom prst="rect">
-            <a:avLst/>
-          </a:prstGeom>
-          <a:ln w="12700" cap="flat" cmpd="sng" algn="ctr">
-            <a:noFill/>
-            <a:prstDash val="solid"/>
-            <a:miter lim="800000"/>
-          </a:ln>
-          <a:effectLst/>
-          <a:extLst>
-            <a:ext uri="{91240B29-F687-4F45-9708-019B960494DF}">
-              <a14:hiddenLine xmlns:a14="http://schemas.microsoft.com/office/drawing/2010/main" w="12700" cap="flat" cmpd="sng" algn="ctr">
-                <a:solidFill>
-                  <a:schemeClr val="accent1">
-                    <a:shade val="50000"/>
-                  </a:schemeClr>
-                </a:solidFill>
-                <a:prstDash val="solid"/>
-                <a:miter lim="800000"/>
-              </a14:hiddenLine>
-            </a:ext>
-          </a:extLst>
-        </p:spPr>
-        <p:style>
-          <a:lnRef idx="2">
-            <a:schemeClr val="accent1">
-              <a:shade val="50000"/>
-            </a:schemeClr>
-          </a:lnRef>
-          <a:fillRef idx="1">
-            <a:schemeClr val="accent1"/>
-          </a:fillRef>
-          <a:effectRef idx="0">
-            <a:schemeClr val="accent1"/>
-          </a:effectRef>
-          <a:fontRef idx="minor">
-            <a:schemeClr val="lt1"/>
-          </a:fontRef>
-        </p:style>
-        <p:txBody>
-          <a:bodyPr rtlCol="0" anchor="ctr"/>
-          <a:lstStyle/>
-          <a:p>
-            <a:pPr algn="ctr"/>
-            <a:endParaRPr lang="en-US"/>
-          </a:p>
-        </p:txBody>
-      </p:sp>
-      <p:sp>
-        <p:nvSpPr>
-          <p:cNvPr id="2" name="Title 1">
-            <a:extLst>
-              <a:ext uri="{FF2B5EF4-FFF2-40B4-BE49-F238E27FC236}">
-                <a16:creationId xmlns:a16="http://schemas.microsoft.com/office/drawing/2014/main" id="{5A94E3A4-FAAF-A502-8265-B2AE97300322}"/>
-              </a:ext>
-            </a:extLst>
-          </p:cNvPr>
-          <p:cNvSpPr>
-            <a:spLocks noGrp="1"/>
-          </p:cNvSpPr>
-          <p:nvPr>
-            <p:ph type="title"/>
-          </p:nvPr>
-        </p:nvSpPr>
-        <p:spPr>
-          <a:xfrm>
-            <a:off x="1022817" y="751949"/>
-            <a:ext cx="5524143" cy="1556725"/>
-          </a:xfrm>
-        </p:spPr>
-        <p:txBody>
-          <a:bodyPr vert="horz" lIns="0" tIns="0" rIns="0" bIns="0" rtlCol="0" anchor="b">
-            <a:normAutofit/>
-          </a:bodyPr>
-          <a:lstStyle/>
-          <a:p>
-            <a:r>
-              <a:rPr lang="en-US" sz="3600" dirty="0"/>
-              <a:t>Loan amount status</a:t>
-            </a:r>
-          </a:p>
-        </p:txBody>
-      </p:sp>
-      <p:sp>
-        <p:nvSpPr>
-          <p:cNvPr id="4" name="Text Placeholder 3">
-            <a:extLst>
-              <a:ext uri="{FF2B5EF4-FFF2-40B4-BE49-F238E27FC236}">
-                <a16:creationId xmlns:a16="http://schemas.microsoft.com/office/drawing/2014/main" id="{C4C017D8-E0C9-E027-50FD-A077EC9BFC75}"/>
-              </a:ext>
-            </a:extLst>
-          </p:cNvPr>
-          <p:cNvSpPr>
-            <a:spLocks noGrp="1"/>
-          </p:cNvSpPr>
-          <p:nvPr>
-            <p:ph type="body" sz="half" idx="2"/>
-          </p:nvPr>
-        </p:nvSpPr>
-        <p:spPr>
-          <a:xfrm>
-            <a:off x="1118187" y="2980855"/>
-            <a:ext cx="4117430" cy="2979753"/>
-          </a:xfrm>
-        </p:spPr>
-        <p:txBody>
-          <a:bodyPr vert="horz" lIns="0" tIns="0" rIns="0" bIns="0" rtlCol="0">
-            <a:normAutofit/>
-          </a:bodyPr>
-          <a:lstStyle/>
-          <a:p>
-            <a:pPr indent="-228600" algn="just">
-              <a:buFont typeface="Arial" panose="020B0604020202020204" pitchFamily="34" charset="0"/>
-              <a:buChar char="•"/>
-            </a:pPr>
-            <a:r>
-              <a:rPr lang="en-US" sz="2000" dirty="0"/>
-              <a:t>Group most likely to get the </a:t>
-            </a:r>
-            <a:r>
-              <a:rPr lang="en-US" sz="2000" b="1" dirty="0"/>
-              <a:t>loan status approval</a:t>
-            </a:r>
-            <a:r>
-              <a:rPr lang="en-US" sz="2000" dirty="0"/>
-              <a:t>: male, with a high level of education, married (count of applicant and co-applicant income together) and living in a semiurban area.</a:t>
-            </a:r>
-          </a:p>
-          <a:p>
-            <a:pPr marL="342900" indent="-228600">
-              <a:buFont typeface="Arial" panose="020B0604020202020204" pitchFamily="34" charset="0"/>
-              <a:buChar char="•"/>
-            </a:pPr>
-            <a:endParaRPr lang="en-US" dirty="0"/>
-          </a:p>
-          <a:p>
-            <a:pPr indent="-228600">
-              <a:buFont typeface="Arial" panose="020B0604020202020204" pitchFamily="34" charset="0"/>
-              <a:buChar char="•"/>
-            </a:pPr>
-            <a:endParaRPr lang="en-US" dirty="0"/>
-          </a:p>
-        </p:txBody>
-      </p:sp>
-      <p:pic>
-        <p:nvPicPr>
-          <p:cNvPr id="5" name="Picture 4" descr="Table&#10;&#10;Description automatically generated with medium confidence">
-            <a:extLst>
-              <a:ext uri="{FF2B5EF4-FFF2-40B4-BE49-F238E27FC236}">
-                <a16:creationId xmlns:a16="http://schemas.microsoft.com/office/drawing/2014/main" id="{1D089A32-E651-5570-5BB9-6021E08D4A39}"/>
-              </a:ext>
-            </a:extLst>
-          </p:cNvPr>
-          <p:cNvPicPr>
-            <a:picLocks noChangeAspect="1"/>
-          </p:cNvPicPr>
-          <p:nvPr/>
-        </p:nvPicPr>
-        <p:blipFill>
-          <a:blip r:embed="rId2"/>
-          <a:stretch>
-            <a:fillRect/>
-          </a:stretch>
-        </p:blipFill>
-        <p:spPr>
-          <a:xfrm>
-            <a:off x="6956383" y="354651"/>
-            <a:ext cx="3783814" cy="3074349"/>
-          </a:xfrm>
-          <a:prstGeom prst="rect">
-            <a:avLst/>
-          </a:prstGeom>
-        </p:spPr>
-      </p:pic>
-      <p:pic>
-        <p:nvPicPr>
-          <p:cNvPr id="6" name="Picture 5" descr="Chart&#10;&#10;Description automatically generated">
-            <a:extLst>
-              <a:ext uri="{FF2B5EF4-FFF2-40B4-BE49-F238E27FC236}">
-                <a16:creationId xmlns:a16="http://schemas.microsoft.com/office/drawing/2014/main" id="{F62A955E-F5F1-CF2A-B9E5-E89E14BC68A9}"/>
-              </a:ext>
-            </a:extLst>
-          </p:cNvPr>
-          <p:cNvPicPr>
-            <a:picLocks noChangeAspect="1"/>
-          </p:cNvPicPr>
-          <p:nvPr/>
-        </p:nvPicPr>
-        <p:blipFill>
-          <a:blip r:embed="rId3"/>
-          <a:stretch>
-            <a:fillRect/>
-          </a:stretch>
-        </p:blipFill>
-        <p:spPr>
-          <a:xfrm>
-            <a:off x="6956384" y="3476298"/>
-            <a:ext cx="3783813" cy="2979753"/>
-          </a:xfrm>
-          <a:prstGeom prst="rect">
-            <a:avLst/>
-          </a:prstGeom>
-        </p:spPr>
-      </p:pic>
-      <p:sp>
-        <p:nvSpPr>
-          <p:cNvPr id="33" name="Rectangle 16">
-            <a:extLst>
-              <a:ext uri="{FF2B5EF4-FFF2-40B4-BE49-F238E27FC236}">
-                <a16:creationId xmlns:a16="http://schemas.microsoft.com/office/drawing/2014/main" id="{3808F57C-E98A-4053-BD3D-4D04986CB21A}"/>
-              </a:ext>
-              <a:ext uri="{C183D7F6-B498-43B3-948B-1728B52AA6E4}">
-                <adec:decorative xmlns:adec="http://schemas.microsoft.com/office/drawing/2017/decorative" val="1"/>
-              </a:ext>
-            </a:extLst>
-          </p:cNvPr>
-          <p:cNvSpPr>
-            <a:spLocks noGrp="1" noRot="1" noChangeAspect="1" noMove="1" noResize="1" noEditPoints="1" noAdjustHandles="1" noChangeArrowheads="1" noChangeShapeType="1" noTextEdit="1"/>
-          </p:cNvSpPr>
-          <p:nvPr>
-            <p:extLst>
-              <p:ext uri="{386F3935-93C4-4BCD-93E2-E3B085C9AB24}">
-                <p16:designElem xmlns:p16="http://schemas.microsoft.com/office/powerpoint/2015/main" val="1"/>
-              </p:ext>
-            </p:extLst>
-          </p:nvPr>
-        </p:nvSpPr>
-        <p:spPr>
-          <a:xfrm rot="10800000" flipH="1">
-            <a:off x="0" y="6408741"/>
-            <a:ext cx="12192000" cy="449256"/>
-          </a:xfrm>
-          <a:prstGeom prst="rect">
-            <a:avLst/>
-          </a:prstGeom>
-          <a:gradFill>
-            <a:gsLst>
-              <a:gs pos="14000">
-                <a:schemeClr val="accent4">
-                  <a:alpha val="28000"/>
-                </a:schemeClr>
-              </a:gs>
-              <a:gs pos="100000">
-                <a:schemeClr val="accent5">
-                  <a:alpha val="85000"/>
-                </a:schemeClr>
-              </a:gs>
-            </a:gsLst>
-            <a:lin ang="9000000" scaled="0"/>
-          </a:gradFill>
-          <a:ln>
-            <a:noFill/>
-          </a:ln>
-        </p:spPr>
-        <p:style>
-          <a:lnRef idx="2">
-            <a:schemeClr val="accent1">
-              <a:shade val="50000"/>
-            </a:schemeClr>
-          </a:lnRef>
-          <a:fillRef idx="1">
-            <a:schemeClr val="accent1"/>
-          </a:fillRef>
-          <a:effectRef idx="0">
-            <a:schemeClr val="accent1"/>
-          </a:effectRef>
-          <a:fontRef idx="minor">
-            <a:schemeClr val="lt1"/>
-          </a:fontRef>
-        </p:style>
-        <p:txBody>
-          <a:bodyPr rtlCol="0" anchor="ctr"/>
-          <a:lstStyle/>
-          <a:p>
-            <a:pPr algn="ctr"/>
-            <a:endParaRPr lang="en-US"/>
-          </a:p>
-        </p:txBody>
-      </p:sp>
-      <p:sp>
-        <p:nvSpPr>
-          <p:cNvPr id="34" name="Rectangle 18">
-            <a:extLst>
-              <a:ext uri="{FF2B5EF4-FFF2-40B4-BE49-F238E27FC236}">
-                <a16:creationId xmlns:a16="http://schemas.microsoft.com/office/drawing/2014/main" id="{3DD8121B-71ED-41BD-AA7C-9E5609999D11}"/>
-              </a:ext>
-              <a:ext uri="{C183D7F6-B498-43B3-948B-1728B52AA6E4}">
-                <adec:decorative xmlns:adec="http://schemas.microsoft.com/office/drawing/2017/decorative" val="1"/>
-              </a:ext>
-            </a:extLst>
-          </p:cNvPr>
-          <p:cNvSpPr>
-            <a:spLocks noGrp="1" noRot="1" noChangeAspect="1" noMove="1" noResize="1" noEditPoints="1" noAdjustHandles="1" noChangeArrowheads="1" noChangeShapeType="1" noTextEdit="1"/>
-          </p:cNvSpPr>
-          <p:nvPr>
-            <p:extLst>
-              <p:ext uri="{386F3935-93C4-4BCD-93E2-E3B085C9AB24}">
-                <p16:designElem xmlns:p16="http://schemas.microsoft.com/office/powerpoint/2015/main" val="1"/>
-              </p:ext>
-            </p:extLst>
-          </p:nvPr>
-        </p:nvSpPr>
-        <p:spPr>
-          <a:xfrm flipH="1">
-            <a:off x="4038600" y="6408316"/>
-            <a:ext cx="8153398" cy="449684"/>
-          </a:xfrm>
-          <a:prstGeom prst="rect">
-            <a:avLst/>
-          </a:prstGeom>
-          <a:gradFill>
-            <a:gsLst>
-              <a:gs pos="9000">
-                <a:schemeClr val="accent2">
-                  <a:lumMod val="60000"/>
-                  <a:lumOff val="40000"/>
-                  <a:alpha val="68000"/>
-                </a:schemeClr>
-              </a:gs>
-              <a:gs pos="99000">
-                <a:schemeClr val="accent2"/>
-              </a:gs>
-            </a:gsLst>
-            <a:lin ang="13800000" scaled="0"/>
-          </a:gradFill>
-          <a:ln>
-            <a:noFill/>
-          </a:ln>
-        </p:spPr>
-        <p:style>
-          <a:lnRef idx="2">
-            <a:schemeClr val="accent1">
-              <a:shade val="50000"/>
-            </a:schemeClr>
-          </a:lnRef>
-          <a:fillRef idx="1">
-            <a:schemeClr val="accent1"/>
-          </a:fillRef>
-          <a:effectRef idx="0">
-            <a:schemeClr val="accent1"/>
-          </a:effectRef>
-          <a:fontRef idx="minor">
-            <a:schemeClr val="lt1"/>
-          </a:fontRef>
-        </p:style>
-        <p:txBody>
-          <a:bodyPr rtlCol="0" anchor="ctr"/>
-          <a:lstStyle/>
-          <a:p>
-            <a:pPr algn="ctr"/>
-            <a:endParaRPr lang="en-US"/>
-          </a:p>
-        </p:txBody>
-      </p:sp>
-    </p:spTree>
-    <p:extLst>
-      <p:ext uri="{BB962C8B-B14F-4D97-AF65-F5344CB8AC3E}">
-        <p14:creationId xmlns:p14="http://schemas.microsoft.com/office/powerpoint/2010/main" val="1112187292"/>
-      </p:ext>
-    </p:extLst>
-  </p:cSld>
-  <p:clrMapOvr>
-    <a:masterClrMapping/>
-  </p:clrMapOvr>
-</p:sld>
-</file>
-
 <file path=ppt/slides/slide9.xml><?xml version="1.0" encoding="utf-8"?>
 <p:sld xmlns:a="http://schemas.openxmlformats.org/drawingml/2006/main" xmlns:r="http://schemas.openxmlformats.org/officeDocument/2006/relationships" xmlns:p="http://schemas.openxmlformats.org/presentationml/2006/main">
   <p:cSld>
@@ -12432,7 +11828,7 @@
           <p:cNvPr id="2" name="Title 1">
             <a:extLst>
               <a:ext uri="{FF2B5EF4-FFF2-40B4-BE49-F238E27FC236}">
-                <a16:creationId xmlns:a16="http://schemas.microsoft.com/office/drawing/2014/main" id="{833D164F-52B3-35AB-FECD-68862BF9FA71}"/>
+                <a16:creationId xmlns:a16="http://schemas.microsoft.com/office/drawing/2014/main" id="{2B1CC9A5-2742-5B99-DAB2-8EA8F7A54123}"/>
               </a:ext>
             </a:extLst>
           </p:cNvPr>
@@ -12443,31 +11839,55 @@
             <p:ph type="title"/>
           </p:nvPr>
         </p:nvSpPr>
-        <p:spPr>
-          <a:xfrm>
-            <a:off x="1048297" y="998999"/>
-            <a:ext cx="3932237" cy="1894511"/>
-          </a:xfrm>
-        </p:spPr>
+        <p:spPr/>
+        <p:txBody>
+          <a:bodyPr/>
+          <a:lstStyle/>
+          <a:p>
+            <a:r>
+              <a:rPr lang="en-US" dirty="0"/>
+              <a:t>Loan status by property area</a:t>
+            </a:r>
+          </a:p>
+        </p:txBody>
+      </p:sp>
+      <p:sp>
+        <p:nvSpPr>
+          <p:cNvPr id="4" name="Text Placeholder 3">
+            <a:extLst>
+              <a:ext uri="{FF2B5EF4-FFF2-40B4-BE49-F238E27FC236}">
+                <a16:creationId xmlns:a16="http://schemas.microsoft.com/office/drawing/2014/main" id="{3974683B-2DD6-207D-D943-3FA1BAD34A2F}"/>
+              </a:ext>
+            </a:extLst>
+          </p:cNvPr>
+          <p:cNvSpPr>
+            <a:spLocks noGrp="1"/>
+          </p:cNvSpPr>
+          <p:nvPr>
+            <p:ph type="body" sz="half" idx="2"/>
+          </p:nvPr>
+        </p:nvSpPr>
+        <p:spPr/>
         <p:txBody>
           <a:bodyPr>
             <a:normAutofit/>
           </a:bodyPr>
           <a:lstStyle/>
           <a:p>
+            <a:pPr algn="just"/>
             <a:r>
-              <a:rPr lang="en-US" dirty="0"/>
-              <a:t>Average loan amount</a:t>
+              <a:rPr lang="en-US" sz="2000" dirty="0"/>
+              <a:t>Most applicants/co-applicants were married and are living in a semiurban area.</a:t>
             </a:r>
           </a:p>
         </p:txBody>
       </p:sp>
       <p:pic>
         <p:nvPicPr>
-          <p:cNvPr id="5" name="Picture 4">
+          <p:cNvPr id="8" name="Picture 7">
             <a:extLst>
               <a:ext uri="{FF2B5EF4-FFF2-40B4-BE49-F238E27FC236}">
-                <a16:creationId xmlns:a16="http://schemas.microsoft.com/office/drawing/2014/main" id="{98D3FF54-1812-2584-5F7A-162D98309124}"/>
+                <a16:creationId xmlns:a16="http://schemas.microsoft.com/office/drawing/2014/main" id="{C6A4A1D5-D032-6A2E-8CA7-AEE95A3F97C8}"/>
               </a:ext>
             </a:extLst>
           </p:cNvPr>
@@ -12484,65 +11904,18 @@
         </p:blipFill>
         <p:spPr>
           <a:xfrm>
-            <a:off x="5303837" y="1109441"/>
-            <a:ext cx="6203346" cy="4639117"/>
+            <a:off x="5998979" y="987424"/>
+            <a:ext cx="5852853" cy="4873626"/>
           </a:xfrm>
           <a:prstGeom prst="rect">
             <a:avLst/>
           </a:prstGeom>
         </p:spPr>
       </p:pic>
-      <p:sp>
-        <p:nvSpPr>
-          <p:cNvPr id="7" name="TextBox 6">
-            <a:extLst>
-              <a:ext uri="{FF2B5EF4-FFF2-40B4-BE49-F238E27FC236}">
-                <a16:creationId xmlns:a16="http://schemas.microsoft.com/office/drawing/2014/main" id="{70E97BB2-6796-5426-152B-9D160E266F1C}"/>
-              </a:ext>
-            </a:extLst>
-          </p:cNvPr>
-          <p:cNvSpPr txBox="1"/>
-          <p:nvPr/>
-        </p:nvSpPr>
-        <p:spPr>
-          <a:xfrm>
-            <a:off x="1048297" y="3428999"/>
-            <a:ext cx="3809649" cy="1631216"/>
-          </a:xfrm>
-          <a:prstGeom prst="rect">
-            <a:avLst/>
-          </a:prstGeom>
-          <a:noFill/>
-        </p:spPr>
-        <p:txBody>
-          <a:bodyPr wrap="square">
-            <a:spAutoFit/>
-          </a:bodyPr>
-          <a:lstStyle/>
-          <a:p>
-            <a:pPr marL="342900" indent="-342900" algn="just">
-              <a:buFont typeface="Arial" panose="020B0604020202020204" pitchFamily="34" charset="0"/>
-              <a:buChar char="•"/>
-            </a:pPr>
-            <a:r>
-              <a:rPr lang="en-US" sz="2000" dirty="0"/>
-              <a:t>As a curiosity, in regards of the </a:t>
-            </a:r>
-            <a:r>
-              <a:rPr lang="en-US" sz="2000" b="1" dirty="0"/>
-              <a:t>loan amount approval</a:t>
-            </a:r>
-            <a:r>
-              <a:rPr lang="en-US" sz="2000" dirty="0"/>
-              <a:t>, we have the same demographics, but we have basically a tie between female and male.</a:t>
-            </a:r>
-          </a:p>
-        </p:txBody>
-      </p:sp>
     </p:spTree>
     <p:extLst>
       <p:ext uri="{BB962C8B-B14F-4D97-AF65-F5344CB8AC3E}">
-        <p14:creationId xmlns:p14="http://schemas.microsoft.com/office/powerpoint/2010/main" val="3612393829"/>
+        <p14:creationId xmlns:p14="http://schemas.microsoft.com/office/powerpoint/2010/main" val="1323859782"/>
       </p:ext>
     </p:extLst>
   </p:cSld>

--- a/Presentation.pptx
+++ b/Presentation.pptx
@@ -12,14 +12,16 @@
     <p:sldId id="262" r:id="rId6"/>
     <p:sldId id="274" r:id="rId7"/>
     <p:sldId id="265" r:id="rId8"/>
-    <p:sldId id="264" r:id="rId9"/>
+    <p:sldId id="263" r:id="rId9"/>
     <p:sldId id="272" r:id="rId10"/>
-    <p:sldId id="263" r:id="rId11"/>
-    <p:sldId id="273" r:id="rId12"/>
-    <p:sldId id="271" r:id="rId13"/>
-    <p:sldId id="267" r:id="rId14"/>
-    <p:sldId id="270" r:id="rId15"/>
-    <p:sldId id="269" r:id="rId16"/>
+    <p:sldId id="275" r:id="rId11"/>
+    <p:sldId id="264" r:id="rId12"/>
+    <p:sldId id="273" r:id="rId13"/>
+    <p:sldId id="271" r:id="rId14"/>
+    <p:sldId id="276" r:id="rId15"/>
+    <p:sldId id="267" r:id="rId16"/>
+    <p:sldId id="270" r:id="rId17"/>
+    <p:sldId id="269" r:id="rId18"/>
   </p:sldIdLst>
   <p:sldSz cx="12192000" cy="6858000"/>
   <p:notesSz cx="6858000" cy="9144000"/>
@@ -130,20 +132,26 @@
             <p14:sldId id="262"/>
             <p14:sldId id="274"/>
             <p14:sldId id="265"/>
+            <p14:sldId id="263"/>
+            <p14:sldId id="272"/>
+            <p14:sldId id="275"/>
             <p14:sldId id="264"/>
-            <p14:sldId id="272"/>
-            <p14:sldId id="263"/>
             <p14:sldId id="273"/>
             <p14:sldId id="271"/>
+          </p14:sldIdLst>
+        </p14:section>
+        <p14:section name="ML Models" id="{C32284C8-BCB6-D64E-99B2-12EB62CDFCF4}">
+          <p14:sldIdLst>
+            <p14:sldId id="276"/>
             <p14:sldId id="267"/>
             <p14:sldId id="270"/>
             <p14:sldId id="269"/>
           </p14:sldIdLst>
         </p14:section>
-        <p14:section name="ML Models" id="{C32284C8-BCB6-D64E-99B2-12EB62CDFCF4}">
-          <p14:sldIdLst/>
-        </p14:section>
       </p14:sectionLst>
+    </p:ext>
+    <p:ext uri="{EFAFB233-063F-42B5-8137-9DF3F51BA10A}">
+      <p15:sldGuideLst xmlns:p15="http://schemas.microsoft.com/office/powerpoint/2012/main"/>
     </p:ext>
   </p:extLst>
 </p:presentation>
@@ -7761,7 +7769,590 @@
           <p:cNvPr id="2" name="Title 1">
             <a:extLst>
               <a:ext uri="{FF2B5EF4-FFF2-40B4-BE49-F238E27FC236}">
-                <a16:creationId xmlns:a16="http://schemas.microsoft.com/office/drawing/2014/main" id="{833D164F-52B3-35AB-FECD-68862BF9FA71}"/>
+                <a16:creationId xmlns:a16="http://schemas.microsoft.com/office/drawing/2014/main" id="{93BC6E54-0F74-1CA3-5E66-C08B1C16BD75}"/>
+              </a:ext>
+            </a:extLst>
+          </p:cNvPr>
+          <p:cNvSpPr>
+            <a:spLocks noGrp="1"/>
+          </p:cNvSpPr>
+          <p:nvPr>
+            <p:ph type="title"/>
+          </p:nvPr>
+        </p:nvSpPr>
+        <p:spPr/>
+        <p:txBody>
+          <a:bodyPr/>
+          <a:lstStyle/>
+          <a:p>
+            <a:r>
+              <a:rPr lang="en-US" dirty="0"/>
+              <a:t>Loan status per group (2)</a:t>
+            </a:r>
+          </a:p>
+        </p:txBody>
+      </p:sp>
+      <p:pic>
+        <p:nvPicPr>
+          <p:cNvPr id="5" name="Content Placeholder 4">
+            <a:extLst>
+              <a:ext uri="{FF2B5EF4-FFF2-40B4-BE49-F238E27FC236}">
+                <a16:creationId xmlns:a16="http://schemas.microsoft.com/office/drawing/2014/main" id="{674783CF-A4A8-37AB-9D9D-03F878284B11}"/>
+              </a:ext>
+            </a:extLst>
+          </p:cNvPr>
+          <p:cNvPicPr>
+            <a:picLocks noGrp="1" noChangeAspect="1"/>
+          </p:cNvPicPr>
+          <p:nvPr>
+            <p:ph idx="1"/>
+          </p:nvPr>
+        </p:nvPicPr>
+        <p:blipFill>
+          <a:blip r:embed="rId2"/>
+          <a:stretch>
+            <a:fillRect/>
+          </a:stretch>
+        </p:blipFill>
+        <p:spPr>
+          <a:xfrm>
+            <a:off x="5651500" y="1268176"/>
+            <a:ext cx="5686425" cy="4312122"/>
+          </a:xfrm>
+          <a:prstGeom prst="rect">
+            <a:avLst/>
+          </a:prstGeom>
+        </p:spPr>
+      </p:pic>
+      <p:sp>
+        <p:nvSpPr>
+          <p:cNvPr id="4" name="Text Placeholder 3">
+            <a:extLst>
+              <a:ext uri="{FF2B5EF4-FFF2-40B4-BE49-F238E27FC236}">
+                <a16:creationId xmlns:a16="http://schemas.microsoft.com/office/drawing/2014/main" id="{868B2F95-23C9-9B8C-2670-9DDF64204FA4}"/>
+              </a:ext>
+            </a:extLst>
+          </p:cNvPr>
+          <p:cNvSpPr>
+            <a:spLocks noGrp="1"/>
+          </p:cNvSpPr>
+          <p:nvPr>
+            <p:ph type="body" sz="half" idx="2"/>
+          </p:nvPr>
+        </p:nvSpPr>
+        <p:spPr/>
+        <p:txBody>
+          <a:bodyPr/>
+          <a:lstStyle/>
+          <a:p>
+            <a:pPr algn="just"/>
+            <a:r>
+              <a:rPr lang="en-CA" dirty="0"/>
+              <a:t>B</a:t>
+            </a:r>
+            <a:r>
+              <a:rPr lang="en-CA" b="0" dirty="0">
+                <a:effectLst/>
+              </a:rPr>
+              <a:t>y living in a semiurban or urban area (values very closer to each other), the applicant/co-applicant is more likely to be approved to receive a loan.</a:t>
+            </a:r>
+          </a:p>
+          <a:p>
+            <a:endParaRPr lang="en-US" dirty="0"/>
+          </a:p>
+        </p:txBody>
+      </p:sp>
+    </p:spTree>
+    <p:extLst>
+      <p:ext uri="{BB962C8B-B14F-4D97-AF65-F5344CB8AC3E}">
+        <p14:creationId xmlns:p14="http://schemas.microsoft.com/office/powerpoint/2010/main" val="158652873"/>
+      </p:ext>
+    </p:extLst>
+  </p:cSld>
+  <p:clrMapOvr>
+    <a:masterClrMapping/>
+  </p:clrMapOvr>
+</p:sld>
+</file>
+
+<file path=ppt/slides/slide11.xml><?xml version="1.0" encoding="utf-8"?>
+<p:sld xmlns:a="http://schemas.openxmlformats.org/drawingml/2006/main" xmlns:r="http://schemas.openxmlformats.org/officeDocument/2006/relationships" xmlns:p="http://schemas.openxmlformats.org/presentationml/2006/main">
+  <p:cSld>
+    <p:bg>
+      <p:bgPr>
+        <a:solidFill>
+          <a:schemeClr val="bg1"/>
+        </a:solidFill>
+        <a:effectLst/>
+      </p:bgPr>
+    </p:bg>
+    <p:spTree>
+      <p:nvGrpSpPr>
+        <p:cNvPr id="1" name=""/>
+        <p:cNvGrpSpPr/>
+        <p:nvPr/>
+      </p:nvGrpSpPr>
+      <p:grpSpPr>
+        <a:xfrm>
+          <a:off x="0" y="0"/>
+          <a:ext cx="0" cy="0"/>
+          <a:chOff x="0" y="0"/>
+          <a:chExt cx="0" cy="0"/>
+        </a:xfrm>
+      </p:grpSpPr>
+      <p:sp>
+        <p:nvSpPr>
+          <p:cNvPr id="25" name="Rectangle 10">
+            <a:extLst>
+              <a:ext uri="{FF2B5EF4-FFF2-40B4-BE49-F238E27FC236}">
+                <a16:creationId xmlns:a16="http://schemas.microsoft.com/office/drawing/2014/main" id="{BD4C0BBB-0042-4603-A226-6117F3FD5B3C}"/>
+              </a:ext>
+              <a:ext uri="{C183D7F6-B498-43B3-948B-1728B52AA6E4}">
+                <adec:decorative xmlns:adec="http://schemas.microsoft.com/office/drawing/2017/decorative" val="1"/>
+              </a:ext>
+            </a:extLst>
+          </p:cNvPr>
+          <p:cNvSpPr>
+            <a:spLocks noGrp="1" noRot="1" noChangeAspect="1" noMove="1" noResize="1" noEditPoints="1" noAdjustHandles="1" noChangeArrowheads="1" noChangeShapeType="1" noTextEdit="1"/>
+          </p:cNvSpPr>
+          <p:nvPr>
+            <p:extLst>
+              <p:ext uri="{386F3935-93C4-4BCD-93E2-E3B085C9AB24}">
+                <p16:designElem xmlns:p16="http://schemas.microsoft.com/office/powerpoint/2015/main" val="1"/>
+              </p:ext>
+            </p:extLst>
+          </p:nvPr>
+        </p:nvSpPr>
+        <p:spPr>
+          <a:xfrm rot="10800000" flipH="1">
+            <a:off x="0" y="6400799"/>
+            <a:ext cx="12192000" cy="456773"/>
+          </a:xfrm>
+          <a:prstGeom prst="rect">
+            <a:avLst/>
+          </a:prstGeom>
+          <a:gradFill>
+            <a:gsLst>
+              <a:gs pos="14000">
+                <a:schemeClr val="accent4">
+                  <a:alpha val="28000"/>
+                </a:schemeClr>
+              </a:gs>
+              <a:gs pos="100000">
+                <a:schemeClr val="accent5">
+                  <a:alpha val="85000"/>
+                </a:schemeClr>
+              </a:gs>
+            </a:gsLst>
+            <a:lin ang="6000000" scaled="0"/>
+          </a:gradFill>
+          <a:ln>
+            <a:noFill/>
+          </a:ln>
+        </p:spPr>
+        <p:style>
+          <a:lnRef idx="2">
+            <a:schemeClr val="accent1">
+              <a:shade val="50000"/>
+            </a:schemeClr>
+          </a:lnRef>
+          <a:fillRef idx="1">
+            <a:schemeClr val="accent1"/>
+          </a:fillRef>
+          <a:effectRef idx="0">
+            <a:schemeClr val="accent1"/>
+          </a:effectRef>
+          <a:fontRef idx="minor">
+            <a:schemeClr val="lt1"/>
+          </a:fontRef>
+        </p:style>
+        <p:txBody>
+          <a:bodyPr rtlCol="0" anchor="ctr"/>
+          <a:lstStyle/>
+          <a:p>
+            <a:pPr algn="ctr"/>
+            <a:endParaRPr lang="en-US"/>
+          </a:p>
+        </p:txBody>
+      </p:sp>
+      <p:sp>
+        <p:nvSpPr>
+          <p:cNvPr id="26" name="Rectangle 12">
+            <a:extLst>
+              <a:ext uri="{FF2B5EF4-FFF2-40B4-BE49-F238E27FC236}">
+                <a16:creationId xmlns:a16="http://schemas.microsoft.com/office/drawing/2014/main" id="{EC44F520-2598-460E-9F91-B02F60830CA2}"/>
+              </a:ext>
+              <a:ext uri="{C183D7F6-B498-43B3-948B-1728B52AA6E4}">
+                <adec:decorative xmlns:adec="http://schemas.microsoft.com/office/drawing/2017/decorative" val="1"/>
+              </a:ext>
+            </a:extLst>
+          </p:cNvPr>
+          <p:cNvSpPr>
+            <a:spLocks noGrp="1" noRot="1" noChangeAspect="1" noMove="1" noResize="1" noEditPoints="1" noAdjustHandles="1" noChangeArrowheads="1" noChangeShapeType="1" noTextEdit="1"/>
+          </p:cNvSpPr>
+          <p:nvPr>
+            <p:extLst>
+              <p:ext uri="{386F3935-93C4-4BCD-93E2-E3B085C9AB24}">
+                <p16:designElem xmlns:p16="http://schemas.microsoft.com/office/powerpoint/2015/main" val="1"/>
+              </p:ext>
+            </p:extLst>
+          </p:nvPr>
+        </p:nvSpPr>
+        <p:spPr>
+          <a:xfrm flipH="1">
+            <a:off x="4038600" y="6400799"/>
+            <a:ext cx="8153398" cy="456772"/>
+          </a:xfrm>
+          <a:prstGeom prst="rect">
+            <a:avLst/>
+          </a:prstGeom>
+          <a:gradFill>
+            <a:gsLst>
+              <a:gs pos="9000">
+                <a:schemeClr val="accent2">
+                  <a:lumMod val="60000"/>
+                  <a:lumOff val="40000"/>
+                  <a:alpha val="55000"/>
+                </a:schemeClr>
+              </a:gs>
+              <a:gs pos="99000">
+                <a:schemeClr val="accent2"/>
+              </a:gs>
+            </a:gsLst>
+            <a:lin ang="14400000" scaled="0"/>
+          </a:gradFill>
+          <a:ln>
+            <a:noFill/>
+          </a:ln>
+        </p:spPr>
+        <p:style>
+          <a:lnRef idx="2">
+            <a:schemeClr val="accent1">
+              <a:shade val="50000"/>
+            </a:schemeClr>
+          </a:lnRef>
+          <a:fillRef idx="1">
+            <a:schemeClr val="accent1"/>
+          </a:fillRef>
+          <a:effectRef idx="0">
+            <a:schemeClr val="accent1"/>
+          </a:effectRef>
+          <a:fontRef idx="minor">
+            <a:schemeClr val="lt1"/>
+          </a:fontRef>
+        </p:style>
+        <p:txBody>
+          <a:bodyPr rtlCol="0" anchor="ctr"/>
+          <a:lstStyle/>
+          <a:p>
+            <a:pPr algn="ctr"/>
+            <a:endParaRPr lang="en-US"/>
+          </a:p>
+        </p:txBody>
+      </p:sp>
+      <p:sp useBgFill="1">
+        <p:nvSpPr>
+          <p:cNvPr id="27" name="Rectangle 14">
+            <a:extLst>
+              <a:ext uri="{FF2B5EF4-FFF2-40B4-BE49-F238E27FC236}">
+                <a16:creationId xmlns:a16="http://schemas.microsoft.com/office/drawing/2014/main" id="{315596D0-7A93-45AB-A289-2A2B141E0BBF}"/>
+              </a:ext>
+              <a:ext uri="{C183D7F6-B498-43B3-948B-1728B52AA6E4}">
+                <adec:decorative xmlns:adec="http://schemas.microsoft.com/office/drawing/2017/decorative" val="1"/>
+              </a:ext>
+            </a:extLst>
+          </p:cNvPr>
+          <p:cNvSpPr>
+            <a:spLocks noGrp="1" noRot="1" noChangeAspect="1" noMove="1" noResize="1" noEditPoints="1" noAdjustHandles="1" noChangeArrowheads="1" noChangeShapeType="1" noTextEdit="1"/>
+          </p:cNvSpPr>
+          <p:nvPr>
+            <p:extLst>
+              <p:ext uri="{386F3935-93C4-4BCD-93E2-E3B085C9AB24}">
+                <p16:designElem xmlns:p16="http://schemas.microsoft.com/office/powerpoint/2015/main" val="1"/>
+              </p:ext>
+            </p:extLst>
+          </p:nvPr>
+        </p:nvSpPr>
+        <p:spPr>
+          <a:xfrm>
+            <a:off x="0" y="0"/>
+            <a:ext cx="12192000" cy="6858000"/>
+          </a:xfrm>
+          <a:prstGeom prst="rect">
+            <a:avLst/>
+          </a:prstGeom>
+          <a:ln w="12700" cap="flat" cmpd="sng" algn="ctr">
+            <a:noFill/>
+            <a:prstDash val="solid"/>
+            <a:miter lim="800000"/>
+          </a:ln>
+          <a:effectLst/>
+          <a:extLst>
+            <a:ext uri="{91240B29-F687-4F45-9708-019B960494DF}">
+              <a14:hiddenLine xmlns:a14="http://schemas.microsoft.com/office/drawing/2010/main" w="12700" cap="flat" cmpd="sng" algn="ctr">
+                <a:solidFill>
+                  <a:schemeClr val="accent1">
+                    <a:shade val="50000"/>
+                  </a:schemeClr>
+                </a:solidFill>
+                <a:prstDash val="solid"/>
+                <a:miter lim="800000"/>
+              </a14:hiddenLine>
+            </a:ext>
+          </a:extLst>
+        </p:spPr>
+        <p:style>
+          <a:lnRef idx="2">
+            <a:schemeClr val="accent1">
+              <a:shade val="50000"/>
+            </a:schemeClr>
+          </a:lnRef>
+          <a:fillRef idx="1">
+            <a:schemeClr val="accent1"/>
+          </a:fillRef>
+          <a:effectRef idx="0">
+            <a:schemeClr val="accent1"/>
+          </a:effectRef>
+          <a:fontRef idx="minor">
+            <a:schemeClr val="lt1"/>
+          </a:fontRef>
+        </p:style>
+        <p:txBody>
+          <a:bodyPr rtlCol="0" anchor="ctr"/>
+          <a:lstStyle/>
+          <a:p>
+            <a:pPr algn="ctr"/>
+            <a:endParaRPr lang="en-US"/>
+          </a:p>
+        </p:txBody>
+      </p:sp>
+      <p:sp>
+        <p:nvSpPr>
+          <p:cNvPr id="28" name="Rectangle 16">
+            <a:extLst>
+              <a:ext uri="{FF2B5EF4-FFF2-40B4-BE49-F238E27FC236}">
+                <a16:creationId xmlns:a16="http://schemas.microsoft.com/office/drawing/2014/main" id="{A90F64BE-B6DF-4D20-9A3E-DAD003896C0E}"/>
+              </a:ext>
+              <a:ext uri="{C183D7F6-B498-43B3-948B-1728B52AA6E4}">
+                <adec:decorative xmlns:adec="http://schemas.microsoft.com/office/drawing/2017/decorative" val="1"/>
+              </a:ext>
+            </a:extLst>
+          </p:cNvPr>
+          <p:cNvSpPr>
+            <a:spLocks noGrp="1" noRot="1" noChangeAspect="1" noMove="1" noResize="1" noEditPoints="1" noAdjustHandles="1" noChangeArrowheads="1" noChangeShapeType="1" noTextEdit="1"/>
+          </p:cNvSpPr>
+          <p:nvPr>
+            <p:extLst>
+              <p:ext uri="{386F3935-93C4-4BCD-93E2-E3B085C9AB24}">
+                <p16:designElem xmlns:p16="http://schemas.microsoft.com/office/powerpoint/2015/main" val="1"/>
+              </p:ext>
+            </p:extLst>
+          </p:nvPr>
+        </p:nvSpPr>
+        <p:spPr>
+          <a:xfrm>
+            <a:off x="-1" y="-8890"/>
+            <a:ext cx="4038601" cy="6866462"/>
+          </a:xfrm>
+          <a:prstGeom prst="rect">
+            <a:avLst/>
+          </a:prstGeom>
+          <a:gradFill>
+            <a:gsLst>
+              <a:gs pos="0">
+                <a:schemeClr val="accent5"/>
+              </a:gs>
+              <a:gs pos="100000">
+                <a:schemeClr val="accent4">
+                  <a:alpha val="55000"/>
+                </a:schemeClr>
+              </a:gs>
+            </a:gsLst>
+            <a:lin ang="18000000" scaled="0"/>
+          </a:gradFill>
+          <a:ln>
+            <a:noFill/>
+          </a:ln>
+        </p:spPr>
+        <p:style>
+          <a:lnRef idx="2">
+            <a:schemeClr val="accent1">
+              <a:shade val="50000"/>
+            </a:schemeClr>
+          </a:lnRef>
+          <a:fillRef idx="1">
+            <a:schemeClr val="accent1"/>
+          </a:fillRef>
+          <a:effectRef idx="0">
+            <a:schemeClr val="accent1"/>
+          </a:effectRef>
+          <a:fontRef idx="minor">
+            <a:schemeClr val="lt1"/>
+          </a:fontRef>
+        </p:style>
+        <p:txBody>
+          <a:bodyPr rtlCol="0" anchor="ctr"/>
+          <a:lstStyle/>
+          <a:p>
+            <a:pPr algn="ctr"/>
+            <a:endParaRPr lang="en-US"/>
+          </a:p>
+        </p:txBody>
+      </p:sp>
+      <p:sp>
+        <p:nvSpPr>
+          <p:cNvPr id="29" name="Rectangle 18">
+            <a:extLst>
+              <a:ext uri="{FF2B5EF4-FFF2-40B4-BE49-F238E27FC236}">
+                <a16:creationId xmlns:a16="http://schemas.microsoft.com/office/drawing/2014/main" id="{3299ACA5-1949-4821-8FA4-95A78A2097AE}"/>
+              </a:ext>
+              <a:ext uri="{C183D7F6-B498-43B3-948B-1728B52AA6E4}">
+                <adec:decorative xmlns:adec="http://schemas.microsoft.com/office/drawing/2017/decorative" val="1"/>
+              </a:ext>
+            </a:extLst>
+          </p:cNvPr>
+          <p:cNvSpPr>
+            <a:spLocks noGrp="1" noRot="1" noChangeAspect="1" noMove="1" noResize="1" noEditPoints="1" noAdjustHandles="1" noChangeArrowheads="1" noChangeShapeType="1" noTextEdit="1"/>
+          </p:cNvSpPr>
+          <p:nvPr>
+            <p:extLst>
+              <p:ext uri="{386F3935-93C4-4BCD-93E2-E3B085C9AB24}">
+                <p16:designElem xmlns:p16="http://schemas.microsoft.com/office/powerpoint/2015/main" val="1"/>
+              </p:ext>
+            </p:extLst>
+          </p:nvPr>
+        </p:nvSpPr>
+        <p:spPr>
+          <a:xfrm rot="16200000" flipH="1">
+            <a:off x="-1185328" y="1633640"/>
+            <a:ext cx="6866462" cy="3581401"/>
+          </a:xfrm>
+          <a:prstGeom prst="rect">
+            <a:avLst/>
+          </a:prstGeom>
+          <a:gradFill>
+            <a:gsLst>
+              <a:gs pos="0">
+                <a:schemeClr val="accent2"/>
+              </a:gs>
+              <a:gs pos="100000">
+                <a:schemeClr val="accent5">
+                  <a:alpha val="13000"/>
+                </a:schemeClr>
+              </a:gs>
+            </a:gsLst>
+            <a:lin ang="13800000" scaled="0"/>
+          </a:gradFill>
+          <a:ln>
+            <a:noFill/>
+          </a:ln>
+        </p:spPr>
+        <p:style>
+          <a:lnRef idx="2">
+            <a:schemeClr val="accent1">
+              <a:shade val="50000"/>
+            </a:schemeClr>
+          </a:lnRef>
+          <a:fillRef idx="1">
+            <a:schemeClr val="accent1"/>
+          </a:fillRef>
+          <a:effectRef idx="0">
+            <a:schemeClr val="accent1"/>
+          </a:effectRef>
+          <a:fontRef idx="minor">
+            <a:schemeClr val="lt1"/>
+          </a:fontRef>
+        </p:style>
+        <p:txBody>
+          <a:bodyPr rtlCol="0" anchor="ctr"/>
+          <a:lstStyle/>
+          <a:p>
+            <a:pPr algn="ctr"/>
+            <a:endParaRPr lang="en-US" dirty="0"/>
+          </a:p>
+        </p:txBody>
+      </p:sp>
+      <p:sp>
+        <p:nvSpPr>
+          <p:cNvPr id="30" name="Rectangle 20">
+            <a:extLst>
+              <a:ext uri="{FF2B5EF4-FFF2-40B4-BE49-F238E27FC236}">
+                <a16:creationId xmlns:a16="http://schemas.microsoft.com/office/drawing/2014/main" id="{85559C2F-075A-49B7-8935-4591245136E5}"/>
+              </a:ext>
+              <a:ext uri="{C183D7F6-B498-43B3-948B-1728B52AA6E4}">
+                <adec:decorative xmlns:adec="http://schemas.microsoft.com/office/drawing/2017/decorative" val="1"/>
+              </a:ext>
+            </a:extLst>
+          </p:cNvPr>
+          <p:cNvSpPr>
+            <a:spLocks noGrp="1" noRot="1" noChangeAspect="1" noMove="1" noResize="1" noEditPoints="1" noAdjustHandles="1" noChangeArrowheads="1" noChangeShapeType="1" noTextEdit="1"/>
+          </p:cNvSpPr>
+          <p:nvPr>
+            <p:extLst>
+              <p:ext uri="{386F3935-93C4-4BCD-93E2-E3B085C9AB24}">
+                <p16:designElem xmlns:p16="http://schemas.microsoft.com/office/powerpoint/2015/main" val="1"/>
+              </p:ext>
+            </p:extLst>
+          </p:nvPr>
+        </p:nvSpPr>
+        <p:spPr>
+          <a:xfrm>
+            <a:off x="0" y="2232044"/>
+            <a:ext cx="4038600" cy="4634418"/>
+          </a:xfrm>
+          <a:prstGeom prst="rect">
+            <a:avLst/>
+          </a:prstGeom>
+          <a:gradFill>
+            <a:gsLst>
+              <a:gs pos="0">
+                <a:schemeClr val="accent5">
+                  <a:alpha val="36000"/>
+                </a:schemeClr>
+              </a:gs>
+              <a:gs pos="67000">
+                <a:schemeClr val="accent5">
+                  <a:alpha val="0"/>
+                </a:schemeClr>
+              </a:gs>
+            </a:gsLst>
+            <a:lin ang="2400000" scaled="0"/>
+          </a:gradFill>
+          <a:ln>
+            <a:noFill/>
+          </a:ln>
+        </p:spPr>
+        <p:style>
+          <a:lnRef idx="2">
+            <a:schemeClr val="accent1">
+              <a:shade val="50000"/>
+            </a:schemeClr>
+          </a:lnRef>
+          <a:fillRef idx="1">
+            <a:schemeClr val="accent1"/>
+          </a:fillRef>
+          <a:effectRef idx="0">
+            <a:schemeClr val="accent1"/>
+          </a:effectRef>
+          <a:fontRef idx="minor">
+            <a:schemeClr val="lt1"/>
+          </a:fontRef>
+        </p:style>
+        <p:txBody>
+          <a:bodyPr rtlCol="0" anchor="ctr"/>
+          <a:lstStyle/>
+          <a:p>
+            <a:pPr algn="ctr"/>
+            <a:endParaRPr lang="en-US" dirty="0"/>
+          </a:p>
+        </p:txBody>
+      </p:sp>
+      <p:sp>
+        <p:nvSpPr>
+          <p:cNvPr id="2" name="Title 1">
+            <a:extLst>
+              <a:ext uri="{FF2B5EF4-FFF2-40B4-BE49-F238E27FC236}">
+                <a16:creationId xmlns:a16="http://schemas.microsoft.com/office/drawing/2014/main" id="{609F77FC-504E-9CE2-B050-D6788F462AC0}"/>
               </a:ext>
             </a:extLst>
           </p:cNvPr>
@@ -7774,29 +8365,68 @@
         </p:nvSpPr>
         <p:spPr>
           <a:xfrm>
-            <a:off x="1048297" y="998999"/>
-            <a:ext cx="3932237" cy="1894511"/>
+            <a:off x="347241" y="2463419"/>
+            <a:ext cx="3331624" cy="3936952"/>
           </a:xfrm>
         </p:spPr>
         <p:txBody>
-          <a:bodyPr>
+          <a:bodyPr vert="horz" lIns="0" tIns="0" rIns="0" bIns="0" rtlCol="0" anchor="t">
             <a:normAutofit/>
           </a:bodyPr>
           <a:lstStyle/>
           <a:p>
+            <a:pPr algn="ctr"/>
             <a:r>
-              <a:rPr lang="en-US" dirty="0"/>
-              <a:t>Average loan amount</a:t>
+              <a:rPr lang="en-US" sz="3200" spc="750" dirty="0">
+                <a:solidFill>
+                  <a:schemeClr val="bg1"/>
+                </a:solidFill>
+              </a:rPr>
+              <a:t>Income by education</a:t>
             </a:r>
+            <a:br>
+              <a:rPr lang="en-US" sz="3200" spc="750" dirty="0">
+                <a:solidFill>
+                  <a:schemeClr val="bg1"/>
+                </a:solidFill>
+              </a:rPr>
+            </a:br>
+            <a:br>
+              <a:rPr lang="en-US" sz="3200" spc="750" dirty="0">
+                <a:solidFill>
+                  <a:schemeClr val="bg1"/>
+                </a:solidFill>
+              </a:rPr>
+            </a:br>
+            <a:r>
+              <a:rPr lang="en-US" sz="1600" b="0" spc="750" dirty="0">
+                <a:solidFill>
+                  <a:schemeClr val="bg1"/>
+                </a:solidFill>
+              </a:rPr>
+              <a:t>group of applicants and co-applicants who have High income are also graduated.</a:t>
+            </a:r>
+            <a:br>
+              <a:rPr lang="en-US" sz="1600" b="0" i="1" spc="750" dirty="0">
+                <a:solidFill>
+                  <a:schemeClr val="bg1"/>
+                </a:solidFill>
+              </a:rPr>
+            </a:br>
+            <a:endParaRPr lang="en-US" sz="1600" b="0" i="1" spc="750" dirty="0">
+              <a:solidFill>
+                <a:schemeClr val="bg1"/>
+              </a:solidFill>
+            </a:endParaRPr>
           </a:p>
         </p:txBody>
       </p:sp>
       <p:pic>
         <p:nvPicPr>
-          <p:cNvPr id="5" name="Picture 4">
-            <a:extLst>
-              <a:ext uri="{FF2B5EF4-FFF2-40B4-BE49-F238E27FC236}">
-                <a16:creationId xmlns:a16="http://schemas.microsoft.com/office/drawing/2014/main" id="{98D3FF54-1812-2584-5F7A-162D98309124}"/>
+          <p:cNvPr id="5" name="Picture 4" descr="Chart, radar chart&#10;&#10;Description automatically generated">
+            <a:extLst>
+              <a:ext uri="{FF2B5EF4-FFF2-40B4-BE49-F238E27FC236}">
+                <a16:creationId xmlns:a16="http://schemas.microsoft.com/office/drawing/2014/main" id="{FFC856EC-1C64-C767-974A-B53557FB7A87}"/>
               </a:ext>
             </a:extLst>
           </p:cNvPr>
@@ -7813,61 +8443,48 @@
         </p:blipFill>
         <p:spPr>
           <a:xfrm>
-            <a:off x="5303837" y="1109441"/>
-            <a:ext cx="6203346" cy="4639117"/>
+            <a:off x="4788090" y="1761402"/>
+            <a:ext cx="3147409" cy="3339426"/>
           </a:xfrm>
           <a:prstGeom prst="rect">
             <a:avLst/>
           </a:prstGeom>
         </p:spPr>
       </p:pic>
-      <p:sp>
-        <p:nvSpPr>
-          <p:cNvPr id="7" name="TextBox 6">
-            <a:extLst>
-              <a:ext uri="{FF2B5EF4-FFF2-40B4-BE49-F238E27FC236}">
-                <a16:creationId xmlns:a16="http://schemas.microsoft.com/office/drawing/2014/main" id="{70E97BB2-6796-5426-152B-9D160E266F1C}"/>
-              </a:ext>
-            </a:extLst>
-          </p:cNvPr>
-          <p:cNvSpPr txBox="1"/>
+      <p:pic>
+        <p:nvPicPr>
+          <p:cNvPr id="6" name="Picture 5" descr="Diagram&#10;&#10;Description automatically generated">
+            <a:extLst>
+              <a:ext uri="{FF2B5EF4-FFF2-40B4-BE49-F238E27FC236}">
+                <a16:creationId xmlns:a16="http://schemas.microsoft.com/office/drawing/2014/main" id="{10DB4394-703E-C7F9-B741-61B0A6B09DDA}"/>
+              </a:ext>
+            </a:extLst>
+          </p:cNvPr>
+          <p:cNvPicPr>
+            <a:picLocks noChangeAspect="1"/>
+          </p:cNvPicPr>
           <p:nvPr/>
-        </p:nvSpPr>
+        </p:nvPicPr>
+        <p:blipFill>
+          <a:blip r:embed="rId3"/>
+          <a:stretch>
+            <a:fillRect/>
+          </a:stretch>
+        </p:blipFill>
         <p:spPr>
           <a:xfrm>
-            <a:off x="1048297" y="3428999"/>
-            <a:ext cx="3809649" cy="1323439"/>
+            <a:off x="8260974" y="1778371"/>
+            <a:ext cx="3181533" cy="3305488"/>
           </a:xfrm>
           <a:prstGeom prst="rect">
             <a:avLst/>
           </a:prstGeom>
-          <a:noFill/>
         </p:spPr>
-        <p:txBody>
-          <a:bodyPr wrap="square">
-            <a:spAutoFit/>
-          </a:bodyPr>
-          <a:lstStyle/>
-          <a:p>
-            <a:r>
-              <a:rPr lang="en-US" sz="2000" dirty="0"/>
-              <a:t>In regards of the </a:t>
-            </a:r>
-            <a:r>
-              <a:rPr lang="en-US" sz="2000" b="1" dirty="0"/>
-              <a:t>loan amount approval</a:t>
-            </a:r>
-            <a:r>
-              <a:rPr lang="en-US" sz="2000" dirty="0"/>
-              <a:t>, we have the same demographics, so we have basically a tie between female and male.</a:t>
-            </a:r>
-          </a:p>
-        </p:txBody>
-      </p:sp>
+      </p:pic>
     </p:spTree>
     <p:extLst>
       <p:ext uri="{BB962C8B-B14F-4D97-AF65-F5344CB8AC3E}">
-        <p14:creationId xmlns:p14="http://schemas.microsoft.com/office/powerpoint/2010/main" val="3612393829"/>
+        <p14:creationId xmlns:p14="http://schemas.microsoft.com/office/powerpoint/2010/main" val="809840982"/>
       </p:ext>
     </p:extLst>
   </p:cSld>
@@ -7877,7 +8494,7 @@
 </p:sld>
 </file>
 
-<file path=ppt/slides/slide11.xml><?xml version="1.0" encoding="utf-8"?>
+<file path=ppt/slides/slide12.xml><?xml version="1.0" encoding="utf-8"?>
 <p:sld xmlns:a="http://schemas.openxmlformats.org/drawingml/2006/main" xmlns:r="http://schemas.openxmlformats.org/officeDocument/2006/relationships" xmlns:p="http://schemas.openxmlformats.org/presentationml/2006/main">
   <p:cSld>
     <p:spTree>
@@ -7992,7 +8609,7 @@
 </p:sld>
 </file>
 
-<file path=ppt/slides/slide12.xml><?xml version="1.0" encoding="utf-8"?>
+<file path=ppt/slides/slide13.xml><?xml version="1.0" encoding="utf-8"?>
 <p:sld xmlns:a="http://schemas.openxmlformats.org/drawingml/2006/main" xmlns:r="http://schemas.openxmlformats.org/officeDocument/2006/relationships" xmlns:p="http://schemas.openxmlformats.org/presentationml/2006/main">
   <p:cSld>
     <p:spTree>
@@ -8114,7 +8731,716 @@
 </p:sld>
 </file>
 
-<file path=ppt/slides/slide13.xml><?xml version="1.0" encoding="utf-8"?>
+<file path=ppt/slides/slide14.xml><?xml version="1.0" encoding="utf-8"?>
+<p:sld xmlns:a="http://schemas.openxmlformats.org/drawingml/2006/main" xmlns:r="http://schemas.openxmlformats.org/officeDocument/2006/relationships" xmlns:p="http://schemas.openxmlformats.org/presentationml/2006/main">
+  <p:cSld>
+    <p:bg>
+      <p:bgPr>
+        <a:solidFill>
+          <a:schemeClr val="bg1"/>
+        </a:solidFill>
+        <a:effectLst/>
+      </p:bgPr>
+    </p:bg>
+    <p:spTree>
+      <p:nvGrpSpPr>
+        <p:cNvPr id="1" name=""/>
+        <p:cNvGrpSpPr/>
+        <p:nvPr/>
+      </p:nvGrpSpPr>
+      <p:grpSpPr>
+        <a:xfrm>
+          <a:off x="0" y="0"/>
+          <a:ext cx="0" cy="0"/>
+          <a:chOff x="0" y="0"/>
+          <a:chExt cx="0" cy="0"/>
+        </a:xfrm>
+      </p:grpSpPr>
+      <p:sp>
+        <p:nvSpPr>
+          <p:cNvPr id="13" name="Rectangle 12">
+            <a:extLst>
+              <a:ext uri="{FF2B5EF4-FFF2-40B4-BE49-F238E27FC236}">
+                <a16:creationId xmlns:a16="http://schemas.microsoft.com/office/drawing/2014/main" id="{BD4C0BBB-0042-4603-A226-6117F3FD5B3C}"/>
+              </a:ext>
+              <a:ext uri="{C183D7F6-B498-43B3-948B-1728B52AA6E4}">
+                <adec:decorative xmlns:adec="http://schemas.microsoft.com/office/drawing/2017/decorative" val="1"/>
+              </a:ext>
+            </a:extLst>
+          </p:cNvPr>
+          <p:cNvSpPr>
+            <a:spLocks noGrp="1" noRot="1" noChangeAspect="1" noMove="1" noResize="1" noEditPoints="1" noAdjustHandles="1" noChangeArrowheads="1" noChangeShapeType="1" noTextEdit="1"/>
+          </p:cNvSpPr>
+          <p:nvPr>
+            <p:extLst>
+              <p:ext uri="{386F3935-93C4-4BCD-93E2-E3B085C9AB24}">
+                <p16:designElem xmlns:p16="http://schemas.microsoft.com/office/powerpoint/2015/main" val="1"/>
+              </p:ext>
+            </p:extLst>
+          </p:nvPr>
+        </p:nvSpPr>
+        <p:spPr>
+          <a:xfrm rot="10800000" flipH="1">
+            <a:off x="0" y="6400799"/>
+            <a:ext cx="12192000" cy="456773"/>
+          </a:xfrm>
+          <a:prstGeom prst="rect">
+            <a:avLst/>
+          </a:prstGeom>
+          <a:gradFill>
+            <a:gsLst>
+              <a:gs pos="14000">
+                <a:schemeClr val="accent4">
+                  <a:alpha val="28000"/>
+                </a:schemeClr>
+              </a:gs>
+              <a:gs pos="100000">
+                <a:schemeClr val="accent5">
+                  <a:alpha val="85000"/>
+                </a:schemeClr>
+              </a:gs>
+            </a:gsLst>
+            <a:lin ang="6000000" scaled="0"/>
+          </a:gradFill>
+          <a:ln>
+            <a:noFill/>
+          </a:ln>
+        </p:spPr>
+        <p:style>
+          <a:lnRef idx="2">
+            <a:schemeClr val="accent1">
+              <a:shade val="50000"/>
+            </a:schemeClr>
+          </a:lnRef>
+          <a:fillRef idx="1">
+            <a:schemeClr val="accent1"/>
+          </a:fillRef>
+          <a:effectRef idx="0">
+            <a:schemeClr val="accent1"/>
+          </a:effectRef>
+          <a:fontRef idx="minor">
+            <a:schemeClr val="lt1"/>
+          </a:fontRef>
+        </p:style>
+        <p:txBody>
+          <a:bodyPr rtlCol="0" anchor="ctr"/>
+          <a:lstStyle/>
+          <a:p>
+            <a:pPr algn="ctr"/>
+            <a:endParaRPr lang="en-US"/>
+          </a:p>
+        </p:txBody>
+      </p:sp>
+      <p:sp>
+        <p:nvSpPr>
+          <p:cNvPr id="15" name="Rectangle 14">
+            <a:extLst>
+              <a:ext uri="{FF2B5EF4-FFF2-40B4-BE49-F238E27FC236}">
+                <a16:creationId xmlns:a16="http://schemas.microsoft.com/office/drawing/2014/main" id="{EC44F520-2598-460E-9F91-B02F60830CA2}"/>
+              </a:ext>
+              <a:ext uri="{C183D7F6-B498-43B3-948B-1728B52AA6E4}">
+                <adec:decorative xmlns:adec="http://schemas.microsoft.com/office/drawing/2017/decorative" val="1"/>
+              </a:ext>
+            </a:extLst>
+          </p:cNvPr>
+          <p:cNvSpPr>
+            <a:spLocks noGrp="1" noRot="1" noChangeAspect="1" noMove="1" noResize="1" noEditPoints="1" noAdjustHandles="1" noChangeArrowheads="1" noChangeShapeType="1" noTextEdit="1"/>
+          </p:cNvSpPr>
+          <p:nvPr>
+            <p:extLst>
+              <p:ext uri="{386F3935-93C4-4BCD-93E2-E3B085C9AB24}">
+                <p16:designElem xmlns:p16="http://schemas.microsoft.com/office/powerpoint/2015/main" val="1"/>
+              </p:ext>
+            </p:extLst>
+          </p:nvPr>
+        </p:nvSpPr>
+        <p:spPr>
+          <a:xfrm flipH="1">
+            <a:off x="4038600" y="6400799"/>
+            <a:ext cx="8153398" cy="456772"/>
+          </a:xfrm>
+          <a:prstGeom prst="rect">
+            <a:avLst/>
+          </a:prstGeom>
+          <a:gradFill>
+            <a:gsLst>
+              <a:gs pos="9000">
+                <a:schemeClr val="accent2">
+                  <a:lumMod val="60000"/>
+                  <a:lumOff val="40000"/>
+                  <a:alpha val="55000"/>
+                </a:schemeClr>
+              </a:gs>
+              <a:gs pos="99000">
+                <a:schemeClr val="accent2"/>
+              </a:gs>
+            </a:gsLst>
+            <a:lin ang="14400000" scaled="0"/>
+          </a:gradFill>
+          <a:ln>
+            <a:noFill/>
+          </a:ln>
+        </p:spPr>
+        <p:style>
+          <a:lnRef idx="2">
+            <a:schemeClr val="accent1">
+              <a:shade val="50000"/>
+            </a:schemeClr>
+          </a:lnRef>
+          <a:fillRef idx="1">
+            <a:schemeClr val="accent1"/>
+          </a:fillRef>
+          <a:effectRef idx="0">
+            <a:schemeClr val="accent1"/>
+          </a:effectRef>
+          <a:fontRef idx="minor">
+            <a:schemeClr val="lt1"/>
+          </a:fontRef>
+        </p:style>
+        <p:txBody>
+          <a:bodyPr rtlCol="0" anchor="ctr"/>
+          <a:lstStyle/>
+          <a:p>
+            <a:pPr algn="ctr"/>
+            <a:endParaRPr lang="en-US"/>
+          </a:p>
+        </p:txBody>
+      </p:sp>
+      <p:sp useBgFill="1">
+        <p:nvSpPr>
+          <p:cNvPr id="17" name="Rectangle 16">
+            <a:extLst>
+              <a:ext uri="{FF2B5EF4-FFF2-40B4-BE49-F238E27FC236}">
+                <a16:creationId xmlns:a16="http://schemas.microsoft.com/office/drawing/2014/main" id="{7404E292-5FAB-47E8-A663-A07530CED8FF}"/>
+              </a:ext>
+              <a:ext uri="{C183D7F6-B498-43B3-948B-1728B52AA6E4}">
+                <adec:decorative xmlns:adec="http://schemas.microsoft.com/office/drawing/2017/decorative" val="1"/>
+              </a:ext>
+            </a:extLst>
+          </p:cNvPr>
+          <p:cNvSpPr>
+            <a:spLocks noGrp="1" noRot="1" noChangeAspect="1" noMove="1" noResize="1" noEditPoints="1" noAdjustHandles="1" noChangeArrowheads="1" noChangeShapeType="1" noTextEdit="1"/>
+          </p:cNvSpPr>
+          <p:nvPr>
+            <p:extLst>
+              <p:ext uri="{386F3935-93C4-4BCD-93E2-E3B085C9AB24}">
+                <p16:designElem xmlns:p16="http://schemas.microsoft.com/office/powerpoint/2015/main" val="1"/>
+              </p:ext>
+            </p:extLst>
+          </p:nvPr>
+        </p:nvSpPr>
+        <p:spPr>
+          <a:xfrm>
+            <a:off x="0" y="0"/>
+            <a:ext cx="12192000" cy="6858000"/>
+          </a:xfrm>
+          <a:prstGeom prst="rect">
+            <a:avLst/>
+          </a:prstGeom>
+          <a:ln w="12700" cap="flat" cmpd="sng" algn="ctr">
+            <a:noFill/>
+            <a:prstDash val="solid"/>
+            <a:miter lim="800000"/>
+          </a:ln>
+          <a:effectLst/>
+          <a:extLst>
+            <a:ext uri="{91240B29-F687-4F45-9708-019B960494DF}">
+              <a14:hiddenLine xmlns:a14="http://schemas.microsoft.com/office/drawing/2010/main" w="12700" cap="flat" cmpd="sng" algn="ctr">
+                <a:solidFill>
+                  <a:schemeClr val="accent1">
+                    <a:shade val="50000"/>
+                  </a:schemeClr>
+                </a:solidFill>
+                <a:prstDash val="solid"/>
+                <a:miter lim="800000"/>
+              </a14:hiddenLine>
+            </a:ext>
+          </a:extLst>
+        </p:spPr>
+        <p:style>
+          <a:lnRef idx="2">
+            <a:schemeClr val="accent1">
+              <a:shade val="50000"/>
+            </a:schemeClr>
+          </a:lnRef>
+          <a:fillRef idx="1">
+            <a:schemeClr val="accent1"/>
+          </a:fillRef>
+          <a:effectRef idx="0">
+            <a:schemeClr val="accent1"/>
+          </a:effectRef>
+          <a:fontRef idx="minor">
+            <a:schemeClr val="lt1"/>
+          </a:fontRef>
+        </p:style>
+        <p:txBody>
+          <a:bodyPr rtlCol="0" anchor="ctr"/>
+          <a:lstStyle/>
+          <a:p>
+            <a:pPr algn="ctr"/>
+            <a:endParaRPr lang="en-US"/>
+          </a:p>
+        </p:txBody>
+      </p:sp>
+      <p:sp>
+        <p:nvSpPr>
+          <p:cNvPr id="19" name="Rectangle 18">
+            <a:extLst>
+              <a:ext uri="{FF2B5EF4-FFF2-40B4-BE49-F238E27FC236}">
+                <a16:creationId xmlns:a16="http://schemas.microsoft.com/office/drawing/2014/main" id="{D80FF8ED-64CE-400C-A4D5-9F943FC264DE}"/>
+              </a:ext>
+              <a:ext uri="{C183D7F6-B498-43B3-948B-1728B52AA6E4}">
+                <adec:decorative xmlns:adec="http://schemas.microsoft.com/office/drawing/2017/decorative" val="1"/>
+              </a:ext>
+            </a:extLst>
+          </p:cNvPr>
+          <p:cNvSpPr>
+            <a:spLocks noGrp="1" noRot="1" noChangeAspect="1" noMove="1" noResize="1" noEditPoints="1" noAdjustHandles="1" noChangeArrowheads="1" noChangeShapeType="1" noTextEdit="1"/>
+          </p:cNvSpPr>
+          <p:nvPr>
+            <p:extLst>
+              <p:ext uri="{386F3935-93C4-4BCD-93E2-E3B085C9AB24}">
+                <p16:designElem xmlns:p16="http://schemas.microsoft.com/office/powerpoint/2015/main" val="1"/>
+              </p:ext>
+            </p:extLst>
+          </p:nvPr>
+        </p:nvSpPr>
+        <p:spPr>
+          <a:xfrm rot="10800000" flipH="1">
+            <a:off x="0" y="0"/>
+            <a:ext cx="12191999" cy="6858000"/>
+          </a:xfrm>
+          <a:prstGeom prst="rect">
+            <a:avLst/>
+          </a:prstGeom>
+          <a:gradFill>
+            <a:gsLst>
+              <a:gs pos="0">
+                <a:schemeClr val="accent5">
+                  <a:alpha val="75000"/>
+                </a:schemeClr>
+              </a:gs>
+              <a:gs pos="100000">
+                <a:schemeClr val="accent2">
+                  <a:lumMod val="60000"/>
+                  <a:lumOff val="40000"/>
+                </a:schemeClr>
+              </a:gs>
+            </a:gsLst>
+            <a:lin ang="13800000" scaled="0"/>
+          </a:gradFill>
+          <a:ln>
+            <a:noFill/>
+          </a:ln>
+        </p:spPr>
+        <p:style>
+          <a:lnRef idx="2">
+            <a:schemeClr val="accent1">
+              <a:shade val="50000"/>
+            </a:schemeClr>
+          </a:lnRef>
+          <a:fillRef idx="1">
+            <a:schemeClr val="accent1"/>
+          </a:fillRef>
+          <a:effectRef idx="0">
+            <a:schemeClr val="accent1"/>
+          </a:effectRef>
+          <a:fontRef idx="minor">
+            <a:schemeClr val="lt1"/>
+          </a:fontRef>
+        </p:style>
+        <p:txBody>
+          <a:bodyPr rtlCol="0" anchor="ctr"/>
+          <a:lstStyle/>
+          <a:p>
+            <a:pPr algn="ctr"/>
+            <a:endParaRPr lang="en-US"/>
+          </a:p>
+        </p:txBody>
+      </p:sp>
+      <p:sp>
+        <p:nvSpPr>
+          <p:cNvPr id="21" name="Rectangle 20">
+            <a:extLst>
+              <a:ext uri="{FF2B5EF4-FFF2-40B4-BE49-F238E27FC236}">
+                <a16:creationId xmlns:a16="http://schemas.microsoft.com/office/drawing/2014/main" id="{568868AD-100D-45F3-B11E-8A2936712B9E}"/>
+              </a:ext>
+              <a:ext uri="{C183D7F6-B498-43B3-948B-1728B52AA6E4}">
+                <adec:decorative xmlns:adec="http://schemas.microsoft.com/office/drawing/2017/decorative" val="1"/>
+              </a:ext>
+            </a:extLst>
+          </p:cNvPr>
+          <p:cNvSpPr>
+            <a:spLocks noGrp="1" noRot="1" noChangeAspect="1" noMove="1" noResize="1" noEditPoints="1" noAdjustHandles="1" noChangeArrowheads="1" noChangeShapeType="1" noTextEdit="1"/>
+          </p:cNvSpPr>
+          <p:nvPr>
+            <p:extLst>
+              <p:ext uri="{386F3935-93C4-4BCD-93E2-E3B085C9AB24}">
+                <p16:designElem xmlns:p16="http://schemas.microsoft.com/office/powerpoint/2015/main" val="1"/>
+              </p:ext>
+            </p:extLst>
+          </p:nvPr>
+        </p:nvSpPr>
+        <p:spPr>
+          <a:xfrm rot="10800000">
+            <a:off x="0" y="0"/>
+            <a:ext cx="12191999" cy="6858000"/>
+          </a:xfrm>
+          <a:prstGeom prst="rect">
+            <a:avLst/>
+          </a:prstGeom>
+          <a:gradFill>
+            <a:gsLst>
+              <a:gs pos="49000">
+                <a:schemeClr val="accent5">
+                  <a:alpha val="50000"/>
+                </a:schemeClr>
+              </a:gs>
+              <a:gs pos="100000">
+                <a:schemeClr val="accent2">
+                  <a:alpha val="74000"/>
+                </a:schemeClr>
+              </a:gs>
+            </a:gsLst>
+            <a:lin ang="15000000" scaled="0"/>
+          </a:gradFill>
+          <a:ln>
+            <a:noFill/>
+          </a:ln>
+        </p:spPr>
+        <p:style>
+          <a:lnRef idx="2">
+            <a:schemeClr val="accent1">
+              <a:shade val="50000"/>
+            </a:schemeClr>
+          </a:lnRef>
+          <a:fillRef idx="1">
+            <a:schemeClr val="accent1"/>
+          </a:fillRef>
+          <a:effectRef idx="0">
+            <a:schemeClr val="accent1"/>
+          </a:effectRef>
+          <a:fontRef idx="minor">
+            <a:schemeClr val="lt1"/>
+          </a:fontRef>
+        </p:style>
+        <p:txBody>
+          <a:bodyPr rtlCol="0" anchor="ctr"/>
+          <a:lstStyle/>
+          <a:p>
+            <a:pPr algn="ctr"/>
+            <a:endParaRPr lang="en-US"/>
+          </a:p>
+        </p:txBody>
+      </p:sp>
+      <p:sp>
+        <p:nvSpPr>
+          <p:cNvPr id="23" name="Rectangle 22">
+            <a:extLst>
+              <a:ext uri="{FF2B5EF4-FFF2-40B4-BE49-F238E27FC236}">
+                <a16:creationId xmlns:a16="http://schemas.microsoft.com/office/drawing/2014/main" id="{714742CC-05F9-44AC-AF98-AB6EF810E47D}"/>
+              </a:ext>
+              <a:ext uri="{C183D7F6-B498-43B3-948B-1728B52AA6E4}">
+                <adec:decorative xmlns:adec="http://schemas.microsoft.com/office/drawing/2017/decorative" val="1"/>
+              </a:ext>
+            </a:extLst>
+          </p:cNvPr>
+          <p:cNvSpPr>
+            <a:spLocks noGrp="1" noRot="1" noChangeAspect="1" noMove="1" noResize="1" noEditPoints="1" noAdjustHandles="1" noChangeArrowheads="1" noChangeShapeType="1" noTextEdit="1"/>
+          </p:cNvSpPr>
+          <p:nvPr>
+            <p:extLst>
+              <p:ext uri="{386F3935-93C4-4BCD-93E2-E3B085C9AB24}">
+                <p16:designElem xmlns:p16="http://schemas.microsoft.com/office/powerpoint/2015/main" val="1"/>
+              </p:ext>
+            </p:extLst>
+          </p:nvPr>
+        </p:nvSpPr>
+        <p:spPr>
+          <a:xfrm rot="10800000" flipH="1">
+            <a:off x="-2" y="0"/>
+            <a:ext cx="6096001" cy="6858000"/>
+          </a:xfrm>
+          <a:prstGeom prst="rect">
+            <a:avLst/>
+          </a:prstGeom>
+          <a:gradFill>
+            <a:gsLst>
+              <a:gs pos="0">
+                <a:schemeClr val="accent2">
+                  <a:alpha val="17000"/>
+                </a:schemeClr>
+              </a:gs>
+              <a:gs pos="85000">
+                <a:schemeClr val="accent4">
+                  <a:alpha val="40000"/>
+                </a:schemeClr>
+              </a:gs>
+            </a:gsLst>
+            <a:lin ang="14400000" scaled="0"/>
+          </a:gradFill>
+          <a:ln>
+            <a:noFill/>
+          </a:ln>
+        </p:spPr>
+        <p:style>
+          <a:lnRef idx="2">
+            <a:schemeClr val="accent1">
+              <a:shade val="50000"/>
+            </a:schemeClr>
+          </a:lnRef>
+          <a:fillRef idx="1">
+            <a:schemeClr val="accent1"/>
+          </a:fillRef>
+          <a:effectRef idx="0">
+            <a:schemeClr val="accent1"/>
+          </a:effectRef>
+          <a:fontRef idx="minor">
+            <a:schemeClr val="lt1"/>
+          </a:fontRef>
+        </p:style>
+        <p:txBody>
+          <a:bodyPr rtlCol="0" anchor="ctr"/>
+          <a:lstStyle/>
+          <a:p>
+            <a:pPr algn="ctr"/>
+            <a:endParaRPr lang="en-US"/>
+          </a:p>
+        </p:txBody>
+      </p:sp>
+      <p:sp>
+        <p:nvSpPr>
+          <p:cNvPr id="25" name="Freeform: Shape 13">
+            <a:extLst>
+              <a:ext uri="{FF2B5EF4-FFF2-40B4-BE49-F238E27FC236}">
+                <a16:creationId xmlns:a16="http://schemas.microsoft.com/office/drawing/2014/main" id="{853C77DB-C7E3-4B1F-9AD0-1EB2982A8659}"/>
+              </a:ext>
+              <a:ext uri="{C183D7F6-B498-43B3-948B-1728B52AA6E4}">
+                <adec:decorative xmlns:adec="http://schemas.microsoft.com/office/drawing/2017/decorative" val="1"/>
+              </a:ext>
+            </a:extLst>
+          </p:cNvPr>
+          <p:cNvSpPr>
+            <a:spLocks noGrp="1" noRot="1" noChangeAspect="1" noMove="1" noResize="1" noEditPoints="1" noAdjustHandles="1" noChangeArrowheads="1" noChangeShapeType="1" noTextEdit="1"/>
+          </p:cNvSpPr>
+          <p:nvPr>
+            <p:extLst>
+              <p:ext uri="{386F3935-93C4-4BCD-93E2-E3B085C9AB24}">
+                <p16:designElem xmlns:p16="http://schemas.microsoft.com/office/powerpoint/2015/main" val="1"/>
+              </p:ext>
+            </p:extLst>
+          </p:nvPr>
+        </p:nvSpPr>
+        <p:spPr>
+          <a:xfrm rot="5400000" flipH="1">
+            <a:off x="3460656" y="-2569189"/>
+            <a:ext cx="5115722" cy="10255626"/>
+          </a:xfrm>
+          <a:custGeom>
+            <a:avLst/>
+            <a:gdLst>
+              <a:gd name="connsiteX0" fmla="*/ 2065105 w 2065105"/>
+              <a:gd name="connsiteY0" fmla="*/ 0 h 4139967"/>
+              <a:gd name="connsiteX1" fmla="*/ 2065105 w 2065105"/>
+              <a:gd name="connsiteY1" fmla="*/ 4139967 h 4139967"/>
+              <a:gd name="connsiteX2" fmla="*/ 1858573 w 2065105"/>
+              <a:gd name="connsiteY2" fmla="*/ 4129538 h 4139967"/>
+              <a:gd name="connsiteX3" fmla="*/ 0 w 2065105"/>
+              <a:gd name="connsiteY3" fmla="*/ 2069983 h 4139967"/>
+              <a:gd name="connsiteX4" fmla="*/ 1858573 w 2065105"/>
+              <a:gd name="connsiteY4" fmla="*/ 10428 h 4139967"/>
+            </a:gdLst>
+            <a:ahLst/>
+            <a:cxnLst>
+              <a:cxn ang="0">
+                <a:pos x="connsiteX0" y="connsiteY0"/>
+              </a:cxn>
+              <a:cxn ang="0">
+                <a:pos x="connsiteX1" y="connsiteY1"/>
+              </a:cxn>
+              <a:cxn ang="0">
+                <a:pos x="connsiteX2" y="connsiteY2"/>
+              </a:cxn>
+              <a:cxn ang="0">
+                <a:pos x="connsiteX3" y="connsiteY3"/>
+              </a:cxn>
+              <a:cxn ang="0">
+                <a:pos x="connsiteX4" y="connsiteY4"/>
+              </a:cxn>
+            </a:cxnLst>
+            <a:rect l="l" t="t" r="r" b="b"/>
+            <a:pathLst>
+              <a:path w="2065105" h="4139967">
+                <a:moveTo>
+                  <a:pt x="2065105" y="0"/>
+                </a:moveTo>
+                <a:lnTo>
+                  <a:pt x="2065105" y="4139967"/>
+                </a:lnTo>
+                <a:lnTo>
+                  <a:pt x="1858573" y="4129538"/>
+                </a:lnTo>
+                <a:cubicBezTo>
+                  <a:pt x="814640" y="4023521"/>
+                  <a:pt x="0" y="3141887"/>
+                  <a:pt x="0" y="2069983"/>
+                </a:cubicBezTo>
+                <a:cubicBezTo>
+                  <a:pt x="0" y="998079"/>
+                  <a:pt x="814640" y="116446"/>
+                  <a:pt x="1858573" y="10428"/>
+                </a:cubicBezTo>
+                <a:close/>
+              </a:path>
+            </a:pathLst>
+          </a:custGeom>
+          <a:gradFill flip="none" rotWithShape="1">
+            <a:gsLst>
+              <a:gs pos="7000">
+                <a:schemeClr val="accent4">
+                  <a:lumMod val="60000"/>
+                  <a:lumOff val="40000"/>
+                  <a:alpha val="3000"/>
+                </a:schemeClr>
+              </a:gs>
+              <a:gs pos="100000">
+                <a:schemeClr val="accent4">
+                  <a:lumMod val="60000"/>
+                  <a:lumOff val="40000"/>
+                  <a:alpha val="37000"/>
+                </a:schemeClr>
+              </a:gs>
+            </a:gsLst>
+            <a:lin ang="2700000" scaled="1"/>
+            <a:tileRect/>
+          </a:gradFill>
+          <a:ln>
+            <a:noFill/>
+          </a:ln>
+        </p:spPr>
+        <p:style>
+          <a:lnRef idx="2">
+            <a:schemeClr val="accent1">
+              <a:shade val="50000"/>
+            </a:schemeClr>
+          </a:lnRef>
+          <a:fillRef idx="1">
+            <a:schemeClr val="accent1"/>
+          </a:fillRef>
+          <a:effectRef idx="0">
+            <a:schemeClr val="accent1"/>
+          </a:effectRef>
+          <a:fontRef idx="minor">
+            <a:schemeClr val="lt1"/>
+          </a:fontRef>
+        </p:style>
+        <p:txBody>
+          <a:bodyPr rtlCol="0" anchor="ctr"/>
+          <a:lstStyle/>
+          <a:p>
+            <a:pPr algn="ctr"/>
+            <a:endParaRPr lang="en-US"/>
+          </a:p>
+        </p:txBody>
+      </p:sp>
+      <p:sp>
+        <p:nvSpPr>
+          <p:cNvPr id="7" name="Title 6">
+            <a:extLst>
+              <a:ext uri="{FF2B5EF4-FFF2-40B4-BE49-F238E27FC236}">
+                <a16:creationId xmlns:a16="http://schemas.microsoft.com/office/drawing/2014/main" id="{0AAC68A5-044C-869C-9FAD-049E83F3B455}"/>
+              </a:ext>
+            </a:extLst>
+          </p:cNvPr>
+          <p:cNvSpPr>
+            <a:spLocks noGrp="1"/>
+          </p:cNvSpPr>
+          <p:nvPr>
+            <p:ph type="title"/>
+          </p:nvPr>
+        </p:nvSpPr>
+        <p:spPr>
+          <a:xfrm>
+            <a:off x="1524000" y="1104445"/>
+            <a:ext cx="9144000" cy="2826182"/>
+          </a:xfrm>
+        </p:spPr>
+        <p:txBody>
+          <a:bodyPr vert="horz" lIns="0" tIns="0" rIns="0" bIns="0" rtlCol="0" anchor="ctr">
+            <a:normAutofit/>
+          </a:bodyPr>
+          <a:lstStyle/>
+          <a:p>
+            <a:pPr algn="ctr"/>
+            <a:r>
+              <a:rPr lang="en-US" dirty="0">
+                <a:solidFill>
+                  <a:schemeClr val="bg1"/>
+                </a:solidFill>
+              </a:rPr>
+              <a:t>Machine learning models</a:t>
+            </a:r>
+          </a:p>
+        </p:txBody>
+      </p:sp>
+      <p:sp>
+        <p:nvSpPr>
+          <p:cNvPr id="8" name="Text Placeholder 7">
+            <a:extLst>
+              <a:ext uri="{FF2B5EF4-FFF2-40B4-BE49-F238E27FC236}">
+                <a16:creationId xmlns:a16="http://schemas.microsoft.com/office/drawing/2014/main" id="{4CFE2D43-FF5E-2A0B-E838-60A7D7B25149}"/>
+              </a:ext>
+            </a:extLst>
+          </p:cNvPr>
+          <p:cNvSpPr>
+            <a:spLocks noGrp="1"/>
+          </p:cNvSpPr>
+          <p:nvPr>
+            <p:ph type="body" idx="1"/>
+          </p:nvPr>
+        </p:nvSpPr>
+        <p:spPr>
+          <a:xfrm>
+            <a:off x="2022582" y="5369289"/>
+            <a:ext cx="8138765" cy="756919"/>
+          </a:xfrm>
+        </p:spPr>
+        <p:txBody>
+          <a:bodyPr vert="horz" lIns="0" tIns="0" rIns="0" bIns="0" rtlCol="0" anchor="ctr">
+            <a:normAutofit/>
+          </a:bodyPr>
+          <a:lstStyle/>
+          <a:p>
+            <a:pPr algn="ctr">
+              <a:lnSpc>
+                <a:spcPct val="150000"/>
+              </a:lnSpc>
+            </a:pPr>
+            <a:r>
+              <a:rPr lang="en-US" sz="1400" b="1" dirty="0">
+                <a:solidFill>
+                  <a:schemeClr val="bg1"/>
+                </a:solidFill>
+              </a:rPr>
+              <a:t>Base line models x pipeline</a:t>
+            </a:r>
+          </a:p>
+        </p:txBody>
+      </p:sp>
+    </p:spTree>
+    <p:extLst>
+      <p:ext uri="{BB962C8B-B14F-4D97-AF65-F5344CB8AC3E}">
+        <p14:creationId xmlns:p14="http://schemas.microsoft.com/office/powerpoint/2010/main" val="1413929642"/>
+      </p:ext>
+    </p:extLst>
+  </p:cSld>
+  <p:clrMapOvr>
+    <a:masterClrMapping/>
+  </p:clrMapOvr>
+</p:sld>
+</file>
+
+<file path=ppt/slides/slide15.xml><?xml version="1.0" encoding="utf-8"?>
 <p:sld xmlns:a="http://schemas.openxmlformats.org/drawingml/2006/main" xmlns:r="http://schemas.openxmlformats.org/officeDocument/2006/relationships" xmlns:p="http://schemas.openxmlformats.org/presentationml/2006/main">
   <p:cSld>
     <p:spTree>
@@ -9404,7 +10730,7 @@
 </p:sld>
 </file>
 
-<file path=ppt/slides/slide14.xml><?xml version="1.0" encoding="utf-8"?>
+<file path=ppt/slides/slide16.xml><?xml version="1.0" encoding="utf-8"?>
 <p:sld xmlns:a="http://schemas.openxmlformats.org/drawingml/2006/main" xmlns:r="http://schemas.openxmlformats.org/officeDocument/2006/relationships" xmlns:p="http://schemas.openxmlformats.org/presentationml/2006/main">
   <p:cSld>
     <p:spTree>
@@ -9474,21 +10800,21 @@
             <a:pPr algn="just"/>
             <a:r>
               <a:rPr lang="en-US" dirty="0"/>
-              <a:t>To spend more time during the EDA as this is a fundamental step to test the hypothesis and evaluate the features to be engineered of our model;</a:t>
+              <a:t>Not enough time to spend during the EDA, but I consider this is a fundamental step to test the hypothesis and evaluate the features to be engineered of our model;</a:t>
             </a:r>
           </a:p>
           <a:p>
             <a:pPr algn="just"/>
             <a:r>
               <a:rPr lang="en-US" dirty="0"/>
-              <a:t>Understand better about the metrics to be evaluated;</a:t>
+              <a:t>Understand better about the metrics to be evaluated and which models to be chosen as your base line models;</a:t>
             </a:r>
           </a:p>
           <a:p>
             <a:pPr algn="just"/>
             <a:r>
               <a:rPr lang="en-US" dirty="0"/>
-              <a:t>Combine different models in a same pipeline.</a:t>
+              <a:t>How to combine different models in a same pipeline and choose estimators (still in progress).</a:t>
             </a:r>
           </a:p>
         </p:txBody>
@@ -9506,7 +10832,7 @@
 </p:sld>
 </file>
 
-<file path=ppt/slides/slide15.xml><?xml version="1.0" encoding="utf-8"?>
+<file path=ppt/slides/slide17.xml><?xml version="1.0" encoding="utf-8"?>
 <p:sld xmlns:a="http://schemas.openxmlformats.org/drawingml/2006/main" xmlns:r="http://schemas.openxmlformats.org/officeDocument/2006/relationships" xmlns:p="http://schemas.openxmlformats.org/presentationml/2006/main">
   <p:cSld>
     <p:spTree>
@@ -10507,7 +11833,7 @@
           <a:p>
             <a:r>
               <a:rPr lang="en-US" dirty="0"/>
-              <a:t>Boxplot of income</a:t>
+              <a:t>Boxplot of applicant and co-applicant income</a:t>
             </a:r>
           </a:p>
         </p:txBody>
@@ -11190,14 +12516,6 @@
 <file path=ppt/slides/slide8.xml><?xml version="1.0" encoding="utf-8"?>
 <p:sld xmlns:a="http://schemas.openxmlformats.org/drawingml/2006/main" xmlns:r="http://schemas.openxmlformats.org/officeDocument/2006/relationships" xmlns:p="http://schemas.openxmlformats.org/presentationml/2006/main">
   <p:cSld>
-    <p:bg>
-      <p:bgPr>
-        <a:solidFill>
-          <a:schemeClr val="bg1"/>
-        </a:solidFill>
-        <a:effectLst/>
-      </p:bgPr>
-    </p:bg>
     <p:spTree>
       <p:nvGrpSpPr>
         <p:cNvPr id="1" name=""/>
@@ -11214,457 +12532,10 @@
       </p:grpSpPr>
       <p:sp>
         <p:nvSpPr>
-          <p:cNvPr id="25" name="Rectangle 10">
-            <a:extLst>
-              <a:ext uri="{FF2B5EF4-FFF2-40B4-BE49-F238E27FC236}">
-                <a16:creationId xmlns:a16="http://schemas.microsoft.com/office/drawing/2014/main" id="{BD4C0BBB-0042-4603-A226-6117F3FD5B3C}"/>
-              </a:ext>
-              <a:ext uri="{C183D7F6-B498-43B3-948B-1728B52AA6E4}">
-                <adec:decorative xmlns:adec="http://schemas.microsoft.com/office/drawing/2017/decorative" val="1"/>
-              </a:ext>
-            </a:extLst>
-          </p:cNvPr>
-          <p:cNvSpPr>
-            <a:spLocks noGrp="1" noRot="1" noChangeAspect="1" noMove="1" noResize="1" noEditPoints="1" noAdjustHandles="1" noChangeArrowheads="1" noChangeShapeType="1" noTextEdit="1"/>
-          </p:cNvSpPr>
-          <p:nvPr>
-            <p:extLst>
-              <p:ext uri="{386F3935-93C4-4BCD-93E2-E3B085C9AB24}">
-                <p16:designElem xmlns:p16="http://schemas.microsoft.com/office/powerpoint/2015/main" val="1"/>
-              </p:ext>
-            </p:extLst>
-          </p:nvPr>
-        </p:nvSpPr>
-        <p:spPr>
-          <a:xfrm rot="10800000" flipH="1">
-            <a:off x="0" y="6400799"/>
-            <a:ext cx="12192000" cy="456773"/>
-          </a:xfrm>
-          <a:prstGeom prst="rect">
-            <a:avLst/>
-          </a:prstGeom>
-          <a:gradFill>
-            <a:gsLst>
-              <a:gs pos="14000">
-                <a:schemeClr val="accent4">
-                  <a:alpha val="28000"/>
-                </a:schemeClr>
-              </a:gs>
-              <a:gs pos="100000">
-                <a:schemeClr val="accent5">
-                  <a:alpha val="85000"/>
-                </a:schemeClr>
-              </a:gs>
-            </a:gsLst>
-            <a:lin ang="6000000" scaled="0"/>
-          </a:gradFill>
-          <a:ln>
-            <a:noFill/>
-          </a:ln>
-        </p:spPr>
-        <p:style>
-          <a:lnRef idx="2">
-            <a:schemeClr val="accent1">
-              <a:shade val="50000"/>
-            </a:schemeClr>
-          </a:lnRef>
-          <a:fillRef idx="1">
-            <a:schemeClr val="accent1"/>
-          </a:fillRef>
-          <a:effectRef idx="0">
-            <a:schemeClr val="accent1"/>
-          </a:effectRef>
-          <a:fontRef idx="minor">
-            <a:schemeClr val="lt1"/>
-          </a:fontRef>
-        </p:style>
-        <p:txBody>
-          <a:bodyPr rtlCol="0" anchor="ctr"/>
-          <a:lstStyle/>
-          <a:p>
-            <a:pPr algn="ctr"/>
-            <a:endParaRPr lang="en-US"/>
-          </a:p>
-        </p:txBody>
-      </p:sp>
-      <p:sp>
-        <p:nvSpPr>
-          <p:cNvPr id="26" name="Rectangle 12">
-            <a:extLst>
-              <a:ext uri="{FF2B5EF4-FFF2-40B4-BE49-F238E27FC236}">
-                <a16:creationId xmlns:a16="http://schemas.microsoft.com/office/drawing/2014/main" id="{EC44F520-2598-460E-9F91-B02F60830CA2}"/>
-              </a:ext>
-              <a:ext uri="{C183D7F6-B498-43B3-948B-1728B52AA6E4}">
-                <adec:decorative xmlns:adec="http://schemas.microsoft.com/office/drawing/2017/decorative" val="1"/>
-              </a:ext>
-            </a:extLst>
-          </p:cNvPr>
-          <p:cNvSpPr>
-            <a:spLocks noGrp="1" noRot="1" noChangeAspect="1" noMove="1" noResize="1" noEditPoints="1" noAdjustHandles="1" noChangeArrowheads="1" noChangeShapeType="1" noTextEdit="1"/>
-          </p:cNvSpPr>
-          <p:nvPr>
-            <p:extLst>
-              <p:ext uri="{386F3935-93C4-4BCD-93E2-E3B085C9AB24}">
-                <p16:designElem xmlns:p16="http://schemas.microsoft.com/office/powerpoint/2015/main" val="1"/>
-              </p:ext>
-            </p:extLst>
-          </p:nvPr>
-        </p:nvSpPr>
-        <p:spPr>
-          <a:xfrm flipH="1">
-            <a:off x="4038600" y="6400799"/>
-            <a:ext cx="8153398" cy="456772"/>
-          </a:xfrm>
-          <a:prstGeom prst="rect">
-            <a:avLst/>
-          </a:prstGeom>
-          <a:gradFill>
-            <a:gsLst>
-              <a:gs pos="9000">
-                <a:schemeClr val="accent2">
-                  <a:lumMod val="60000"/>
-                  <a:lumOff val="40000"/>
-                  <a:alpha val="55000"/>
-                </a:schemeClr>
-              </a:gs>
-              <a:gs pos="99000">
-                <a:schemeClr val="accent2"/>
-              </a:gs>
-            </a:gsLst>
-            <a:lin ang="14400000" scaled="0"/>
-          </a:gradFill>
-          <a:ln>
-            <a:noFill/>
-          </a:ln>
-        </p:spPr>
-        <p:style>
-          <a:lnRef idx="2">
-            <a:schemeClr val="accent1">
-              <a:shade val="50000"/>
-            </a:schemeClr>
-          </a:lnRef>
-          <a:fillRef idx="1">
-            <a:schemeClr val="accent1"/>
-          </a:fillRef>
-          <a:effectRef idx="0">
-            <a:schemeClr val="accent1"/>
-          </a:effectRef>
-          <a:fontRef idx="minor">
-            <a:schemeClr val="lt1"/>
-          </a:fontRef>
-        </p:style>
-        <p:txBody>
-          <a:bodyPr rtlCol="0" anchor="ctr"/>
-          <a:lstStyle/>
-          <a:p>
-            <a:pPr algn="ctr"/>
-            <a:endParaRPr lang="en-US"/>
-          </a:p>
-        </p:txBody>
-      </p:sp>
-      <p:sp useBgFill="1">
-        <p:nvSpPr>
-          <p:cNvPr id="27" name="Rectangle 14">
-            <a:extLst>
-              <a:ext uri="{FF2B5EF4-FFF2-40B4-BE49-F238E27FC236}">
-                <a16:creationId xmlns:a16="http://schemas.microsoft.com/office/drawing/2014/main" id="{315596D0-7A93-45AB-A289-2A2B141E0BBF}"/>
-              </a:ext>
-              <a:ext uri="{C183D7F6-B498-43B3-948B-1728B52AA6E4}">
-                <adec:decorative xmlns:adec="http://schemas.microsoft.com/office/drawing/2017/decorative" val="1"/>
-              </a:ext>
-            </a:extLst>
-          </p:cNvPr>
-          <p:cNvSpPr>
-            <a:spLocks noGrp="1" noRot="1" noChangeAspect="1" noMove="1" noResize="1" noEditPoints="1" noAdjustHandles="1" noChangeArrowheads="1" noChangeShapeType="1" noTextEdit="1"/>
-          </p:cNvSpPr>
-          <p:nvPr>
-            <p:extLst>
-              <p:ext uri="{386F3935-93C4-4BCD-93E2-E3B085C9AB24}">
-                <p16:designElem xmlns:p16="http://schemas.microsoft.com/office/powerpoint/2015/main" val="1"/>
-              </p:ext>
-            </p:extLst>
-          </p:nvPr>
-        </p:nvSpPr>
-        <p:spPr>
-          <a:xfrm>
-            <a:off x="0" y="0"/>
-            <a:ext cx="12192000" cy="6858000"/>
-          </a:xfrm>
-          <a:prstGeom prst="rect">
-            <a:avLst/>
-          </a:prstGeom>
-          <a:ln w="12700" cap="flat" cmpd="sng" algn="ctr">
-            <a:noFill/>
-            <a:prstDash val="solid"/>
-            <a:miter lim="800000"/>
-          </a:ln>
-          <a:effectLst/>
-          <a:extLst>
-            <a:ext uri="{91240B29-F687-4F45-9708-019B960494DF}">
-              <a14:hiddenLine xmlns:a14="http://schemas.microsoft.com/office/drawing/2010/main" w="12700" cap="flat" cmpd="sng" algn="ctr">
-                <a:solidFill>
-                  <a:schemeClr val="accent1">
-                    <a:shade val="50000"/>
-                  </a:schemeClr>
-                </a:solidFill>
-                <a:prstDash val="solid"/>
-                <a:miter lim="800000"/>
-              </a14:hiddenLine>
-            </a:ext>
-          </a:extLst>
-        </p:spPr>
-        <p:style>
-          <a:lnRef idx="2">
-            <a:schemeClr val="accent1">
-              <a:shade val="50000"/>
-            </a:schemeClr>
-          </a:lnRef>
-          <a:fillRef idx="1">
-            <a:schemeClr val="accent1"/>
-          </a:fillRef>
-          <a:effectRef idx="0">
-            <a:schemeClr val="accent1"/>
-          </a:effectRef>
-          <a:fontRef idx="minor">
-            <a:schemeClr val="lt1"/>
-          </a:fontRef>
-        </p:style>
-        <p:txBody>
-          <a:bodyPr rtlCol="0" anchor="ctr"/>
-          <a:lstStyle/>
-          <a:p>
-            <a:pPr algn="ctr"/>
-            <a:endParaRPr lang="en-US"/>
-          </a:p>
-        </p:txBody>
-      </p:sp>
-      <p:sp>
-        <p:nvSpPr>
-          <p:cNvPr id="28" name="Rectangle 16">
-            <a:extLst>
-              <a:ext uri="{FF2B5EF4-FFF2-40B4-BE49-F238E27FC236}">
-                <a16:creationId xmlns:a16="http://schemas.microsoft.com/office/drawing/2014/main" id="{A90F64BE-B6DF-4D20-9A3E-DAD003896C0E}"/>
-              </a:ext>
-              <a:ext uri="{C183D7F6-B498-43B3-948B-1728B52AA6E4}">
-                <adec:decorative xmlns:adec="http://schemas.microsoft.com/office/drawing/2017/decorative" val="1"/>
-              </a:ext>
-            </a:extLst>
-          </p:cNvPr>
-          <p:cNvSpPr>
-            <a:spLocks noGrp="1" noRot="1" noChangeAspect="1" noMove="1" noResize="1" noEditPoints="1" noAdjustHandles="1" noChangeArrowheads="1" noChangeShapeType="1" noTextEdit="1"/>
-          </p:cNvSpPr>
-          <p:nvPr>
-            <p:extLst>
-              <p:ext uri="{386F3935-93C4-4BCD-93E2-E3B085C9AB24}">
-                <p16:designElem xmlns:p16="http://schemas.microsoft.com/office/powerpoint/2015/main" val="1"/>
-              </p:ext>
-            </p:extLst>
-          </p:nvPr>
-        </p:nvSpPr>
-        <p:spPr>
-          <a:xfrm>
-            <a:off x="-1" y="-8890"/>
-            <a:ext cx="4038601" cy="6866462"/>
-          </a:xfrm>
-          <a:prstGeom prst="rect">
-            <a:avLst/>
-          </a:prstGeom>
-          <a:gradFill>
-            <a:gsLst>
-              <a:gs pos="0">
-                <a:schemeClr val="accent5"/>
-              </a:gs>
-              <a:gs pos="100000">
-                <a:schemeClr val="accent4">
-                  <a:alpha val="55000"/>
-                </a:schemeClr>
-              </a:gs>
-            </a:gsLst>
-            <a:lin ang="18000000" scaled="0"/>
-          </a:gradFill>
-          <a:ln>
-            <a:noFill/>
-          </a:ln>
-        </p:spPr>
-        <p:style>
-          <a:lnRef idx="2">
-            <a:schemeClr val="accent1">
-              <a:shade val="50000"/>
-            </a:schemeClr>
-          </a:lnRef>
-          <a:fillRef idx="1">
-            <a:schemeClr val="accent1"/>
-          </a:fillRef>
-          <a:effectRef idx="0">
-            <a:schemeClr val="accent1"/>
-          </a:effectRef>
-          <a:fontRef idx="minor">
-            <a:schemeClr val="lt1"/>
-          </a:fontRef>
-        </p:style>
-        <p:txBody>
-          <a:bodyPr rtlCol="0" anchor="ctr"/>
-          <a:lstStyle/>
-          <a:p>
-            <a:pPr algn="ctr"/>
-            <a:endParaRPr lang="en-US"/>
-          </a:p>
-        </p:txBody>
-      </p:sp>
-      <p:sp>
-        <p:nvSpPr>
-          <p:cNvPr id="29" name="Rectangle 18">
-            <a:extLst>
-              <a:ext uri="{FF2B5EF4-FFF2-40B4-BE49-F238E27FC236}">
-                <a16:creationId xmlns:a16="http://schemas.microsoft.com/office/drawing/2014/main" id="{3299ACA5-1949-4821-8FA4-95A78A2097AE}"/>
-              </a:ext>
-              <a:ext uri="{C183D7F6-B498-43B3-948B-1728B52AA6E4}">
-                <adec:decorative xmlns:adec="http://schemas.microsoft.com/office/drawing/2017/decorative" val="1"/>
-              </a:ext>
-            </a:extLst>
-          </p:cNvPr>
-          <p:cNvSpPr>
-            <a:spLocks noGrp="1" noRot="1" noChangeAspect="1" noMove="1" noResize="1" noEditPoints="1" noAdjustHandles="1" noChangeArrowheads="1" noChangeShapeType="1" noTextEdit="1"/>
-          </p:cNvSpPr>
-          <p:nvPr>
-            <p:extLst>
-              <p:ext uri="{386F3935-93C4-4BCD-93E2-E3B085C9AB24}">
-                <p16:designElem xmlns:p16="http://schemas.microsoft.com/office/powerpoint/2015/main" val="1"/>
-              </p:ext>
-            </p:extLst>
-          </p:nvPr>
-        </p:nvSpPr>
-        <p:spPr>
-          <a:xfrm rot="16200000" flipH="1">
-            <a:off x="-1185328" y="1633640"/>
-            <a:ext cx="6866462" cy="3581401"/>
-          </a:xfrm>
-          <a:prstGeom prst="rect">
-            <a:avLst/>
-          </a:prstGeom>
-          <a:gradFill>
-            <a:gsLst>
-              <a:gs pos="0">
-                <a:schemeClr val="accent2"/>
-              </a:gs>
-              <a:gs pos="100000">
-                <a:schemeClr val="accent5">
-                  <a:alpha val="13000"/>
-                </a:schemeClr>
-              </a:gs>
-            </a:gsLst>
-            <a:lin ang="13800000" scaled="0"/>
-          </a:gradFill>
-          <a:ln>
-            <a:noFill/>
-          </a:ln>
-        </p:spPr>
-        <p:style>
-          <a:lnRef idx="2">
-            <a:schemeClr val="accent1">
-              <a:shade val="50000"/>
-            </a:schemeClr>
-          </a:lnRef>
-          <a:fillRef idx="1">
-            <a:schemeClr val="accent1"/>
-          </a:fillRef>
-          <a:effectRef idx="0">
-            <a:schemeClr val="accent1"/>
-          </a:effectRef>
-          <a:fontRef idx="minor">
-            <a:schemeClr val="lt1"/>
-          </a:fontRef>
-        </p:style>
-        <p:txBody>
-          <a:bodyPr rtlCol="0" anchor="ctr"/>
-          <a:lstStyle/>
-          <a:p>
-            <a:pPr algn="ctr"/>
-            <a:endParaRPr lang="en-US" dirty="0"/>
-          </a:p>
-        </p:txBody>
-      </p:sp>
-      <p:sp>
-        <p:nvSpPr>
-          <p:cNvPr id="30" name="Rectangle 20">
-            <a:extLst>
-              <a:ext uri="{FF2B5EF4-FFF2-40B4-BE49-F238E27FC236}">
-                <a16:creationId xmlns:a16="http://schemas.microsoft.com/office/drawing/2014/main" id="{85559C2F-075A-49B7-8935-4591245136E5}"/>
-              </a:ext>
-              <a:ext uri="{C183D7F6-B498-43B3-948B-1728B52AA6E4}">
-                <adec:decorative xmlns:adec="http://schemas.microsoft.com/office/drawing/2017/decorative" val="1"/>
-              </a:ext>
-            </a:extLst>
-          </p:cNvPr>
-          <p:cNvSpPr>
-            <a:spLocks noGrp="1" noRot="1" noChangeAspect="1" noMove="1" noResize="1" noEditPoints="1" noAdjustHandles="1" noChangeArrowheads="1" noChangeShapeType="1" noTextEdit="1"/>
-          </p:cNvSpPr>
-          <p:nvPr>
-            <p:extLst>
-              <p:ext uri="{386F3935-93C4-4BCD-93E2-E3B085C9AB24}">
-                <p16:designElem xmlns:p16="http://schemas.microsoft.com/office/powerpoint/2015/main" val="1"/>
-              </p:ext>
-            </p:extLst>
-          </p:nvPr>
-        </p:nvSpPr>
-        <p:spPr>
-          <a:xfrm>
-            <a:off x="0" y="2232044"/>
-            <a:ext cx="4038600" cy="4634418"/>
-          </a:xfrm>
-          <a:prstGeom prst="rect">
-            <a:avLst/>
-          </a:prstGeom>
-          <a:gradFill>
-            <a:gsLst>
-              <a:gs pos="0">
-                <a:schemeClr val="accent5">
-                  <a:alpha val="36000"/>
-                </a:schemeClr>
-              </a:gs>
-              <a:gs pos="67000">
-                <a:schemeClr val="accent5">
-                  <a:alpha val="0"/>
-                </a:schemeClr>
-              </a:gs>
-            </a:gsLst>
-            <a:lin ang="2400000" scaled="0"/>
-          </a:gradFill>
-          <a:ln>
-            <a:noFill/>
-          </a:ln>
-        </p:spPr>
-        <p:style>
-          <a:lnRef idx="2">
-            <a:schemeClr val="accent1">
-              <a:shade val="50000"/>
-            </a:schemeClr>
-          </a:lnRef>
-          <a:fillRef idx="1">
-            <a:schemeClr val="accent1"/>
-          </a:fillRef>
-          <a:effectRef idx="0">
-            <a:schemeClr val="accent1"/>
-          </a:effectRef>
-          <a:fontRef idx="minor">
-            <a:schemeClr val="lt1"/>
-          </a:fontRef>
-        </p:style>
-        <p:txBody>
-          <a:bodyPr rtlCol="0" anchor="ctr"/>
-          <a:lstStyle/>
-          <a:p>
-            <a:pPr algn="ctr"/>
-            <a:endParaRPr lang="en-US" dirty="0"/>
-          </a:p>
-        </p:txBody>
-      </p:sp>
-      <p:sp>
-        <p:nvSpPr>
           <p:cNvPr id="2" name="Title 1">
             <a:extLst>
               <a:ext uri="{FF2B5EF4-FFF2-40B4-BE49-F238E27FC236}">
-                <a16:creationId xmlns:a16="http://schemas.microsoft.com/office/drawing/2014/main" id="{609F77FC-504E-9CE2-B050-D6788F462AC0}"/>
+                <a16:creationId xmlns:a16="http://schemas.microsoft.com/office/drawing/2014/main" id="{833D164F-52B3-35AB-FECD-68862BF9FA71}"/>
               </a:ext>
             </a:extLst>
           </p:cNvPr>
@@ -11677,68 +12548,65 @@
         </p:nvSpPr>
         <p:spPr>
           <a:xfrm>
-            <a:off x="347241" y="2463419"/>
-            <a:ext cx="3331624" cy="3936952"/>
+            <a:off x="1048297" y="998999"/>
+            <a:ext cx="3932237" cy="1894511"/>
           </a:xfrm>
         </p:spPr>
         <p:txBody>
-          <a:bodyPr vert="horz" lIns="0" tIns="0" rIns="0" bIns="0" rtlCol="0" anchor="t">
+          <a:bodyPr>
             <a:normAutofit/>
           </a:bodyPr>
           <a:lstStyle/>
           <a:p>
-            <a:pPr algn="ctr"/>
             <a:r>
-              <a:rPr lang="en-US" sz="3200" spc="750" dirty="0">
-                <a:solidFill>
-                  <a:schemeClr val="bg1"/>
-                </a:solidFill>
-              </a:rPr>
-              <a:t>Income by education</a:t>
+              <a:rPr lang="en-US" dirty="0"/>
+              <a:t>loan amount per group</a:t>
             </a:r>
-            <a:br>
-              <a:rPr lang="en-US" sz="3200" spc="750" dirty="0">
-                <a:solidFill>
-                  <a:schemeClr val="bg1"/>
-                </a:solidFill>
-              </a:rPr>
-            </a:br>
-            <a:br>
-              <a:rPr lang="en-US" sz="3200" spc="750" dirty="0">
-                <a:solidFill>
-                  <a:schemeClr val="bg1"/>
-                </a:solidFill>
-              </a:rPr>
-            </a:br>
+          </a:p>
+        </p:txBody>
+      </p:sp>
+      <p:sp>
+        <p:nvSpPr>
+          <p:cNvPr id="7" name="TextBox 6">
+            <a:extLst>
+              <a:ext uri="{FF2B5EF4-FFF2-40B4-BE49-F238E27FC236}">
+                <a16:creationId xmlns:a16="http://schemas.microsoft.com/office/drawing/2014/main" id="{70E97BB2-6796-5426-152B-9D160E266F1C}"/>
+              </a:ext>
+            </a:extLst>
+          </p:cNvPr>
+          <p:cNvSpPr txBox="1"/>
+          <p:nvPr/>
+        </p:nvSpPr>
+        <p:spPr>
+          <a:xfrm>
+            <a:off x="1048297" y="3428999"/>
+            <a:ext cx="3809649" cy="1631216"/>
+          </a:xfrm>
+          <a:prstGeom prst="rect">
+            <a:avLst/>
+          </a:prstGeom>
+          <a:noFill/>
+        </p:spPr>
+        <p:txBody>
+          <a:bodyPr wrap="square">
+            <a:spAutoFit/>
+          </a:bodyPr>
+          <a:lstStyle/>
+          <a:p>
+            <a:pPr algn="just"/>
             <a:r>
-              <a:rPr lang="en-US" sz="1600" b="0" spc="750" dirty="0">
-                <a:solidFill>
-                  <a:schemeClr val="bg1"/>
-                </a:solidFill>
-              </a:rPr>
-              <a:t>group of applicants and co-applicants who have High income are also graduated.</a:t>
+              <a:rPr lang="en-US" sz="2000" dirty="0"/>
+              <a:t>75% of the loan amount was given to applicants and co-applicants who are male, not self-employed and not graduated (with a higher income).</a:t>
             </a:r>
-            <a:br>
-              <a:rPr lang="en-US" sz="1600" b="0" i="1" spc="750" dirty="0">
-                <a:solidFill>
-                  <a:schemeClr val="bg1"/>
-                </a:solidFill>
-              </a:rPr>
-            </a:br>
-            <a:endParaRPr lang="en-US" sz="1600" b="0" i="1" spc="750" dirty="0">
-              <a:solidFill>
-                <a:schemeClr val="bg1"/>
-              </a:solidFill>
-            </a:endParaRPr>
           </a:p>
         </p:txBody>
       </p:sp>
       <p:pic>
         <p:nvPicPr>
-          <p:cNvPr id="5" name="Picture 4" descr="Chart, radar chart&#10;&#10;Description automatically generated">
-            <a:extLst>
-              <a:ext uri="{FF2B5EF4-FFF2-40B4-BE49-F238E27FC236}">
-                <a16:creationId xmlns:a16="http://schemas.microsoft.com/office/drawing/2014/main" id="{FFC856EC-1C64-C767-974A-B53557FB7A87}"/>
+          <p:cNvPr id="3" name="Picture 2">
+            <a:extLst>
+              <a:ext uri="{FF2B5EF4-FFF2-40B4-BE49-F238E27FC236}">
+                <a16:creationId xmlns:a16="http://schemas.microsoft.com/office/drawing/2014/main" id="{FFAE4D28-3114-C145-8B06-722BC3C5B165}"/>
               </a:ext>
             </a:extLst>
           </p:cNvPr>
@@ -11755,38 +12623,8 @@
         </p:blipFill>
         <p:spPr>
           <a:xfrm>
-            <a:off x="4788090" y="1761402"/>
-            <a:ext cx="3147409" cy="3339426"/>
-          </a:xfrm>
-          <a:prstGeom prst="rect">
-            <a:avLst/>
-          </a:prstGeom>
-        </p:spPr>
-      </p:pic>
-      <p:pic>
-        <p:nvPicPr>
-          <p:cNvPr id="6" name="Picture 5" descr="Diagram&#10;&#10;Description automatically generated">
-            <a:extLst>
-              <a:ext uri="{FF2B5EF4-FFF2-40B4-BE49-F238E27FC236}">
-                <a16:creationId xmlns:a16="http://schemas.microsoft.com/office/drawing/2014/main" id="{10DB4394-703E-C7F9-B741-61B0A6B09DDA}"/>
-              </a:ext>
-            </a:extLst>
-          </p:cNvPr>
-          <p:cNvPicPr>
-            <a:picLocks noChangeAspect="1"/>
-          </p:cNvPicPr>
-          <p:nvPr/>
-        </p:nvPicPr>
-        <p:blipFill>
-          <a:blip r:embed="rId3"/>
-          <a:stretch>
-            <a:fillRect/>
-          </a:stretch>
-        </p:blipFill>
-        <p:spPr>
-          <a:xfrm>
-            <a:off x="8260974" y="1778371"/>
-            <a:ext cx="3181533" cy="3305488"/>
+            <a:off x="5817010" y="1227802"/>
+            <a:ext cx="5788332" cy="4402393"/>
           </a:xfrm>
           <a:prstGeom prst="rect">
             <a:avLst/>
@@ -11796,7 +12634,7 @@
     </p:spTree>
     <p:extLst>
       <p:ext uri="{BB962C8B-B14F-4D97-AF65-F5344CB8AC3E}">
-        <p14:creationId xmlns:p14="http://schemas.microsoft.com/office/powerpoint/2010/main" val="809840982"/>
+        <p14:creationId xmlns:p14="http://schemas.microsoft.com/office/powerpoint/2010/main" val="3612393829"/>
       </p:ext>
     </p:extLst>
   </p:cSld>
@@ -11846,7 +12684,7 @@
           <a:p>
             <a:r>
               <a:rPr lang="en-US" dirty="0"/>
-              <a:t>Loan status by property area</a:t>
+              <a:t>Loan status per group (1)</a:t>
             </a:r>
           </a:p>
         </p:txBody>
@@ -11877,17 +12715,17 @@
             <a:pPr algn="just"/>
             <a:r>
               <a:rPr lang="en-US" sz="2000" dirty="0"/>
-              <a:t>Most applicants/co-applicants were married and are living in a semiurban area.</a:t>
+              <a:t>62% of the loan approval was given to applicants and co-applicants who are male, not graduated and married.</a:t>
             </a:r>
           </a:p>
         </p:txBody>
       </p:sp>
       <p:pic>
         <p:nvPicPr>
-          <p:cNvPr id="8" name="Picture 7">
-            <a:extLst>
-              <a:ext uri="{FF2B5EF4-FFF2-40B4-BE49-F238E27FC236}">
-                <a16:creationId xmlns:a16="http://schemas.microsoft.com/office/drawing/2014/main" id="{C6A4A1D5-D032-6A2E-8CA7-AEE95A3F97C8}"/>
+          <p:cNvPr id="3" name="Picture 2">
+            <a:extLst>
+              <a:ext uri="{FF2B5EF4-FFF2-40B4-BE49-F238E27FC236}">
+                <a16:creationId xmlns:a16="http://schemas.microsoft.com/office/drawing/2014/main" id="{7B065CF8-22B4-13FC-4B8C-270614F8AA30}"/>
               </a:ext>
             </a:extLst>
           </p:cNvPr>
@@ -11904,8 +12742,8 @@
         </p:blipFill>
         <p:spPr>
           <a:xfrm>
-            <a:off x="5998979" y="987424"/>
-            <a:ext cx="5852853" cy="4873626"/>
+            <a:off x="6576675" y="1246542"/>
+            <a:ext cx="5163129" cy="4364915"/>
           </a:xfrm>
           <a:prstGeom prst="rect">
             <a:avLst/>
